--- a/MPP_final_ppt_Jack_ppt.pptx
+++ b/MPP_final_ppt_Jack_ppt.pptx
@@ -6,12 +6,16 @@
   </p:sldMasterIdLst>
   <p:sldIdLst>
     <p:sldId id="260" r:id="rId2"/>
-    <p:sldId id="261" r:id="rId3"/>
-    <p:sldId id="257" r:id="rId4"/>
-    <p:sldId id="258" r:id="rId5"/>
-    <p:sldId id="262" r:id="rId6"/>
-    <p:sldId id="259" r:id="rId7"/>
-    <p:sldId id="256" r:id="rId8"/>
+    <p:sldId id="263" r:id="rId3"/>
+    <p:sldId id="266" r:id="rId4"/>
+    <p:sldId id="265" r:id="rId5"/>
+    <p:sldId id="267" r:id="rId6"/>
+    <p:sldId id="257" r:id="rId7"/>
+    <p:sldId id="264" r:id="rId8"/>
+    <p:sldId id="268" r:id="rId9"/>
+    <p:sldId id="262" r:id="rId10"/>
+    <p:sldId id="259" r:id="rId11"/>
+    <p:sldId id="261" r:id="rId12"/>
   </p:sldIdLst>
   <p:sldSz cx="9144000" cy="6858000" type="screen4x3"/>
   <p:notesSz cx="6858000" cy="9144000"/>
@@ -3121,7 +3125,67 @@
 </p:sld>
 </file>
 
-<file path=ppt/slides/slide2.xml><?xml version="1.0" encoding="utf-8"?>
+<file path=ppt/slides/slide10.xml><?xml version="1.0" encoding="utf-8"?>
+<p:sld xmlns:a="http://schemas.openxmlformats.org/drawingml/2006/main" xmlns:r="http://schemas.openxmlformats.org/officeDocument/2006/relationships" xmlns:p="http://schemas.openxmlformats.org/presentationml/2006/main">
+  <p:cSld>
+    <p:spTree>
+      <p:nvGrpSpPr>
+        <p:cNvPr id="1" name=""/>
+        <p:cNvGrpSpPr/>
+        <p:nvPr/>
+      </p:nvGrpSpPr>
+      <p:grpSpPr>
+        <a:xfrm>
+          <a:off x="0" y="0"/>
+          <a:ext cx="0" cy="0"/>
+          <a:chOff x="0" y="0"/>
+          <a:chExt cx="0" cy="0"/>
+        </a:xfrm>
+      </p:grpSpPr>
+      <p:sp>
+        <p:nvSpPr>
+          <p:cNvPr id="2" name="TextBox 1"/>
+          <p:cNvSpPr txBox="1"/>
+          <p:nvPr/>
+        </p:nvSpPr>
+        <p:spPr>
+          <a:xfrm>
+            <a:off x="3236298" y="2798680"/>
+            <a:ext cx="2053492" cy="1107996"/>
+          </a:xfrm>
+          <a:prstGeom prst="rect">
+            <a:avLst/>
+          </a:prstGeom>
+          <a:noFill/>
+        </p:spPr>
+        <p:txBody>
+          <a:bodyPr wrap="none" rtlCol="0">
+            <a:spAutoFit/>
+          </a:bodyPr>
+          <a:lstStyle/>
+          <a:p>
+            <a:r>
+              <a:rPr lang="en-US" sz="6600" b="1" dirty="0" smtClean="0"/>
+              <a:t>Done</a:t>
+            </a:r>
+            <a:endParaRPr lang="en-US" sz="6600" b="1" dirty="0"/>
+          </a:p>
+        </p:txBody>
+      </p:sp>
+    </p:spTree>
+    <p:extLst>
+      <p:ext uri="{BB962C8B-B14F-4D97-AF65-F5344CB8AC3E}">
+        <p14:creationId xmlns:p14="http://schemas.microsoft.com/office/powerpoint/2010/main" val="3499208718"/>
+      </p:ext>
+    </p:extLst>
+  </p:cSld>
+  <p:clrMapOvr>
+    <a:masterClrMapping/>
+  </p:clrMapOvr>
+</p:sld>
+</file>
+
+<file path=ppt/slides/slide11.xml><?xml version="1.0" encoding="utf-8"?>
 <p:sld xmlns:a="http://schemas.openxmlformats.org/drawingml/2006/main" xmlns:r="http://schemas.openxmlformats.org/officeDocument/2006/relationships" xmlns:p="http://schemas.openxmlformats.org/presentationml/2006/main">
   <p:cSld>
     <p:spTree>
@@ -3714,7 +3778,7 @@
         <p:spPr>
           <a:xfrm>
             <a:off x="594564" y="4629110"/>
-            <a:ext cx="6433898" cy="307777"/>
+            <a:ext cx="6678481" cy="307777"/>
           </a:xfrm>
           <a:prstGeom prst="rect">
             <a:avLst/>
@@ -3729,7 +3793,11 @@
           <a:p>
             <a:r>
               <a:rPr lang="en-US" sz="1400" dirty="0" smtClean="0"/>
-              <a:t>1 thread (CPU4) keeps polling whether there is a external interrupt (new task coming)</a:t>
+              <a:t>1 thread (CPU4) keeps polling whether there is a external interrupt </a:t>
+            </a:r>
+            <a:r>
+              <a:rPr lang="en-US" sz="1400" dirty="0"/>
+              <a:t>(e.g. new task comes)</a:t>
             </a:r>
             <a:endParaRPr lang="en-US" sz="1400" dirty="0"/>
           </a:p>
@@ -4680,14 +4748,14 @@
       </p:sp>
       <p:sp>
         <p:nvSpPr>
-          <p:cNvPr id="6" name="TextBox 5"/>
+          <p:cNvPr id="53" name="TextBox 52"/>
           <p:cNvSpPr txBox="1"/>
           <p:nvPr/>
         </p:nvSpPr>
         <p:spPr>
           <a:xfrm>
-            <a:off x="131200" y="5074306"/>
-            <a:ext cx="4966324" cy="1477328"/>
+            <a:off x="1311315" y="4936887"/>
+            <a:ext cx="7143809" cy="400110"/>
           </a:xfrm>
           <a:prstGeom prst="rect">
             <a:avLst/>
@@ -4695,390 +4763,51 @@
           <a:noFill/>
         </p:spPr>
         <p:txBody>
-          <a:bodyPr wrap="none" rtlCol="0">
+          <a:bodyPr wrap="square" rtlCol="0">
             <a:spAutoFit/>
           </a:bodyPr>
           <a:lstStyle/>
           <a:p>
-            <a:r>
-              <a:rPr lang="en-US" b="1" dirty="0"/>
-              <a:t>Simulator Linux-like CFS features:</a:t>
-            </a:r>
-            <a:endParaRPr lang="en-US" dirty="0"/>
-          </a:p>
-          <a:p>
-            <a:r>
-              <a:rPr lang="en-US" dirty="0"/>
-              <a:t>While timer interrupt happens</a:t>
-            </a:r>
-            <a:r>
-              <a:rPr lang="en-US" dirty="0" smtClean="0"/>
-              <a:t>:</a:t>
-            </a:r>
-          </a:p>
-          <a:p>
-            <a:r>
-              <a:rPr lang="en-US" dirty="0" smtClean="0"/>
-              <a:t>if </a:t>
-            </a:r>
-            <a:r>
-              <a:rPr lang="en-US" dirty="0" err="1"/>
-              <a:t>delta_exec</a:t>
-            </a:r>
-            <a:r>
-              <a:rPr lang="en-US" dirty="0"/>
-              <a:t> &gt; </a:t>
-            </a:r>
-            <a:r>
-              <a:rPr lang="en-US" dirty="0" err="1"/>
-              <a:t>ideal_runtime</a:t>
-            </a:r>
-            <a:r>
-              <a:rPr lang="en-US" dirty="0"/>
-              <a:t>, </a:t>
-            </a:r>
-            <a:r>
-              <a:rPr lang="en-US" dirty="0" err="1"/>
-              <a:t>enq</a:t>
-            </a:r>
-            <a:r>
-              <a:rPr lang="en-US" dirty="0"/>
-              <a:t>() and then </a:t>
-            </a:r>
-            <a:r>
-              <a:rPr lang="en-US" dirty="0" err="1"/>
-              <a:t>deq</a:t>
-            </a:r>
-            <a:r>
-              <a:rPr lang="en-US" dirty="0"/>
-              <a:t>(</a:t>
-            </a:r>
-            <a:r>
-              <a:rPr lang="en-US" dirty="0" smtClean="0"/>
-              <a:t>)</a:t>
-            </a:r>
-          </a:p>
-          <a:p>
-            <a:r>
-              <a:rPr lang="en-US" dirty="0" err="1" smtClean="0"/>
-              <a:t>thread_exit</a:t>
-            </a:r>
-            <a:r>
-              <a:rPr lang="en-US" dirty="0"/>
-              <a:t>(): when a thread finishes its </a:t>
-            </a:r>
-            <a:r>
-              <a:rPr lang="en-US" dirty="0" smtClean="0"/>
-              <a:t>jobs</a:t>
-            </a:r>
-          </a:p>
-          <a:p>
-            <a:r>
-              <a:rPr lang="en-US" dirty="0" err="1" smtClean="0"/>
-              <a:t>thread_create</a:t>
-            </a:r>
-            <a:r>
-              <a:rPr lang="en-US" dirty="0"/>
-              <a:t>() : </a:t>
-            </a:r>
-            <a:r>
-              <a:rPr lang="en-US" dirty="0" err="1"/>
-              <a:t>start_time</a:t>
-            </a:r>
-            <a:r>
-              <a:rPr lang="en-US" dirty="0"/>
-              <a:t> </a:t>
-            </a:r>
-          </a:p>
-        </p:txBody>
-      </p:sp>
-      <p:sp>
-        <p:nvSpPr>
-          <p:cNvPr id="7" name="Rectangle 6"/>
+            <a:pPr algn="ctr"/>
+            <a:r>
+              <a:rPr lang="en-US" sz="2000" b="1" dirty="0" smtClean="0"/>
+              <a:t>Linux-like CFS scheduler simulator</a:t>
+            </a:r>
+            <a:endParaRPr lang="en-US" sz="2000" b="1" dirty="0"/>
+          </a:p>
+        </p:txBody>
+      </p:sp>
+      <p:sp>
+        <p:nvSpPr>
+          <p:cNvPr id="14" name="Rectangle 13"/>
           <p:cNvSpPr/>
           <p:nvPr/>
         </p:nvSpPr>
         <p:spPr>
           <a:xfrm>
-            <a:off x="5243586" y="4970677"/>
-            <a:ext cx="4572000" cy="2031325"/>
+            <a:off x="6681893" y="6292334"/>
+            <a:ext cx="2462107" cy="369332"/>
           </a:xfrm>
           <a:prstGeom prst="rect">
             <a:avLst/>
           </a:prstGeom>
         </p:spPr>
         <p:txBody>
-          <a:bodyPr>
+          <a:bodyPr wrap="none">
             <a:spAutoFit/>
           </a:bodyPr>
           <a:lstStyle/>
           <a:p>
+            <a:pPr algn="ctr"/>
             <a:r>
               <a:rPr lang="en-US" b="1" dirty="0"/>
-              <a:t>Features:</a:t>
-            </a:r>
-            <a:endParaRPr lang="en-US" dirty="0"/>
-          </a:p>
-          <a:p>
-            <a:pPr lvl="0"/>
-            <a:r>
-              <a:rPr lang="en-US" dirty="0"/>
-              <a:t>Minimum granularity for a time slice.</a:t>
-            </a:r>
-          </a:p>
-          <a:p>
-            <a:pPr lvl="0"/>
-            <a:r>
-              <a:rPr lang="en-US" dirty="0"/>
-              <a:t>CPU resource limitation: RLIMIT_NICE </a:t>
-            </a:r>
-          </a:p>
-          <a:p>
-            <a:r>
-              <a:rPr lang="en-US" dirty="0"/>
-              <a:t>e.g. if RLIMIT_NICE = 25, nice can be only 20-25</a:t>
-            </a:r>
-            <a:r>
-              <a:rPr lang="zh-TW" altLang="en-US" dirty="0"/>
-              <a:t>＝</a:t>
-            </a:r>
-            <a:r>
-              <a:rPr lang="en-US" dirty="0"/>
-              <a:t>-5</a:t>
-            </a:r>
-          </a:p>
-          <a:p>
-            <a:pPr lvl="0"/>
-            <a:r>
-              <a:rPr lang="en-US" dirty="0"/>
-              <a:t>New task’s </a:t>
-            </a:r>
-            <a:r>
-              <a:rPr lang="en-US" dirty="0" err="1"/>
-              <a:t>vrtime</a:t>
-            </a:r>
-            <a:r>
-              <a:rPr lang="en-US" dirty="0"/>
-              <a:t> is not always 0. 	Linux keep a least number for a </a:t>
-            </a:r>
-            <a:r>
-              <a:rPr lang="en-US" dirty="0" err="1"/>
-              <a:t>runqueue</a:t>
-            </a:r>
-            <a:r>
-              <a:rPr lang="en-US" dirty="0"/>
-              <a:t>.</a:t>
-            </a:r>
-          </a:p>
-        </p:txBody>
-      </p:sp>
-      <p:sp>
-        <p:nvSpPr>
-          <p:cNvPr id="13" name="TextBox 12"/>
-          <p:cNvSpPr txBox="1"/>
-          <p:nvPr/>
-        </p:nvSpPr>
-        <p:spPr>
-          <a:xfrm>
-            <a:off x="9456866" y="2656842"/>
-            <a:ext cx="7388261" cy="3970318"/>
-          </a:xfrm>
-          <a:prstGeom prst="rect">
-            <a:avLst/>
-          </a:prstGeom>
-          <a:noFill/>
-        </p:spPr>
-        <p:txBody>
-          <a:bodyPr wrap="none" rtlCol="0">
-            <a:spAutoFit/>
-          </a:bodyPr>
-          <a:lstStyle/>
-          <a:p>
-            <a:r>
-              <a:rPr lang="en-US" b="1" dirty="0"/>
-              <a:t>Linux-like CFS simulator features:</a:t>
-            </a:r>
-            <a:endParaRPr lang="en-US" dirty="0"/>
-          </a:p>
-          <a:p>
-            <a:r>
-              <a:rPr lang="en-US" dirty="0"/>
-              <a:t>CFS features </a:t>
-            </a:r>
-            <a:r>
-              <a:rPr lang="mr-IN" dirty="0" smtClean="0"/>
-              <a:t>–</a:t>
-            </a:r>
-            <a:endParaRPr lang="en-US" dirty="0" smtClean="0"/>
-          </a:p>
-          <a:p>
-            <a:endParaRPr lang="en-US" dirty="0"/>
-          </a:p>
-          <a:p>
-            <a:pPr lvl="0"/>
-            <a:r>
-              <a:rPr lang="en-US" dirty="0"/>
-              <a:t>Minimum granularity for a time slice.</a:t>
-            </a:r>
-          </a:p>
-          <a:p>
-            <a:pPr lvl="0"/>
-            <a:endParaRPr lang="en-US" dirty="0" smtClean="0"/>
-          </a:p>
-          <a:p>
-            <a:pPr lvl="0"/>
-            <a:r>
-              <a:rPr lang="en-US" dirty="0" smtClean="0"/>
-              <a:t>CPU </a:t>
-            </a:r>
-            <a:r>
-              <a:rPr lang="en-US" dirty="0"/>
-              <a:t>resource limitation: RLIMIT_NICE </a:t>
-            </a:r>
-          </a:p>
-          <a:p>
-            <a:r>
-              <a:rPr lang="en-US" dirty="0"/>
-              <a:t>e.g. if RLIMIT_NICE = 25, nice can be only 20-25</a:t>
-            </a:r>
-            <a:r>
-              <a:rPr lang="zh-TW" altLang="en-US" dirty="0"/>
-              <a:t>＝</a:t>
-            </a:r>
-            <a:r>
-              <a:rPr lang="en-US" dirty="0"/>
-              <a:t>-5</a:t>
-            </a:r>
-          </a:p>
-          <a:p>
-            <a:pPr lvl="0"/>
-            <a:endParaRPr lang="en-US" dirty="0" smtClean="0"/>
-          </a:p>
-          <a:p>
-            <a:pPr lvl="0"/>
-            <a:r>
-              <a:rPr lang="en-US" dirty="0" smtClean="0"/>
-              <a:t>New </a:t>
-            </a:r>
-            <a:r>
-              <a:rPr lang="en-US" dirty="0"/>
-              <a:t>task’s </a:t>
-            </a:r>
-            <a:r>
-              <a:rPr lang="en-US" dirty="0" err="1"/>
-              <a:t>vrtime</a:t>
-            </a:r>
-            <a:r>
-              <a:rPr lang="en-US" dirty="0"/>
-              <a:t> is not always 0. 	Linux keep a least number for a </a:t>
-            </a:r>
-            <a:r>
-              <a:rPr lang="en-US" dirty="0" err="1"/>
-              <a:t>runqueue</a:t>
-            </a:r>
-            <a:r>
-              <a:rPr lang="en-US" dirty="0"/>
-              <a:t>.</a:t>
-            </a:r>
-          </a:p>
-          <a:p>
-            <a:endParaRPr lang="en-US" smtClean="0"/>
-          </a:p>
-          <a:p>
-            <a:r>
-              <a:rPr lang="en-US" smtClean="0"/>
-              <a:t>Scheduler </a:t>
-            </a:r>
-            <a:r>
-              <a:rPr lang="en-US" dirty="0"/>
-              <a:t>features </a:t>
-            </a:r>
-            <a:r>
-              <a:rPr lang="mr-IN" dirty="0" smtClean="0"/>
-              <a:t>–</a:t>
-            </a:r>
-            <a:r>
-              <a:rPr lang="en-US" dirty="0" smtClean="0"/>
-              <a:t> </a:t>
-            </a:r>
-          </a:p>
-          <a:p>
-            <a:r>
-              <a:rPr lang="en-US" dirty="0" smtClean="0"/>
-              <a:t>Timer </a:t>
-            </a:r>
-            <a:r>
-              <a:rPr lang="en-US" dirty="0"/>
-              <a:t>interrupt: check if </a:t>
-            </a:r>
-            <a:r>
-              <a:rPr lang="en-US" dirty="0" err="1"/>
-              <a:t>delta_exec</a:t>
-            </a:r>
-            <a:r>
-              <a:rPr lang="en-US" dirty="0"/>
-              <a:t> &gt; </a:t>
-            </a:r>
-            <a:r>
-              <a:rPr lang="en-US" dirty="0" err="1"/>
-              <a:t>time_slice</a:t>
-            </a:r>
-            <a:r>
-              <a:rPr lang="en-US" dirty="0"/>
-              <a:t>, </a:t>
-            </a:r>
-            <a:r>
-              <a:rPr lang="en-US" dirty="0" err="1"/>
-              <a:t>enq</a:t>
-            </a:r>
-            <a:r>
-              <a:rPr lang="en-US" dirty="0"/>
-              <a:t>() and then </a:t>
-            </a:r>
-            <a:r>
-              <a:rPr lang="en-US" dirty="0" err="1"/>
-              <a:t>deq</a:t>
-            </a:r>
-            <a:r>
-              <a:rPr lang="en-US" dirty="0"/>
-              <a:t>(</a:t>
-            </a:r>
-            <a:r>
-              <a:rPr lang="en-US" dirty="0" smtClean="0"/>
-              <a:t>)</a:t>
-            </a:r>
-          </a:p>
-          <a:p>
-            <a:r>
-              <a:rPr lang="en-US" dirty="0" err="1" smtClean="0"/>
-              <a:t>thread_exit</a:t>
-            </a:r>
-            <a:r>
-              <a:rPr lang="en-US" dirty="0"/>
-              <a:t>(): when a thread finishes its </a:t>
-            </a:r>
-            <a:r>
-              <a:rPr lang="en-US" dirty="0" smtClean="0"/>
-              <a:t>jobs</a:t>
-            </a:r>
-          </a:p>
-          <a:p>
-            <a:r>
-              <a:rPr lang="en-US" dirty="0" err="1" smtClean="0"/>
-              <a:t>thread_create</a:t>
-            </a:r>
-            <a:r>
-              <a:rPr lang="en-US" dirty="0"/>
-              <a:t>() : </a:t>
-            </a:r>
-            <a:r>
-              <a:rPr lang="en-US" dirty="0" err="1"/>
-              <a:t>start_time</a:t>
-            </a:r>
-            <a:r>
-              <a:rPr lang="en-US" dirty="0"/>
-              <a:t> </a:t>
-            </a:r>
+              <a:t>Picture for </a:t>
+            </a:r>
+            <a:r>
+              <a:rPr lang="en-US" b="1" dirty="0" err="1"/>
+              <a:t>README.md</a:t>
+            </a:r>
+            <a:endParaRPr lang="en-US" b="1" dirty="0"/>
           </a:p>
         </p:txBody>
       </p:sp>
@@ -5086,6 +4815,517 @@
     <p:extLst>
       <p:ext uri="{BB962C8B-B14F-4D97-AF65-F5344CB8AC3E}">
         <p14:creationId xmlns:p14="http://schemas.microsoft.com/office/powerpoint/2010/main" val="274008465"/>
+      </p:ext>
+    </p:extLst>
+  </p:cSld>
+  <p:clrMapOvr>
+    <a:masterClrMapping/>
+  </p:clrMapOvr>
+  <p:timing>
+    <p:tnLst>
+      <p:par>
+        <p:cTn xmlns:p14="http://schemas.microsoft.com/office/powerpoint/2010/main" id="1" dur="indefinite" restart="never" nodeType="tmRoot"/>
+      </p:par>
+    </p:tnLst>
+  </p:timing>
+</p:sld>
+</file>
+
+<file path=ppt/slides/slide2.xml><?xml version="1.0" encoding="utf-8"?>
+<p:sld xmlns:a="http://schemas.openxmlformats.org/drawingml/2006/main" xmlns:r="http://schemas.openxmlformats.org/officeDocument/2006/relationships" xmlns:p="http://schemas.openxmlformats.org/presentationml/2006/main">
+  <p:cSld>
+    <p:spTree>
+      <p:nvGrpSpPr>
+        <p:cNvPr id="1" name=""/>
+        <p:cNvGrpSpPr/>
+        <p:nvPr/>
+      </p:nvGrpSpPr>
+      <p:grpSpPr>
+        <a:xfrm>
+          <a:off x="0" y="0"/>
+          <a:ext cx="0" cy="0"/>
+          <a:chOff x="0" y="0"/>
+          <a:chExt cx="0" cy="0"/>
+        </a:xfrm>
+      </p:grpSpPr>
+      <p:sp>
+        <p:nvSpPr>
+          <p:cNvPr id="2" name="TextBox 1"/>
+          <p:cNvSpPr txBox="1"/>
+          <p:nvPr/>
+        </p:nvSpPr>
+        <p:spPr>
+          <a:xfrm>
+            <a:off x="1221" y="314770"/>
+            <a:ext cx="9142779" cy="769441"/>
+          </a:xfrm>
+          <a:prstGeom prst="rect">
+            <a:avLst/>
+          </a:prstGeom>
+          <a:noFill/>
+        </p:spPr>
+        <p:txBody>
+          <a:bodyPr wrap="square" rtlCol="0">
+            <a:spAutoFit/>
+          </a:bodyPr>
+          <a:lstStyle/>
+          <a:p>
+            <a:pPr algn="ctr"/>
+            <a:r>
+              <a:rPr lang="en-US" sz="4400" b="1" dirty="0" smtClean="0"/>
+              <a:t>Complete Fairness Scheduler</a:t>
+            </a:r>
+            <a:endParaRPr lang="en-US" sz="4400" b="1" dirty="0"/>
+          </a:p>
+        </p:txBody>
+      </p:sp>
+      <p:pic>
+        <p:nvPicPr>
+          <p:cNvPr id="4" name="Picture 3" descr="nice value.png"/>
+          <p:cNvPicPr>
+            <a:picLocks noChangeAspect="1"/>
+          </p:cNvPicPr>
+          <p:nvPr/>
+        </p:nvPicPr>
+        <p:blipFill rotWithShape="1">
+          <a:blip r:embed="rId2">
+            <a:extLst>
+              <a:ext uri="{28A0092B-C50C-407E-A947-70E740481C1C}">
+                <a14:useLocalDpi xmlns:a14="http://schemas.microsoft.com/office/drawing/2010/main" val="0"/>
+              </a:ext>
+            </a:extLst>
+          </a:blip>
+          <a:srcRect t="36712" r="51831"/>
+          <a:stretch/>
+        </p:blipFill>
+        <p:spPr>
+          <a:xfrm>
+            <a:off x="9252858" y="4491990"/>
+            <a:ext cx="2050186" cy="2366010"/>
+          </a:xfrm>
+          <a:prstGeom prst="rect">
+            <a:avLst/>
+          </a:prstGeom>
+        </p:spPr>
+      </p:pic>
+      <p:sp>
+        <p:nvSpPr>
+          <p:cNvPr id="5" name="Rectangle 4"/>
+          <p:cNvSpPr/>
+          <p:nvPr/>
+        </p:nvSpPr>
+        <p:spPr>
+          <a:xfrm>
+            <a:off x="739781" y="1229646"/>
+            <a:ext cx="7770396" cy="5355313"/>
+          </a:xfrm>
+          <a:prstGeom prst="rect">
+            <a:avLst/>
+          </a:prstGeom>
+        </p:spPr>
+        <p:txBody>
+          <a:bodyPr wrap="square">
+            <a:spAutoFit/>
+          </a:bodyPr>
+          <a:lstStyle/>
+          <a:p>
+            <a:pPr marL="342900" indent="-342900">
+              <a:buFont typeface="Arial"/>
+              <a:buChar char="•"/>
+            </a:pPr>
+            <a:r>
+              <a:rPr lang="en-US" sz="2400" dirty="0" smtClean="0">
+                <a:latin typeface="Times"/>
+                <a:cs typeface="Times"/>
+              </a:rPr>
+              <a:t>Scheduler</a:t>
+            </a:r>
+          </a:p>
+          <a:p>
+            <a:pPr lvl="1"/>
+            <a:r>
+              <a:rPr lang="en-US" sz="2400" dirty="0">
+                <a:latin typeface="Times"/>
+                <a:cs typeface="Times"/>
+              </a:rPr>
+              <a:t>	</a:t>
+            </a:r>
+            <a:r>
+              <a:rPr lang="en-US" sz="2400" dirty="0" smtClean="0">
+                <a:latin typeface="Times"/>
+                <a:cs typeface="Times"/>
+              </a:rPr>
+              <a:t>Allocate </a:t>
+            </a:r>
+            <a:r>
+              <a:rPr lang="en-US" sz="2000" dirty="0" smtClean="0">
+                <a:latin typeface="Times"/>
+                <a:cs typeface="Times"/>
+              </a:rPr>
+              <a:t>CPU resources to tasks</a:t>
+            </a:r>
+            <a:endParaRPr lang="en-US" sz="2400" dirty="0">
+              <a:latin typeface="Times"/>
+              <a:cs typeface="Times"/>
+            </a:endParaRPr>
+          </a:p>
+          <a:p>
+            <a:pPr marL="342900" indent="-342900">
+              <a:buFont typeface="Arial"/>
+              <a:buChar char="•"/>
+            </a:pPr>
+            <a:r>
+              <a:rPr lang="en-US" sz="2400" dirty="0" smtClean="0">
+                <a:latin typeface="Times"/>
+                <a:cs typeface="Times"/>
+              </a:rPr>
+              <a:t>Problems?</a:t>
+            </a:r>
+          </a:p>
+          <a:p>
+            <a:pPr lvl="1"/>
+            <a:r>
+              <a:rPr lang="en-US" sz="2000" dirty="0">
+                <a:latin typeface="Times"/>
+                <a:cs typeface="Times"/>
+              </a:rPr>
+              <a:t>	D</a:t>
+            </a:r>
+            <a:r>
+              <a:rPr lang="en-US" sz="2000" dirty="0" smtClean="0">
+                <a:latin typeface="Times"/>
+                <a:cs typeface="Times"/>
+              </a:rPr>
+              <a:t>ifferent types </a:t>
+            </a:r>
+            <a:r>
+              <a:rPr lang="en-US" sz="2000" dirty="0">
+                <a:latin typeface="Times"/>
+                <a:cs typeface="Times"/>
+              </a:rPr>
+              <a:t>of </a:t>
+            </a:r>
+            <a:r>
+              <a:rPr lang="en-US" sz="2000" dirty="0" smtClean="0">
+                <a:latin typeface="Times"/>
+                <a:cs typeface="Times"/>
+              </a:rPr>
+              <a:t>tasks</a:t>
+            </a:r>
+            <a:endParaRPr lang="en-US" sz="2400" dirty="0" smtClean="0">
+              <a:latin typeface="Times"/>
+              <a:cs typeface="Times"/>
+            </a:endParaRPr>
+          </a:p>
+          <a:p>
+            <a:pPr marL="342900" indent="-342900">
+              <a:buFont typeface="Arial"/>
+              <a:buChar char="•"/>
+            </a:pPr>
+            <a:r>
+              <a:rPr lang="en-US" sz="2400" dirty="0" smtClean="0">
+                <a:latin typeface="Times"/>
+                <a:cs typeface="Times"/>
+              </a:rPr>
+              <a:t>Solutions </a:t>
+            </a:r>
+          </a:p>
+          <a:p>
+            <a:pPr lvl="1"/>
+            <a:r>
+              <a:rPr lang="en-US" sz="2400" dirty="0" smtClean="0">
+                <a:latin typeface="Times"/>
+                <a:cs typeface="Times"/>
+              </a:rPr>
+              <a:t>	</a:t>
+            </a:r>
+            <a:r>
+              <a:rPr lang="en-US" sz="2000" dirty="0" smtClean="0">
+                <a:latin typeface="Times"/>
+                <a:cs typeface="Times"/>
+              </a:rPr>
+              <a:t>Time slice, priority and nice value. </a:t>
+            </a:r>
+            <a:r>
+              <a:rPr lang="en-US" sz="2000" dirty="0" smtClean="0">
+                <a:solidFill>
+                  <a:srgbClr val="FF0000"/>
+                </a:solidFill>
+                <a:latin typeface="Times"/>
+                <a:cs typeface="Times"/>
+              </a:rPr>
+              <a:t>accumulated to</a:t>
+            </a:r>
+            <a:r>
+              <a:rPr lang="en-US" sz="2000" dirty="0">
+                <a:solidFill>
+                  <a:srgbClr val="FF0000"/>
+                </a:solidFill>
+                <a:latin typeface="Times"/>
+                <a:cs typeface="Times"/>
+              </a:rPr>
+              <a:t> </a:t>
+            </a:r>
+            <a:r>
+              <a:rPr lang="en-US" altLang="zh-TW" sz="2000" dirty="0" err="1" smtClean="0">
+                <a:solidFill>
+                  <a:srgbClr val="FF0000"/>
+                </a:solidFill>
+                <a:latin typeface="Times"/>
+                <a:cs typeface="Times"/>
+              </a:rPr>
+              <a:t>vruntime</a:t>
+            </a:r>
+            <a:r>
+              <a:rPr lang="en-US" sz="2000" dirty="0" smtClean="0">
+                <a:solidFill>
+                  <a:srgbClr val="FF0000"/>
+                </a:solidFill>
+                <a:latin typeface="Times"/>
+                <a:cs typeface="Times"/>
+              </a:rPr>
+              <a:t> </a:t>
+            </a:r>
+          </a:p>
+          <a:p>
+            <a:pPr marL="342900" indent="-342900">
+              <a:buFont typeface="Arial"/>
+              <a:buChar char="•"/>
+            </a:pPr>
+            <a:r>
+              <a:rPr lang="en-US" sz="2400" dirty="0" smtClean="0">
+                <a:latin typeface="Times"/>
+                <a:cs typeface="Times"/>
+              </a:rPr>
+              <a:t>More problems?</a:t>
+            </a:r>
+          </a:p>
+          <a:p>
+            <a:pPr lvl="1"/>
+            <a:r>
+              <a:rPr lang="en-US" sz="2000" dirty="0" smtClean="0">
+                <a:latin typeface="Times"/>
+                <a:cs typeface="Times"/>
+              </a:rPr>
+              <a:t>	</a:t>
+            </a:r>
+            <a:r>
+              <a:rPr lang="en-US" sz="2000" dirty="0">
+                <a:latin typeface="Times"/>
+                <a:cs typeface="Times"/>
+              </a:rPr>
+              <a:t>T</a:t>
+            </a:r>
+            <a:r>
+              <a:rPr lang="en-US" sz="2000" dirty="0" smtClean="0">
+                <a:latin typeface="Times"/>
+                <a:cs typeface="Times"/>
+              </a:rPr>
+              <a:t>ime slice &amp; , group</a:t>
+            </a:r>
+            <a:r>
+              <a:rPr lang="en-US" sz="2000" dirty="0">
+                <a:latin typeface="Times"/>
+                <a:cs typeface="Times"/>
+              </a:rPr>
+              <a:t>, new task, </a:t>
+            </a:r>
+            <a:r>
+              <a:rPr lang="mr-IN" sz="2000" dirty="0">
+                <a:latin typeface="Times"/>
+                <a:cs typeface="Times"/>
+              </a:rPr>
+              <a:t>…</a:t>
+            </a:r>
+            <a:r>
+              <a:rPr lang="en-US" sz="2000" dirty="0">
+                <a:latin typeface="Times"/>
+                <a:cs typeface="Times"/>
+              </a:rPr>
+              <a:t> and so </a:t>
+            </a:r>
+            <a:r>
+              <a:rPr lang="en-US" sz="2000" dirty="0" smtClean="0">
+                <a:latin typeface="Times"/>
+                <a:cs typeface="Times"/>
+              </a:rPr>
+              <a:t>on</a:t>
+            </a:r>
+            <a:endParaRPr lang="en-US" sz="2400" dirty="0">
+              <a:latin typeface="Times"/>
+              <a:cs typeface="Times"/>
+            </a:endParaRPr>
+          </a:p>
+          <a:p>
+            <a:pPr marL="342900" indent="-342900">
+              <a:buFont typeface="Arial"/>
+              <a:buChar char="•"/>
+            </a:pPr>
+            <a:r>
+              <a:rPr lang="en-US" sz="2400" dirty="0" smtClean="0">
+                <a:latin typeface="Times"/>
+                <a:cs typeface="Times"/>
+              </a:rPr>
+              <a:t>More solutions from Linux</a:t>
+            </a:r>
+          </a:p>
+          <a:p>
+            <a:r>
+              <a:rPr lang="en-US" sz="2000" dirty="0">
+                <a:latin typeface="Times"/>
+                <a:cs typeface="Times"/>
+              </a:rPr>
+              <a:t>	</a:t>
+            </a:r>
+            <a:r>
+              <a:rPr lang="en-US" sz="2000" dirty="0" smtClean="0">
+                <a:latin typeface="Times"/>
+                <a:cs typeface="Times"/>
+              </a:rPr>
+              <a:t>	</a:t>
+            </a:r>
+            <a:r>
+              <a:rPr lang="en-US" sz="2000" dirty="0">
+                <a:latin typeface="Times"/>
+                <a:cs typeface="Times"/>
+              </a:rPr>
+              <a:t>Min </a:t>
+            </a:r>
+            <a:r>
+              <a:rPr lang="en-US" sz="2000" dirty="0" smtClean="0">
+                <a:latin typeface="Times"/>
+                <a:cs typeface="Times"/>
+              </a:rPr>
+              <a:t>granularity, per-process </a:t>
+            </a:r>
+            <a:r>
+              <a:rPr lang="en-US" sz="2000" dirty="0" err="1" smtClean="0">
+                <a:latin typeface="Times"/>
+                <a:cs typeface="Times"/>
+              </a:rPr>
+              <a:t>sched</a:t>
+            </a:r>
+            <a:r>
+              <a:rPr lang="en-US" sz="2000" dirty="0" smtClean="0">
+                <a:latin typeface="Times"/>
+                <a:cs typeface="Times"/>
+              </a:rPr>
+              <a:t>, least </a:t>
+            </a:r>
+            <a:r>
+              <a:rPr lang="en-US" sz="2000" dirty="0" err="1" smtClean="0">
+                <a:latin typeface="Times"/>
+                <a:cs typeface="Times"/>
+              </a:rPr>
+              <a:t>vruntime</a:t>
+            </a:r>
+            <a:r>
+              <a:rPr lang="en-US" sz="2000" dirty="0" smtClean="0">
+                <a:latin typeface="Times"/>
+                <a:cs typeface="Times"/>
+              </a:rPr>
+              <a:t>, ... and so on</a:t>
+            </a:r>
+            <a:endParaRPr lang="en-US" dirty="0" smtClean="0">
+              <a:latin typeface="Times"/>
+              <a:cs typeface="Times"/>
+            </a:endParaRPr>
+          </a:p>
+          <a:p>
+            <a:endParaRPr lang="en-US" dirty="0">
+              <a:latin typeface="Times"/>
+              <a:cs typeface="Times"/>
+            </a:endParaRPr>
+          </a:p>
+          <a:p>
+            <a:pPr marL="342900" indent="-342900">
+              <a:buFont typeface="Arial"/>
+              <a:buChar char="•"/>
+            </a:pPr>
+            <a:r>
+              <a:rPr lang="en-US" sz="2400" dirty="0" smtClean="0">
+                <a:latin typeface="Times"/>
+                <a:cs typeface="Times"/>
+              </a:rPr>
+              <a:t>Linux CFS </a:t>
+            </a:r>
+            <a:r>
+              <a:rPr lang="en-US" sz="2400" dirty="0" err="1">
+                <a:latin typeface="Times"/>
+                <a:cs typeface="Times"/>
+              </a:rPr>
+              <a:t>vruntime</a:t>
+            </a:r>
+            <a:r>
+              <a:rPr lang="en-US" sz="2400" dirty="0">
+                <a:latin typeface="Times"/>
+                <a:cs typeface="Times"/>
+              </a:rPr>
+              <a:t> </a:t>
+            </a:r>
+            <a:r>
+              <a:rPr lang="en-US" sz="2400" dirty="0" smtClean="0">
+                <a:latin typeface="Times"/>
+                <a:cs typeface="Times"/>
+              </a:rPr>
+              <a:t>formula</a:t>
+            </a:r>
+            <a:endParaRPr lang="en-US" sz="2400" dirty="0">
+              <a:latin typeface="Times"/>
+              <a:cs typeface="Times"/>
+            </a:endParaRPr>
+          </a:p>
+          <a:p>
+            <a:r>
+              <a:rPr lang="en-US" dirty="0" smtClean="0">
+                <a:latin typeface="Times"/>
+                <a:cs typeface="Times"/>
+              </a:rPr>
+              <a:t>/</a:t>
+            </a:r>
+            <a:r>
+              <a:rPr lang="en-US" dirty="0">
+                <a:latin typeface="Times"/>
+                <a:cs typeface="Times"/>
+              </a:rPr>
+              <a:t>* delta: how long process really runs, the time a process has the CPU resource to it release the resource */</a:t>
+            </a:r>
+          </a:p>
+          <a:p>
+            <a:r>
+              <a:rPr lang="en-US" dirty="0">
+                <a:latin typeface="Times"/>
+                <a:cs typeface="Times"/>
+              </a:rPr>
+              <a:t>/* weight: based on 10% rule, roughly equivalent to 1024 * (1.25)^(-nice)*/</a:t>
+            </a:r>
+          </a:p>
+          <a:p>
+            <a:r>
+              <a:rPr lang="en-US" b="1" dirty="0" err="1">
+                <a:latin typeface="Times"/>
+                <a:cs typeface="Times"/>
+              </a:rPr>
+              <a:t>vruntime</a:t>
+            </a:r>
+            <a:r>
+              <a:rPr lang="en-US" b="1" dirty="0">
+                <a:latin typeface="Times"/>
+                <a:cs typeface="Times"/>
+              </a:rPr>
+              <a:t> += delta * (nice / weight);</a:t>
+            </a:r>
+            <a:endParaRPr lang="en-US" dirty="0">
+              <a:latin typeface="Times"/>
+              <a:cs typeface="Times"/>
+            </a:endParaRPr>
+          </a:p>
+        </p:txBody>
+      </p:sp>
+    </p:spTree>
+    <p:extLst>
+      <p:ext uri="{BB962C8B-B14F-4D97-AF65-F5344CB8AC3E}">
+        <p14:creationId xmlns:p14="http://schemas.microsoft.com/office/powerpoint/2010/main" val="287739210"/>
       </p:ext>
     </p:extLst>
   </p:cSld>
@@ -5119,10 +5359,1704 @@
           <a:chExt cx="0" cy="0"/>
         </a:xfrm>
       </p:grpSpPr>
+      <p:cxnSp>
+        <p:nvCxnSpPr>
+          <p:cNvPr id="5" name="Straight Arrow Connector 4"/>
+          <p:cNvCxnSpPr/>
+          <p:nvPr/>
+        </p:nvCxnSpPr>
+        <p:spPr>
+          <a:xfrm>
+            <a:off x="1445464" y="4510010"/>
+            <a:ext cx="6985000" cy="0"/>
+          </a:xfrm>
+          <a:prstGeom prst="straightConnector1">
+            <a:avLst/>
+          </a:prstGeom>
+          <a:ln>
+            <a:tailEnd type="arrow"/>
+          </a:ln>
+          <a:effectLst/>
+        </p:spPr>
+        <p:style>
+          <a:lnRef idx="2">
+            <a:schemeClr val="accent1"/>
+          </a:lnRef>
+          <a:fillRef idx="0">
+            <a:schemeClr val="accent1"/>
+          </a:fillRef>
+          <a:effectRef idx="1">
+            <a:schemeClr val="accent1"/>
+          </a:effectRef>
+          <a:fontRef idx="minor">
+            <a:schemeClr val="tx1"/>
+          </a:fontRef>
+        </p:style>
+      </p:cxnSp>
+      <p:cxnSp>
+        <p:nvCxnSpPr>
+          <p:cNvPr id="8" name="Straight Connector 7"/>
+          <p:cNvCxnSpPr/>
+          <p:nvPr/>
+        </p:nvCxnSpPr>
+        <p:spPr>
+          <a:xfrm>
+            <a:off x="3286964" y="2135110"/>
+            <a:ext cx="0" cy="2374900"/>
+          </a:xfrm>
+          <a:prstGeom prst="line">
+            <a:avLst/>
+          </a:prstGeom>
+          <a:ln>
+            <a:prstDash val="sysDash"/>
+          </a:ln>
+          <a:effectLst/>
+        </p:spPr>
+        <p:style>
+          <a:lnRef idx="2">
+            <a:schemeClr val="accent1"/>
+          </a:lnRef>
+          <a:fillRef idx="0">
+            <a:schemeClr val="accent1"/>
+          </a:fillRef>
+          <a:effectRef idx="1">
+            <a:schemeClr val="accent1"/>
+          </a:effectRef>
+          <a:fontRef idx="minor">
+            <a:schemeClr val="tx1"/>
+          </a:fontRef>
+        </p:style>
+      </p:cxnSp>
+      <p:cxnSp>
+        <p:nvCxnSpPr>
+          <p:cNvPr id="9" name="Straight Connector 8"/>
+          <p:cNvCxnSpPr/>
+          <p:nvPr/>
+        </p:nvCxnSpPr>
+        <p:spPr>
+          <a:xfrm>
+            <a:off x="5278324" y="2135110"/>
+            <a:ext cx="0" cy="2374900"/>
+          </a:xfrm>
+          <a:prstGeom prst="line">
+            <a:avLst/>
+          </a:prstGeom>
+          <a:ln>
+            <a:prstDash val="sysDash"/>
+          </a:ln>
+          <a:effectLst/>
+        </p:spPr>
+        <p:style>
+          <a:lnRef idx="2">
+            <a:schemeClr val="accent1"/>
+          </a:lnRef>
+          <a:fillRef idx="0">
+            <a:schemeClr val="accent1"/>
+          </a:fillRef>
+          <a:effectRef idx="1">
+            <a:schemeClr val="accent1"/>
+          </a:effectRef>
+          <a:fontRef idx="minor">
+            <a:schemeClr val="tx1"/>
+          </a:fontRef>
+        </p:style>
+      </p:cxnSp>
+      <p:cxnSp>
+        <p:nvCxnSpPr>
+          <p:cNvPr id="10" name="Straight Connector 9"/>
+          <p:cNvCxnSpPr/>
+          <p:nvPr/>
+        </p:nvCxnSpPr>
+        <p:spPr>
+          <a:xfrm>
+            <a:off x="7231584" y="2135110"/>
+            <a:ext cx="0" cy="2374900"/>
+          </a:xfrm>
+          <a:prstGeom prst="line">
+            <a:avLst/>
+          </a:prstGeom>
+          <a:ln>
+            <a:prstDash val="sysDash"/>
+          </a:ln>
+          <a:effectLst/>
+        </p:spPr>
+        <p:style>
+          <a:lnRef idx="2">
+            <a:schemeClr val="accent1"/>
+          </a:lnRef>
+          <a:fillRef idx="0">
+            <a:schemeClr val="accent1"/>
+          </a:fillRef>
+          <a:effectRef idx="1">
+            <a:schemeClr val="accent1"/>
+          </a:effectRef>
+          <a:fontRef idx="minor">
+            <a:schemeClr val="tx1"/>
+          </a:fontRef>
+        </p:style>
+      </p:cxnSp>
+      <p:sp>
+        <p:nvSpPr>
+          <p:cNvPr id="11" name="Rounded Rectangle 10"/>
+          <p:cNvSpPr/>
+          <p:nvPr/>
+        </p:nvSpPr>
+        <p:spPr>
+          <a:xfrm>
+            <a:off x="594564" y="1484870"/>
+            <a:ext cx="2275840" cy="335280"/>
+          </a:xfrm>
+          <a:prstGeom prst="roundRect">
+            <a:avLst/>
+          </a:prstGeom>
+        </p:spPr>
+        <p:style>
+          <a:lnRef idx="1">
+            <a:schemeClr val="accent1"/>
+          </a:lnRef>
+          <a:fillRef idx="3">
+            <a:schemeClr val="accent1"/>
+          </a:fillRef>
+          <a:effectRef idx="2">
+            <a:schemeClr val="accent1"/>
+          </a:effectRef>
+          <a:fontRef idx="minor">
+            <a:schemeClr val="lt1"/>
+          </a:fontRef>
+        </p:style>
+        <p:txBody>
+          <a:bodyPr rtlCol="0" anchor="ctr"/>
+          <a:lstStyle/>
+          <a:p>
+            <a:pPr algn="ctr"/>
+            <a:r>
+              <a:rPr lang="en-US" dirty="0" smtClean="0">
+                <a:solidFill>
+                  <a:schemeClr val="tx1"/>
+                </a:solidFill>
+              </a:rPr>
+              <a:t>Global </a:t>
+            </a:r>
+            <a:r>
+              <a:rPr lang="en-US" dirty="0" err="1" smtClean="0">
+                <a:solidFill>
+                  <a:schemeClr val="tx1"/>
+                </a:solidFill>
+              </a:rPr>
+              <a:t>runqueue</a:t>
+            </a:r>
+            <a:endParaRPr lang="en-US" dirty="0">
+              <a:solidFill>
+                <a:schemeClr val="tx1"/>
+              </a:solidFill>
+            </a:endParaRPr>
+          </a:p>
+        </p:txBody>
+      </p:sp>
+      <p:sp>
+        <p:nvSpPr>
+          <p:cNvPr id="15" name="TextBox 14"/>
+          <p:cNvSpPr txBox="1"/>
+          <p:nvPr/>
+        </p:nvSpPr>
+        <p:spPr>
+          <a:xfrm>
+            <a:off x="594564" y="2287510"/>
+            <a:ext cx="692091" cy="369332"/>
+          </a:xfrm>
+          <a:prstGeom prst="rect">
+            <a:avLst/>
+          </a:prstGeom>
+          <a:noFill/>
+        </p:spPr>
+        <p:txBody>
+          <a:bodyPr wrap="none" rtlCol="0">
+            <a:spAutoFit/>
+          </a:bodyPr>
+          <a:lstStyle/>
+          <a:p>
+            <a:r>
+              <a:rPr lang="en-US" dirty="0" smtClean="0"/>
+              <a:t>CPU1</a:t>
+            </a:r>
+            <a:endParaRPr lang="en-US" dirty="0"/>
+          </a:p>
+        </p:txBody>
+      </p:sp>
+      <p:sp>
+        <p:nvSpPr>
+          <p:cNvPr id="16" name="TextBox 15"/>
+          <p:cNvSpPr txBox="1"/>
+          <p:nvPr/>
+        </p:nvSpPr>
+        <p:spPr>
+          <a:xfrm>
+            <a:off x="594564" y="3036810"/>
+            <a:ext cx="692091" cy="369332"/>
+          </a:xfrm>
+          <a:prstGeom prst="rect">
+            <a:avLst/>
+          </a:prstGeom>
+          <a:noFill/>
+        </p:spPr>
+        <p:txBody>
+          <a:bodyPr wrap="none" rtlCol="0">
+            <a:spAutoFit/>
+          </a:bodyPr>
+          <a:lstStyle/>
+          <a:p>
+            <a:r>
+              <a:rPr lang="en-US" dirty="0" smtClean="0"/>
+              <a:t>CPU2</a:t>
+            </a:r>
+            <a:endParaRPr lang="en-US" dirty="0"/>
+          </a:p>
+        </p:txBody>
+      </p:sp>
+      <p:sp>
+        <p:nvSpPr>
+          <p:cNvPr id="17" name="TextBox 16"/>
+          <p:cNvSpPr txBox="1"/>
+          <p:nvPr/>
+        </p:nvSpPr>
+        <p:spPr>
+          <a:xfrm>
+            <a:off x="594564" y="3722610"/>
+            <a:ext cx="692091" cy="369332"/>
+          </a:xfrm>
+          <a:prstGeom prst="rect">
+            <a:avLst/>
+          </a:prstGeom>
+          <a:noFill/>
+        </p:spPr>
+        <p:txBody>
+          <a:bodyPr wrap="none" rtlCol="0">
+            <a:spAutoFit/>
+          </a:bodyPr>
+          <a:lstStyle/>
+          <a:p>
+            <a:r>
+              <a:rPr lang="en-US" dirty="0" smtClean="0"/>
+              <a:t>CPU3</a:t>
+            </a:r>
+            <a:endParaRPr lang="en-US" dirty="0"/>
+          </a:p>
+        </p:txBody>
+      </p:sp>
+      <p:sp>
+        <p:nvSpPr>
+          <p:cNvPr id="18" name="TextBox 17"/>
+          <p:cNvSpPr txBox="1"/>
+          <p:nvPr/>
+        </p:nvSpPr>
+        <p:spPr>
+          <a:xfrm>
+            <a:off x="594564" y="4325344"/>
+            <a:ext cx="692091" cy="369332"/>
+          </a:xfrm>
+          <a:prstGeom prst="rect">
+            <a:avLst/>
+          </a:prstGeom>
+          <a:noFill/>
+        </p:spPr>
+        <p:txBody>
+          <a:bodyPr wrap="none" rtlCol="0">
+            <a:spAutoFit/>
+          </a:bodyPr>
+          <a:lstStyle/>
+          <a:p>
+            <a:r>
+              <a:rPr lang="en-US" dirty="0" smtClean="0"/>
+              <a:t>CPU4</a:t>
+            </a:r>
+          </a:p>
+        </p:txBody>
+      </p:sp>
+      <p:cxnSp>
+        <p:nvCxnSpPr>
+          <p:cNvPr id="26" name="Straight Connector 25"/>
+          <p:cNvCxnSpPr/>
+          <p:nvPr/>
+        </p:nvCxnSpPr>
+        <p:spPr>
+          <a:xfrm>
+            <a:off x="5278324" y="3294365"/>
+            <a:ext cx="1953260" cy="0"/>
+          </a:xfrm>
+          <a:prstGeom prst="line">
+            <a:avLst/>
+          </a:prstGeom>
+          <a:ln>
+            <a:solidFill>
+              <a:schemeClr val="accent6">
+                <a:lumMod val="75000"/>
+              </a:schemeClr>
+            </a:solidFill>
+          </a:ln>
+          <a:effectLst/>
+        </p:spPr>
+        <p:style>
+          <a:lnRef idx="2">
+            <a:schemeClr val="accent1"/>
+          </a:lnRef>
+          <a:fillRef idx="0">
+            <a:schemeClr val="accent1"/>
+          </a:fillRef>
+          <a:effectRef idx="1">
+            <a:schemeClr val="accent1"/>
+          </a:effectRef>
+          <a:fontRef idx="minor">
+            <a:schemeClr val="tx1"/>
+          </a:fontRef>
+        </p:style>
+      </p:cxnSp>
+      <p:cxnSp>
+        <p:nvCxnSpPr>
+          <p:cNvPr id="27" name="Straight Connector 26"/>
+          <p:cNvCxnSpPr/>
+          <p:nvPr/>
+        </p:nvCxnSpPr>
+        <p:spPr>
+          <a:xfrm>
+            <a:off x="1445464" y="3294365"/>
+            <a:ext cx="3832860" cy="0"/>
+          </a:xfrm>
+          <a:prstGeom prst="line">
+            <a:avLst/>
+          </a:prstGeom>
+          <a:ln>
+            <a:solidFill>
+              <a:srgbClr val="FF0000"/>
+            </a:solidFill>
+          </a:ln>
+          <a:effectLst/>
+        </p:spPr>
+        <p:style>
+          <a:lnRef idx="2">
+            <a:schemeClr val="accent1"/>
+          </a:lnRef>
+          <a:fillRef idx="0">
+            <a:schemeClr val="accent1"/>
+          </a:fillRef>
+          <a:effectRef idx="1">
+            <a:schemeClr val="accent1"/>
+          </a:effectRef>
+          <a:fontRef idx="minor">
+            <a:schemeClr val="tx1"/>
+          </a:fontRef>
+        </p:style>
+      </p:cxnSp>
+      <p:cxnSp>
+        <p:nvCxnSpPr>
+          <p:cNvPr id="28" name="Straight Connector 27"/>
+          <p:cNvCxnSpPr/>
+          <p:nvPr/>
+        </p:nvCxnSpPr>
+        <p:spPr>
+          <a:xfrm>
+            <a:off x="1445464" y="3975085"/>
+            <a:ext cx="2948940" cy="0"/>
+          </a:xfrm>
+          <a:prstGeom prst="line">
+            <a:avLst/>
+          </a:prstGeom>
+          <a:ln>
+            <a:solidFill>
+              <a:srgbClr val="0000FF"/>
+            </a:solidFill>
+          </a:ln>
+          <a:effectLst/>
+        </p:spPr>
+        <p:style>
+          <a:lnRef idx="2">
+            <a:schemeClr val="accent1"/>
+          </a:lnRef>
+          <a:fillRef idx="0">
+            <a:schemeClr val="accent1"/>
+          </a:fillRef>
+          <a:effectRef idx="1">
+            <a:schemeClr val="accent1"/>
+          </a:effectRef>
+          <a:fontRef idx="minor">
+            <a:schemeClr val="tx1"/>
+          </a:fontRef>
+        </p:style>
+      </p:cxnSp>
+      <p:cxnSp>
+        <p:nvCxnSpPr>
+          <p:cNvPr id="35" name="Straight Connector 34"/>
+          <p:cNvCxnSpPr/>
+          <p:nvPr/>
+        </p:nvCxnSpPr>
+        <p:spPr>
+          <a:xfrm>
+            <a:off x="7231584" y="3294365"/>
+            <a:ext cx="1236980" cy="0"/>
+          </a:xfrm>
+          <a:prstGeom prst="line">
+            <a:avLst/>
+          </a:prstGeom>
+          <a:ln>
+            <a:solidFill>
+              <a:srgbClr val="FF0000"/>
+            </a:solidFill>
+          </a:ln>
+          <a:effectLst/>
+        </p:spPr>
+        <p:style>
+          <a:lnRef idx="2">
+            <a:schemeClr val="accent1"/>
+          </a:lnRef>
+          <a:fillRef idx="0">
+            <a:schemeClr val="accent1"/>
+          </a:fillRef>
+          <a:effectRef idx="1">
+            <a:schemeClr val="accent1"/>
+          </a:effectRef>
+          <a:fontRef idx="minor">
+            <a:schemeClr val="tx1"/>
+          </a:fontRef>
+        </p:style>
+      </p:cxnSp>
+      <p:cxnSp>
+        <p:nvCxnSpPr>
+          <p:cNvPr id="48" name="Straight Connector 47"/>
+          <p:cNvCxnSpPr/>
+          <p:nvPr/>
+        </p:nvCxnSpPr>
+        <p:spPr>
+          <a:xfrm>
+            <a:off x="4394405" y="3970004"/>
+            <a:ext cx="4074159" cy="0"/>
+          </a:xfrm>
+          <a:prstGeom prst="line">
+            <a:avLst/>
+          </a:prstGeom>
+          <a:ln>
+            <a:solidFill>
+              <a:srgbClr val="660066"/>
+            </a:solidFill>
+          </a:ln>
+          <a:effectLst/>
+        </p:spPr>
+        <p:style>
+          <a:lnRef idx="2">
+            <a:schemeClr val="accent1"/>
+          </a:lnRef>
+          <a:fillRef idx="0">
+            <a:schemeClr val="accent1"/>
+          </a:fillRef>
+          <a:effectRef idx="1">
+            <a:schemeClr val="accent1"/>
+          </a:effectRef>
+          <a:fontRef idx="minor">
+            <a:schemeClr val="tx1"/>
+          </a:fontRef>
+        </p:style>
+      </p:cxnSp>
+      <p:cxnSp>
+        <p:nvCxnSpPr>
+          <p:cNvPr id="51" name="Straight Connector 50"/>
+          <p:cNvCxnSpPr/>
+          <p:nvPr/>
+        </p:nvCxnSpPr>
+        <p:spPr>
+          <a:xfrm>
+            <a:off x="1445464" y="2471405"/>
+            <a:ext cx="7023100" cy="0"/>
+          </a:xfrm>
+          <a:prstGeom prst="line">
+            <a:avLst/>
+          </a:prstGeom>
+          <a:ln>
+            <a:solidFill>
+              <a:srgbClr val="008000"/>
+            </a:solidFill>
+          </a:ln>
+          <a:effectLst/>
+        </p:spPr>
+        <p:style>
+          <a:lnRef idx="2">
+            <a:schemeClr val="accent4"/>
+          </a:lnRef>
+          <a:fillRef idx="0">
+            <a:schemeClr val="accent4"/>
+          </a:fillRef>
+          <a:effectRef idx="1">
+            <a:schemeClr val="accent4"/>
+          </a:effectRef>
+          <a:fontRef idx="minor">
+            <a:schemeClr val="tx1"/>
+          </a:fontRef>
+        </p:style>
+      </p:cxnSp>
+      <p:cxnSp>
+        <p:nvCxnSpPr>
+          <p:cNvPr id="86" name="Straight Connector 85"/>
+          <p:cNvCxnSpPr/>
+          <p:nvPr/>
+        </p:nvCxnSpPr>
+        <p:spPr>
+          <a:xfrm flipV="1">
+            <a:off x="4394404" y="3722610"/>
+            <a:ext cx="0" cy="399794"/>
+          </a:xfrm>
+          <a:prstGeom prst="line">
+            <a:avLst/>
+          </a:prstGeom>
+          <a:ln w="76200" cmpd="sng">
+            <a:solidFill>
+              <a:srgbClr val="660066"/>
+            </a:solidFill>
+          </a:ln>
+          <a:effectLst/>
+        </p:spPr>
+        <p:style>
+          <a:lnRef idx="2">
+            <a:schemeClr val="accent1"/>
+          </a:lnRef>
+          <a:fillRef idx="0">
+            <a:schemeClr val="accent1"/>
+          </a:fillRef>
+          <a:effectRef idx="1">
+            <a:schemeClr val="accent1"/>
+          </a:effectRef>
+          <a:fontRef idx="minor">
+            <a:schemeClr val="tx1"/>
+          </a:fontRef>
+        </p:style>
+      </p:cxnSp>
+      <p:sp>
+        <p:nvSpPr>
+          <p:cNvPr id="100" name="TextBox 99"/>
+          <p:cNvSpPr txBox="1"/>
+          <p:nvPr/>
+        </p:nvSpPr>
+        <p:spPr>
+          <a:xfrm>
+            <a:off x="594564" y="4629110"/>
+            <a:ext cx="6678481" cy="307777"/>
+          </a:xfrm>
+          <a:prstGeom prst="rect">
+            <a:avLst/>
+          </a:prstGeom>
+          <a:noFill/>
+        </p:spPr>
+        <p:txBody>
+          <a:bodyPr wrap="none" rtlCol="0">
+            <a:spAutoFit/>
+          </a:bodyPr>
+          <a:lstStyle/>
+          <a:p>
+            <a:r>
+              <a:rPr lang="en-US" sz="1400" dirty="0" smtClean="0"/>
+              <a:t>1 thread (CPU4) keeps polling whether there is a external interrupt </a:t>
+            </a:r>
+            <a:r>
+              <a:rPr lang="en-US" sz="1400" dirty="0" smtClean="0"/>
+              <a:t>(e.g. new </a:t>
+            </a:r>
+            <a:r>
+              <a:rPr lang="en-US" sz="1400" dirty="0" smtClean="0"/>
+              <a:t>task </a:t>
+            </a:r>
+            <a:r>
+              <a:rPr lang="en-US" sz="1400" dirty="0" smtClean="0"/>
+              <a:t>comes)</a:t>
+            </a:r>
+            <a:endParaRPr lang="en-US" sz="1400" dirty="0"/>
+          </a:p>
+        </p:txBody>
+      </p:sp>
+      <p:cxnSp>
+        <p:nvCxnSpPr>
+          <p:cNvPr id="101" name="Straight Connector 100"/>
+          <p:cNvCxnSpPr/>
+          <p:nvPr/>
+        </p:nvCxnSpPr>
+        <p:spPr>
+          <a:xfrm flipV="1">
+            <a:off x="5252138" y="3094468"/>
+            <a:ext cx="0" cy="399794"/>
+          </a:xfrm>
+          <a:prstGeom prst="line">
+            <a:avLst/>
+          </a:prstGeom>
+          <a:ln w="76200" cmpd="sng">
+            <a:solidFill>
+              <a:srgbClr val="FF0000"/>
+            </a:solidFill>
+          </a:ln>
+          <a:effectLst/>
+        </p:spPr>
+        <p:style>
+          <a:lnRef idx="2">
+            <a:schemeClr val="accent1"/>
+          </a:lnRef>
+          <a:fillRef idx="0">
+            <a:schemeClr val="accent1"/>
+          </a:fillRef>
+          <a:effectRef idx="1">
+            <a:schemeClr val="accent1"/>
+          </a:effectRef>
+          <a:fontRef idx="minor">
+            <a:schemeClr val="tx1"/>
+          </a:fontRef>
+        </p:style>
+      </p:cxnSp>
+      <p:cxnSp>
+        <p:nvCxnSpPr>
+          <p:cNvPr id="102" name="Straight Connector 101"/>
+          <p:cNvCxnSpPr/>
+          <p:nvPr/>
+        </p:nvCxnSpPr>
+        <p:spPr>
+          <a:xfrm flipV="1">
+            <a:off x="7270863" y="3094468"/>
+            <a:ext cx="0" cy="399794"/>
+          </a:xfrm>
+          <a:prstGeom prst="line">
+            <a:avLst/>
+          </a:prstGeom>
+          <a:ln w="76200" cmpd="sng">
+            <a:solidFill>
+              <a:srgbClr val="FF0000"/>
+            </a:solidFill>
+          </a:ln>
+          <a:effectLst/>
+        </p:spPr>
+        <p:style>
+          <a:lnRef idx="2">
+            <a:schemeClr val="accent1"/>
+          </a:lnRef>
+          <a:fillRef idx="0">
+            <a:schemeClr val="accent1"/>
+          </a:fillRef>
+          <a:effectRef idx="1">
+            <a:schemeClr val="accent1"/>
+          </a:effectRef>
+          <a:fontRef idx="minor">
+            <a:schemeClr val="tx1"/>
+          </a:fontRef>
+        </p:style>
+      </p:cxnSp>
+      <p:cxnSp>
+        <p:nvCxnSpPr>
+          <p:cNvPr id="103" name="Straight Connector 102"/>
+          <p:cNvCxnSpPr/>
+          <p:nvPr/>
+        </p:nvCxnSpPr>
+        <p:spPr>
+          <a:xfrm flipV="1">
+            <a:off x="7200676" y="3094468"/>
+            <a:ext cx="0" cy="399794"/>
+          </a:xfrm>
+          <a:prstGeom prst="line">
+            <a:avLst/>
+          </a:prstGeom>
+          <a:ln w="76200" cmpd="sng">
+            <a:solidFill>
+              <a:schemeClr val="accent6"/>
+            </a:solidFill>
+          </a:ln>
+          <a:effectLst/>
+        </p:spPr>
+        <p:style>
+          <a:lnRef idx="2">
+            <a:schemeClr val="accent1"/>
+          </a:lnRef>
+          <a:fillRef idx="0">
+            <a:schemeClr val="accent1"/>
+          </a:fillRef>
+          <a:effectRef idx="1">
+            <a:schemeClr val="accent1"/>
+          </a:effectRef>
+          <a:fontRef idx="minor">
+            <a:schemeClr val="tx1"/>
+          </a:fontRef>
+        </p:style>
+      </p:cxnSp>
+      <p:cxnSp>
+        <p:nvCxnSpPr>
+          <p:cNvPr id="104" name="Straight Connector 103"/>
+          <p:cNvCxnSpPr/>
+          <p:nvPr/>
+        </p:nvCxnSpPr>
+        <p:spPr>
+          <a:xfrm flipV="1">
+            <a:off x="5317603" y="3098289"/>
+            <a:ext cx="0" cy="399794"/>
+          </a:xfrm>
+          <a:prstGeom prst="line">
+            <a:avLst/>
+          </a:prstGeom>
+          <a:ln w="76200" cmpd="sng">
+            <a:solidFill>
+              <a:schemeClr val="accent6"/>
+            </a:solidFill>
+          </a:ln>
+          <a:effectLst/>
+        </p:spPr>
+        <p:style>
+          <a:lnRef idx="2">
+            <a:schemeClr val="accent1"/>
+          </a:lnRef>
+          <a:fillRef idx="0">
+            <a:schemeClr val="accent1"/>
+          </a:fillRef>
+          <a:effectRef idx="1">
+            <a:schemeClr val="accent1"/>
+          </a:effectRef>
+          <a:fontRef idx="minor">
+            <a:schemeClr val="tx1"/>
+          </a:fontRef>
+        </p:style>
+      </p:cxnSp>
+      <p:cxnSp>
+        <p:nvCxnSpPr>
+          <p:cNvPr id="114" name="Curved Connector 113"/>
+          <p:cNvCxnSpPr>
+            <a:endCxn id="11" idx="3"/>
+          </p:cNvCxnSpPr>
+          <p:nvPr/>
+        </p:nvCxnSpPr>
+        <p:spPr>
+          <a:xfrm rot="10800000">
+            <a:off x="2870404" y="1652511"/>
+            <a:ext cx="2381734" cy="1548677"/>
+          </a:xfrm>
+          <a:prstGeom prst="curvedConnector3">
+            <a:avLst>
+              <a:gd name="adj1" fmla="val 5471"/>
+            </a:avLst>
+          </a:prstGeom>
+          <a:ln w="57150" cmpd="sng">
+            <a:solidFill>
+              <a:srgbClr val="FF0000"/>
+            </a:solidFill>
+            <a:tailEnd type="arrow"/>
+          </a:ln>
+        </p:spPr>
+        <p:style>
+          <a:lnRef idx="2">
+            <a:schemeClr val="accent1"/>
+          </a:lnRef>
+          <a:fillRef idx="0">
+            <a:schemeClr val="accent1"/>
+          </a:fillRef>
+          <a:effectRef idx="1">
+            <a:schemeClr val="accent1"/>
+          </a:effectRef>
+          <a:fontRef idx="minor">
+            <a:schemeClr val="tx1"/>
+          </a:fontRef>
+        </p:style>
+      </p:cxnSp>
+      <p:cxnSp>
+        <p:nvCxnSpPr>
+          <p:cNvPr id="124" name="Straight Connector 123"/>
+          <p:cNvCxnSpPr/>
+          <p:nvPr/>
+        </p:nvCxnSpPr>
+        <p:spPr>
+          <a:xfrm flipV="1">
+            <a:off x="4360004" y="3722610"/>
+            <a:ext cx="0" cy="399794"/>
+          </a:xfrm>
+          <a:prstGeom prst="line">
+            <a:avLst/>
+          </a:prstGeom>
+          <a:ln w="76200" cmpd="sng">
+            <a:solidFill>
+              <a:srgbClr val="0000FF"/>
+            </a:solidFill>
+          </a:ln>
+          <a:effectLst/>
+        </p:spPr>
+        <p:style>
+          <a:lnRef idx="2">
+            <a:schemeClr val="accent1"/>
+          </a:lnRef>
+          <a:fillRef idx="0">
+            <a:schemeClr val="accent1"/>
+          </a:fillRef>
+          <a:effectRef idx="1">
+            <a:schemeClr val="accent1"/>
+          </a:effectRef>
+          <a:fontRef idx="minor">
+            <a:schemeClr val="tx1"/>
+          </a:fontRef>
+        </p:style>
+      </p:cxnSp>
+      <p:cxnSp>
+        <p:nvCxnSpPr>
+          <p:cNvPr id="125" name="Curved Connector 124"/>
+          <p:cNvCxnSpPr>
+            <a:endCxn id="11" idx="3"/>
+          </p:cNvCxnSpPr>
+          <p:nvPr/>
+        </p:nvCxnSpPr>
+        <p:spPr>
+          <a:xfrm rot="10800000">
+            <a:off x="2870404" y="1652511"/>
+            <a:ext cx="4237800" cy="1445781"/>
+          </a:xfrm>
+          <a:prstGeom prst="curvedConnector3">
+            <a:avLst>
+              <a:gd name="adj1" fmla="val 1802"/>
+            </a:avLst>
+          </a:prstGeom>
+          <a:ln w="57150" cmpd="sng">
+            <a:solidFill>
+              <a:srgbClr val="F79646"/>
+            </a:solidFill>
+            <a:tailEnd type="arrow"/>
+          </a:ln>
+        </p:spPr>
+        <p:style>
+          <a:lnRef idx="2">
+            <a:schemeClr val="accent1"/>
+          </a:lnRef>
+          <a:fillRef idx="0">
+            <a:schemeClr val="accent1"/>
+          </a:fillRef>
+          <a:effectRef idx="1">
+            <a:schemeClr val="accent1"/>
+          </a:effectRef>
+          <a:fontRef idx="minor">
+            <a:schemeClr val="tx1"/>
+          </a:fontRef>
+        </p:style>
+      </p:cxnSp>
+      <p:cxnSp>
+        <p:nvCxnSpPr>
+          <p:cNvPr id="135" name="Straight Arrow Connector 134"/>
+          <p:cNvCxnSpPr/>
+          <p:nvPr/>
+        </p:nvCxnSpPr>
+        <p:spPr>
+          <a:xfrm>
+            <a:off x="3025527" y="2256275"/>
+            <a:ext cx="250763" cy="185436"/>
+          </a:xfrm>
+          <a:prstGeom prst="straightConnector1">
+            <a:avLst/>
+          </a:prstGeom>
+          <a:ln>
+            <a:tailEnd type="arrow"/>
+          </a:ln>
+        </p:spPr>
+        <p:style>
+          <a:lnRef idx="2">
+            <a:schemeClr val="accent1"/>
+          </a:lnRef>
+          <a:fillRef idx="0">
+            <a:schemeClr val="accent1"/>
+          </a:fillRef>
+          <a:effectRef idx="1">
+            <a:schemeClr val="accent1"/>
+          </a:effectRef>
+          <a:fontRef idx="minor">
+            <a:schemeClr val="tx1"/>
+          </a:fontRef>
+        </p:style>
+      </p:cxnSp>
+      <p:cxnSp>
+        <p:nvCxnSpPr>
+          <p:cNvPr id="137" name="Straight Arrow Connector 136"/>
+          <p:cNvCxnSpPr/>
+          <p:nvPr/>
+        </p:nvCxnSpPr>
+        <p:spPr>
+          <a:xfrm>
+            <a:off x="3026359" y="3098293"/>
+            <a:ext cx="250763" cy="185436"/>
+          </a:xfrm>
+          <a:prstGeom prst="straightConnector1">
+            <a:avLst/>
+          </a:prstGeom>
+          <a:ln>
+            <a:tailEnd type="arrow"/>
+          </a:ln>
+        </p:spPr>
+        <p:style>
+          <a:lnRef idx="2">
+            <a:schemeClr val="accent1"/>
+          </a:lnRef>
+          <a:fillRef idx="0">
+            <a:schemeClr val="accent1"/>
+          </a:fillRef>
+          <a:effectRef idx="1">
+            <a:schemeClr val="accent1"/>
+          </a:effectRef>
+          <a:fontRef idx="minor">
+            <a:schemeClr val="tx1"/>
+          </a:fontRef>
+        </p:style>
+      </p:cxnSp>
+      <p:cxnSp>
+        <p:nvCxnSpPr>
+          <p:cNvPr id="138" name="Straight Arrow Connector 137"/>
+          <p:cNvCxnSpPr/>
+          <p:nvPr/>
+        </p:nvCxnSpPr>
+        <p:spPr>
+          <a:xfrm>
+            <a:off x="3026359" y="3759954"/>
+            <a:ext cx="250763" cy="185436"/>
+          </a:xfrm>
+          <a:prstGeom prst="straightConnector1">
+            <a:avLst/>
+          </a:prstGeom>
+          <a:ln>
+            <a:tailEnd type="arrow"/>
+          </a:ln>
+        </p:spPr>
+        <p:style>
+          <a:lnRef idx="2">
+            <a:schemeClr val="accent1"/>
+          </a:lnRef>
+          <a:fillRef idx="0">
+            <a:schemeClr val="accent1"/>
+          </a:fillRef>
+          <a:effectRef idx="1">
+            <a:schemeClr val="accent1"/>
+          </a:effectRef>
+          <a:fontRef idx="minor">
+            <a:schemeClr val="tx1"/>
+          </a:fontRef>
+        </p:style>
+      </p:cxnSp>
+      <p:sp>
+        <p:nvSpPr>
+          <p:cNvPr id="139" name="TextBox 138"/>
+          <p:cNvSpPr txBox="1"/>
+          <p:nvPr/>
+        </p:nvSpPr>
+        <p:spPr>
+          <a:xfrm>
+            <a:off x="1541485" y="2707377"/>
+            <a:ext cx="1609567" cy="430887"/>
+          </a:xfrm>
+          <a:prstGeom prst="rect">
+            <a:avLst/>
+          </a:prstGeom>
+          <a:noFill/>
+        </p:spPr>
+        <p:txBody>
+          <a:bodyPr wrap="none" rtlCol="0">
+            <a:spAutoFit/>
+          </a:bodyPr>
+          <a:lstStyle/>
+          <a:p>
+            <a:pPr algn="r"/>
+            <a:r>
+              <a:rPr lang="en-US" sz="1100" dirty="0" smtClean="0">
+                <a:solidFill>
+                  <a:schemeClr val="accent1"/>
+                </a:solidFill>
+              </a:rPr>
+              <a:t>check if </a:t>
+            </a:r>
+            <a:r>
+              <a:rPr lang="en-US" sz="1100" dirty="0" err="1" smtClean="0">
+                <a:solidFill>
+                  <a:schemeClr val="accent1"/>
+                </a:solidFill>
+              </a:rPr>
+              <a:t>time_slice</a:t>
+            </a:r>
+            <a:r>
+              <a:rPr lang="en-US" sz="1100" dirty="0" smtClean="0">
+                <a:solidFill>
+                  <a:schemeClr val="accent1"/>
+                </a:solidFill>
+              </a:rPr>
+              <a:t> is out</a:t>
+            </a:r>
+          </a:p>
+          <a:p>
+            <a:pPr algn="r"/>
+            <a:r>
+              <a:rPr lang="en-US" sz="1100" b="1" dirty="0" smtClean="0">
+                <a:solidFill>
+                  <a:schemeClr val="accent1"/>
+                </a:solidFill>
+              </a:rPr>
+              <a:t>not out yet!</a:t>
+            </a:r>
+            <a:endParaRPr lang="en-US" sz="1100" b="1" dirty="0">
+              <a:solidFill>
+                <a:schemeClr val="accent1"/>
+              </a:solidFill>
+            </a:endParaRPr>
+          </a:p>
+        </p:txBody>
+      </p:sp>
+      <p:cxnSp>
+        <p:nvCxnSpPr>
+          <p:cNvPr id="41" name="Curved Connector 40"/>
+          <p:cNvCxnSpPr>
+            <a:stCxn id="11" idx="3"/>
+          </p:cNvCxnSpPr>
+          <p:nvPr/>
+        </p:nvCxnSpPr>
+        <p:spPr>
+          <a:xfrm>
+            <a:off x="2870404" y="1652510"/>
+            <a:ext cx="1524001" cy="2322574"/>
+          </a:xfrm>
+          <a:prstGeom prst="curvedConnector2">
+            <a:avLst/>
+          </a:prstGeom>
+          <a:ln w="57150" cmpd="sng">
+            <a:solidFill>
+              <a:srgbClr val="660066"/>
+            </a:solidFill>
+            <a:tailEnd type="arrow"/>
+          </a:ln>
+        </p:spPr>
+        <p:style>
+          <a:lnRef idx="2">
+            <a:schemeClr val="accent1"/>
+          </a:lnRef>
+          <a:fillRef idx="0">
+            <a:schemeClr val="accent1"/>
+          </a:fillRef>
+          <a:effectRef idx="1">
+            <a:schemeClr val="accent1"/>
+          </a:effectRef>
+          <a:fontRef idx="minor">
+            <a:schemeClr val="tx1"/>
+          </a:fontRef>
+        </p:style>
+      </p:cxnSp>
+      <p:cxnSp>
+        <p:nvCxnSpPr>
+          <p:cNvPr id="105" name="Curved Connector 104"/>
+          <p:cNvCxnSpPr>
+            <a:stCxn id="11" idx="3"/>
+          </p:cNvCxnSpPr>
+          <p:nvPr/>
+        </p:nvCxnSpPr>
+        <p:spPr>
+          <a:xfrm>
+            <a:off x="2870404" y="1652510"/>
+            <a:ext cx="2381734" cy="1441958"/>
+          </a:xfrm>
+          <a:prstGeom prst="curvedConnector3">
+            <a:avLst>
+              <a:gd name="adj1" fmla="val 99476"/>
+            </a:avLst>
+          </a:prstGeom>
+          <a:ln w="57150" cmpd="sng">
+            <a:solidFill>
+              <a:srgbClr val="F79646"/>
+            </a:solidFill>
+            <a:tailEnd type="arrow"/>
+          </a:ln>
+        </p:spPr>
+        <p:style>
+          <a:lnRef idx="2">
+            <a:schemeClr val="accent1"/>
+          </a:lnRef>
+          <a:fillRef idx="0">
+            <a:schemeClr val="accent1"/>
+          </a:fillRef>
+          <a:effectRef idx="1">
+            <a:schemeClr val="accent1"/>
+          </a:effectRef>
+          <a:fontRef idx="minor">
+            <a:schemeClr val="tx1"/>
+          </a:fontRef>
+        </p:style>
+      </p:cxnSp>
+      <p:cxnSp>
+        <p:nvCxnSpPr>
+          <p:cNvPr id="130" name="Curved Connector 129"/>
+          <p:cNvCxnSpPr>
+            <a:stCxn id="11" idx="3"/>
+          </p:cNvCxnSpPr>
+          <p:nvPr/>
+        </p:nvCxnSpPr>
+        <p:spPr>
+          <a:xfrm>
+            <a:off x="2870404" y="1652510"/>
+            <a:ext cx="4400459" cy="1384301"/>
+          </a:xfrm>
+          <a:prstGeom prst="curvedConnector3">
+            <a:avLst>
+              <a:gd name="adj1" fmla="val 99690"/>
+            </a:avLst>
+          </a:prstGeom>
+          <a:ln w="57150" cmpd="sng">
+            <a:solidFill>
+              <a:srgbClr val="FF0000"/>
+            </a:solidFill>
+            <a:tailEnd type="arrow"/>
+          </a:ln>
+        </p:spPr>
+        <p:style>
+          <a:lnRef idx="2">
+            <a:schemeClr val="accent1"/>
+          </a:lnRef>
+          <a:fillRef idx="0">
+            <a:schemeClr val="accent1"/>
+          </a:fillRef>
+          <a:effectRef idx="1">
+            <a:schemeClr val="accent1"/>
+          </a:effectRef>
+          <a:fontRef idx="minor">
+            <a:schemeClr val="tx1"/>
+          </a:fontRef>
+        </p:style>
+      </p:cxnSp>
+      <p:sp>
+        <p:nvSpPr>
+          <p:cNvPr id="141" name="TextBox 140"/>
+          <p:cNvSpPr txBox="1"/>
+          <p:nvPr/>
+        </p:nvSpPr>
+        <p:spPr>
+          <a:xfrm>
+            <a:off x="4543666" y="2819431"/>
+            <a:ext cx="553858" cy="261610"/>
+          </a:xfrm>
+          <a:prstGeom prst="rect">
+            <a:avLst/>
+          </a:prstGeom>
+          <a:noFill/>
+        </p:spPr>
+        <p:txBody>
+          <a:bodyPr wrap="none" rtlCol="0">
+            <a:spAutoFit/>
+          </a:bodyPr>
+          <a:lstStyle/>
+          <a:p>
+            <a:r>
+              <a:rPr lang="en-US" sz="1100" b="1" dirty="0" smtClean="0">
+                <a:solidFill>
+                  <a:srgbClr val="4F81BD"/>
+                </a:solidFill>
+              </a:rPr>
+              <a:t>is out!</a:t>
+            </a:r>
+            <a:endParaRPr lang="en-US" sz="1100" b="1" dirty="0">
+              <a:solidFill>
+                <a:srgbClr val="4F81BD"/>
+              </a:solidFill>
+            </a:endParaRPr>
+          </a:p>
+        </p:txBody>
+      </p:sp>
+      <p:cxnSp>
+        <p:nvCxnSpPr>
+          <p:cNvPr id="142" name="Straight Arrow Connector 141"/>
+          <p:cNvCxnSpPr/>
+          <p:nvPr/>
+        </p:nvCxnSpPr>
+        <p:spPr>
+          <a:xfrm>
+            <a:off x="4947263" y="3047569"/>
+            <a:ext cx="250763" cy="185436"/>
+          </a:xfrm>
+          <a:prstGeom prst="straightConnector1">
+            <a:avLst/>
+          </a:prstGeom>
+          <a:ln>
+            <a:tailEnd type="arrow"/>
+          </a:ln>
+        </p:spPr>
+        <p:style>
+          <a:lnRef idx="2">
+            <a:schemeClr val="accent1"/>
+          </a:lnRef>
+          <a:fillRef idx="0">
+            <a:schemeClr val="accent1"/>
+          </a:fillRef>
+          <a:effectRef idx="1">
+            <a:schemeClr val="accent1"/>
+          </a:effectRef>
+          <a:fontRef idx="minor">
+            <a:schemeClr val="tx1"/>
+          </a:fontRef>
+        </p:style>
+      </p:cxnSp>
+      <p:sp>
+        <p:nvSpPr>
+          <p:cNvPr id="166" name="TextBox 165"/>
+          <p:cNvSpPr txBox="1"/>
+          <p:nvPr/>
+        </p:nvSpPr>
+        <p:spPr>
+          <a:xfrm>
+            <a:off x="2902937" y="3271937"/>
+            <a:ext cx="766143" cy="261610"/>
+          </a:xfrm>
+          <a:prstGeom prst="rect">
+            <a:avLst/>
+          </a:prstGeom>
+          <a:noFill/>
+        </p:spPr>
+        <p:txBody>
+          <a:bodyPr wrap="none" rtlCol="0">
+            <a:spAutoFit/>
+          </a:bodyPr>
+          <a:lstStyle/>
+          <a:p>
+            <a:r>
+              <a:rPr lang="en-US" sz="1100" dirty="0" err="1" smtClean="0">
+                <a:solidFill>
+                  <a:srgbClr val="FF0000"/>
+                </a:solidFill>
+              </a:rPr>
+              <a:t>time_slice</a:t>
+            </a:r>
+            <a:endParaRPr lang="en-US" sz="1100" dirty="0" smtClean="0">
+              <a:solidFill>
+                <a:srgbClr val="FF0000"/>
+              </a:solidFill>
+            </a:endParaRPr>
+          </a:p>
+        </p:txBody>
+      </p:sp>
+      <p:cxnSp>
+        <p:nvCxnSpPr>
+          <p:cNvPr id="168" name="Straight Arrow Connector 167"/>
+          <p:cNvCxnSpPr>
+            <a:stCxn id="166" idx="1"/>
+          </p:cNvCxnSpPr>
+          <p:nvPr/>
+        </p:nvCxnSpPr>
+        <p:spPr>
+          <a:xfrm flipH="1">
+            <a:off x="1471965" y="3402742"/>
+            <a:ext cx="1430972" cy="0"/>
+          </a:xfrm>
+          <a:prstGeom prst="straightConnector1">
+            <a:avLst/>
+          </a:prstGeom>
+          <a:ln>
+            <a:solidFill>
+              <a:srgbClr val="FF0000"/>
+            </a:solidFill>
+            <a:prstDash val="dash"/>
+            <a:tailEnd type="arrow"/>
+          </a:ln>
+        </p:spPr>
+        <p:style>
+          <a:lnRef idx="2">
+            <a:schemeClr val="accent1"/>
+          </a:lnRef>
+          <a:fillRef idx="0">
+            <a:schemeClr val="accent1"/>
+          </a:fillRef>
+          <a:effectRef idx="1">
+            <a:schemeClr val="accent1"/>
+          </a:effectRef>
+          <a:fontRef idx="minor">
+            <a:schemeClr val="tx1"/>
+          </a:fontRef>
+        </p:style>
+      </p:cxnSp>
+      <p:cxnSp>
+        <p:nvCxnSpPr>
+          <p:cNvPr id="170" name="Straight Arrow Connector 169"/>
+          <p:cNvCxnSpPr>
+            <a:stCxn id="166" idx="3"/>
+          </p:cNvCxnSpPr>
+          <p:nvPr/>
+        </p:nvCxnSpPr>
+        <p:spPr>
+          <a:xfrm>
+            <a:off x="3669080" y="3402742"/>
+            <a:ext cx="1574506" cy="0"/>
+          </a:xfrm>
+          <a:prstGeom prst="straightConnector1">
+            <a:avLst/>
+          </a:prstGeom>
+          <a:ln>
+            <a:solidFill>
+              <a:srgbClr val="FF0000"/>
+            </a:solidFill>
+            <a:prstDash val="dash"/>
+            <a:tailEnd type="arrow"/>
+          </a:ln>
+        </p:spPr>
+        <p:style>
+          <a:lnRef idx="2">
+            <a:schemeClr val="accent1"/>
+          </a:lnRef>
+          <a:fillRef idx="0">
+            <a:schemeClr val="accent1"/>
+          </a:fillRef>
+          <a:effectRef idx="1">
+            <a:schemeClr val="accent1"/>
+          </a:effectRef>
+          <a:fontRef idx="minor">
+            <a:schemeClr val="tx1"/>
+          </a:fontRef>
+        </p:style>
+      </p:cxnSp>
+      <p:sp>
+        <p:nvSpPr>
+          <p:cNvPr id="182" name="TextBox 181"/>
+          <p:cNvSpPr txBox="1"/>
+          <p:nvPr/>
+        </p:nvSpPr>
+        <p:spPr>
+          <a:xfrm>
+            <a:off x="1221" y="314770"/>
+            <a:ext cx="9142779" cy="769441"/>
+          </a:xfrm>
+          <a:prstGeom prst="rect">
+            <a:avLst/>
+          </a:prstGeom>
+          <a:noFill/>
+        </p:spPr>
+        <p:txBody>
+          <a:bodyPr wrap="square" rtlCol="0">
+            <a:spAutoFit/>
+          </a:bodyPr>
+          <a:lstStyle/>
+          <a:p>
+            <a:pPr algn="ctr"/>
+            <a:r>
+              <a:rPr lang="en-US" sz="4400" b="1" dirty="0" smtClean="0"/>
+              <a:t>Linux-like CFS scheduler simulator</a:t>
+            </a:r>
+            <a:endParaRPr lang="en-US" sz="4400" b="1" dirty="0"/>
+          </a:p>
+        </p:txBody>
+      </p:sp>
+      <p:sp>
+        <p:nvSpPr>
+          <p:cNvPr id="183" name="TextBox 182"/>
+          <p:cNvSpPr txBox="1"/>
+          <p:nvPr/>
+        </p:nvSpPr>
+        <p:spPr>
+          <a:xfrm>
+            <a:off x="7944580" y="4455265"/>
+            <a:ext cx="446131" cy="261610"/>
+          </a:xfrm>
+          <a:prstGeom prst="rect">
+            <a:avLst/>
+          </a:prstGeom>
+          <a:noFill/>
+        </p:spPr>
+        <p:txBody>
+          <a:bodyPr wrap="none" rtlCol="0">
+            <a:spAutoFit/>
+          </a:bodyPr>
+          <a:lstStyle/>
+          <a:p>
+            <a:r>
+              <a:rPr lang="en-US" sz="1100" dirty="0" smtClean="0">
+                <a:solidFill>
+                  <a:srgbClr val="4F81BD"/>
+                </a:solidFill>
+              </a:rPr>
+              <a:t>time</a:t>
+            </a:r>
+            <a:endParaRPr lang="en-US" sz="1100" dirty="0">
+              <a:solidFill>
+                <a:srgbClr val="4F81BD"/>
+              </a:solidFill>
+            </a:endParaRPr>
+          </a:p>
+        </p:txBody>
+      </p:sp>
+      <p:sp>
+        <p:nvSpPr>
+          <p:cNvPr id="184" name="TextBox 183"/>
+          <p:cNvSpPr txBox="1"/>
+          <p:nvPr/>
+        </p:nvSpPr>
+        <p:spPr>
+          <a:xfrm>
+            <a:off x="8055277" y="2413285"/>
+            <a:ext cx="518247" cy="261610"/>
+          </a:xfrm>
+          <a:prstGeom prst="rect">
+            <a:avLst/>
+          </a:prstGeom>
+          <a:noFill/>
+          <a:ln>
+            <a:noFill/>
+          </a:ln>
+        </p:spPr>
+        <p:txBody>
+          <a:bodyPr wrap="none" rtlCol="0">
+            <a:spAutoFit/>
+          </a:bodyPr>
+          <a:lstStyle/>
+          <a:p>
+            <a:r>
+              <a:rPr lang="en-US" sz="1100" dirty="0" smtClean="0">
+                <a:solidFill>
+                  <a:srgbClr val="008000"/>
+                </a:solidFill>
+              </a:rPr>
+              <a:t>a task</a:t>
+            </a:r>
+            <a:endParaRPr lang="en-US" sz="1100" dirty="0">
+              <a:solidFill>
+                <a:srgbClr val="008000"/>
+              </a:solidFill>
+            </a:endParaRPr>
+          </a:p>
+        </p:txBody>
+      </p:sp>
+      <p:sp>
+        <p:nvSpPr>
+          <p:cNvPr id="186" name="Rectangle 185"/>
+          <p:cNvSpPr/>
+          <p:nvPr/>
+        </p:nvSpPr>
+        <p:spPr>
+          <a:xfrm>
+            <a:off x="8043112" y="3238508"/>
+            <a:ext cx="518247" cy="261610"/>
+          </a:xfrm>
+          <a:prstGeom prst="rect">
+            <a:avLst/>
+          </a:prstGeom>
+        </p:spPr>
+        <p:txBody>
+          <a:bodyPr wrap="none">
+            <a:spAutoFit/>
+          </a:bodyPr>
+          <a:lstStyle/>
+          <a:p>
+            <a:r>
+              <a:rPr lang="en-US" sz="1100" dirty="0" smtClean="0">
+                <a:solidFill>
+                  <a:srgbClr val="FF0000"/>
+                </a:solidFill>
+              </a:rPr>
+              <a:t>a task</a:t>
+            </a:r>
+            <a:endParaRPr lang="en-US" sz="1100" dirty="0">
+              <a:solidFill>
+                <a:srgbClr val="FF0000"/>
+              </a:solidFill>
+            </a:endParaRPr>
+          </a:p>
+        </p:txBody>
+      </p:sp>
+      <p:sp>
+        <p:nvSpPr>
+          <p:cNvPr id="187" name="Rectangle 186"/>
+          <p:cNvSpPr/>
+          <p:nvPr/>
+        </p:nvSpPr>
+        <p:spPr>
+          <a:xfrm>
+            <a:off x="8055277" y="3920340"/>
+            <a:ext cx="518247" cy="261610"/>
+          </a:xfrm>
+          <a:prstGeom prst="rect">
+            <a:avLst/>
+          </a:prstGeom>
+        </p:spPr>
+        <p:txBody>
+          <a:bodyPr wrap="none">
+            <a:spAutoFit/>
+          </a:bodyPr>
+          <a:lstStyle/>
+          <a:p>
+            <a:r>
+              <a:rPr lang="en-US" sz="1100" dirty="0" smtClean="0">
+                <a:solidFill>
+                  <a:srgbClr val="660066"/>
+                </a:solidFill>
+              </a:rPr>
+              <a:t>a task</a:t>
+            </a:r>
+            <a:endParaRPr lang="en-US" sz="1100" dirty="0">
+              <a:solidFill>
+                <a:srgbClr val="660066"/>
+              </a:solidFill>
+            </a:endParaRPr>
+          </a:p>
+        </p:txBody>
+      </p:sp>
+      <p:sp>
+        <p:nvSpPr>
+          <p:cNvPr id="2" name="Rectangle 1"/>
+          <p:cNvSpPr/>
+          <p:nvPr/>
+        </p:nvSpPr>
+        <p:spPr>
+          <a:xfrm>
+            <a:off x="1009199" y="1772478"/>
+            <a:ext cx="1524263" cy="307777"/>
+          </a:xfrm>
+          <a:prstGeom prst="rect">
+            <a:avLst/>
+          </a:prstGeom>
+        </p:spPr>
+        <p:txBody>
+          <a:bodyPr wrap="none">
+            <a:spAutoFit/>
+          </a:bodyPr>
+          <a:lstStyle/>
+          <a:p>
+            <a:r>
+              <a:rPr lang="en-US" sz="1400" dirty="0" smtClean="0"/>
+              <a:t>RB-tree / AVL-tree</a:t>
+            </a:r>
+            <a:endParaRPr lang="en-US" sz="1400" dirty="0"/>
+          </a:p>
+        </p:txBody>
+      </p:sp>
+      <p:sp>
+        <p:nvSpPr>
+          <p:cNvPr id="50" name="TextBox 49"/>
+          <p:cNvSpPr txBox="1"/>
+          <p:nvPr/>
+        </p:nvSpPr>
+        <p:spPr>
+          <a:xfrm>
+            <a:off x="204981" y="5103673"/>
+            <a:ext cx="7019870" cy="1477328"/>
+          </a:xfrm>
+          <a:prstGeom prst="rect">
+            <a:avLst/>
+          </a:prstGeom>
+          <a:noFill/>
+        </p:spPr>
+        <p:txBody>
+          <a:bodyPr wrap="none" rtlCol="0">
+            <a:spAutoFit/>
+          </a:bodyPr>
+          <a:lstStyle/>
+          <a:p>
+            <a:r>
+              <a:rPr lang="en-US" b="1" dirty="0"/>
+              <a:t>Linux-like CFS simulator features</a:t>
+            </a:r>
+            <a:r>
+              <a:rPr lang="en-US" b="1" dirty="0" smtClean="0"/>
+              <a:t>:</a:t>
+            </a:r>
+            <a:endParaRPr lang="en-US" dirty="0" smtClean="0"/>
+          </a:p>
+          <a:p>
+            <a:r>
+              <a:rPr lang="en-US" dirty="0" smtClean="0"/>
+              <a:t>Simulator </a:t>
+            </a:r>
+            <a:r>
+              <a:rPr lang="en-US" dirty="0"/>
+              <a:t>features </a:t>
+            </a:r>
+            <a:r>
+              <a:rPr lang="mr-IN" dirty="0" smtClean="0"/>
+              <a:t>–</a:t>
+            </a:r>
+            <a:r>
+              <a:rPr lang="en-US" dirty="0" smtClean="0"/>
+              <a:t> </a:t>
+            </a:r>
+          </a:p>
+          <a:p>
+            <a:pPr marL="285750" indent="-285750">
+              <a:buFont typeface="Arial"/>
+              <a:buChar char="•"/>
+            </a:pPr>
+            <a:r>
+              <a:rPr lang="en-US" dirty="0" smtClean="0"/>
+              <a:t>Timer </a:t>
+            </a:r>
+            <a:r>
+              <a:rPr lang="en-US" dirty="0"/>
+              <a:t>interrupt: check if </a:t>
+            </a:r>
+            <a:r>
+              <a:rPr lang="en-US" dirty="0" err="1"/>
+              <a:t>delta_exec</a:t>
+            </a:r>
+            <a:r>
+              <a:rPr lang="en-US" dirty="0"/>
+              <a:t> &gt; </a:t>
+            </a:r>
+            <a:r>
+              <a:rPr lang="en-US" dirty="0" err="1"/>
+              <a:t>time_slice</a:t>
+            </a:r>
+            <a:r>
+              <a:rPr lang="en-US" dirty="0"/>
+              <a:t>, </a:t>
+            </a:r>
+            <a:r>
+              <a:rPr lang="en-US" dirty="0" err="1"/>
+              <a:t>enq</a:t>
+            </a:r>
+            <a:r>
+              <a:rPr lang="en-US" dirty="0"/>
+              <a:t>() and then </a:t>
+            </a:r>
+            <a:r>
+              <a:rPr lang="en-US" dirty="0" err="1"/>
+              <a:t>deq</a:t>
+            </a:r>
+            <a:r>
+              <a:rPr lang="en-US" dirty="0"/>
+              <a:t>(</a:t>
+            </a:r>
+            <a:r>
+              <a:rPr lang="en-US" dirty="0" smtClean="0"/>
+              <a:t>)</a:t>
+            </a:r>
+          </a:p>
+          <a:p>
+            <a:pPr marL="285750" indent="-285750">
+              <a:buFont typeface="Arial"/>
+              <a:buChar char="•"/>
+            </a:pPr>
+            <a:r>
+              <a:rPr lang="en-US" dirty="0" err="1" smtClean="0"/>
+              <a:t>thread_exit</a:t>
+            </a:r>
+            <a:r>
+              <a:rPr lang="en-US" dirty="0"/>
+              <a:t>(): when a thread finishes its </a:t>
+            </a:r>
+            <a:r>
+              <a:rPr lang="en-US" dirty="0" smtClean="0"/>
+              <a:t>jobs</a:t>
+            </a:r>
+          </a:p>
+          <a:p>
+            <a:pPr marL="285750" indent="-285750">
+              <a:buFont typeface="Arial"/>
+              <a:buChar char="•"/>
+            </a:pPr>
+            <a:r>
+              <a:rPr lang="en-US" dirty="0" err="1" smtClean="0"/>
+              <a:t>thread_create</a:t>
+            </a:r>
+            <a:r>
+              <a:rPr lang="en-US" dirty="0"/>
+              <a:t>() : </a:t>
+            </a:r>
+            <a:r>
+              <a:rPr lang="en-US" dirty="0" err="1"/>
+              <a:t>start_time</a:t>
+            </a:r>
+            <a:r>
+              <a:rPr lang="en-US" dirty="0"/>
+              <a:t> </a:t>
+            </a:r>
+          </a:p>
+        </p:txBody>
+      </p:sp>
     </p:spTree>
     <p:extLst>
       <p:ext uri="{BB962C8B-B14F-4D97-AF65-F5344CB8AC3E}">
-        <p14:creationId xmlns:p14="http://schemas.microsoft.com/office/powerpoint/2010/main" val="3499208718"/>
+        <p14:creationId xmlns:p14="http://schemas.microsoft.com/office/powerpoint/2010/main" val="2901668418"/>
       </p:ext>
     </p:extLst>
   </p:cSld>
@@ -5156,9 +7090,1340 @@
           <a:chExt cx="0" cy="0"/>
         </a:xfrm>
       </p:grpSpPr>
-      <p:sp>
-        <p:nvSpPr>
-          <p:cNvPr id="2" name="TextBox 1"/>
+      <p:cxnSp>
+        <p:nvCxnSpPr>
+          <p:cNvPr id="5" name="Straight Arrow Connector 4"/>
+          <p:cNvCxnSpPr/>
+          <p:nvPr/>
+        </p:nvCxnSpPr>
+        <p:spPr>
+          <a:xfrm>
+            <a:off x="1445464" y="4510010"/>
+            <a:ext cx="6985000" cy="0"/>
+          </a:xfrm>
+          <a:prstGeom prst="straightConnector1">
+            <a:avLst/>
+          </a:prstGeom>
+          <a:ln>
+            <a:tailEnd type="arrow"/>
+          </a:ln>
+          <a:effectLst/>
+        </p:spPr>
+        <p:style>
+          <a:lnRef idx="2">
+            <a:schemeClr val="accent1"/>
+          </a:lnRef>
+          <a:fillRef idx="0">
+            <a:schemeClr val="accent1"/>
+          </a:fillRef>
+          <a:effectRef idx="1">
+            <a:schemeClr val="accent1"/>
+          </a:effectRef>
+          <a:fontRef idx="minor">
+            <a:schemeClr val="tx1"/>
+          </a:fontRef>
+        </p:style>
+      </p:cxnSp>
+      <p:cxnSp>
+        <p:nvCxnSpPr>
+          <p:cNvPr id="8" name="Straight Connector 7"/>
+          <p:cNvCxnSpPr/>
+          <p:nvPr/>
+        </p:nvCxnSpPr>
+        <p:spPr>
+          <a:xfrm>
+            <a:off x="3286964" y="2135110"/>
+            <a:ext cx="0" cy="2374900"/>
+          </a:xfrm>
+          <a:prstGeom prst="line">
+            <a:avLst/>
+          </a:prstGeom>
+          <a:ln>
+            <a:prstDash val="sysDash"/>
+          </a:ln>
+          <a:effectLst/>
+        </p:spPr>
+        <p:style>
+          <a:lnRef idx="2">
+            <a:schemeClr val="accent1"/>
+          </a:lnRef>
+          <a:fillRef idx="0">
+            <a:schemeClr val="accent1"/>
+          </a:fillRef>
+          <a:effectRef idx="1">
+            <a:schemeClr val="accent1"/>
+          </a:effectRef>
+          <a:fontRef idx="minor">
+            <a:schemeClr val="tx1"/>
+          </a:fontRef>
+        </p:style>
+      </p:cxnSp>
+      <p:cxnSp>
+        <p:nvCxnSpPr>
+          <p:cNvPr id="9" name="Straight Connector 8"/>
+          <p:cNvCxnSpPr/>
+          <p:nvPr/>
+        </p:nvCxnSpPr>
+        <p:spPr>
+          <a:xfrm>
+            <a:off x="5278324" y="2135110"/>
+            <a:ext cx="0" cy="2374900"/>
+          </a:xfrm>
+          <a:prstGeom prst="line">
+            <a:avLst/>
+          </a:prstGeom>
+          <a:ln>
+            <a:prstDash val="sysDash"/>
+          </a:ln>
+          <a:effectLst/>
+        </p:spPr>
+        <p:style>
+          <a:lnRef idx="2">
+            <a:schemeClr val="accent1"/>
+          </a:lnRef>
+          <a:fillRef idx="0">
+            <a:schemeClr val="accent1"/>
+          </a:fillRef>
+          <a:effectRef idx="1">
+            <a:schemeClr val="accent1"/>
+          </a:effectRef>
+          <a:fontRef idx="minor">
+            <a:schemeClr val="tx1"/>
+          </a:fontRef>
+        </p:style>
+      </p:cxnSp>
+      <p:cxnSp>
+        <p:nvCxnSpPr>
+          <p:cNvPr id="10" name="Straight Connector 9"/>
+          <p:cNvCxnSpPr/>
+          <p:nvPr/>
+        </p:nvCxnSpPr>
+        <p:spPr>
+          <a:xfrm>
+            <a:off x="7231584" y="2135110"/>
+            <a:ext cx="0" cy="2374900"/>
+          </a:xfrm>
+          <a:prstGeom prst="line">
+            <a:avLst/>
+          </a:prstGeom>
+          <a:ln>
+            <a:prstDash val="sysDash"/>
+          </a:ln>
+          <a:effectLst/>
+        </p:spPr>
+        <p:style>
+          <a:lnRef idx="2">
+            <a:schemeClr val="accent1"/>
+          </a:lnRef>
+          <a:fillRef idx="0">
+            <a:schemeClr val="accent1"/>
+          </a:fillRef>
+          <a:effectRef idx="1">
+            <a:schemeClr val="accent1"/>
+          </a:effectRef>
+          <a:fontRef idx="minor">
+            <a:schemeClr val="tx1"/>
+          </a:fontRef>
+        </p:style>
+      </p:cxnSp>
+      <p:sp>
+        <p:nvSpPr>
+          <p:cNvPr id="11" name="Rounded Rectangle 10"/>
+          <p:cNvSpPr/>
+          <p:nvPr/>
+        </p:nvSpPr>
+        <p:spPr>
+          <a:xfrm>
+            <a:off x="594564" y="1484870"/>
+            <a:ext cx="2275840" cy="335280"/>
+          </a:xfrm>
+          <a:prstGeom prst="roundRect">
+            <a:avLst/>
+          </a:prstGeom>
+        </p:spPr>
+        <p:style>
+          <a:lnRef idx="1">
+            <a:schemeClr val="accent1"/>
+          </a:lnRef>
+          <a:fillRef idx="3">
+            <a:schemeClr val="accent1"/>
+          </a:fillRef>
+          <a:effectRef idx="2">
+            <a:schemeClr val="accent1"/>
+          </a:effectRef>
+          <a:fontRef idx="minor">
+            <a:schemeClr val="lt1"/>
+          </a:fontRef>
+        </p:style>
+        <p:txBody>
+          <a:bodyPr rtlCol="0" anchor="ctr"/>
+          <a:lstStyle/>
+          <a:p>
+            <a:pPr algn="ctr"/>
+            <a:r>
+              <a:rPr lang="en-US" dirty="0" smtClean="0">
+                <a:solidFill>
+                  <a:schemeClr val="tx1"/>
+                </a:solidFill>
+              </a:rPr>
+              <a:t>Global </a:t>
+            </a:r>
+            <a:r>
+              <a:rPr lang="en-US" dirty="0" err="1" smtClean="0">
+                <a:solidFill>
+                  <a:schemeClr val="tx1"/>
+                </a:solidFill>
+              </a:rPr>
+              <a:t>runqueue</a:t>
+            </a:r>
+            <a:endParaRPr lang="en-US" dirty="0">
+              <a:solidFill>
+                <a:schemeClr val="tx1"/>
+              </a:solidFill>
+            </a:endParaRPr>
+          </a:p>
+        </p:txBody>
+      </p:sp>
+      <p:sp>
+        <p:nvSpPr>
+          <p:cNvPr id="15" name="TextBox 14"/>
+          <p:cNvSpPr txBox="1"/>
+          <p:nvPr/>
+        </p:nvSpPr>
+        <p:spPr>
+          <a:xfrm>
+            <a:off x="594564" y="2287510"/>
+            <a:ext cx="692091" cy="369332"/>
+          </a:xfrm>
+          <a:prstGeom prst="rect">
+            <a:avLst/>
+          </a:prstGeom>
+          <a:noFill/>
+        </p:spPr>
+        <p:txBody>
+          <a:bodyPr wrap="none" rtlCol="0">
+            <a:spAutoFit/>
+          </a:bodyPr>
+          <a:lstStyle/>
+          <a:p>
+            <a:r>
+              <a:rPr lang="en-US" dirty="0" smtClean="0"/>
+              <a:t>CPU1</a:t>
+            </a:r>
+            <a:endParaRPr lang="en-US" dirty="0"/>
+          </a:p>
+        </p:txBody>
+      </p:sp>
+      <p:sp>
+        <p:nvSpPr>
+          <p:cNvPr id="16" name="TextBox 15"/>
+          <p:cNvSpPr txBox="1"/>
+          <p:nvPr/>
+        </p:nvSpPr>
+        <p:spPr>
+          <a:xfrm>
+            <a:off x="594564" y="3036810"/>
+            <a:ext cx="692091" cy="369332"/>
+          </a:xfrm>
+          <a:prstGeom prst="rect">
+            <a:avLst/>
+          </a:prstGeom>
+          <a:noFill/>
+        </p:spPr>
+        <p:txBody>
+          <a:bodyPr wrap="none" rtlCol="0">
+            <a:spAutoFit/>
+          </a:bodyPr>
+          <a:lstStyle/>
+          <a:p>
+            <a:r>
+              <a:rPr lang="en-US" dirty="0" smtClean="0"/>
+              <a:t>CPU2</a:t>
+            </a:r>
+            <a:endParaRPr lang="en-US" dirty="0"/>
+          </a:p>
+        </p:txBody>
+      </p:sp>
+      <p:sp>
+        <p:nvSpPr>
+          <p:cNvPr id="17" name="TextBox 16"/>
+          <p:cNvSpPr txBox="1"/>
+          <p:nvPr/>
+        </p:nvSpPr>
+        <p:spPr>
+          <a:xfrm>
+            <a:off x="594564" y="3722610"/>
+            <a:ext cx="692091" cy="369332"/>
+          </a:xfrm>
+          <a:prstGeom prst="rect">
+            <a:avLst/>
+          </a:prstGeom>
+          <a:noFill/>
+        </p:spPr>
+        <p:txBody>
+          <a:bodyPr wrap="none" rtlCol="0">
+            <a:spAutoFit/>
+          </a:bodyPr>
+          <a:lstStyle/>
+          <a:p>
+            <a:r>
+              <a:rPr lang="en-US" dirty="0" smtClean="0"/>
+              <a:t>CPU3</a:t>
+            </a:r>
+            <a:endParaRPr lang="en-US" dirty="0"/>
+          </a:p>
+        </p:txBody>
+      </p:sp>
+      <p:sp>
+        <p:nvSpPr>
+          <p:cNvPr id="18" name="TextBox 17"/>
+          <p:cNvSpPr txBox="1"/>
+          <p:nvPr/>
+        </p:nvSpPr>
+        <p:spPr>
+          <a:xfrm>
+            <a:off x="594564" y="4325344"/>
+            <a:ext cx="692091" cy="369332"/>
+          </a:xfrm>
+          <a:prstGeom prst="rect">
+            <a:avLst/>
+          </a:prstGeom>
+          <a:noFill/>
+        </p:spPr>
+        <p:txBody>
+          <a:bodyPr wrap="none" rtlCol="0">
+            <a:spAutoFit/>
+          </a:bodyPr>
+          <a:lstStyle/>
+          <a:p>
+            <a:r>
+              <a:rPr lang="en-US" dirty="0" smtClean="0"/>
+              <a:t>CPU4</a:t>
+            </a:r>
+          </a:p>
+        </p:txBody>
+      </p:sp>
+      <p:cxnSp>
+        <p:nvCxnSpPr>
+          <p:cNvPr id="26" name="Straight Connector 25"/>
+          <p:cNvCxnSpPr/>
+          <p:nvPr/>
+        </p:nvCxnSpPr>
+        <p:spPr>
+          <a:xfrm>
+            <a:off x="5278324" y="3294365"/>
+            <a:ext cx="1953260" cy="0"/>
+          </a:xfrm>
+          <a:prstGeom prst="line">
+            <a:avLst/>
+          </a:prstGeom>
+          <a:ln>
+            <a:solidFill>
+              <a:schemeClr val="accent6">
+                <a:lumMod val="75000"/>
+              </a:schemeClr>
+            </a:solidFill>
+          </a:ln>
+          <a:effectLst/>
+        </p:spPr>
+        <p:style>
+          <a:lnRef idx="2">
+            <a:schemeClr val="accent1"/>
+          </a:lnRef>
+          <a:fillRef idx="0">
+            <a:schemeClr val="accent1"/>
+          </a:fillRef>
+          <a:effectRef idx="1">
+            <a:schemeClr val="accent1"/>
+          </a:effectRef>
+          <a:fontRef idx="minor">
+            <a:schemeClr val="tx1"/>
+          </a:fontRef>
+        </p:style>
+      </p:cxnSp>
+      <p:cxnSp>
+        <p:nvCxnSpPr>
+          <p:cNvPr id="27" name="Straight Connector 26"/>
+          <p:cNvCxnSpPr/>
+          <p:nvPr/>
+        </p:nvCxnSpPr>
+        <p:spPr>
+          <a:xfrm>
+            <a:off x="1445464" y="3294365"/>
+            <a:ext cx="3832860" cy="0"/>
+          </a:xfrm>
+          <a:prstGeom prst="line">
+            <a:avLst/>
+          </a:prstGeom>
+          <a:ln>
+            <a:solidFill>
+              <a:srgbClr val="FF0000"/>
+            </a:solidFill>
+          </a:ln>
+          <a:effectLst/>
+        </p:spPr>
+        <p:style>
+          <a:lnRef idx="2">
+            <a:schemeClr val="accent1"/>
+          </a:lnRef>
+          <a:fillRef idx="0">
+            <a:schemeClr val="accent1"/>
+          </a:fillRef>
+          <a:effectRef idx="1">
+            <a:schemeClr val="accent1"/>
+          </a:effectRef>
+          <a:fontRef idx="minor">
+            <a:schemeClr val="tx1"/>
+          </a:fontRef>
+        </p:style>
+      </p:cxnSp>
+      <p:cxnSp>
+        <p:nvCxnSpPr>
+          <p:cNvPr id="28" name="Straight Connector 27"/>
+          <p:cNvCxnSpPr/>
+          <p:nvPr/>
+        </p:nvCxnSpPr>
+        <p:spPr>
+          <a:xfrm>
+            <a:off x="1445464" y="3975085"/>
+            <a:ext cx="2948940" cy="0"/>
+          </a:xfrm>
+          <a:prstGeom prst="line">
+            <a:avLst/>
+          </a:prstGeom>
+          <a:ln>
+            <a:solidFill>
+              <a:srgbClr val="0000FF"/>
+            </a:solidFill>
+          </a:ln>
+          <a:effectLst/>
+        </p:spPr>
+        <p:style>
+          <a:lnRef idx="2">
+            <a:schemeClr val="accent1"/>
+          </a:lnRef>
+          <a:fillRef idx="0">
+            <a:schemeClr val="accent1"/>
+          </a:fillRef>
+          <a:effectRef idx="1">
+            <a:schemeClr val="accent1"/>
+          </a:effectRef>
+          <a:fontRef idx="minor">
+            <a:schemeClr val="tx1"/>
+          </a:fontRef>
+        </p:style>
+      </p:cxnSp>
+      <p:cxnSp>
+        <p:nvCxnSpPr>
+          <p:cNvPr id="35" name="Straight Connector 34"/>
+          <p:cNvCxnSpPr/>
+          <p:nvPr/>
+        </p:nvCxnSpPr>
+        <p:spPr>
+          <a:xfrm>
+            <a:off x="7231584" y="3294365"/>
+            <a:ext cx="1236980" cy="0"/>
+          </a:xfrm>
+          <a:prstGeom prst="line">
+            <a:avLst/>
+          </a:prstGeom>
+          <a:ln>
+            <a:solidFill>
+              <a:srgbClr val="FF0000"/>
+            </a:solidFill>
+          </a:ln>
+          <a:effectLst/>
+        </p:spPr>
+        <p:style>
+          <a:lnRef idx="2">
+            <a:schemeClr val="accent1"/>
+          </a:lnRef>
+          <a:fillRef idx="0">
+            <a:schemeClr val="accent1"/>
+          </a:fillRef>
+          <a:effectRef idx="1">
+            <a:schemeClr val="accent1"/>
+          </a:effectRef>
+          <a:fontRef idx="minor">
+            <a:schemeClr val="tx1"/>
+          </a:fontRef>
+        </p:style>
+      </p:cxnSp>
+      <p:cxnSp>
+        <p:nvCxnSpPr>
+          <p:cNvPr id="48" name="Straight Connector 47"/>
+          <p:cNvCxnSpPr/>
+          <p:nvPr/>
+        </p:nvCxnSpPr>
+        <p:spPr>
+          <a:xfrm>
+            <a:off x="4394405" y="3970004"/>
+            <a:ext cx="4074159" cy="0"/>
+          </a:xfrm>
+          <a:prstGeom prst="line">
+            <a:avLst/>
+          </a:prstGeom>
+          <a:ln>
+            <a:solidFill>
+              <a:srgbClr val="660066"/>
+            </a:solidFill>
+          </a:ln>
+          <a:effectLst/>
+        </p:spPr>
+        <p:style>
+          <a:lnRef idx="2">
+            <a:schemeClr val="accent1"/>
+          </a:lnRef>
+          <a:fillRef idx="0">
+            <a:schemeClr val="accent1"/>
+          </a:fillRef>
+          <a:effectRef idx="1">
+            <a:schemeClr val="accent1"/>
+          </a:effectRef>
+          <a:fontRef idx="minor">
+            <a:schemeClr val="tx1"/>
+          </a:fontRef>
+        </p:style>
+      </p:cxnSp>
+      <p:cxnSp>
+        <p:nvCxnSpPr>
+          <p:cNvPr id="51" name="Straight Connector 50"/>
+          <p:cNvCxnSpPr/>
+          <p:nvPr/>
+        </p:nvCxnSpPr>
+        <p:spPr>
+          <a:xfrm>
+            <a:off x="1445464" y="2471405"/>
+            <a:ext cx="7023100" cy="0"/>
+          </a:xfrm>
+          <a:prstGeom prst="line">
+            <a:avLst/>
+          </a:prstGeom>
+          <a:ln>
+            <a:solidFill>
+              <a:srgbClr val="008000"/>
+            </a:solidFill>
+          </a:ln>
+          <a:effectLst/>
+        </p:spPr>
+        <p:style>
+          <a:lnRef idx="2">
+            <a:schemeClr val="accent4"/>
+          </a:lnRef>
+          <a:fillRef idx="0">
+            <a:schemeClr val="accent4"/>
+          </a:fillRef>
+          <a:effectRef idx="1">
+            <a:schemeClr val="accent4"/>
+          </a:effectRef>
+          <a:fontRef idx="minor">
+            <a:schemeClr val="tx1"/>
+          </a:fontRef>
+        </p:style>
+      </p:cxnSp>
+      <p:cxnSp>
+        <p:nvCxnSpPr>
+          <p:cNvPr id="86" name="Straight Connector 85"/>
+          <p:cNvCxnSpPr/>
+          <p:nvPr/>
+        </p:nvCxnSpPr>
+        <p:spPr>
+          <a:xfrm flipV="1">
+            <a:off x="4394404" y="3722610"/>
+            <a:ext cx="0" cy="399794"/>
+          </a:xfrm>
+          <a:prstGeom prst="line">
+            <a:avLst/>
+          </a:prstGeom>
+          <a:ln w="76200" cmpd="sng">
+            <a:solidFill>
+              <a:srgbClr val="660066"/>
+            </a:solidFill>
+          </a:ln>
+          <a:effectLst/>
+        </p:spPr>
+        <p:style>
+          <a:lnRef idx="2">
+            <a:schemeClr val="accent1"/>
+          </a:lnRef>
+          <a:fillRef idx="0">
+            <a:schemeClr val="accent1"/>
+          </a:fillRef>
+          <a:effectRef idx="1">
+            <a:schemeClr val="accent1"/>
+          </a:effectRef>
+          <a:fontRef idx="minor">
+            <a:schemeClr val="tx1"/>
+          </a:fontRef>
+        </p:style>
+      </p:cxnSp>
+      <p:sp>
+        <p:nvSpPr>
+          <p:cNvPr id="100" name="TextBox 99"/>
+          <p:cNvSpPr txBox="1"/>
+          <p:nvPr/>
+        </p:nvSpPr>
+        <p:spPr>
+          <a:xfrm>
+            <a:off x="594564" y="4629110"/>
+            <a:ext cx="6678481" cy="307777"/>
+          </a:xfrm>
+          <a:prstGeom prst="rect">
+            <a:avLst/>
+          </a:prstGeom>
+          <a:noFill/>
+        </p:spPr>
+        <p:txBody>
+          <a:bodyPr wrap="none" rtlCol="0">
+            <a:spAutoFit/>
+          </a:bodyPr>
+          <a:lstStyle/>
+          <a:p>
+            <a:r>
+              <a:rPr lang="en-US" sz="1400" dirty="0" smtClean="0"/>
+              <a:t>1 thread (CPU4) keeps polling whether there is a external interrupt </a:t>
+            </a:r>
+            <a:r>
+              <a:rPr lang="en-US" sz="1400" dirty="0"/>
+              <a:t>(e.g. new task comes)</a:t>
+            </a:r>
+            <a:endParaRPr lang="en-US" sz="1400" dirty="0"/>
+          </a:p>
+        </p:txBody>
+      </p:sp>
+      <p:cxnSp>
+        <p:nvCxnSpPr>
+          <p:cNvPr id="101" name="Straight Connector 100"/>
+          <p:cNvCxnSpPr/>
+          <p:nvPr/>
+        </p:nvCxnSpPr>
+        <p:spPr>
+          <a:xfrm flipV="1">
+            <a:off x="5252138" y="3094468"/>
+            <a:ext cx="0" cy="399794"/>
+          </a:xfrm>
+          <a:prstGeom prst="line">
+            <a:avLst/>
+          </a:prstGeom>
+          <a:ln w="76200" cmpd="sng">
+            <a:solidFill>
+              <a:srgbClr val="FF0000"/>
+            </a:solidFill>
+          </a:ln>
+          <a:effectLst/>
+        </p:spPr>
+        <p:style>
+          <a:lnRef idx="2">
+            <a:schemeClr val="accent1"/>
+          </a:lnRef>
+          <a:fillRef idx="0">
+            <a:schemeClr val="accent1"/>
+          </a:fillRef>
+          <a:effectRef idx="1">
+            <a:schemeClr val="accent1"/>
+          </a:effectRef>
+          <a:fontRef idx="minor">
+            <a:schemeClr val="tx1"/>
+          </a:fontRef>
+        </p:style>
+      </p:cxnSp>
+      <p:cxnSp>
+        <p:nvCxnSpPr>
+          <p:cNvPr id="102" name="Straight Connector 101"/>
+          <p:cNvCxnSpPr/>
+          <p:nvPr/>
+        </p:nvCxnSpPr>
+        <p:spPr>
+          <a:xfrm flipV="1">
+            <a:off x="7270863" y="3094468"/>
+            <a:ext cx="0" cy="399794"/>
+          </a:xfrm>
+          <a:prstGeom prst="line">
+            <a:avLst/>
+          </a:prstGeom>
+          <a:ln w="76200" cmpd="sng">
+            <a:solidFill>
+              <a:srgbClr val="FF0000"/>
+            </a:solidFill>
+          </a:ln>
+          <a:effectLst/>
+        </p:spPr>
+        <p:style>
+          <a:lnRef idx="2">
+            <a:schemeClr val="accent1"/>
+          </a:lnRef>
+          <a:fillRef idx="0">
+            <a:schemeClr val="accent1"/>
+          </a:fillRef>
+          <a:effectRef idx="1">
+            <a:schemeClr val="accent1"/>
+          </a:effectRef>
+          <a:fontRef idx="minor">
+            <a:schemeClr val="tx1"/>
+          </a:fontRef>
+        </p:style>
+      </p:cxnSp>
+      <p:cxnSp>
+        <p:nvCxnSpPr>
+          <p:cNvPr id="103" name="Straight Connector 102"/>
+          <p:cNvCxnSpPr/>
+          <p:nvPr/>
+        </p:nvCxnSpPr>
+        <p:spPr>
+          <a:xfrm flipV="1">
+            <a:off x="7200676" y="3094468"/>
+            <a:ext cx="0" cy="399794"/>
+          </a:xfrm>
+          <a:prstGeom prst="line">
+            <a:avLst/>
+          </a:prstGeom>
+          <a:ln w="76200" cmpd="sng">
+            <a:solidFill>
+              <a:schemeClr val="accent6"/>
+            </a:solidFill>
+          </a:ln>
+          <a:effectLst/>
+        </p:spPr>
+        <p:style>
+          <a:lnRef idx="2">
+            <a:schemeClr val="accent1"/>
+          </a:lnRef>
+          <a:fillRef idx="0">
+            <a:schemeClr val="accent1"/>
+          </a:fillRef>
+          <a:effectRef idx="1">
+            <a:schemeClr val="accent1"/>
+          </a:effectRef>
+          <a:fontRef idx="minor">
+            <a:schemeClr val="tx1"/>
+          </a:fontRef>
+        </p:style>
+      </p:cxnSp>
+      <p:cxnSp>
+        <p:nvCxnSpPr>
+          <p:cNvPr id="104" name="Straight Connector 103"/>
+          <p:cNvCxnSpPr/>
+          <p:nvPr/>
+        </p:nvCxnSpPr>
+        <p:spPr>
+          <a:xfrm flipV="1">
+            <a:off x="5317603" y="3098289"/>
+            <a:ext cx="0" cy="399794"/>
+          </a:xfrm>
+          <a:prstGeom prst="line">
+            <a:avLst/>
+          </a:prstGeom>
+          <a:ln w="76200" cmpd="sng">
+            <a:solidFill>
+              <a:schemeClr val="accent6"/>
+            </a:solidFill>
+          </a:ln>
+          <a:effectLst/>
+        </p:spPr>
+        <p:style>
+          <a:lnRef idx="2">
+            <a:schemeClr val="accent1"/>
+          </a:lnRef>
+          <a:fillRef idx="0">
+            <a:schemeClr val="accent1"/>
+          </a:fillRef>
+          <a:effectRef idx="1">
+            <a:schemeClr val="accent1"/>
+          </a:effectRef>
+          <a:fontRef idx="minor">
+            <a:schemeClr val="tx1"/>
+          </a:fontRef>
+        </p:style>
+      </p:cxnSp>
+      <p:cxnSp>
+        <p:nvCxnSpPr>
+          <p:cNvPr id="114" name="Curved Connector 113"/>
+          <p:cNvCxnSpPr>
+            <a:endCxn id="11" idx="3"/>
+          </p:cNvCxnSpPr>
+          <p:nvPr/>
+        </p:nvCxnSpPr>
+        <p:spPr>
+          <a:xfrm rot="10800000">
+            <a:off x="2870404" y="1652511"/>
+            <a:ext cx="2381734" cy="1548677"/>
+          </a:xfrm>
+          <a:prstGeom prst="curvedConnector3">
+            <a:avLst>
+              <a:gd name="adj1" fmla="val 5471"/>
+            </a:avLst>
+          </a:prstGeom>
+          <a:ln w="57150" cmpd="sng">
+            <a:solidFill>
+              <a:srgbClr val="FF0000"/>
+            </a:solidFill>
+            <a:tailEnd type="arrow"/>
+          </a:ln>
+        </p:spPr>
+        <p:style>
+          <a:lnRef idx="2">
+            <a:schemeClr val="accent1"/>
+          </a:lnRef>
+          <a:fillRef idx="0">
+            <a:schemeClr val="accent1"/>
+          </a:fillRef>
+          <a:effectRef idx="1">
+            <a:schemeClr val="accent1"/>
+          </a:effectRef>
+          <a:fontRef idx="minor">
+            <a:schemeClr val="tx1"/>
+          </a:fontRef>
+        </p:style>
+      </p:cxnSp>
+      <p:cxnSp>
+        <p:nvCxnSpPr>
+          <p:cNvPr id="124" name="Straight Connector 123"/>
+          <p:cNvCxnSpPr/>
+          <p:nvPr/>
+        </p:nvCxnSpPr>
+        <p:spPr>
+          <a:xfrm flipV="1">
+            <a:off x="4360004" y="3722610"/>
+            <a:ext cx="0" cy="399794"/>
+          </a:xfrm>
+          <a:prstGeom prst="line">
+            <a:avLst/>
+          </a:prstGeom>
+          <a:ln w="76200" cmpd="sng">
+            <a:solidFill>
+              <a:srgbClr val="0000FF"/>
+            </a:solidFill>
+          </a:ln>
+          <a:effectLst/>
+        </p:spPr>
+        <p:style>
+          <a:lnRef idx="2">
+            <a:schemeClr val="accent1"/>
+          </a:lnRef>
+          <a:fillRef idx="0">
+            <a:schemeClr val="accent1"/>
+          </a:fillRef>
+          <a:effectRef idx="1">
+            <a:schemeClr val="accent1"/>
+          </a:effectRef>
+          <a:fontRef idx="minor">
+            <a:schemeClr val="tx1"/>
+          </a:fontRef>
+        </p:style>
+      </p:cxnSp>
+      <p:cxnSp>
+        <p:nvCxnSpPr>
+          <p:cNvPr id="125" name="Curved Connector 124"/>
+          <p:cNvCxnSpPr>
+            <a:endCxn id="11" idx="3"/>
+          </p:cNvCxnSpPr>
+          <p:nvPr/>
+        </p:nvCxnSpPr>
+        <p:spPr>
+          <a:xfrm rot="10800000">
+            <a:off x="2870404" y="1652511"/>
+            <a:ext cx="4237800" cy="1445781"/>
+          </a:xfrm>
+          <a:prstGeom prst="curvedConnector3">
+            <a:avLst>
+              <a:gd name="adj1" fmla="val 1802"/>
+            </a:avLst>
+          </a:prstGeom>
+          <a:ln w="57150" cmpd="sng">
+            <a:solidFill>
+              <a:srgbClr val="F79646"/>
+            </a:solidFill>
+            <a:tailEnd type="arrow"/>
+          </a:ln>
+        </p:spPr>
+        <p:style>
+          <a:lnRef idx="2">
+            <a:schemeClr val="accent1"/>
+          </a:lnRef>
+          <a:fillRef idx="0">
+            <a:schemeClr val="accent1"/>
+          </a:fillRef>
+          <a:effectRef idx="1">
+            <a:schemeClr val="accent1"/>
+          </a:effectRef>
+          <a:fontRef idx="minor">
+            <a:schemeClr val="tx1"/>
+          </a:fontRef>
+        </p:style>
+      </p:cxnSp>
+      <p:cxnSp>
+        <p:nvCxnSpPr>
+          <p:cNvPr id="135" name="Straight Arrow Connector 134"/>
+          <p:cNvCxnSpPr/>
+          <p:nvPr/>
+        </p:nvCxnSpPr>
+        <p:spPr>
+          <a:xfrm>
+            <a:off x="3025527" y="2256275"/>
+            <a:ext cx="250763" cy="185436"/>
+          </a:xfrm>
+          <a:prstGeom prst="straightConnector1">
+            <a:avLst/>
+          </a:prstGeom>
+          <a:ln>
+            <a:tailEnd type="arrow"/>
+          </a:ln>
+        </p:spPr>
+        <p:style>
+          <a:lnRef idx="2">
+            <a:schemeClr val="accent1"/>
+          </a:lnRef>
+          <a:fillRef idx="0">
+            <a:schemeClr val="accent1"/>
+          </a:fillRef>
+          <a:effectRef idx="1">
+            <a:schemeClr val="accent1"/>
+          </a:effectRef>
+          <a:fontRef idx="minor">
+            <a:schemeClr val="tx1"/>
+          </a:fontRef>
+        </p:style>
+      </p:cxnSp>
+      <p:cxnSp>
+        <p:nvCxnSpPr>
+          <p:cNvPr id="137" name="Straight Arrow Connector 136"/>
+          <p:cNvCxnSpPr/>
+          <p:nvPr/>
+        </p:nvCxnSpPr>
+        <p:spPr>
+          <a:xfrm>
+            <a:off x="3026359" y="3098293"/>
+            <a:ext cx="250763" cy="185436"/>
+          </a:xfrm>
+          <a:prstGeom prst="straightConnector1">
+            <a:avLst/>
+          </a:prstGeom>
+          <a:ln>
+            <a:tailEnd type="arrow"/>
+          </a:ln>
+        </p:spPr>
+        <p:style>
+          <a:lnRef idx="2">
+            <a:schemeClr val="accent1"/>
+          </a:lnRef>
+          <a:fillRef idx="0">
+            <a:schemeClr val="accent1"/>
+          </a:fillRef>
+          <a:effectRef idx="1">
+            <a:schemeClr val="accent1"/>
+          </a:effectRef>
+          <a:fontRef idx="minor">
+            <a:schemeClr val="tx1"/>
+          </a:fontRef>
+        </p:style>
+      </p:cxnSp>
+      <p:cxnSp>
+        <p:nvCxnSpPr>
+          <p:cNvPr id="138" name="Straight Arrow Connector 137"/>
+          <p:cNvCxnSpPr/>
+          <p:nvPr/>
+        </p:nvCxnSpPr>
+        <p:spPr>
+          <a:xfrm>
+            <a:off x="3026359" y="3759954"/>
+            <a:ext cx="250763" cy="185436"/>
+          </a:xfrm>
+          <a:prstGeom prst="straightConnector1">
+            <a:avLst/>
+          </a:prstGeom>
+          <a:ln>
+            <a:tailEnd type="arrow"/>
+          </a:ln>
+        </p:spPr>
+        <p:style>
+          <a:lnRef idx="2">
+            <a:schemeClr val="accent1"/>
+          </a:lnRef>
+          <a:fillRef idx="0">
+            <a:schemeClr val="accent1"/>
+          </a:fillRef>
+          <a:effectRef idx="1">
+            <a:schemeClr val="accent1"/>
+          </a:effectRef>
+          <a:fontRef idx="minor">
+            <a:schemeClr val="tx1"/>
+          </a:fontRef>
+        </p:style>
+      </p:cxnSp>
+      <p:sp>
+        <p:nvSpPr>
+          <p:cNvPr id="139" name="TextBox 138"/>
+          <p:cNvSpPr txBox="1"/>
+          <p:nvPr/>
+        </p:nvSpPr>
+        <p:spPr>
+          <a:xfrm>
+            <a:off x="1541485" y="2707377"/>
+            <a:ext cx="1609567" cy="430887"/>
+          </a:xfrm>
+          <a:prstGeom prst="rect">
+            <a:avLst/>
+          </a:prstGeom>
+          <a:noFill/>
+        </p:spPr>
+        <p:txBody>
+          <a:bodyPr wrap="none" rtlCol="0">
+            <a:spAutoFit/>
+          </a:bodyPr>
+          <a:lstStyle/>
+          <a:p>
+            <a:pPr algn="r"/>
+            <a:r>
+              <a:rPr lang="en-US" sz="1100" dirty="0" smtClean="0">
+                <a:solidFill>
+                  <a:schemeClr val="accent1"/>
+                </a:solidFill>
+              </a:rPr>
+              <a:t>check if </a:t>
+            </a:r>
+            <a:r>
+              <a:rPr lang="en-US" sz="1100" dirty="0" err="1" smtClean="0">
+                <a:solidFill>
+                  <a:schemeClr val="accent1"/>
+                </a:solidFill>
+              </a:rPr>
+              <a:t>time_slice</a:t>
+            </a:r>
+            <a:r>
+              <a:rPr lang="en-US" sz="1100" dirty="0" smtClean="0">
+                <a:solidFill>
+                  <a:schemeClr val="accent1"/>
+                </a:solidFill>
+              </a:rPr>
+              <a:t> is out</a:t>
+            </a:r>
+          </a:p>
+          <a:p>
+            <a:pPr algn="r"/>
+            <a:r>
+              <a:rPr lang="en-US" sz="1100" b="1" dirty="0" smtClean="0">
+                <a:solidFill>
+                  <a:schemeClr val="accent1"/>
+                </a:solidFill>
+              </a:rPr>
+              <a:t>not out yet!</a:t>
+            </a:r>
+            <a:endParaRPr lang="en-US" sz="1100" b="1" dirty="0">
+              <a:solidFill>
+                <a:schemeClr val="accent1"/>
+              </a:solidFill>
+            </a:endParaRPr>
+          </a:p>
+        </p:txBody>
+      </p:sp>
+      <p:cxnSp>
+        <p:nvCxnSpPr>
+          <p:cNvPr id="41" name="Curved Connector 40"/>
+          <p:cNvCxnSpPr>
+            <a:stCxn id="11" idx="3"/>
+          </p:cNvCxnSpPr>
+          <p:nvPr/>
+        </p:nvCxnSpPr>
+        <p:spPr>
+          <a:xfrm>
+            <a:off x="2870404" y="1652510"/>
+            <a:ext cx="1524001" cy="2322574"/>
+          </a:xfrm>
+          <a:prstGeom prst="curvedConnector2">
+            <a:avLst/>
+          </a:prstGeom>
+          <a:ln w="57150" cmpd="sng">
+            <a:solidFill>
+              <a:srgbClr val="660066"/>
+            </a:solidFill>
+            <a:tailEnd type="arrow"/>
+          </a:ln>
+        </p:spPr>
+        <p:style>
+          <a:lnRef idx="2">
+            <a:schemeClr val="accent1"/>
+          </a:lnRef>
+          <a:fillRef idx="0">
+            <a:schemeClr val="accent1"/>
+          </a:fillRef>
+          <a:effectRef idx="1">
+            <a:schemeClr val="accent1"/>
+          </a:effectRef>
+          <a:fontRef idx="minor">
+            <a:schemeClr val="tx1"/>
+          </a:fontRef>
+        </p:style>
+      </p:cxnSp>
+      <p:cxnSp>
+        <p:nvCxnSpPr>
+          <p:cNvPr id="105" name="Curved Connector 104"/>
+          <p:cNvCxnSpPr>
+            <a:stCxn id="11" idx="3"/>
+          </p:cNvCxnSpPr>
+          <p:nvPr/>
+        </p:nvCxnSpPr>
+        <p:spPr>
+          <a:xfrm>
+            <a:off x="2870404" y="1652510"/>
+            <a:ext cx="2381734" cy="1441958"/>
+          </a:xfrm>
+          <a:prstGeom prst="curvedConnector3">
+            <a:avLst>
+              <a:gd name="adj1" fmla="val 99476"/>
+            </a:avLst>
+          </a:prstGeom>
+          <a:ln w="57150" cmpd="sng">
+            <a:solidFill>
+              <a:srgbClr val="F79646"/>
+            </a:solidFill>
+            <a:tailEnd type="arrow"/>
+          </a:ln>
+        </p:spPr>
+        <p:style>
+          <a:lnRef idx="2">
+            <a:schemeClr val="accent1"/>
+          </a:lnRef>
+          <a:fillRef idx="0">
+            <a:schemeClr val="accent1"/>
+          </a:fillRef>
+          <a:effectRef idx="1">
+            <a:schemeClr val="accent1"/>
+          </a:effectRef>
+          <a:fontRef idx="minor">
+            <a:schemeClr val="tx1"/>
+          </a:fontRef>
+        </p:style>
+      </p:cxnSp>
+      <p:cxnSp>
+        <p:nvCxnSpPr>
+          <p:cNvPr id="130" name="Curved Connector 129"/>
+          <p:cNvCxnSpPr>
+            <a:stCxn id="11" idx="3"/>
+          </p:cNvCxnSpPr>
+          <p:nvPr/>
+        </p:nvCxnSpPr>
+        <p:spPr>
+          <a:xfrm>
+            <a:off x="2870404" y="1652510"/>
+            <a:ext cx="4400459" cy="1384301"/>
+          </a:xfrm>
+          <a:prstGeom prst="curvedConnector3">
+            <a:avLst>
+              <a:gd name="adj1" fmla="val 99690"/>
+            </a:avLst>
+          </a:prstGeom>
+          <a:ln w="57150" cmpd="sng">
+            <a:solidFill>
+              <a:srgbClr val="FF0000"/>
+            </a:solidFill>
+            <a:tailEnd type="arrow"/>
+          </a:ln>
+        </p:spPr>
+        <p:style>
+          <a:lnRef idx="2">
+            <a:schemeClr val="accent1"/>
+          </a:lnRef>
+          <a:fillRef idx="0">
+            <a:schemeClr val="accent1"/>
+          </a:fillRef>
+          <a:effectRef idx="1">
+            <a:schemeClr val="accent1"/>
+          </a:effectRef>
+          <a:fontRef idx="minor">
+            <a:schemeClr val="tx1"/>
+          </a:fontRef>
+        </p:style>
+      </p:cxnSp>
+      <p:sp>
+        <p:nvSpPr>
+          <p:cNvPr id="141" name="TextBox 140"/>
+          <p:cNvSpPr txBox="1"/>
+          <p:nvPr/>
+        </p:nvSpPr>
+        <p:spPr>
+          <a:xfrm>
+            <a:off x="4543666" y="2819431"/>
+            <a:ext cx="553858" cy="261610"/>
+          </a:xfrm>
+          <a:prstGeom prst="rect">
+            <a:avLst/>
+          </a:prstGeom>
+          <a:noFill/>
+        </p:spPr>
+        <p:txBody>
+          <a:bodyPr wrap="none" rtlCol="0">
+            <a:spAutoFit/>
+          </a:bodyPr>
+          <a:lstStyle/>
+          <a:p>
+            <a:r>
+              <a:rPr lang="en-US" sz="1100" b="1" dirty="0" smtClean="0">
+                <a:solidFill>
+                  <a:srgbClr val="4F81BD"/>
+                </a:solidFill>
+              </a:rPr>
+              <a:t>is out!</a:t>
+            </a:r>
+            <a:endParaRPr lang="en-US" sz="1100" b="1" dirty="0">
+              <a:solidFill>
+                <a:srgbClr val="4F81BD"/>
+              </a:solidFill>
+            </a:endParaRPr>
+          </a:p>
+        </p:txBody>
+      </p:sp>
+      <p:cxnSp>
+        <p:nvCxnSpPr>
+          <p:cNvPr id="142" name="Straight Arrow Connector 141"/>
+          <p:cNvCxnSpPr/>
+          <p:nvPr/>
+        </p:nvCxnSpPr>
+        <p:spPr>
+          <a:xfrm>
+            <a:off x="4947263" y="3047569"/>
+            <a:ext cx="250763" cy="185436"/>
+          </a:xfrm>
+          <a:prstGeom prst="straightConnector1">
+            <a:avLst/>
+          </a:prstGeom>
+          <a:ln>
+            <a:tailEnd type="arrow"/>
+          </a:ln>
+        </p:spPr>
+        <p:style>
+          <a:lnRef idx="2">
+            <a:schemeClr val="accent1"/>
+          </a:lnRef>
+          <a:fillRef idx="0">
+            <a:schemeClr val="accent1"/>
+          </a:fillRef>
+          <a:effectRef idx="1">
+            <a:schemeClr val="accent1"/>
+          </a:effectRef>
+          <a:fontRef idx="minor">
+            <a:schemeClr val="tx1"/>
+          </a:fontRef>
+        </p:style>
+      </p:cxnSp>
+      <p:sp>
+        <p:nvSpPr>
+          <p:cNvPr id="166" name="TextBox 165"/>
+          <p:cNvSpPr txBox="1"/>
+          <p:nvPr/>
+        </p:nvSpPr>
+        <p:spPr>
+          <a:xfrm>
+            <a:off x="2902937" y="3271937"/>
+            <a:ext cx="766143" cy="261610"/>
+          </a:xfrm>
+          <a:prstGeom prst="rect">
+            <a:avLst/>
+          </a:prstGeom>
+          <a:noFill/>
+        </p:spPr>
+        <p:txBody>
+          <a:bodyPr wrap="none" rtlCol="0">
+            <a:spAutoFit/>
+          </a:bodyPr>
+          <a:lstStyle/>
+          <a:p>
+            <a:r>
+              <a:rPr lang="en-US" sz="1100" dirty="0" err="1" smtClean="0">
+                <a:solidFill>
+                  <a:srgbClr val="FF0000"/>
+                </a:solidFill>
+              </a:rPr>
+              <a:t>time_slice</a:t>
+            </a:r>
+            <a:endParaRPr lang="en-US" sz="1100" dirty="0" smtClean="0">
+              <a:solidFill>
+                <a:srgbClr val="FF0000"/>
+              </a:solidFill>
+            </a:endParaRPr>
+          </a:p>
+        </p:txBody>
+      </p:sp>
+      <p:cxnSp>
+        <p:nvCxnSpPr>
+          <p:cNvPr id="168" name="Straight Arrow Connector 167"/>
+          <p:cNvCxnSpPr>
+            <a:stCxn id="166" idx="1"/>
+          </p:cNvCxnSpPr>
+          <p:nvPr/>
+        </p:nvCxnSpPr>
+        <p:spPr>
+          <a:xfrm flipH="1">
+            <a:off x="1471965" y="3402742"/>
+            <a:ext cx="1430972" cy="0"/>
+          </a:xfrm>
+          <a:prstGeom prst="straightConnector1">
+            <a:avLst/>
+          </a:prstGeom>
+          <a:ln>
+            <a:solidFill>
+              <a:srgbClr val="FF0000"/>
+            </a:solidFill>
+            <a:prstDash val="dash"/>
+            <a:tailEnd type="arrow"/>
+          </a:ln>
+        </p:spPr>
+        <p:style>
+          <a:lnRef idx="2">
+            <a:schemeClr val="accent1"/>
+          </a:lnRef>
+          <a:fillRef idx="0">
+            <a:schemeClr val="accent1"/>
+          </a:fillRef>
+          <a:effectRef idx="1">
+            <a:schemeClr val="accent1"/>
+          </a:effectRef>
+          <a:fontRef idx="minor">
+            <a:schemeClr val="tx1"/>
+          </a:fontRef>
+        </p:style>
+      </p:cxnSp>
+      <p:cxnSp>
+        <p:nvCxnSpPr>
+          <p:cNvPr id="170" name="Straight Arrow Connector 169"/>
+          <p:cNvCxnSpPr>
+            <a:stCxn id="166" idx="3"/>
+          </p:cNvCxnSpPr>
+          <p:nvPr/>
+        </p:nvCxnSpPr>
+        <p:spPr>
+          <a:xfrm>
+            <a:off x="3669080" y="3402742"/>
+            <a:ext cx="1574506" cy="0"/>
+          </a:xfrm>
+          <a:prstGeom prst="straightConnector1">
+            <a:avLst/>
+          </a:prstGeom>
+          <a:ln>
+            <a:solidFill>
+              <a:srgbClr val="FF0000"/>
+            </a:solidFill>
+            <a:prstDash val="dash"/>
+            <a:tailEnd type="arrow"/>
+          </a:ln>
+        </p:spPr>
+        <p:style>
+          <a:lnRef idx="2">
+            <a:schemeClr val="accent1"/>
+          </a:lnRef>
+          <a:fillRef idx="0">
+            <a:schemeClr val="accent1"/>
+          </a:fillRef>
+          <a:effectRef idx="1">
+            <a:schemeClr val="accent1"/>
+          </a:effectRef>
+          <a:fontRef idx="minor">
+            <a:schemeClr val="tx1"/>
+          </a:fontRef>
+        </p:style>
+      </p:cxnSp>
+      <p:sp>
+        <p:nvSpPr>
+          <p:cNvPr id="182" name="TextBox 181"/>
           <p:cNvSpPr txBox="1"/>
           <p:nvPr/>
         </p:nvSpPr>
@@ -5181,7 +8446,7 @@
             <a:pPr algn="ctr"/>
             <a:r>
               <a:rPr lang="en-US" sz="4400" b="1" dirty="0" smtClean="0"/>
-              <a:t>Conclusion</a:t>
+              <a:t>Linux-like CFS scheduler simulator</a:t>
             </a:r>
             <a:endParaRPr lang="en-US" sz="4400" b="1" dirty="0"/>
           </a:p>
@@ -5189,14 +8454,14 @@
       </p:sp>
       <p:sp>
         <p:nvSpPr>
-          <p:cNvPr id="3" name="TextBox 2"/>
+          <p:cNvPr id="183" name="TextBox 182"/>
           <p:cNvSpPr txBox="1"/>
           <p:nvPr/>
         </p:nvSpPr>
         <p:spPr>
           <a:xfrm>
-            <a:off x="221935" y="1775375"/>
-            <a:ext cx="8766404" cy="2985433"/>
+            <a:off x="7944580" y="4455265"/>
+            <a:ext cx="446131" cy="261610"/>
           </a:xfrm>
           <a:prstGeom prst="rect">
             <a:avLst/>
@@ -5204,20 +8469,209 @@
           <a:noFill/>
         </p:spPr>
         <p:txBody>
-          <a:bodyPr wrap="square" rtlCol="0">
+          <a:bodyPr wrap="none" rtlCol="0">
             <a:spAutoFit/>
           </a:bodyPr>
           <a:lstStyle/>
           <a:p>
             <a:r>
-              <a:rPr lang="en-US" sz="2800" b="1" dirty="0"/>
-              <a:t>Our main </a:t>
-            </a:r>
-            <a:r>
-              <a:rPr lang="en-US" sz="2800" b="1" dirty="0" smtClean="0"/>
-              <a:t>contribution</a:t>
-            </a:r>
-            <a:endParaRPr lang="en-US" sz="2800" dirty="0"/>
+              <a:rPr lang="en-US" sz="1100" dirty="0" smtClean="0">
+                <a:solidFill>
+                  <a:srgbClr val="4F81BD"/>
+                </a:solidFill>
+              </a:rPr>
+              <a:t>time</a:t>
+            </a:r>
+            <a:endParaRPr lang="en-US" sz="1100" dirty="0">
+              <a:solidFill>
+                <a:srgbClr val="4F81BD"/>
+              </a:solidFill>
+            </a:endParaRPr>
+          </a:p>
+        </p:txBody>
+      </p:sp>
+      <p:sp>
+        <p:nvSpPr>
+          <p:cNvPr id="184" name="TextBox 183"/>
+          <p:cNvSpPr txBox="1"/>
+          <p:nvPr/>
+        </p:nvSpPr>
+        <p:spPr>
+          <a:xfrm>
+            <a:off x="8055277" y="2413285"/>
+            <a:ext cx="518247" cy="261610"/>
+          </a:xfrm>
+          <a:prstGeom prst="rect">
+            <a:avLst/>
+          </a:prstGeom>
+          <a:noFill/>
+          <a:ln>
+            <a:noFill/>
+          </a:ln>
+        </p:spPr>
+        <p:txBody>
+          <a:bodyPr wrap="none" rtlCol="0">
+            <a:spAutoFit/>
+          </a:bodyPr>
+          <a:lstStyle/>
+          <a:p>
+            <a:r>
+              <a:rPr lang="en-US" sz="1100" dirty="0" smtClean="0">
+                <a:solidFill>
+                  <a:srgbClr val="008000"/>
+                </a:solidFill>
+              </a:rPr>
+              <a:t>a task</a:t>
+            </a:r>
+            <a:endParaRPr lang="en-US" sz="1100" dirty="0">
+              <a:solidFill>
+                <a:srgbClr val="008000"/>
+              </a:solidFill>
+            </a:endParaRPr>
+          </a:p>
+        </p:txBody>
+      </p:sp>
+      <p:sp>
+        <p:nvSpPr>
+          <p:cNvPr id="186" name="Rectangle 185"/>
+          <p:cNvSpPr/>
+          <p:nvPr/>
+        </p:nvSpPr>
+        <p:spPr>
+          <a:xfrm>
+            <a:off x="8043112" y="3238508"/>
+            <a:ext cx="518247" cy="261610"/>
+          </a:xfrm>
+          <a:prstGeom prst="rect">
+            <a:avLst/>
+          </a:prstGeom>
+        </p:spPr>
+        <p:txBody>
+          <a:bodyPr wrap="none">
+            <a:spAutoFit/>
+          </a:bodyPr>
+          <a:lstStyle/>
+          <a:p>
+            <a:r>
+              <a:rPr lang="en-US" sz="1100" dirty="0" smtClean="0">
+                <a:solidFill>
+                  <a:srgbClr val="FF0000"/>
+                </a:solidFill>
+              </a:rPr>
+              <a:t>a task</a:t>
+            </a:r>
+            <a:endParaRPr lang="en-US" sz="1100" dirty="0">
+              <a:solidFill>
+                <a:srgbClr val="FF0000"/>
+              </a:solidFill>
+            </a:endParaRPr>
+          </a:p>
+        </p:txBody>
+      </p:sp>
+      <p:sp>
+        <p:nvSpPr>
+          <p:cNvPr id="187" name="Rectangle 186"/>
+          <p:cNvSpPr/>
+          <p:nvPr/>
+        </p:nvSpPr>
+        <p:spPr>
+          <a:xfrm>
+            <a:off x="8055277" y="3920340"/>
+            <a:ext cx="518247" cy="261610"/>
+          </a:xfrm>
+          <a:prstGeom prst="rect">
+            <a:avLst/>
+          </a:prstGeom>
+        </p:spPr>
+        <p:txBody>
+          <a:bodyPr wrap="none">
+            <a:spAutoFit/>
+          </a:bodyPr>
+          <a:lstStyle/>
+          <a:p>
+            <a:r>
+              <a:rPr lang="en-US" sz="1100" dirty="0" smtClean="0">
+                <a:solidFill>
+                  <a:srgbClr val="660066"/>
+                </a:solidFill>
+              </a:rPr>
+              <a:t>a task</a:t>
+            </a:r>
+            <a:endParaRPr lang="en-US" sz="1100" dirty="0">
+              <a:solidFill>
+                <a:srgbClr val="660066"/>
+              </a:solidFill>
+            </a:endParaRPr>
+          </a:p>
+        </p:txBody>
+      </p:sp>
+      <p:sp>
+        <p:nvSpPr>
+          <p:cNvPr id="2" name="Rectangle 1"/>
+          <p:cNvSpPr/>
+          <p:nvPr/>
+        </p:nvSpPr>
+        <p:spPr>
+          <a:xfrm>
+            <a:off x="1009199" y="1772478"/>
+            <a:ext cx="1524263" cy="307777"/>
+          </a:xfrm>
+          <a:prstGeom prst="rect">
+            <a:avLst/>
+          </a:prstGeom>
+        </p:spPr>
+        <p:txBody>
+          <a:bodyPr wrap="none">
+            <a:spAutoFit/>
+          </a:bodyPr>
+          <a:lstStyle/>
+          <a:p>
+            <a:r>
+              <a:rPr lang="en-US" sz="1400" dirty="0" smtClean="0"/>
+              <a:t>RB-tree / AVL-tree</a:t>
+            </a:r>
+            <a:endParaRPr lang="en-US" sz="1400" dirty="0"/>
+          </a:p>
+        </p:txBody>
+      </p:sp>
+      <p:sp>
+        <p:nvSpPr>
+          <p:cNvPr id="13" name="TextBox 12"/>
+          <p:cNvSpPr txBox="1"/>
+          <p:nvPr/>
+        </p:nvSpPr>
+        <p:spPr>
+          <a:xfrm>
+            <a:off x="204981" y="5103673"/>
+            <a:ext cx="7827784" cy="1754327"/>
+          </a:xfrm>
+          <a:prstGeom prst="rect">
+            <a:avLst/>
+          </a:prstGeom>
+          <a:noFill/>
+        </p:spPr>
+        <p:txBody>
+          <a:bodyPr wrap="none" rtlCol="0">
+            <a:spAutoFit/>
+          </a:bodyPr>
+          <a:lstStyle/>
+          <a:p>
+            <a:r>
+              <a:rPr lang="en-US" b="1" dirty="0"/>
+              <a:t>Linux-like CFS simulator features:</a:t>
+            </a:r>
+            <a:endParaRPr lang="en-US" dirty="0"/>
+          </a:p>
+          <a:p>
+            <a:r>
+              <a:rPr lang="en-US" dirty="0"/>
+              <a:t>CFS features </a:t>
+            </a:r>
+            <a:r>
+              <a:rPr lang="mr-IN" dirty="0" smtClean="0"/>
+              <a:t>–</a:t>
+            </a:r>
+            <a:endParaRPr lang="en-US" dirty="0"/>
           </a:p>
           <a:p>
             <a:pPr marL="285750" lvl="0" indent="-285750">
@@ -5225,12 +8679,12 @@
               <a:buChar char="•"/>
             </a:pPr>
             <a:r>
-              <a:rPr lang="en-US" sz="2400" dirty="0"/>
-              <a:t>Implementing/modifying AVL-tree &amp; RB-</a:t>
-            </a:r>
-            <a:r>
-              <a:rPr lang="en-US" sz="2400" dirty="0" smtClean="0"/>
-              <a:t>tree</a:t>
+              <a:rPr lang="en-US" dirty="0"/>
+              <a:t>Minimum granularity for a time slice</a:t>
+            </a:r>
+            <a:r>
+              <a:rPr lang="en-US" dirty="0" smtClean="0"/>
+              <a:t>.</a:t>
             </a:r>
           </a:p>
           <a:p>
@@ -5238,7 +8692,42 @@
               <a:buFont typeface="Arial"/>
               <a:buChar char="•"/>
             </a:pPr>
-            <a:endParaRPr lang="en-US" sz="2400" dirty="0"/>
+            <a:r>
+              <a:rPr lang="en-US" dirty="0" smtClean="0"/>
+              <a:t>CPU </a:t>
+            </a:r>
+            <a:r>
+              <a:rPr lang="en-US" dirty="0"/>
+              <a:t>resource limitation: RLIMIT_NICE </a:t>
+            </a:r>
+            <a:endParaRPr lang="en-US" dirty="0" smtClean="0"/>
+          </a:p>
+          <a:p>
+            <a:pPr lvl="0"/>
+            <a:r>
+              <a:rPr lang="en-US" dirty="0"/>
+              <a:t>	</a:t>
+            </a:r>
+            <a:r>
+              <a:rPr lang="en-US" dirty="0" smtClean="0"/>
+              <a:t>e.g</a:t>
+            </a:r>
+            <a:r>
+              <a:rPr lang="en-US" dirty="0"/>
+              <a:t>. if RLIMIT_NICE = 25, nice can be only 20-25</a:t>
+            </a:r>
+            <a:r>
+              <a:rPr lang="zh-TW" altLang="en-US" dirty="0"/>
+              <a:t>＝</a:t>
+            </a:r>
+            <a:r>
+              <a:rPr lang="en-US" dirty="0"/>
+              <a:t>-</a:t>
+            </a:r>
+            <a:r>
+              <a:rPr lang="en-US" dirty="0" smtClean="0"/>
+              <a:t>5</a:t>
+            </a:r>
           </a:p>
           <a:p>
             <a:pPr marL="285750" lvl="0" indent="-285750">
@@ -5246,141 +8735,37 @@
               <a:buChar char="•"/>
             </a:pPr>
             <a:r>
-              <a:rPr lang="en-US" sz="2400" dirty="0"/>
-              <a:t>Implementing parts of lock-free RB-tree methods </a:t>
-            </a:r>
-            <a:endParaRPr lang="en-US" sz="2400" dirty="0" smtClean="0"/>
-          </a:p>
-          <a:p>
-            <a:pPr lvl="0"/>
-            <a:r>
-              <a:rPr lang="en-US" sz="2000" dirty="0" smtClean="0"/>
-              <a:t>	(insertion </a:t>
-            </a:r>
-            <a:r>
-              <a:rPr lang="en-US" sz="2000" dirty="0"/>
-              <a:t>- partially working, search - fully working</a:t>
-            </a:r>
-            <a:r>
-              <a:rPr lang="en-US" sz="2000" dirty="0" smtClean="0"/>
-              <a:t>)</a:t>
-            </a:r>
-          </a:p>
-          <a:p>
-            <a:pPr lvl="0"/>
-            <a:endParaRPr lang="en-US" sz="2000" dirty="0"/>
-          </a:p>
-          <a:p>
-            <a:pPr marL="285750" lvl="0" indent="-285750">
-              <a:buFont typeface="Arial"/>
-              <a:buChar char="•"/>
-            </a:pPr>
-            <a:r>
-              <a:rPr lang="en-US" sz="2400" dirty="0"/>
-              <a:t>Implementing Linux-like CFS simulators </a:t>
-            </a:r>
-            <a:endParaRPr lang="en-US" sz="2400" dirty="0" smtClean="0"/>
-          </a:p>
-          <a:p>
-            <a:pPr lvl="0"/>
-            <a:r>
-              <a:rPr lang="en-US" sz="2400" dirty="0" smtClean="0"/>
-              <a:t>	</a:t>
-            </a:r>
-            <a:r>
-              <a:rPr lang="en-US" sz="2000" dirty="0" smtClean="0"/>
-              <a:t>(single</a:t>
-            </a:r>
-            <a:r>
-              <a:rPr lang="en-US" sz="2000" dirty="0"/>
-              <a:t>-threaded and ideal version, multi-threaded and concurrent version)</a:t>
-            </a:r>
-          </a:p>
-        </p:txBody>
-      </p:sp>
-      <p:sp>
-        <p:nvSpPr>
-          <p:cNvPr id="4" name="Rectangle 3"/>
-          <p:cNvSpPr/>
-          <p:nvPr/>
-        </p:nvSpPr>
-        <p:spPr>
-          <a:xfrm>
-            <a:off x="6502751" y="5070850"/>
-            <a:ext cx="2078707" cy="1477328"/>
-          </a:xfrm>
-          <a:prstGeom prst="rect">
-            <a:avLst/>
-          </a:prstGeom>
-        </p:spPr>
-        <p:txBody>
-          <a:bodyPr wrap="square">
-            <a:spAutoFit/>
-          </a:bodyPr>
-          <a:lstStyle/>
-          <a:p>
-            <a:pPr lvl="0"/>
+              <a:rPr lang="en-US" dirty="0" smtClean="0"/>
+              <a:t>New </a:t>
+            </a:r>
             <a:r>
               <a:rPr lang="en-US" dirty="0"/>
-              <a:t>Fork()</a:t>
-            </a:r>
-          </a:p>
-          <a:p>
-            <a:pPr lvl="0"/>
+              <a:t>task’s </a:t>
+            </a:r>
+            <a:r>
+              <a:rPr lang="en-US" dirty="0" err="1"/>
+              <a:t>vrtime</a:t>
+            </a:r>
             <a:r>
               <a:rPr lang="en-US" dirty="0"/>
-              <a:t>Real-</a:t>
-            </a:r>
-            <a:r>
-              <a:rPr lang="en-US" dirty="0" smtClean="0"/>
-              <a:t>time </a:t>
-            </a:r>
-            <a:r>
-              <a:rPr lang="en-US" dirty="0" err="1" smtClean="0"/>
-              <a:t>garantee</a:t>
-            </a:r>
-            <a:endParaRPr lang="en-US" dirty="0"/>
-          </a:p>
-          <a:p>
-            <a:pPr lvl="0"/>
-            <a:r>
-              <a:rPr lang="en-US" dirty="0"/>
-              <a:t>External interrupt</a:t>
-            </a:r>
-          </a:p>
-          <a:p>
-            <a:pPr lvl="0"/>
-            <a:r>
-              <a:rPr lang="en-US" dirty="0"/>
-              <a:t>Per-CPU </a:t>
+              <a:t> is not always 0. 	Linux keep a least number for a </a:t>
             </a:r>
             <a:r>
               <a:rPr lang="en-US" dirty="0" err="1"/>
               <a:t>runqueue</a:t>
             </a:r>
+            <a:r>
+              <a:rPr lang="en-US" dirty="0" smtClean="0"/>
+              <a:t>.</a:t>
+            </a:r>
             <a:endParaRPr lang="en-US" dirty="0"/>
-          </a:p>
-          <a:p>
-            <a:pPr lvl="0"/>
-            <a:r>
-              <a:rPr lang="en-US" dirty="0"/>
-              <a:t>Group </a:t>
-            </a:r>
-            <a:r>
-              <a:rPr lang="en-US" dirty="0" smtClean="0"/>
-              <a:t>scheduling</a:t>
-            </a:r>
-            <a:r>
-              <a:rPr lang="en-US" dirty="0"/>
-              <a:t> </a:t>
-            </a:r>
           </a:p>
         </p:txBody>
       </p:sp>
     </p:spTree>
     <p:extLst>
       <p:ext uri="{BB962C8B-B14F-4D97-AF65-F5344CB8AC3E}">
-        <p14:creationId xmlns:p14="http://schemas.microsoft.com/office/powerpoint/2010/main" val="3499208718"/>
+        <p14:creationId xmlns:p14="http://schemas.microsoft.com/office/powerpoint/2010/main" val="3069285512"/>
       </p:ext>
     </p:extLst>
   </p:cSld>
@@ -5414,9 +8799,1348 @@
           <a:chExt cx="0" cy="0"/>
         </a:xfrm>
       </p:grpSpPr>
-      <p:sp>
-        <p:nvSpPr>
-          <p:cNvPr id="2" name="TextBox 1"/>
+      <p:cxnSp>
+        <p:nvCxnSpPr>
+          <p:cNvPr id="5" name="Straight Arrow Connector 4"/>
+          <p:cNvCxnSpPr/>
+          <p:nvPr/>
+        </p:nvCxnSpPr>
+        <p:spPr>
+          <a:xfrm>
+            <a:off x="1445464" y="4510010"/>
+            <a:ext cx="6985000" cy="0"/>
+          </a:xfrm>
+          <a:prstGeom prst="straightConnector1">
+            <a:avLst/>
+          </a:prstGeom>
+          <a:ln>
+            <a:tailEnd type="arrow"/>
+          </a:ln>
+          <a:effectLst/>
+        </p:spPr>
+        <p:style>
+          <a:lnRef idx="2">
+            <a:schemeClr val="accent1"/>
+          </a:lnRef>
+          <a:fillRef idx="0">
+            <a:schemeClr val="accent1"/>
+          </a:fillRef>
+          <a:effectRef idx="1">
+            <a:schemeClr val="accent1"/>
+          </a:effectRef>
+          <a:fontRef idx="minor">
+            <a:schemeClr val="tx1"/>
+          </a:fontRef>
+        </p:style>
+      </p:cxnSp>
+      <p:cxnSp>
+        <p:nvCxnSpPr>
+          <p:cNvPr id="8" name="Straight Connector 7"/>
+          <p:cNvCxnSpPr/>
+          <p:nvPr/>
+        </p:nvCxnSpPr>
+        <p:spPr>
+          <a:xfrm>
+            <a:off x="3286964" y="2135110"/>
+            <a:ext cx="0" cy="2374900"/>
+          </a:xfrm>
+          <a:prstGeom prst="line">
+            <a:avLst/>
+          </a:prstGeom>
+          <a:ln>
+            <a:prstDash val="sysDash"/>
+          </a:ln>
+          <a:effectLst/>
+        </p:spPr>
+        <p:style>
+          <a:lnRef idx="2">
+            <a:schemeClr val="accent1"/>
+          </a:lnRef>
+          <a:fillRef idx="0">
+            <a:schemeClr val="accent1"/>
+          </a:fillRef>
+          <a:effectRef idx="1">
+            <a:schemeClr val="accent1"/>
+          </a:effectRef>
+          <a:fontRef idx="minor">
+            <a:schemeClr val="tx1"/>
+          </a:fontRef>
+        </p:style>
+      </p:cxnSp>
+      <p:cxnSp>
+        <p:nvCxnSpPr>
+          <p:cNvPr id="9" name="Straight Connector 8"/>
+          <p:cNvCxnSpPr/>
+          <p:nvPr/>
+        </p:nvCxnSpPr>
+        <p:spPr>
+          <a:xfrm>
+            <a:off x="5278324" y="2135110"/>
+            <a:ext cx="0" cy="2374900"/>
+          </a:xfrm>
+          <a:prstGeom prst="line">
+            <a:avLst/>
+          </a:prstGeom>
+          <a:ln>
+            <a:prstDash val="sysDash"/>
+          </a:ln>
+          <a:effectLst/>
+        </p:spPr>
+        <p:style>
+          <a:lnRef idx="2">
+            <a:schemeClr val="accent1"/>
+          </a:lnRef>
+          <a:fillRef idx="0">
+            <a:schemeClr val="accent1"/>
+          </a:fillRef>
+          <a:effectRef idx="1">
+            <a:schemeClr val="accent1"/>
+          </a:effectRef>
+          <a:fontRef idx="minor">
+            <a:schemeClr val="tx1"/>
+          </a:fontRef>
+        </p:style>
+      </p:cxnSp>
+      <p:cxnSp>
+        <p:nvCxnSpPr>
+          <p:cNvPr id="10" name="Straight Connector 9"/>
+          <p:cNvCxnSpPr/>
+          <p:nvPr/>
+        </p:nvCxnSpPr>
+        <p:spPr>
+          <a:xfrm>
+            <a:off x="7231584" y="2135110"/>
+            <a:ext cx="0" cy="2374900"/>
+          </a:xfrm>
+          <a:prstGeom prst="line">
+            <a:avLst/>
+          </a:prstGeom>
+          <a:ln>
+            <a:prstDash val="sysDash"/>
+          </a:ln>
+          <a:effectLst/>
+        </p:spPr>
+        <p:style>
+          <a:lnRef idx="2">
+            <a:schemeClr val="accent1"/>
+          </a:lnRef>
+          <a:fillRef idx="0">
+            <a:schemeClr val="accent1"/>
+          </a:fillRef>
+          <a:effectRef idx="1">
+            <a:schemeClr val="accent1"/>
+          </a:effectRef>
+          <a:fontRef idx="minor">
+            <a:schemeClr val="tx1"/>
+          </a:fontRef>
+        </p:style>
+      </p:cxnSp>
+      <p:sp>
+        <p:nvSpPr>
+          <p:cNvPr id="11" name="Rounded Rectangle 10"/>
+          <p:cNvSpPr/>
+          <p:nvPr/>
+        </p:nvSpPr>
+        <p:spPr>
+          <a:xfrm>
+            <a:off x="594564" y="1484870"/>
+            <a:ext cx="2275840" cy="335280"/>
+          </a:xfrm>
+          <a:prstGeom prst="roundRect">
+            <a:avLst/>
+          </a:prstGeom>
+        </p:spPr>
+        <p:style>
+          <a:lnRef idx="1">
+            <a:schemeClr val="accent1"/>
+          </a:lnRef>
+          <a:fillRef idx="3">
+            <a:schemeClr val="accent1"/>
+          </a:fillRef>
+          <a:effectRef idx="2">
+            <a:schemeClr val="accent1"/>
+          </a:effectRef>
+          <a:fontRef idx="minor">
+            <a:schemeClr val="lt1"/>
+          </a:fontRef>
+        </p:style>
+        <p:txBody>
+          <a:bodyPr rtlCol="0" anchor="ctr"/>
+          <a:lstStyle/>
+          <a:p>
+            <a:pPr algn="ctr"/>
+            <a:r>
+              <a:rPr lang="en-US" dirty="0" smtClean="0">
+                <a:solidFill>
+                  <a:schemeClr val="tx1"/>
+                </a:solidFill>
+              </a:rPr>
+              <a:t>Global </a:t>
+            </a:r>
+            <a:r>
+              <a:rPr lang="en-US" dirty="0" err="1" smtClean="0">
+                <a:solidFill>
+                  <a:schemeClr val="tx1"/>
+                </a:solidFill>
+              </a:rPr>
+              <a:t>runqueue</a:t>
+            </a:r>
+            <a:endParaRPr lang="en-US" dirty="0">
+              <a:solidFill>
+                <a:schemeClr val="tx1"/>
+              </a:solidFill>
+            </a:endParaRPr>
+          </a:p>
+        </p:txBody>
+      </p:sp>
+      <p:sp>
+        <p:nvSpPr>
+          <p:cNvPr id="15" name="TextBox 14"/>
+          <p:cNvSpPr txBox="1"/>
+          <p:nvPr/>
+        </p:nvSpPr>
+        <p:spPr>
+          <a:xfrm>
+            <a:off x="594564" y="2287510"/>
+            <a:ext cx="692091" cy="369332"/>
+          </a:xfrm>
+          <a:prstGeom prst="rect">
+            <a:avLst/>
+          </a:prstGeom>
+          <a:noFill/>
+        </p:spPr>
+        <p:txBody>
+          <a:bodyPr wrap="none" rtlCol="0">
+            <a:spAutoFit/>
+          </a:bodyPr>
+          <a:lstStyle/>
+          <a:p>
+            <a:r>
+              <a:rPr lang="en-US" dirty="0" smtClean="0"/>
+              <a:t>CPU1</a:t>
+            </a:r>
+            <a:endParaRPr lang="en-US" dirty="0"/>
+          </a:p>
+        </p:txBody>
+      </p:sp>
+      <p:sp>
+        <p:nvSpPr>
+          <p:cNvPr id="16" name="TextBox 15"/>
+          <p:cNvSpPr txBox="1"/>
+          <p:nvPr/>
+        </p:nvSpPr>
+        <p:spPr>
+          <a:xfrm>
+            <a:off x="594564" y="3036810"/>
+            <a:ext cx="692091" cy="369332"/>
+          </a:xfrm>
+          <a:prstGeom prst="rect">
+            <a:avLst/>
+          </a:prstGeom>
+          <a:noFill/>
+        </p:spPr>
+        <p:txBody>
+          <a:bodyPr wrap="none" rtlCol="0">
+            <a:spAutoFit/>
+          </a:bodyPr>
+          <a:lstStyle/>
+          <a:p>
+            <a:r>
+              <a:rPr lang="en-US" dirty="0" smtClean="0"/>
+              <a:t>CPU2</a:t>
+            </a:r>
+            <a:endParaRPr lang="en-US" dirty="0"/>
+          </a:p>
+        </p:txBody>
+      </p:sp>
+      <p:sp>
+        <p:nvSpPr>
+          <p:cNvPr id="17" name="TextBox 16"/>
+          <p:cNvSpPr txBox="1"/>
+          <p:nvPr/>
+        </p:nvSpPr>
+        <p:spPr>
+          <a:xfrm>
+            <a:off x="594564" y="3722610"/>
+            <a:ext cx="692091" cy="369332"/>
+          </a:xfrm>
+          <a:prstGeom prst="rect">
+            <a:avLst/>
+          </a:prstGeom>
+          <a:noFill/>
+        </p:spPr>
+        <p:txBody>
+          <a:bodyPr wrap="none" rtlCol="0">
+            <a:spAutoFit/>
+          </a:bodyPr>
+          <a:lstStyle/>
+          <a:p>
+            <a:r>
+              <a:rPr lang="en-US" dirty="0" smtClean="0"/>
+              <a:t>CPU3</a:t>
+            </a:r>
+            <a:endParaRPr lang="en-US" dirty="0"/>
+          </a:p>
+        </p:txBody>
+      </p:sp>
+      <p:sp>
+        <p:nvSpPr>
+          <p:cNvPr id="18" name="TextBox 17"/>
+          <p:cNvSpPr txBox="1"/>
+          <p:nvPr/>
+        </p:nvSpPr>
+        <p:spPr>
+          <a:xfrm>
+            <a:off x="594564" y="4325344"/>
+            <a:ext cx="692091" cy="369332"/>
+          </a:xfrm>
+          <a:prstGeom prst="rect">
+            <a:avLst/>
+          </a:prstGeom>
+          <a:noFill/>
+        </p:spPr>
+        <p:txBody>
+          <a:bodyPr wrap="none" rtlCol="0">
+            <a:spAutoFit/>
+          </a:bodyPr>
+          <a:lstStyle/>
+          <a:p>
+            <a:r>
+              <a:rPr lang="en-US" dirty="0" smtClean="0"/>
+              <a:t>CPU4</a:t>
+            </a:r>
+          </a:p>
+        </p:txBody>
+      </p:sp>
+      <p:cxnSp>
+        <p:nvCxnSpPr>
+          <p:cNvPr id="26" name="Straight Connector 25"/>
+          <p:cNvCxnSpPr/>
+          <p:nvPr/>
+        </p:nvCxnSpPr>
+        <p:spPr>
+          <a:xfrm>
+            <a:off x="5278324" y="3294365"/>
+            <a:ext cx="1953260" cy="0"/>
+          </a:xfrm>
+          <a:prstGeom prst="line">
+            <a:avLst/>
+          </a:prstGeom>
+          <a:ln>
+            <a:solidFill>
+              <a:schemeClr val="accent6">
+                <a:lumMod val="75000"/>
+              </a:schemeClr>
+            </a:solidFill>
+          </a:ln>
+          <a:effectLst/>
+        </p:spPr>
+        <p:style>
+          <a:lnRef idx="2">
+            <a:schemeClr val="accent1"/>
+          </a:lnRef>
+          <a:fillRef idx="0">
+            <a:schemeClr val="accent1"/>
+          </a:fillRef>
+          <a:effectRef idx="1">
+            <a:schemeClr val="accent1"/>
+          </a:effectRef>
+          <a:fontRef idx="minor">
+            <a:schemeClr val="tx1"/>
+          </a:fontRef>
+        </p:style>
+      </p:cxnSp>
+      <p:cxnSp>
+        <p:nvCxnSpPr>
+          <p:cNvPr id="27" name="Straight Connector 26"/>
+          <p:cNvCxnSpPr/>
+          <p:nvPr/>
+        </p:nvCxnSpPr>
+        <p:spPr>
+          <a:xfrm>
+            <a:off x="1445464" y="3294365"/>
+            <a:ext cx="3832860" cy="0"/>
+          </a:xfrm>
+          <a:prstGeom prst="line">
+            <a:avLst/>
+          </a:prstGeom>
+          <a:ln>
+            <a:solidFill>
+              <a:srgbClr val="FF0000"/>
+            </a:solidFill>
+          </a:ln>
+          <a:effectLst/>
+        </p:spPr>
+        <p:style>
+          <a:lnRef idx="2">
+            <a:schemeClr val="accent1"/>
+          </a:lnRef>
+          <a:fillRef idx="0">
+            <a:schemeClr val="accent1"/>
+          </a:fillRef>
+          <a:effectRef idx="1">
+            <a:schemeClr val="accent1"/>
+          </a:effectRef>
+          <a:fontRef idx="minor">
+            <a:schemeClr val="tx1"/>
+          </a:fontRef>
+        </p:style>
+      </p:cxnSp>
+      <p:cxnSp>
+        <p:nvCxnSpPr>
+          <p:cNvPr id="28" name="Straight Connector 27"/>
+          <p:cNvCxnSpPr/>
+          <p:nvPr/>
+        </p:nvCxnSpPr>
+        <p:spPr>
+          <a:xfrm>
+            <a:off x="1445464" y="3975085"/>
+            <a:ext cx="2948940" cy="0"/>
+          </a:xfrm>
+          <a:prstGeom prst="line">
+            <a:avLst/>
+          </a:prstGeom>
+          <a:ln>
+            <a:solidFill>
+              <a:srgbClr val="0000FF"/>
+            </a:solidFill>
+          </a:ln>
+          <a:effectLst/>
+        </p:spPr>
+        <p:style>
+          <a:lnRef idx="2">
+            <a:schemeClr val="accent1"/>
+          </a:lnRef>
+          <a:fillRef idx="0">
+            <a:schemeClr val="accent1"/>
+          </a:fillRef>
+          <a:effectRef idx="1">
+            <a:schemeClr val="accent1"/>
+          </a:effectRef>
+          <a:fontRef idx="minor">
+            <a:schemeClr val="tx1"/>
+          </a:fontRef>
+        </p:style>
+      </p:cxnSp>
+      <p:cxnSp>
+        <p:nvCxnSpPr>
+          <p:cNvPr id="35" name="Straight Connector 34"/>
+          <p:cNvCxnSpPr/>
+          <p:nvPr/>
+        </p:nvCxnSpPr>
+        <p:spPr>
+          <a:xfrm>
+            <a:off x="7231584" y="3294365"/>
+            <a:ext cx="1236980" cy="0"/>
+          </a:xfrm>
+          <a:prstGeom prst="line">
+            <a:avLst/>
+          </a:prstGeom>
+          <a:ln>
+            <a:solidFill>
+              <a:srgbClr val="FF0000"/>
+            </a:solidFill>
+          </a:ln>
+          <a:effectLst/>
+        </p:spPr>
+        <p:style>
+          <a:lnRef idx="2">
+            <a:schemeClr val="accent1"/>
+          </a:lnRef>
+          <a:fillRef idx="0">
+            <a:schemeClr val="accent1"/>
+          </a:fillRef>
+          <a:effectRef idx="1">
+            <a:schemeClr val="accent1"/>
+          </a:effectRef>
+          <a:fontRef idx="minor">
+            <a:schemeClr val="tx1"/>
+          </a:fontRef>
+        </p:style>
+      </p:cxnSp>
+      <p:cxnSp>
+        <p:nvCxnSpPr>
+          <p:cNvPr id="48" name="Straight Connector 47"/>
+          <p:cNvCxnSpPr/>
+          <p:nvPr/>
+        </p:nvCxnSpPr>
+        <p:spPr>
+          <a:xfrm>
+            <a:off x="4394405" y="3970004"/>
+            <a:ext cx="4074159" cy="0"/>
+          </a:xfrm>
+          <a:prstGeom prst="line">
+            <a:avLst/>
+          </a:prstGeom>
+          <a:ln>
+            <a:solidFill>
+              <a:srgbClr val="660066"/>
+            </a:solidFill>
+          </a:ln>
+          <a:effectLst/>
+        </p:spPr>
+        <p:style>
+          <a:lnRef idx="2">
+            <a:schemeClr val="accent1"/>
+          </a:lnRef>
+          <a:fillRef idx="0">
+            <a:schemeClr val="accent1"/>
+          </a:fillRef>
+          <a:effectRef idx="1">
+            <a:schemeClr val="accent1"/>
+          </a:effectRef>
+          <a:fontRef idx="minor">
+            <a:schemeClr val="tx1"/>
+          </a:fontRef>
+        </p:style>
+      </p:cxnSp>
+      <p:cxnSp>
+        <p:nvCxnSpPr>
+          <p:cNvPr id="51" name="Straight Connector 50"/>
+          <p:cNvCxnSpPr/>
+          <p:nvPr/>
+        </p:nvCxnSpPr>
+        <p:spPr>
+          <a:xfrm>
+            <a:off x="1445464" y="2471405"/>
+            <a:ext cx="7023100" cy="0"/>
+          </a:xfrm>
+          <a:prstGeom prst="line">
+            <a:avLst/>
+          </a:prstGeom>
+          <a:ln>
+            <a:solidFill>
+              <a:srgbClr val="008000"/>
+            </a:solidFill>
+          </a:ln>
+          <a:effectLst/>
+        </p:spPr>
+        <p:style>
+          <a:lnRef idx="2">
+            <a:schemeClr val="accent4"/>
+          </a:lnRef>
+          <a:fillRef idx="0">
+            <a:schemeClr val="accent4"/>
+          </a:fillRef>
+          <a:effectRef idx="1">
+            <a:schemeClr val="accent4"/>
+          </a:effectRef>
+          <a:fontRef idx="minor">
+            <a:schemeClr val="tx1"/>
+          </a:fontRef>
+        </p:style>
+      </p:cxnSp>
+      <p:cxnSp>
+        <p:nvCxnSpPr>
+          <p:cNvPr id="86" name="Straight Connector 85"/>
+          <p:cNvCxnSpPr/>
+          <p:nvPr/>
+        </p:nvCxnSpPr>
+        <p:spPr>
+          <a:xfrm flipV="1">
+            <a:off x="4394404" y="3722610"/>
+            <a:ext cx="0" cy="399794"/>
+          </a:xfrm>
+          <a:prstGeom prst="line">
+            <a:avLst/>
+          </a:prstGeom>
+          <a:ln w="76200" cmpd="sng">
+            <a:solidFill>
+              <a:srgbClr val="660066"/>
+            </a:solidFill>
+          </a:ln>
+          <a:effectLst/>
+        </p:spPr>
+        <p:style>
+          <a:lnRef idx="2">
+            <a:schemeClr val="accent1"/>
+          </a:lnRef>
+          <a:fillRef idx="0">
+            <a:schemeClr val="accent1"/>
+          </a:fillRef>
+          <a:effectRef idx="1">
+            <a:schemeClr val="accent1"/>
+          </a:effectRef>
+          <a:fontRef idx="minor">
+            <a:schemeClr val="tx1"/>
+          </a:fontRef>
+        </p:style>
+      </p:cxnSp>
+      <p:sp>
+        <p:nvSpPr>
+          <p:cNvPr id="100" name="TextBox 99"/>
+          <p:cNvSpPr txBox="1"/>
+          <p:nvPr/>
+        </p:nvSpPr>
+        <p:spPr>
+          <a:xfrm>
+            <a:off x="594564" y="4629110"/>
+            <a:ext cx="6678481" cy="307777"/>
+          </a:xfrm>
+          <a:prstGeom prst="rect">
+            <a:avLst/>
+          </a:prstGeom>
+          <a:noFill/>
+        </p:spPr>
+        <p:txBody>
+          <a:bodyPr wrap="none" rtlCol="0">
+            <a:spAutoFit/>
+          </a:bodyPr>
+          <a:lstStyle/>
+          <a:p>
+            <a:r>
+              <a:rPr lang="en-US" sz="1400" dirty="0" smtClean="0"/>
+              <a:t>1 thread (CPU4) keeps polling whether there is a external interrupt </a:t>
+            </a:r>
+            <a:r>
+              <a:rPr lang="en-US" sz="1400" dirty="0" smtClean="0"/>
+              <a:t>(e.g. new </a:t>
+            </a:r>
+            <a:r>
+              <a:rPr lang="en-US" sz="1400" dirty="0" smtClean="0"/>
+              <a:t>task </a:t>
+            </a:r>
+            <a:r>
+              <a:rPr lang="en-US" sz="1400" dirty="0" smtClean="0"/>
+              <a:t>comes)</a:t>
+            </a:r>
+            <a:endParaRPr lang="en-US" sz="1400" dirty="0"/>
+          </a:p>
+        </p:txBody>
+      </p:sp>
+      <p:cxnSp>
+        <p:nvCxnSpPr>
+          <p:cNvPr id="101" name="Straight Connector 100"/>
+          <p:cNvCxnSpPr/>
+          <p:nvPr/>
+        </p:nvCxnSpPr>
+        <p:spPr>
+          <a:xfrm flipV="1">
+            <a:off x="5252138" y="3094468"/>
+            <a:ext cx="0" cy="399794"/>
+          </a:xfrm>
+          <a:prstGeom prst="line">
+            <a:avLst/>
+          </a:prstGeom>
+          <a:ln w="76200" cmpd="sng">
+            <a:solidFill>
+              <a:srgbClr val="FF0000"/>
+            </a:solidFill>
+          </a:ln>
+          <a:effectLst/>
+        </p:spPr>
+        <p:style>
+          <a:lnRef idx="2">
+            <a:schemeClr val="accent1"/>
+          </a:lnRef>
+          <a:fillRef idx="0">
+            <a:schemeClr val="accent1"/>
+          </a:fillRef>
+          <a:effectRef idx="1">
+            <a:schemeClr val="accent1"/>
+          </a:effectRef>
+          <a:fontRef idx="minor">
+            <a:schemeClr val="tx1"/>
+          </a:fontRef>
+        </p:style>
+      </p:cxnSp>
+      <p:cxnSp>
+        <p:nvCxnSpPr>
+          <p:cNvPr id="102" name="Straight Connector 101"/>
+          <p:cNvCxnSpPr/>
+          <p:nvPr/>
+        </p:nvCxnSpPr>
+        <p:spPr>
+          <a:xfrm flipV="1">
+            <a:off x="7270863" y="3094468"/>
+            <a:ext cx="0" cy="399794"/>
+          </a:xfrm>
+          <a:prstGeom prst="line">
+            <a:avLst/>
+          </a:prstGeom>
+          <a:ln w="76200" cmpd="sng">
+            <a:solidFill>
+              <a:srgbClr val="FF0000"/>
+            </a:solidFill>
+          </a:ln>
+          <a:effectLst/>
+        </p:spPr>
+        <p:style>
+          <a:lnRef idx="2">
+            <a:schemeClr val="accent1"/>
+          </a:lnRef>
+          <a:fillRef idx="0">
+            <a:schemeClr val="accent1"/>
+          </a:fillRef>
+          <a:effectRef idx="1">
+            <a:schemeClr val="accent1"/>
+          </a:effectRef>
+          <a:fontRef idx="minor">
+            <a:schemeClr val="tx1"/>
+          </a:fontRef>
+        </p:style>
+      </p:cxnSp>
+      <p:cxnSp>
+        <p:nvCxnSpPr>
+          <p:cNvPr id="103" name="Straight Connector 102"/>
+          <p:cNvCxnSpPr/>
+          <p:nvPr/>
+        </p:nvCxnSpPr>
+        <p:spPr>
+          <a:xfrm flipV="1">
+            <a:off x="7200676" y="3094468"/>
+            <a:ext cx="0" cy="399794"/>
+          </a:xfrm>
+          <a:prstGeom prst="line">
+            <a:avLst/>
+          </a:prstGeom>
+          <a:ln w="76200" cmpd="sng">
+            <a:solidFill>
+              <a:schemeClr val="accent6"/>
+            </a:solidFill>
+          </a:ln>
+          <a:effectLst/>
+        </p:spPr>
+        <p:style>
+          <a:lnRef idx="2">
+            <a:schemeClr val="accent1"/>
+          </a:lnRef>
+          <a:fillRef idx="0">
+            <a:schemeClr val="accent1"/>
+          </a:fillRef>
+          <a:effectRef idx="1">
+            <a:schemeClr val="accent1"/>
+          </a:effectRef>
+          <a:fontRef idx="minor">
+            <a:schemeClr val="tx1"/>
+          </a:fontRef>
+        </p:style>
+      </p:cxnSp>
+      <p:cxnSp>
+        <p:nvCxnSpPr>
+          <p:cNvPr id="104" name="Straight Connector 103"/>
+          <p:cNvCxnSpPr/>
+          <p:nvPr/>
+        </p:nvCxnSpPr>
+        <p:spPr>
+          <a:xfrm flipV="1">
+            <a:off x="5317603" y="3098289"/>
+            <a:ext cx="0" cy="399794"/>
+          </a:xfrm>
+          <a:prstGeom prst="line">
+            <a:avLst/>
+          </a:prstGeom>
+          <a:ln w="76200" cmpd="sng">
+            <a:solidFill>
+              <a:schemeClr val="accent6"/>
+            </a:solidFill>
+          </a:ln>
+          <a:effectLst/>
+        </p:spPr>
+        <p:style>
+          <a:lnRef idx="2">
+            <a:schemeClr val="accent1"/>
+          </a:lnRef>
+          <a:fillRef idx="0">
+            <a:schemeClr val="accent1"/>
+          </a:fillRef>
+          <a:effectRef idx="1">
+            <a:schemeClr val="accent1"/>
+          </a:effectRef>
+          <a:fontRef idx="minor">
+            <a:schemeClr val="tx1"/>
+          </a:fontRef>
+        </p:style>
+      </p:cxnSp>
+      <p:cxnSp>
+        <p:nvCxnSpPr>
+          <p:cNvPr id="114" name="Curved Connector 113"/>
+          <p:cNvCxnSpPr>
+            <a:endCxn id="11" idx="3"/>
+          </p:cNvCxnSpPr>
+          <p:nvPr/>
+        </p:nvCxnSpPr>
+        <p:spPr>
+          <a:xfrm rot="10800000">
+            <a:off x="2870404" y="1652511"/>
+            <a:ext cx="2381734" cy="1548677"/>
+          </a:xfrm>
+          <a:prstGeom prst="curvedConnector3">
+            <a:avLst>
+              <a:gd name="adj1" fmla="val 5471"/>
+            </a:avLst>
+          </a:prstGeom>
+          <a:ln w="57150" cmpd="sng">
+            <a:solidFill>
+              <a:srgbClr val="FF0000"/>
+            </a:solidFill>
+            <a:tailEnd type="arrow"/>
+          </a:ln>
+        </p:spPr>
+        <p:style>
+          <a:lnRef idx="2">
+            <a:schemeClr val="accent1"/>
+          </a:lnRef>
+          <a:fillRef idx="0">
+            <a:schemeClr val="accent1"/>
+          </a:fillRef>
+          <a:effectRef idx="1">
+            <a:schemeClr val="accent1"/>
+          </a:effectRef>
+          <a:fontRef idx="minor">
+            <a:schemeClr val="tx1"/>
+          </a:fontRef>
+        </p:style>
+      </p:cxnSp>
+      <p:cxnSp>
+        <p:nvCxnSpPr>
+          <p:cNvPr id="124" name="Straight Connector 123"/>
+          <p:cNvCxnSpPr/>
+          <p:nvPr/>
+        </p:nvCxnSpPr>
+        <p:spPr>
+          <a:xfrm flipV="1">
+            <a:off x="4360004" y="3722610"/>
+            <a:ext cx="0" cy="399794"/>
+          </a:xfrm>
+          <a:prstGeom prst="line">
+            <a:avLst/>
+          </a:prstGeom>
+          <a:ln w="76200" cmpd="sng">
+            <a:solidFill>
+              <a:srgbClr val="0000FF"/>
+            </a:solidFill>
+          </a:ln>
+          <a:effectLst/>
+        </p:spPr>
+        <p:style>
+          <a:lnRef idx="2">
+            <a:schemeClr val="accent1"/>
+          </a:lnRef>
+          <a:fillRef idx="0">
+            <a:schemeClr val="accent1"/>
+          </a:fillRef>
+          <a:effectRef idx="1">
+            <a:schemeClr val="accent1"/>
+          </a:effectRef>
+          <a:fontRef idx="minor">
+            <a:schemeClr val="tx1"/>
+          </a:fontRef>
+        </p:style>
+      </p:cxnSp>
+      <p:cxnSp>
+        <p:nvCxnSpPr>
+          <p:cNvPr id="125" name="Curved Connector 124"/>
+          <p:cNvCxnSpPr>
+            <a:endCxn id="11" idx="3"/>
+          </p:cNvCxnSpPr>
+          <p:nvPr/>
+        </p:nvCxnSpPr>
+        <p:spPr>
+          <a:xfrm rot="10800000">
+            <a:off x="2870404" y="1652511"/>
+            <a:ext cx="4237800" cy="1445781"/>
+          </a:xfrm>
+          <a:prstGeom prst="curvedConnector3">
+            <a:avLst>
+              <a:gd name="adj1" fmla="val 1802"/>
+            </a:avLst>
+          </a:prstGeom>
+          <a:ln w="57150" cmpd="sng">
+            <a:solidFill>
+              <a:srgbClr val="F79646"/>
+            </a:solidFill>
+            <a:tailEnd type="arrow"/>
+          </a:ln>
+        </p:spPr>
+        <p:style>
+          <a:lnRef idx="2">
+            <a:schemeClr val="accent1"/>
+          </a:lnRef>
+          <a:fillRef idx="0">
+            <a:schemeClr val="accent1"/>
+          </a:fillRef>
+          <a:effectRef idx="1">
+            <a:schemeClr val="accent1"/>
+          </a:effectRef>
+          <a:fontRef idx="minor">
+            <a:schemeClr val="tx1"/>
+          </a:fontRef>
+        </p:style>
+      </p:cxnSp>
+      <p:cxnSp>
+        <p:nvCxnSpPr>
+          <p:cNvPr id="135" name="Straight Arrow Connector 134"/>
+          <p:cNvCxnSpPr/>
+          <p:nvPr/>
+        </p:nvCxnSpPr>
+        <p:spPr>
+          <a:xfrm>
+            <a:off x="3025527" y="2256275"/>
+            <a:ext cx="250763" cy="185436"/>
+          </a:xfrm>
+          <a:prstGeom prst="straightConnector1">
+            <a:avLst/>
+          </a:prstGeom>
+          <a:ln>
+            <a:tailEnd type="arrow"/>
+          </a:ln>
+        </p:spPr>
+        <p:style>
+          <a:lnRef idx="2">
+            <a:schemeClr val="accent1"/>
+          </a:lnRef>
+          <a:fillRef idx="0">
+            <a:schemeClr val="accent1"/>
+          </a:fillRef>
+          <a:effectRef idx="1">
+            <a:schemeClr val="accent1"/>
+          </a:effectRef>
+          <a:fontRef idx="minor">
+            <a:schemeClr val="tx1"/>
+          </a:fontRef>
+        </p:style>
+      </p:cxnSp>
+      <p:cxnSp>
+        <p:nvCxnSpPr>
+          <p:cNvPr id="137" name="Straight Arrow Connector 136"/>
+          <p:cNvCxnSpPr/>
+          <p:nvPr/>
+        </p:nvCxnSpPr>
+        <p:spPr>
+          <a:xfrm>
+            <a:off x="3026359" y="3098293"/>
+            <a:ext cx="250763" cy="185436"/>
+          </a:xfrm>
+          <a:prstGeom prst="straightConnector1">
+            <a:avLst/>
+          </a:prstGeom>
+          <a:ln>
+            <a:tailEnd type="arrow"/>
+          </a:ln>
+        </p:spPr>
+        <p:style>
+          <a:lnRef idx="2">
+            <a:schemeClr val="accent1"/>
+          </a:lnRef>
+          <a:fillRef idx="0">
+            <a:schemeClr val="accent1"/>
+          </a:fillRef>
+          <a:effectRef idx="1">
+            <a:schemeClr val="accent1"/>
+          </a:effectRef>
+          <a:fontRef idx="minor">
+            <a:schemeClr val="tx1"/>
+          </a:fontRef>
+        </p:style>
+      </p:cxnSp>
+      <p:cxnSp>
+        <p:nvCxnSpPr>
+          <p:cNvPr id="138" name="Straight Arrow Connector 137"/>
+          <p:cNvCxnSpPr/>
+          <p:nvPr/>
+        </p:nvCxnSpPr>
+        <p:spPr>
+          <a:xfrm>
+            <a:off x="3026359" y="3759954"/>
+            <a:ext cx="250763" cy="185436"/>
+          </a:xfrm>
+          <a:prstGeom prst="straightConnector1">
+            <a:avLst/>
+          </a:prstGeom>
+          <a:ln>
+            <a:tailEnd type="arrow"/>
+          </a:ln>
+        </p:spPr>
+        <p:style>
+          <a:lnRef idx="2">
+            <a:schemeClr val="accent1"/>
+          </a:lnRef>
+          <a:fillRef idx="0">
+            <a:schemeClr val="accent1"/>
+          </a:fillRef>
+          <a:effectRef idx="1">
+            <a:schemeClr val="accent1"/>
+          </a:effectRef>
+          <a:fontRef idx="minor">
+            <a:schemeClr val="tx1"/>
+          </a:fontRef>
+        </p:style>
+      </p:cxnSp>
+      <p:sp>
+        <p:nvSpPr>
+          <p:cNvPr id="139" name="TextBox 138"/>
+          <p:cNvSpPr txBox="1"/>
+          <p:nvPr/>
+        </p:nvSpPr>
+        <p:spPr>
+          <a:xfrm>
+            <a:off x="1541485" y="2707377"/>
+            <a:ext cx="1609567" cy="430887"/>
+          </a:xfrm>
+          <a:prstGeom prst="rect">
+            <a:avLst/>
+          </a:prstGeom>
+          <a:noFill/>
+        </p:spPr>
+        <p:txBody>
+          <a:bodyPr wrap="none" rtlCol="0">
+            <a:spAutoFit/>
+          </a:bodyPr>
+          <a:lstStyle/>
+          <a:p>
+            <a:pPr algn="r"/>
+            <a:r>
+              <a:rPr lang="en-US" sz="1100" dirty="0" smtClean="0">
+                <a:solidFill>
+                  <a:schemeClr val="accent1"/>
+                </a:solidFill>
+              </a:rPr>
+              <a:t>check if </a:t>
+            </a:r>
+            <a:r>
+              <a:rPr lang="en-US" sz="1100" dirty="0" err="1" smtClean="0">
+                <a:solidFill>
+                  <a:schemeClr val="accent1"/>
+                </a:solidFill>
+              </a:rPr>
+              <a:t>time_slice</a:t>
+            </a:r>
+            <a:r>
+              <a:rPr lang="en-US" sz="1100" dirty="0" smtClean="0">
+                <a:solidFill>
+                  <a:schemeClr val="accent1"/>
+                </a:solidFill>
+              </a:rPr>
+              <a:t> is out</a:t>
+            </a:r>
+          </a:p>
+          <a:p>
+            <a:pPr algn="r"/>
+            <a:r>
+              <a:rPr lang="en-US" sz="1100" b="1" dirty="0" smtClean="0">
+                <a:solidFill>
+                  <a:schemeClr val="accent1"/>
+                </a:solidFill>
+              </a:rPr>
+              <a:t>not out yet!</a:t>
+            </a:r>
+            <a:endParaRPr lang="en-US" sz="1100" b="1" dirty="0">
+              <a:solidFill>
+                <a:schemeClr val="accent1"/>
+              </a:solidFill>
+            </a:endParaRPr>
+          </a:p>
+        </p:txBody>
+      </p:sp>
+      <p:cxnSp>
+        <p:nvCxnSpPr>
+          <p:cNvPr id="41" name="Curved Connector 40"/>
+          <p:cNvCxnSpPr>
+            <a:stCxn id="11" idx="3"/>
+          </p:cNvCxnSpPr>
+          <p:nvPr/>
+        </p:nvCxnSpPr>
+        <p:spPr>
+          <a:xfrm>
+            <a:off x="2870404" y="1652510"/>
+            <a:ext cx="1524001" cy="2322574"/>
+          </a:xfrm>
+          <a:prstGeom prst="curvedConnector2">
+            <a:avLst/>
+          </a:prstGeom>
+          <a:ln w="57150" cmpd="sng">
+            <a:solidFill>
+              <a:srgbClr val="660066"/>
+            </a:solidFill>
+            <a:tailEnd type="arrow"/>
+          </a:ln>
+        </p:spPr>
+        <p:style>
+          <a:lnRef idx="2">
+            <a:schemeClr val="accent1"/>
+          </a:lnRef>
+          <a:fillRef idx="0">
+            <a:schemeClr val="accent1"/>
+          </a:fillRef>
+          <a:effectRef idx="1">
+            <a:schemeClr val="accent1"/>
+          </a:effectRef>
+          <a:fontRef idx="minor">
+            <a:schemeClr val="tx1"/>
+          </a:fontRef>
+        </p:style>
+      </p:cxnSp>
+      <p:cxnSp>
+        <p:nvCxnSpPr>
+          <p:cNvPr id="105" name="Curved Connector 104"/>
+          <p:cNvCxnSpPr>
+            <a:stCxn id="11" idx="3"/>
+          </p:cNvCxnSpPr>
+          <p:nvPr/>
+        </p:nvCxnSpPr>
+        <p:spPr>
+          <a:xfrm>
+            <a:off x="2870404" y="1652510"/>
+            <a:ext cx="2381734" cy="1441958"/>
+          </a:xfrm>
+          <a:prstGeom prst="curvedConnector3">
+            <a:avLst>
+              <a:gd name="adj1" fmla="val 99476"/>
+            </a:avLst>
+          </a:prstGeom>
+          <a:ln w="57150" cmpd="sng">
+            <a:solidFill>
+              <a:srgbClr val="F79646"/>
+            </a:solidFill>
+            <a:tailEnd type="arrow"/>
+          </a:ln>
+        </p:spPr>
+        <p:style>
+          <a:lnRef idx="2">
+            <a:schemeClr val="accent1"/>
+          </a:lnRef>
+          <a:fillRef idx="0">
+            <a:schemeClr val="accent1"/>
+          </a:fillRef>
+          <a:effectRef idx="1">
+            <a:schemeClr val="accent1"/>
+          </a:effectRef>
+          <a:fontRef idx="minor">
+            <a:schemeClr val="tx1"/>
+          </a:fontRef>
+        </p:style>
+      </p:cxnSp>
+      <p:cxnSp>
+        <p:nvCxnSpPr>
+          <p:cNvPr id="130" name="Curved Connector 129"/>
+          <p:cNvCxnSpPr>
+            <a:stCxn id="11" idx="3"/>
+          </p:cNvCxnSpPr>
+          <p:nvPr/>
+        </p:nvCxnSpPr>
+        <p:spPr>
+          <a:xfrm>
+            <a:off x="2870404" y="1652510"/>
+            <a:ext cx="4400459" cy="1384301"/>
+          </a:xfrm>
+          <a:prstGeom prst="curvedConnector3">
+            <a:avLst>
+              <a:gd name="adj1" fmla="val 99690"/>
+            </a:avLst>
+          </a:prstGeom>
+          <a:ln w="57150" cmpd="sng">
+            <a:solidFill>
+              <a:srgbClr val="FF0000"/>
+            </a:solidFill>
+            <a:tailEnd type="arrow"/>
+          </a:ln>
+        </p:spPr>
+        <p:style>
+          <a:lnRef idx="2">
+            <a:schemeClr val="accent1"/>
+          </a:lnRef>
+          <a:fillRef idx="0">
+            <a:schemeClr val="accent1"/>
+          </a:fillRef>
+          <a:effectRef idx="1">
+            <a:schemeClr val="accent1"/>
+          </a:effectRef>
+          <a:fontRef idx="minor">
+            <a:schemeClr val="tx1"/>
+          </a:fontRef>
+        </p:style>
+      </p:cxnSp>
+      <p:sp>
+        <p:nvSpPr>
+          <p:cNvPr id="141" name="TextBox 140"/>
+          <p:cNvSpPr txBox="1"/>
+          <p:nvPr/>
+        </p:nvSpPr>
+        <p:spPr>
+          <a:xfrm>
+            <a:off x="4543666" y="2819431"/>
+            <a:ext cx="553858" cy="261610"/>
+          </a:xfrm>
+          <a:prstGeom prst="rect">
+            <a:avLst/>
+          </a:prstGeom>
+          <a:noFill/>
+        </p:spPr>
+        <p:txBody>
+          <a:bodyPr wrap="none" rtlCol="0">
+            <a:spAutoFit/>
+          </a:bodyPr>
+          <a:lstStyle/>
+          <a:p>
+            <a:r>
+              <a:rPr lang="en-US" sz="1100" b="1" dirty="0" smtClean="0">
+                <a:solidFill>
+                  <a:srgbClr val="4F81BD"/>
+                </a:solidFill>
+              </a:rPr>
+              <a:t>is out!</a:t>
+            </a:r>
+            <a:endParaRPr lang="en-US" sz="1100" b="1" dirty="0">
+              <a:solidFill>
+                <a:srgbClr val="4F81BD"/>
+              </a:solidFill>
+            </a:endParaRPr>
+          </a:p>
+        </p:txBody>
+      </p:sp>
+      <p:cxnSp>
+        <p:nvCxnSpPr>
+          <p:cNvPr id="142" name="Straight Arrow Connector 141"/>
+          <p:cNvCxnSpPr/>
+          <p:nvPr/>
+        </p:nvCxnSpPr>
+        <p:spPr>
+          <a:xfrm>
+            <a:off x="4947263" y="3047569"/>
+            <a:ext cx="250763" cy="185436"/>
+          </a:xfrm>
+          <a:prstGeom prst="straightConnector1">
+            <a:avLst/>
+          </a:prstGeom>
+          <a:ln>
+            <a:tailEnd type="arrow"/>
+          </a:ln>
+        </p:spPr>
+        <p:style>
+          <a:lnRef idx="2">
+            <a:schemeClr val="accent1"/>
+          </a:lnRef>
+          <a:fillRef idx="0">
+            <a:schemeClr val="accent1"/>
+          </a:fillRef>
+          <a:effectRef idx="1">
+            <a:schemeClr val="accent1"/>
+          </a:effectRef>
+          <a:fontRef idx="minor">
+            <a:schemeClr val="tx1"/>
+          </a:fontRef>
+        </p:style>
+      </p:cxnSp>
+      <p:sp>
+        <p:nvSpPr>
+          <p:cNvPr id="166" name="TextBox 165"/>
+          <p:cNvSpPr txBox="1"/>
+          <p:nvPr/>
+        </p:nvSpPr>
+        <p:spPr>
+          <a:xfrm>
+            <a:off x="2902937" y="3271937"/>
+            <a:ext cx="766143" cy="261610"/>
+          </a:xfrm>
+          <a:prstGeom prst="rect">
+            <a:avLst/>
+          </a:prstGeom>
+          <a:noFill/>
+        </p:spPr>
+        <p:txBody>
+          <a:bodyPr wrap="none" rtlCol="0">
+            <a:spAutoFit/>
+          </a:bodyPr>
+          <a:lstStyle/>
+          <a:p>
+            <a:r>
+              <a:rPr lang="en-US" sz="1100" dirty="0" err="1" smtClean="0">
+                <a:solidFill>
+                  <a:srgbClr val="FF0000"/>
+                </a:solidFill>
+              </a:rPr>
+              <a:t>time_slice</a:t>
+            </a:r>
+            <a:endParaRPr lang="en-US" sz="1100" dirty="0" smtClean="0">
+              <a:solidFill>
+                <a:srgbClr val="FF0000"/>
+              </a:solidFill>
+            </a:endParaRPr>
+          </a:p>
+        </p:txBody>
+      </p:sp>
+      <p:cxnSp>
+        <p:nvCxnSpPr>
+          <p:cNvPr id="168" name="Straight Arrow Connector 167"/>
+          <p:cNvCxnSpPr>
+            <a:stCxn id="166" idx="1"/>
+          </p:cNvCxnSpPr>
+          <p:nvPr/>
+        </p:nvCxnSpPr>
+        <p:spPr>
+          <a:xfrm flipH="1">
+            <a:off x="1471965" y="3402742"/>
+            <a:ext cx="1430972" cy="0"/>
+          </a:xfrm>
+          <a:prstGeom prst="straightConnector1">
+            <a:avLst/>
+          </a:prstGeom>
+          <a:ln>
+            <a:solidFill>
+              <a:srgbClr val="FF0000"/>
+            </a:solidFill>
+            <a:prstDash val="dash"/>
+            <a:tailEnd type="arrow"/>
+          </a:ln>
+        </p:spPr>
+        <p:style>
+          <a:lnRef idx="2">
+            <a:schemeClr val="accent1"/>
+          </a:lnRef>
+          <a:fillRef idx="0">
+            <a:schemeClr val="accent1"/>
+          </a:fillRef>
+          <a:effectRef idx="1">
+            <a:schemeClr val="accent1"/>
+          </a:effectRef>
+          <a:fontRef idx="minor">
+            <a:schemeClr val="tx1"/>
+          </a:fontRef>
+        </p:style>
+      </p:cxnSp>
+      <p:cxnSp>
+        <p:nvCxnSpPr>
+          <p:cNvPr id="170" name="Straight Arrow Connector 169"/>
+          <p:cNvCxnSpPr>
+            <a:stCxn id="166" idx="3"/>
+          </p:cNvCxnSpPr>
+          <p:nvPr/>
+        </p:nvCxnSpPr>
+        <p:spPr>
+          <a:xfrm>
+            <a:off x="3669080" y="3402742"/>
+            <a:ext cx="1574506" cy="0"/>
+          </a:xfrm>
+          <a:prstGeom prst="straightConnector1">
+            <a:avLst/>
+          </a:prstGeom>
+          <a:ln>
+            <a:solidFill>
+              <a:srgbClr val="FF0000"/>
+            </a:solidFill>
+            <a:prstDash val="dash"/>
+            <a:tailEnd type="arrow"/>
+          </a:ln>
+        </p:spPr>
+        <p:style>
+          <a:lnRef idx="2">
+            <a:schemeClr val="accent1"/>
+          </a:lnRef>
+          <a:fillRef idx="0">
+            <a:schemeClr val="accent1"/>
+          </a:fillRef>
+          <a:effectRef idx="1">
+            <a:schemeClr val="accent1"/>
+          </a:effectRef>
+          <a:fontRef idx="minor">
+            <a:schemeClr val="tx1"/>
+          </a:fontRef>
+        </p:style>
+      </p:cxnSp>
+      <p:sp>
+        <p:nvSpPr>
+          <p:cNvPr id="182" name="TextBox 181"/>
           <p:cNvSpPr txBox="1"/>
           <p:nvPr/>
         </p:nvSpPr>
@@ -5439,7 +10163,7 @@
             <a:pPr algn="ctr"/>
             <a:r>
               <a:rPr lang="en-US" sz="4400" b="1" dirty="0" smtClean="0"/>
-              <a:t>Conclusion</a:t>
+              <a:t>Linux-like CFS scheduler simulator</a:t>
             </a:r>
             <a:endParaRPr lang="en-US" sz="4400" b="1" dirty="0"/>
           </a:p>
@@ -5447,14 +10171,14 @@
       </p:sp>
       <p:sp>
         <p:nvSpPr>
-          <p:cNvPr id="3" name="TextBox 2"/>
+          <p:cNvPr id="183" name="TextBox 182"/>
           <p:cNvSpPr txBox="1"/>
           <p:nvPr/>
         </p:nvSpPr>
         <p:spPr>
           <a:xfrm>
-            <a:off x="221935" y="1775375"/>
-            <a:ext cx="8766404" cy="4093428"/>
+            <a:off x="7944580" y="4455265"/>
+            <a:ext cx="446131" cy="261610"/>
           </a:xfrm>
           <a:prstGeom prst="rect">
             <a:avLst/>
@@ -5462,137 +10186,285 @@
           <a:noFill/>
         </p:spPr>
         <p:txBody>
-          <a:bodyPr wrap="square" rtlCol="0">
+          <a:bodyPr wrap="none" rtlCol="0">
             <a:spAutoFit/>
           </a:bodyPr>
           <a:lstStyle/>
           <a:p>
             <a:r>
-              <a:rPr lang="en-US" sz="2000" dirty="0"/>
-              <a:t>[1] Molnar, Ingo. "Modular scheduler core and completely fair scheduler [</a:t>
-            </a:r>
-            <a:r>
-              <a:rPr lang="en-US" sz="2000" dirty="0" err="1"/>
-              <a:t>cfs</a:t>
-            </a:r>
-            <a:r>
-              <a:rPr lang="en-US" sz="2000" dirty="0"/>
-              <a:t>]."Linux-Kernel mailing list (2007).</a:t>
-            </a:r>
-          </a:p>
-          <a:p>
-            <a:r>
-              <a:rPr lang="en-US" sz="2000" dirty="0" smtClean="0"/>
-              <a:t>[</a:t>
-            </a:r>
-            <a:r>
-              <a:rPr lang="en-US" sz="2000" dirty="0"/>
-              <a:t>2] Kim, Jong Ho, Helen Cameron, and Peter Graham. "Lock-free red-black trees using </a:t>
-            </a:r>
-            <a:r>
-              <a:rPr lang="en-US" sz="2000" dirty="0" err="1"/>
-              <a:t>cas</a:t>
-            </a:r>
-            <a:r>
-              <a:rPr lang="en-US" sz="2000" dirty="0"/>
-              <a:t>." Concurrency and Computation: Practice and Experience(2006): 1-40.</a:t>
-            </a:r>
-          </a:p>
-          <a:p>
-            <a:r>
-              <a:rPr lang="en-US" sz="2000" dirty="0"/>
-              <a:t>[3] Love, Robert. Linux system programming: talking directly to the kernel and C library. " O'Reilly Media, Inc.", 2013.</a:t>
-            </a:r>
-          </a:p>
-          <a:p>
-            <a:r>
-              <a:rPr lang="en-US" sz="2000" dirty="0" smtClean="0"/>
-              <a:t>[4] </a:t>
-            </a:r>
-            <a:r>
-              <a:rPr lang="en-US" sz="2000" dirty="0" err="1"/>
-              <a:t>Jianwen</a:t>
-            </a:r>
-            <a:r>
-              <a:rPr lang="en-US" sz="2000" dirty="0"/>
-              <a:t> Ma. Lock-Free Insertions on Red-Black Trees. MSc thesis, University of Manitoba, October,2003.</a:t>
-            </a:r>
-          </a:p>
-          <a:p>
-            <a:r>
-              <a:rPr lang="en-US" sz="2000" dirty="0" smtClean="0"/>
-              <a:t>[5] </a:t>
-            </a:r>
-            <a:r>
-              <a:rPr lang="en-US" sz="2000" dirty="0" err="1"/>
-              <a:t>Natarajan</a:t>
-            </a:r>
-            <a:r>
-              <a:rPr lang="en-US" sz="2000" dirty="0"/>
-              <a:t>, </a:t>
-            </a:r>
-            <a:r>
-              <a:rPr lang="en-US" sz="2000" dirty="0" err="1"/>
-              <a:t>Aravind</a:t>
-            </a:r>
-            <a:r>
-              <a:rPr lang="en-US" sz="2000" dirty="0"/>
-              <a:t>, Lee H. </a:t>
-            </a:r>
-            <a:r>
-              <a:rPr lang="en-US" sz="2000" dirty="0" err="1"/>
-              <a:t>Savoie</a:t>
-            </a:r>
-            <a:r>
-              <a:rPr lang="en-US" sz="2000" dirty="0"/>
-              <a:t>, and </a:t>
-            </a:r>
-            <a:r>
-              <a:rPr lang="en-US" sz="2000" dirty="0" err="1"/>
-              <a:t>Neeraj</a:t>
-            </a:r>
-            <a:r>
-              <a:rPr lang="en-US" sz="2000" dirty="0"/>
-              <a:t> Mittal. "Concurrent wait-free red black trees." Symposium on Self-Stabilizing Systems. Springer International Publishing, 2013.</a:t>
-            </a:r>
-          </a:p>
-          <a:p>
-            <a:r>
-              <a:rPr lang="en-US" sz="2000" dirty="0" smtClean="0"/>
-              <a:t>[6] </a:t>
-            </a:r>
-            <a:r>
-              <a:rPr lang="en-US" sz="2000" dirty="0"/>
-              <a:t>The university of Auckland, Computer Science, Data Structures and Algorithms Course  https://</a:t>
-            </a:r>
-            <a:r>
-              <a:rPr lang="en-US" sz="2000" dirty="0" err="1"/>
-              <a:t>www.cs.auckland.ac.nz</a:t>
-            </a:r>
-            <a:r>
-              <a:rPr lang="en-US" sz="2000" dirty="0"/>
-              <a:t>/software/</a:t>
-            </a:r>
-            <a:r>
-              <a:rPr lang="en-US" sz="2000" dirty="0" err="1"/>
-              <a:t>AlgAnim</a:t>
-            </a:r>
-            <a:r>
-              <a:rPr lang="en-US" sz="2000" dirty="0"/>
-              <a:t>/</a:t>
-            </a:r>
-            <a:r>
-              <a:rPr lang="en-US" sz="2000" dirty="0" err="1" smtClean="0"/>
-              <a:t>red_black.html</a:t>
-            </a:r>
-            <a:endParaRPr lang="en-US" sz="2000" dirty="0"/>
+              <a:rPr lang="en-US" sz="1100" dirty="0" smtClean="0">
+                <a:solidFill>
+                  <a:srgbClr val="4F81BD"/>
+                </a:solidFill>
+              </a:rPr>
+              <a:t>time</a:t>
+            </a:r>
+            <a:endParaRPr lang="en-US" sz="1100" dirty="0">
+              <a:solidFill>
+                <a:srgbClr val="4F81BD"/>
+              </a:solidFill>
+            </a:endParaRPr>
+          </a:p>
+        </p:txBody>
+      </p:sp>
+      <p:sp>
+        <p:nvSpPr>
+          <p:cNvPr id="184" name="TextBox 183"/>
+          <p:cNvSpPr txBox="1"/>
+          <p:nvPr/>
+        </p:nvSpPr>
+        <p:spPr>
+          <a:xfrm>
+            <a:off x="8055277" y="2413285"/>
+            <a:ext cx="518247" cy="261610"/>
+          </a:xfrm>
+          <a:prstGeom prst="rect">
+            <a:avLst/>
+          </a:prstGeom>
+          <a:noFill/>
+          <a:ln>
+            <a:noFill/>
+          </a:ln>
+        </p:spPr>
+        <p:txBody>
+          <a:bodyPr wrap="none" rtlCol="0">
+            <a:spAutoFit/>
+          </a:bodyPr>
+          <a:lstStyle/>
+          <a:p>
+            <a:r>
+              <a:rPr lang="en-US" sz="1100" dirty="0" smtClean="0">
+                <a:solidFill>
+                  <a:srgbClr val="008000"/>
+                </a:solidFill>
+              </a:rPr>
+              <a:t>a task</a:t>
+            </a:r>
+            <a:endParaRPr lang="en-US" sz="1100" dirty="0">
+              <a:solidFill>
+                <a:srgbClr val="008000"/>
+              </a:solidFill>
+            </a:endParaRPr>
+          </a:p>
+        </p:txBody>
+      </p:sp>
+      <p:sp>
+        <p:nvSpPr>
+          <p:cNvPr id="186" name="Rectangle 185"/>
+          <p:cNvSpPr/>
+          <p:nvPr/>
+        </p:nvSpPr>
+        <p:spPr>
+          <a:xfrm>
+            <a:off x="8043112" y="3238508"/>
+            <a:ext cx="518247" cy="261610"/>
+          </a:xfrm>
+          <a:prstGeom prst="rect">
+            <a:avLst/>
+          </a:prstGeom>
+        </p:spPr>
+        <p:txBody>
+          <a:bodyPr wrap="none">
+            <a:spAutoFit/>
+          </a:bodyPr>
+          <a:lstStyle/>
+          <a:p>
+            <a:r>
+              <a:rPr lang="en-US" sz="1100" dirty="0" smtClean="0">
+                <a:solidFill>
+                  <a:srgbClr val="FF0000"/>
+                </a:solidFill>
+              </a:rPr>
+              <a:t>a task</a:t>
+            </a:r>
+            <a:endParaRPr lang="en-US" sz="1100" dirty="0">
+              <a:solidFill>
+                <a:srgbClr val="FF0000"/>
+              </a:solidFill>
+            </a:endParaRPr>
+          </a:p>
+        </p:txBody>
+      </p:sp>
+      <p:sp>
+        <p:nvSpPr>
+          <p:cNvPr id="187" name="Rectangle 186"/>
+          <p:cNvSpPr/>
+          <p:nvPr/>
+        </p:nvSpPr>
+        <p:spPr>
+          <a:xfrm>
+            <a:off x="8055277" y="3920340"/>
+            <a:ext cx="518247" cy="261610"/>
+          </a:xfrm>
+          <a:prstGeom prst="rect">
+            <a:avLst/>
+          </a:prstGeom>
+        </p:spPr>
+        <p:txBody>
+          <a:bodyPr wrap="none">
+            <a:spAutoFit/>
+          </a:bodyPr>
+          <a:lstStyle/>
+          <a:p>
+            <a:r>
+              <a:rPr lang="en-US" sz="1100" dirty="0" smtClean="0">
+                <a:solidFill>
+                  <a:srgbClr val="660066"/>
+                </a:solidFill>
+              </a:rPr>
+              <a:t>a task</a:t>
+            </a:r>
+            <a:endParaRPr lang="en-US" sz="1100" dirty="0">
+              <a:solidFill>
+                <a:srgbClr val="660066"/>
+              </a:solidFill>
+            </a:endParaRPr>
+          </a:p>
+        </p:txBody>
+      </p:sp>
+      <p:sp>
+        <p:nvSpPr>
+          <p:cNvPr id="2" name="Rectangle 1"/>
+          <p:cNvSpPr/>
+          <p:nvPr/>
+        </p:nvSpPr>
+        <p:spPr>
+          <a:xfrm>
+            <a:off x="1009199" y="1772478"/>
+            <a:ext cx="1524263" cy="307777"/>
+          </a:xfrm>
+          <a:prstGeom prst="rect">
+            <a:avLst/>
+          </a:prstGeom>
+        </p:spPr>
+        <p:txBody>
+          <a:bodyPr wrap="none">
+            <a:spAutoFit/>
+          </a:bodyPr>
+          <a:lstStyle/>
+          <a:p>
+            <a:r>
+              <a:rPr lang="en-US" sz="1400" dirty="0" smtClean="0"/>
+              <a:t>RB-tree / AVL-tree</a:t>
+            </a:r>
+            <a:endParaRPr lang="en-US" sz="1400" dirty="0"/>
+          </a:p>
+        </p:txBody>
+      </p:sp>
+      <p:sp>
+        <p:nvSpPr>
+          <p:cNvPr id="50" name="TextBox 49"/>
+          <p:cNvSpPr txBox="1"/>
+          <p:nvPr/>
+        </p:nvSpPr>
+        <p:spPr>
+          <a:xfrm>
+            <a:off x="204981" y="5103673"/>
+            <a:ext cx="5781338" cy="2031325"/>
+          </a:xfrm>
+          <a:prstGeom prst="rect">
+            <a:avLst/>
+          </a:prstGeom>
+          <a:noFill/>
+        </p:spPr>
+        <p:txBody>
+          <a:bodyPr wrap="none" rtlCol="0">
+            <a:spAutoFit/>
+          </a:bodyPr>
+          <a:lstStyle/>
+          <a:p>
+            <a:r>
+              <a:rPr lang="en-US" b="1" dirty="0" smtClean="0"/>
+              <a:t>Other less Linux CFS features we haven’t implemented yet:</a:t>
+            </a:r>
+            <a:endParaRPr lang="en-US" dirty="0" smtClean="0"/>
+          </a:p>
+          <a:p>
+            <a:pPr marL="285750" lvl="0" indent="-285750">
+              <a:buFont typeface="Arial"/>
+              <a:buChar char="•"/>
+            </a:pPr>
+            <a:r>
+              <a:rPr lang="en-US" dirty="0"/>
+              <a:t>Fork(</a:t>
+            </a:r>
+            <a:r>
+              <a:rPr lang="en-US" dirty="0" smtClean="0"/>
+              <a:t>)</a:t>
+            </a:r>
+          </a:p>
+          <a:p>
+            <a:pPr marL="285750" indent="-285750">
+              <a:buFont typeface="Arial"/>
+              <a:buChar char="•"/>
+            </a:pPr>
+            <a:r>
+              <a:rPr lang="en-US" dirty="0"/>
+              <a:t>Group </a:t>
+            </a:r>
+            <a:r>
+              <a:rPr lang="en-US" dirty="0" smtClean="0"/>
+              <a:t>scheduling</a:t>
+            </a:r>
+          </a:p>
+          <a:p>
+            <a:pPr marL="285750" indent="-285750">
+              <a:buFont typeface="Arial"/>
+              <a:buChar char="•"/>
+            </a:pPr>
+            <a:r>
+              <a:rPr lang="en-US" dirty="0"/>
+              <a:t>External interrupt</a:t>
+            </a:r>
+          </a:p>
+          <a:p>
+            <a:pPr marL="285750" indent="-285750">
+              <a:buFont typeface="Arial"/>
+              <a:buChar char="•"/>
+            </a:pPr>
+            <a:r>
+              <a:rPr lang="en-US" dirty="0" smtClean="0"/>
+              <a:t>Per</a:t>
+            </a:r>
+            <a:r>
+              <a:rPr lang="en-US" dirty="0"/>
+              <a:t>-CPU </a:t>
+            </a:r>
+            <a:r>
+              <a:rPr lang="en-US" dirty="0" err="1" smtClean="0"/>
+              <a:t>runqueue</a:t>
+            </a:r>
+            <a:endParaRPr lang="en-US" dirty="0"/>
+          </a:p>
+          <a:p>
+            <a:pPr marL="285750" lvl="0" indent="-285750">
+              <a:buFont typeface="Arial"/>
+              <a:buChar char="•"/>
+            </a:pPr>
+            <a:r>
+              <a:rPr lang="en-US" dirty="0"/>
+              <a:t>Real-time </a:t>
+            </a:r>
+            <a:r>
+              <a:rPr lang="en-US" dirty="0" err="1"/>
+              <a:t>garantee</a:t>
+            </a:r>
+            <a:endParaRPr lang="en-US" dirty="0"/>
+          </a:p>
+          <a:p>
+            <a:pPr lvl="0"/>
+            <a:r>
+              <a:rPr lang="en-US" dirty="0"/>
+              <a:t> </a:t>
+            </a:r>
+            <a:endParaRPr lang="en-US" dirty="0"/>
           </a:p>
         </p:txBody>
       </p:sp>
     </p:spTree>
     <p:extLst>
       <p:ext uri="{BB962C8B-B14F-4D97-AF65-F5344CB8AC3E}">
-        <p14:creationId xmlns:p14="http://schemas.microsoft.com/office/powerpoint/2010/main" val="651686607"/>
+        <p14:creationId xmlns:p14="http://schemas.microsoft.com/office/powerpoint/2010/main" val="319673184"/>
       </p:ext>
     </p:extLst>
   </p:cSld>
@@ -5626,16 +10498,88 @@
           <a:chExt cx="0" cy="0"/>
         </a:xfrm>
       </p:grpSpPr>
-      <p:sp>
-        <p:nvSpPr>
-          <p:cNvPr id="2" name="TextBox 1"/>
+      <p:pic>
+        <p:nvPicPr>
+          <p:cNvPr id="2" name="Picture 1" descr="Macintosh HD:Users:jack:Desktop:Screen Shot 2016-12-06 at 12.15.06 AM.png"/>
+          <p:cNvPicPr/>
+          <p:nvPr/>
+        </p:nvPicPr>
+        <p:blipFill rotWithShape="1">
+          <a:blip r:embed="rId2">
+            <a:extLst>
+              <a:ext uri="{28A0092B-C50C-407E-A947-70E740481C1C}">
+                <a14:useLocalDpi xmlns:a14="http://schemas.microsoft.com/office/drawing/2010/main" val="0"/>
+              </a:ext>
+            </a:extLst>
+          </a:blip>
+          <a:srcRect l="5662" t="12745" r="15663" b="39216"/>
+          <a:stretch/>
+        </p:blipFill>
+        <p:spPr bwMode="auto">
+          <a:xfrm>
+            <a:off x="483147" y="2858657"/>
+            <a:ext cx="8300737" cy="1379653"/>
+          </a:xfrm>
+          <a:prstGeom prst="rect">
+            <a:avLst/>
+          </a:prstGeom>
+          <a:noFill/>
+          <a:ln>
+            <a:noFill/>
+          </a:ln>
+          <a:extLst>
+            <a:ext uri="{53640926-AAD7-44d8-BBD7-CCE9431645EC}">
+              <a14:shadowObscured xmlns:a14="http://schemas.microsoft.com/office/drawing/2010/main"/>
+            </a:ext>
+          </a:extLst>
+        </p:spPr>
+      </p:pic>
+      <p:pic>
+        <p:nvPicPr>
+          <p:cNvPr id="3" name="Picture 2" descr="Macintosh HD:Users:jack:Desktop:Screen Shot 2016-12-05 at 10.53.14 PM.png"/>
+          <p:cNvPicPr/>
+          <p:nvPr/>
+        </p:nvPicPr>
+        <p:blipFill rotWithShape="1">
+          <a:blip r:embed="rId3">
+            <a:extLst>
+              <a:ext uri="{28A0092B-C50C-407E-A947-70E740481C1C}">
+                <a14:useLocalDpi xmlns:a14="http://schemas.microsoft.com/office/drawing/2010/main" val="0"/>
+              </a:ext>
+            </a:extLst>
+          </a:blip>
+          <a:srcRect l="17229" t="75894" r="60440" b="13635"/>
+          <a:stretch/>
+        </p:blipFill>
+        <p:spPr bwMode="auto">
+          <a:xfrm>
+            <a:off x="567041" y="4928040"/>
+            <a:ext cx="4595108" cy="1369587"/>
+          </a:xfrm>
+          <a:prstGeom prst="rect">
+            <a:avLst/>
+          </a:prstGeom>
+          <a:noFill/>
+          <a:ln>
+            <a:noFill/>
+          </a:ln>
+          <a:extLst>
+            <a:ext uri="{53640926-AAD7-44d8-BBD7-CCE9431645EC}">
+              <a14:shadowObscured xmlns:a14="http://schemas.microsoft.com/office/drawing/2010/main"/>
+            </a:ext>
+          </a:extLst>
+        </p:spPr>
+      </p:pic>
+      <p:sp>
+        <p:nvSpPr>
+          <p:cNvPr id="4" name="TextBox 3"/>
           <p:cNvSpPr txBox="1"/>
           <p:nvPr/>
         </p:nvSpPr>
         <p:spPr>
           <a:xfrm>
-            <a:off x="3236298" y="2798680"/>
-            <a:ext cx="2053492" cy="1107996"/>
+            <a:off x="414641" y="2342717"/>
+            <a:ext cx="1226455" cy="2585323"/>
           </a:xfrm>
           <a:prstGeom prst="rect">
             <a:avLst/>
@@ -5649,10 +10593,125 @@
           <a:lstStyle/>
           <a:p>
             <a:r>
-              <a:rPr lang="en-US" sz="6600" b="1" dirty="0" smtClean="0"/>
-              <a:t>Done</a:t>
-            </a:r>
-            <a:endParaRPr lang="en-US" sz="6600" b="1" dirty="0"/>
+              <a:rPr lang="en-US" dirty="0" smtClean="0"/>
+              <a:t>User input:</a:t>
+            </a:r>
+          </a:p>
+          <a:p>
+            <a:endParaRPr lang="en-US" dirty="0" smtClean="0"/>
+          </a:p>
+          <a:p>
+            <a:endParaRPr lang="en-US" dirty="0"/>
+          </a:p>
+          <a:p>
+            <a:endParaRPr lang="en-US" dirty="0"/>
+          </a:p>
+          <a:p>
+            <a:endParaRPr lang="en-US" dirty="0" smtClean="0"/>
+          </a:p>
+          <a:p>
+            <a:endParaRPr lang="en-US" dirty="0"/>
+          </a:p>
+          <a:p>
+            <a:endParaRPr lang="en-US" dirty="0" smtClean="0"/>
+          </a:p>
+          <a:p>
+            <a:endParaRPr lang="en-US" dirty="0"/>
+          </a:p>
+          <a:p>
+            <a:r>
+              <a:rPr lang="en-US" dirty="0" smtClean="0"/>
+              <a:t>Result:</a:t>
+            </a:r>
+          </a:p>
+        </p:txBody>
+      </p:sp>
+      <p:sp>
+        <p:nvSpPr>
+          <p:cNvPr id="5" name="TextBox 4"/>
+          <p:cNvSpPr txBox="1"/>
+          <p:nvPr/>
+        </p:nvSpPr>
+        <p:spPr>
+          <a:xfrm>
+            <a:off x="567041" y="2489325"/>
+            <a:ext cx="184666" cy="369332"/>
+          </a:xfrm>
+          <a:prstGeom prst="rect">
+            <a:avLst/>
+          </a:prstGeom>
+          <a:noFill/>
+        </p:spPr>
+        <p:txBody>
+          <a:bodyPr wrap="none" rtlCol="0">
+            <a:spAutoFit/>
+          </a:bodyPr>
+          <a:lstStyle/>
+          <a:p>
+            <a:endParaRPr lang="en-US" dirty="0"/>
+          </a:p>
+        </p:txBody>
+      </p:sp>
+      <p:sp>
+        <p:nvSpPr>
+          <p:cNvPr id="7" name="TextBox 6"/>
+          <p:cNvSpPr txBox="1"/>
+          <p:nvPr/>
+        </p:nvSpPr>
+        <p:spPr>
+          <a:xfrm>
+            <a:off x="1221" y="314770"/>
+            <a:ext cx="9142779" cy="707886"/>
+          </a:xfrm>
+          <a:prstGeom prst="rect">
+            <a:avLst/>
+          </a:prstGeom>
+          <a:noFill/>
+        </p:spPr>
+        <p:txBody>
+          <a:bodyPr wrap="square" rtlCol="0">
+            <a:spAutoFit/>
+          </a:bodyPr>
+          <a:lstStyle/>
+          <a:p>
+            <a:pPr algn="ctr"/>
+            <a:r>
+              <a:rPr lang="en-US" sz="4000" b="1" dirty="0" smtClean="0"/>
+              <a:t>Single</a:t>
+            </a:r>
+            <a:r>
+              <a:rPr lang="en-US" sz="4000" b="1" dirty="0" smtClean="0"/>
+              <a:t>-threaded Linux-like CFS simulator</a:t>
+            </a:r>
+            <a:endParaRPr lang="en-US" sz="4000" b="1" dirty="0"/>
+          </a:p>
+        </p:txBody>
+      </p:sp>
+      <p:sp>
+        <p:nvSpPr>
+          <p:cNvPr id="8" name="Rectangle 7"/>
+          <p:cNvSpPr/>
+          <p:nvPr/>
+        </p:nvSpPr>
+        <p:spPr>
+          <a:xfrm>
+            <a:off x="483147" y="1348260"/>
+            <a:ext cx="5505729" cy="369332"/>
+          </a:xfrm>
+          <a:prstGeom prst="rect">
+            <a:avLst/>
+          </a:prstGeom>
+        </p:spPr>
+        <p:txBody>
+          <a:bodyPr wrap="square">
+            <a:spAutoFit/>
+          </a:bodyPr>
+          <a:lstStyle/>
+          <a:p>
+            <a:r>
+              <a:rPr lang="en-US" dirty="0"/>
+              <a:t>Testing environment: 4 core laptop (hyper-threading)</a:t>
+            </a:r>
           </a:p>
         </p:txBody>
       </p:sp>
@@ -5666,6 +10725,13 @@
   <p:clrMapOvr>
     <a:masterClrMapping/>
   </p:clrMapOvr>
+  <p:timing>
+    <p:tnLst>
+      <p:par>
+        <p:cTn xmlns:p14="http://schemas.microsoft.com/office/powerpoint/2010/main" id="1" dur="indefinite" restart="never" nodeType="tmRoot"/>
+      </p:par>
+    </p:tnLst>
+  </p:timing>
 </p:sld>
 </file>
 
@@ -5686,210 +10752,16 @@
           <a:chExt cx="0" cy="0"/>
         </a:xfrm>
       </p:grpSpPr>
-      <p:cxnSp>
-        <p:nvCxnSpPr>
-          <p:cNvPr id="5" name="Straight Arrow Connector 4"/>
-          <p:cNvCxnSpPr/>
-          <p:nvPr/>
-        </p:nvCxnSpPr>
-        <p:spPr>
-          <a:xfrm>
-            <a:off x="1470124" y="4929196"/>
-            <a:ext cx="6985000" cy="0"/>
-          </a:xfrm>
-          <a:prstGeom prst="straightConnector1">
-            <a:avLst/>
-          </a:prstGeom>
-          <a:ln>
-            <a:tailEnd type="arrow"/>
-          </a:ln>
-          <a:effectLst/>
-        </p:spPr>
-        <p:style>
-          <a:lnRef idx="2">
-            <a:schemeClr val="accent1"/>
-          </a:lnRef>
-          <a:fillRef idx="0">
-            <a:schemeClr val="accent1"/>
-          </a:fillRef>
-          <a:effectRef idx="1">
-            <a:schemeClr val="accent1"/>
-          </a:effectRef>
-          <a:fontRef idx="minor">
-            <a:schemeClr val="tx1"/>
-          </a:fontRef>
-        </p:style>
-      </p:cxnSp>
-      <p:cxnSp>
-        <p:nvCxnSpPr>
-          <p:cNvPr id="8" name="Straight Connector 7"/>
-          <p:cNvCxnSpPr/>
-          <p:nvPr/>
-        </p:nvCxnSpPr>
-        <p:spPr>
-          <a:xfrm>
-            <a:off x="3311624" y="2554296"/>
-            <a:ext cx="0" cy="2374900"/>
-          </a:xfrm>
-          <a:prstGeom prst="line">
-            <a:avLst/>
-          </a:prstGeom>
-          <a:ln>
-            <a:prstDash val="sysDash"/>
-          </a:ln>
-          <a:effectLst/>
-        </p:spPr>
-        <p:style>
-          <a:lnRef idx="2">
-            <a:schemeClr val="accent1"/>
-          </a:lnRef>
-          <a:fillRef idx="0">
-            <a:schemeClr val="accent1"/>
-          </a:fillRef>
-          <a:effectRef idx="1">
-            <a:schemeClr val="accent1"/>
-          </a:effectRef>
-          <a:fontRef idx="minor">
-            <a:schemeClr val="tx1"/>
-          </a:fontRef>
-        </p:style>
-      </p:cxnSp>
-      <p:cxnSp>
-        <p:nvCxnSpPr>
-          <p:cNvPr id="9" name="Straight Connector 8"/>
-          <p:cNvCxnSpPr/>
-          <p:nvPr/>
-        </p:nvCxnSpPr>
-        <p:spPr>
-          <a:xfrm>
-            <a:off x="5302984" y="2554296"/>
-            <a:ext cx="0" cy="2374900"/>
-          </a:xfrm>
-          <a:prstGeom prst="line">
-            <a:avLst/>
-          </a:prstGeom>
-          <a:ln>
-            <a:prstDash val="sysDash"/>
-          </a:ln>
-          <a:effectLst/>
-        </p:spPr>
-        <p:style>
-          <a:lnRef idx="2">
-            <a:schemeClr val="accent1"/>
-          </a:lnRef>
-          <a:fillRef idx="0">
-            <a:schemeClr val="accent1"/>
-          </a:fillRef>
-          <a:effectRef idx="1">
-            <a:schemeClr val="accent1"/>
-          </a:effectRef>
-          <a:fontRef idx="minor">
-            <a:schemeClr val="tx1"/>
-          </a:fontRef>
-        </p:style>
-      </p:cxnSp>
-      <p:cxnSp>
-        <p:nvCxnSpPr>
-          <p:cNvPr id="10" name="Straight Connector 9"/>
-          <p:cNvCxnSpPr/>
-          <p:nvPr/>
-        </p:nvCxnSpPr>
-        <p:spPr>
-          <a:xfrm>
-            <a:off x="7256244" y="2554296"/>
-            <a:ext cx="0" cy="2374900"/>
-          </a:xfrm>
-          <a:prstGeom prst="line">
-            <a:avLst/>
-          </a:prstGeom>
-          <a:ln>
-            <a:prstDash val="sysDash"/>
-          </a:ln>
-          <a:effectLst/>
-        </p:spPr>
-        <p:style>
-          <a:lnRef idx="2">
-            <a:schemeClr val="accent1"/>
-          </a:lnRef>
-          <a:fillRef idx="0">
-            <a:schemeClr val="accent1"/>
-          </a:fillRef>
-          <a:effectRef idx="1">
-            <a:schemeClr val="accent1"/>
-          </a:effectRef>
-          <a:fontRef idx="minor">
-            <a:schemeClr val="tx1"/>
-          </a:fontRef>
-        </p:style>
-      </p:cxnSp>
-      <p:sp>
-        <p:nvSpPr>
-          <p:cNvPr id="11" name="Rounded Rectangle 10"/>
-          <p:cNvSpPr/>
-          <p:nvPr/>
-        </p:nvSpPr>
-        <p:spPr>
-          <a:xfrm>
-            <a:off x="619224" y="1904056"/>
-            <a:ext cx="2275840" cy="335280"/>
-          </a:xfrm>
-          <a:prstGeom prst="roundRect">
-            <a:avLst/>
-          </a:prstGeom>
-        </p:spPr>
-        <p:style>
-          <a:lnRef idx="1">
-            <a:schemeClr val="accent1"/>
-          </a:lnRef>
-          <a:fillRef idx="3">
-            <a:schemeClr val="accent1"/>
-          </a:fillRef>
-          <a:effectRef idx="2">
-            <a:schemeClr val="accent1"/>
-          </a:effectRef>
-          <a:fontRef idx="minor">
-            <a:schemeClr val="lt1"/>
-          </a:fontRef>
-        </p:style>
-        <p:txBody>
-          <a:bodyPr rtlCol="0" anchor="ctr"/>
-          <a:lstStyle/>
-          <a:p>
-            <a:pPr algn="ctr"/>
-            <a:r>
-              <a:rPr lang="en-US" dirty="0" smtClean="0">
-                <a:solidFill>
-                  <a:schemeClr val="tx1"/>
-                </a:solidFill>
-              </a:rPr>
-              <a:t>Global </a:t>
-            </a:r>
-            <a:r>
-              <a:rPr lang="en-US" dirty="0" err="1" smtClean="0">
-                <a:solidFill>
-                  <a:schemeClr val="tx1"/>
-                </a:solidFill>
-              </a:rPr>
-              <a:t>runqueue</a:t>
-            </a:r>
-            <a:endParaRPr lang="en-US" dirty="0">
-              <a:solidFill>
-                <a:schemeClr val="tx1"/>
-              </a:solidFill>
-            </a:endParaRPr>
-          </a:p>
-        </p:txBody>
-      </p:sp>
-      <p:sp>
-        <p:nvSpPr>
-          <p:cNvPr id="15" name="TextBox 14"/>
+      <p:sp>
+        <p:nvSpPr>
+          <p:cNvPr id="5" name="TextBox 4"/>
           <p:cNvSpPr txBox="1"/>
           <p:nvPr/>
         </p:nvSpPr>
         <p:spPr>
           <a:xfrm>
-            <a:off x="619224" y="2706696"/>
-            <a:ext cx="692091" cy="369332"/>
+            <a:off x="567041" y="1225560"/>
+            <a:ext cx="184666" cy="369332"/>
           </a:xfrm>
           <a:prstGeom prst="rect">
             <a:avLst/>
@@ -5902,1196 +10774,31 @@
           </a:bodyPr>
           <a:lstStyle/>
           <a:p>
-            <a:r>
-              <a:rPr lang="en-US" dirty="0" smtClean="0"/>
-              <a:t>CPU1</a:t>
-            </a:r>
             <a:endParaRPr lang="en-US" dirty="0"/>
           </a:p>
         </p:txBody>
       </p:sp>
-      <p:sp>
-        <p:nvSpPr>
-          <p:cNvPr id="16" name="TextBox 15"/>
-          <p:cNvSpPr txBox="1"/>
-          <p:nvPr/>
-        </p:nvSpPr>
-        <p:spPr>
-          <a:xfrm>
-            <a:off x="619224" y="3455996"/>
-            <a:ext cx="692091" cy="369332"/>
-          </a:xfrm>
-          <a:prstGeom prst="rect">
-            <a:avLst/>
-          </a:prstGeom>
-          <a:noFill/>
-        </p:spPr>
-        <p:txBody>
-          <a:bodyPr wrap="none" rtlCol="0">
-            <a:spAutoFit/>
-          </a:bodyPr>
-          <a:lstStyle/>
-          <a:p>
-            <a:r>
-              <a:rPr lang="en-US" dirty="0" smtClean="0"/>
-              <a:t>CPU2</a:t>
-            </a:r>
-            <a:endParaRPr lang="en-US" dirty="0"/>
-          </a:p>
-        </p:txBody>
-      </p:sp>
-      <p:sp>
-        <p:nvSpPr>
-          <p:cNvPr id="17" name="TextBox 16"/>
-          <p:cNvSpPr txBox="1"/>
-          <p:nvPr/>
-        </p:nvSpPr>
-        <p:spPr>
-          <a:xfrm>
-            <a:off x="619224" y="4141796"/>
-            <a:ext cx="692091" cy="369332"/>
-          </a:xfrm>
-          <a:prstGeom prst="rect">
-            <a:avLst/>
-          </a:prstGeom>
-          <a:noFill/>
-        </p:spPr>
-        <p:txBody>
-          <a:bodyPr wrap="none" rtlCol="0">
-            <a:spAutoFit/>
-          </a:bodyPr>
-          <a:lstStyle/>
-          <a:p>
-            <a:r>
-              <a:rPr lang="en-US" dirty="0" smtClean="0"/>
-              <a:t>CPU3</a:t>
-            </a:r>
-            <a:endParaRPr lang="en-US" dirty="0"/>
-          </a:p>
-        </p:txBody>
-      </p:sp>
-      <p:sp>
-        <p:nvSpPr>
-          <p:cNvPr id="18" name="TextBox 17"/>
-          <p:cNvSpPr txBox="1"/>
-          <p:nvPr/>
-        </p:nvSpPr>
-        <p:spPr>
-          <a:xfrm>
-            <a:off x="619224" y="4744530"/>
-            <a:ext cx="692091" cy="369332"/>
-          </a:xfrm>
-          <a:prstGeom prst="rect">
-            <a:avLst/>
-          </a:prstGeom>
-          <a:noFill/>
-        </p:spPr>
-        <p:txBody>
-          <a:bodyPr wrap="none" rtlCol="0">
-            <a:spAutoFit/>
-          </a:bodyPr>
-          <a:lstStyle/>
-          <a:p>
-            <a:r>
-              <a:rPr lang="en-US" dirty="0" smtClean="0"/>
-              <a:t>CPU4</a:t>
-            </a:r>
-          </a:p>
-        </p:txBody>
-      </p:sp>
-      <p:cxnSp>
-        <p:nvCxnSpPr>
-          <p:cNvPr id="26" name="Straight Connector 25"/>
-          <p:cNvCxnSpPr/>
-          <p:nvPr/>
-        </p:nvCxnSpPr>
-        <p:spPr>
-          <a:xfrm>
-            <a:off x="5302984" y="3713551"/>
-            <a:ext cx="1953260" cy="0"/>
-          </a:xfrm>
-          <a:prstGeom prst="line">
-            <a:avLst/>
-          </a:prstGeom>
-          <a:ln>
-            <a:solidFill>
-              <a:schemeClr val="accent6">
-                <a:lumMod val="75000"/>
-              </a:schemeClr>
-            </a:solidFill>
-          </a:ln>
-          <a:effectLst/>
-        </p:spPr>
-        <p:style>
-          <a:lnRef idx="2">
-            <a:schemeClr val="accent1"/>
-          </a:lnRef>
-          <a:fillRef idx="0">
-            <a:schemeClr val="accent1"/>
-          </a:fillRef>
-          <a:effectRef idx="1">
-            <a:schemeClr val="accent1"/>
-          </a:effectRef>
-          <a:fontRef idx="minor">
-            <a:schemeClr val="tx1"/>
-          </a:fontRef>
-        </p:style>
-      </p:cxnSp>
-      <p:cxnSp>
-        <p:nvCxnSpPr>
-          <p:cNvPr id="27" name="Straight Connector 26"/>
-          <p:cNvCxnSpPr/>
-          <p:nvPr/>
-        </p:nvCxnSpPr>
-        <p:spPr>
-          <a:xfrm>
-            <a:off x="1470124" y="3713551"/>
-            <a:ext cx="3832860" cy="0"/>
-          </a:xfrm>
-          <a:prstGeom prst="line">
-            <a:avLst/>
-          </a:prstGeom>
-          <a:ln>
-            <a:solidFill>
-              <a:srgbClr val="FF0000"/>
-            </a:solidFill>
-          </a:ln>
-          <a:effectLst/>
-        </p:spPr>
-        <p:style>
-          <a:lnRef idx="2">
-            <a:schemeClr val="accent1"/>
-          </a:lnRef>
-          <a:fillRef idx="0">
-            <a:schemeClr val="accent1"/>
-          </a:fillRef>
-          <a:effectRef idx="1">
-            <a:schemeClr val="accent1"/>
-          </a:effectRef>
-          <a:fontRef idx="minor">
-            <a:schemeClr val="tx1"/>
-          </a:fontRef>
-        </p:style>
-      </p:cxnSp>
-      <p:cxnSp>
-        <p:nvCxnSpPr>
-          <p:cNvPr id="28" name="Straight Connector 27"/>
-          <p:cNvCxnSpPr/>
-          <p:nvPr/>
-        </p:nvCxnSpPr>
-        <p:spPr>
-          <a:xfrm>
-            <a:off x="1470124" y="4394271"/>
-            <a:ext cx="2948940" cy="0"/>
-          </a:xfrm>
-          <a:prstGeom prst="line">
-            <a:avLst/>
-          </a:prstGeom>
-          <a:ln>
-            <a:solidFill>
-              <a:srgbClr val="0000FF"/>
-            </a:solidFill>
-          </a:ln>
-          <a:effectLst/>
-        </p:spPr>
-        <p:style>
-          <a:lnRef idx="2">
-            <a:schemeClr val="accent1"/>
-          </a:lnRef>
-          <a:fillRef idx="0">
-            <a:schemeClr val="accent1"/>
-          </a:fillRef>
-          <a:effectRef idx="1">
-            <a:schemeClr val="accent1"/>
-          </a:effectRef>
-          <a:fontRef idx="minor">
-            <a:schemeClr val="tx1"/>
-          </a:fontRef>
-        </p:style>
-      </p:cxnSp>
-      <p:cxnSp>
-        <p:nvCxnSpPr>
-          <p:cNvPr id="35" name="Straight Connector 34"/>
-          <p:cNvCxnSpPr/>
-          <p:nvPr/>
-        </p:nvCxnSpPr>
-        <p:spPr>
-          <a:xfrm>
-            <a:off x="7256244" y="3713551"/>
-            <a:ext cx="1236980" cy="0"/>
-          </a:xfrm>
-          <a:prstGeom prst="line">
-            <a:avLst/>
-          </a:prstGeom>
-          <a:ln>
-            <a:solidFill>
-              <a:srgbClr val="FF0000"/>
-            </a:solidFill>
-          </a:ln>
-          <a:effectLst/>
-        </p:spPr>
-        <p:style>
-          <a:lnRef idx="2">
-            <a:schemeClr val="accent1"/>
-          </a:lnRef>
-          <a:fillRef idx="0">
-            <a:schemeClr val="accent1"/>
-          </a:fillRef>
-          <a:effectRef idx="1">
-            <a:schemeClr val="accent1"/>
-          </a:effectRef>
-          <a:fontRef idx="minor">
-            <a:schemeClr val="tx1"/>
-          </a:fontRef>
-        </p:style>
-      </p:cxnSp>
-      <p:cxnSp>
-        <p:nvCxnSpPr>
-          <p:cNvPr id="48" name="Straight Connector 47"/>
-          <p:cNvCxnSpPr/>
-          <p:nvPr/>
-        </p:nvCxnSpPr>
-        <p:spPr>
-          <a:xfrm>
-            <a:off x="4419065" y="4389190"/>
-            <a:ext cx="4074159" cy="0"/>
-          </a:xfrm>
-          <a:prstGeom prst="line">
-            <a:avLst/>
-          </a:prstGeom>
-          <a:ln>
-            <a:solidFill>
-              <a:srgbClr val="660066"/>
-            </a:solidFill>
-          </a:ln>
-          <a:effectLst/>
-        </p:spPr>
-        <p:style>
-          <a:lnRef idx="2">
-            <a:schemeClr val="accent1"/>
-          </a:lnRef>
-          <a:fillRef idx="0">
-            <a:schemeClr val="accent1"/>
-          </a:fillRef>
-          <a:effectRef idx="1">
-            <a:schemeClr val="accent1"/>
-          </a:effectRef>
-          <a:fontRef idx="minor">
-            <a:schemeClr val="tx1"/>
-          </a:fontRef>
-        </p:style>
-      </p:cxnSp>
-      <p:cxnSp>
-        <p:nvCxnSpPr>
-          <p:cNvPr id="51" name="Straight Connector 50"/>
-          <p:cNvCxnSpPr/>
-          <p:nvPr/>
-        </p:nvCxnSpPr>
-        <p:spPr>
-          <a:xfrm>
-            <a:off x="1470124" y="2890591"/>
-            <a:ext cx="7023100" cy="0"/>
-          </a:xfrm>
-          <a:prstGeom prst="line">
-            <a:avLst/>
-          </a:prstGeom>
-          <a:ln>
-            <a:solidFill>
-              <a:srgbClr val="008000"/>
-            </a:solidFill>
-          </a:ln>
-          <a:effectLst/>
-        </p:spPr>
-        <p:style>
-          <a:lnRef idx="2">
-            <a:schemeClr val="accent4"/>
-          </a:lnRef>
-          <a:fillRef idx="0">
-            <a:schemeClr val="accent4"/>
-          </a:fillRef>
-          <a:effectRef idx="1">
-            <a:schemeClr val="accent4"/>
-          </a:effectRef>
-          <a:fontRef idx="minor">
-            <a:schemeClr val="tx1"/>
-          </a:fontRef>
-        </p:style>
-      </p:cxnSp>
-      <p:cxnSp>
-        <p:nvCxnSpPr>
-          <p:cNvPr id="86" name="Straight Connector 85"/>
-          <p:cNvCxnSpPr/>
-          <p:nvPr/>
-        </p:nvCxnSpPr>
-        <p:spPr>
-          <a:xfrm flipV="1">
-            <a:off x="4419064" y="4141796"/>
-            <a:ext cx="0" cy="399794"/>
-          </a:xfrm>
-          <a:prstGeom prst="line">
-            <a:avLst/>
-          </a:prstGeom>
-          <a:ln w="76200" cmpd="sng">
-            <a:solidFill>
-              <a:srgbClr val="660066"/>
-            </a:solidFill>
-          </a:ln>
-          <a:effectLst/>
-        </p:spPr>
-        <p:style>
-          <a:lnRef idx="2">
-            <a:schemeClr val="accent1"/>
-          </a:lnRef>
-          <a:fillRef idx="0">
-            <a:schemeClr val="accent1"/>
-          </a:fillRef>
-          <a:effectRef idx="1">
-            <a:schemeClr val="accent1"/>
-          </a:effectRef>
-          <a:fontRef idx="minor">
-            <a:schemeClr val="tx1"/>
-          </a:fontRef>
-        </p:style>
-      </p:cxnSp>
-      <p:sp>
-        <p:nvSpPr>
-          <p:cNvPr id="100" name="TextBox 99"/>
-          <p:cNvSpPr txBox="1"/>
-          <p:nvPr/>
-        </p:nvSpPr>
-        <p:spPr>
-          <a:xfrm>
-            <a:off x="619224" y="5048296"/>
-            <a:ext cx="6433898" cy="307777"/>
-          </a:xfrm>
-          <a:prstGeom prst="rect">
-            <a:avLst/>
-          </a:prstGeom>
-          <a:noFill/>
-        </p:spPr>
-        <p:txBody>
-          <a:bodyPr wrap="none" rtlCol="0">
-            <a:spAutoFit/>
-          </a:bodyPr>
-          <a:lstStyle/>
-          <a:p>
-            <a:r>
-              <a:rPr lang="en-US" sz="1400" dirty="0" smtClean="0"/>
-              <a:t>1 thread (CPU4) keeps polling whether there is a external interrupt (new task coming)</a:t>
-            </a:r>
-            <a:endParaRPr lang="en-US" sz="1400" dirty="0"/>
-          </a:p>
-        </p:txBody>
-      </p:sp>
-      <p:cxnSp>
-        <p:nvCxnSpPr>
-          <p:cNvPr id="101" name="Straight Connector 100"/>
-          <p:cNvCxnSpPr/>
-          <p:nvPr/>
-        </p:nvCxnSpPr>
-        <p:spPr>
-          <a:xfrm flipV="1">
-            <a:off x="5276798" y="3513654"/>
-            <a:ext cx="0" cy="399794"/>
-          </a:xfrm>
-          <a:prstGeom prst="line">
-            <a:avLst/>
-          </a:prstGeom>
-          <a:ln w="76200" cmpd="sng">
-            <a:solidFill>
-              <a:srgbClr val="FF0000"/>
-            </a:solidFill>
-          </a:ln>
-          <a:effectLst/>
-        </p:spPr>
-        <p:style>
-          <a:lnRef idx="2">
-            <a:schemeClr val="accent1"/>
-          </a:lnRef>
-          <a:fillRef idx="0">
-            <a:schemeClr val="accent1"/>
-          </a:fillRef>
-          <a:effectRef idx="1">
-            <a:schemeClr val="accent1"/>
-          </a:effectRef>
-          <a:fontRef idx="minor">
-            <a:schemeClr val="tx1"/>
-          </a:fontRef>
-        </p:style>
-      </p:cxnSp>
-      <p:cxnSp>
-        <p:nvCxnSpPr>
-          <p:cNvPr id="102" name="Straight Connector 101"/>
-          <p:cNvCxnSpPr/>
-          <p:nvPr/>
-        </p:nvCxnSpPr>
-        <p:spPr>
-          <a:xfrm flipV="1">
-            <a:off x="7295523" y="3513654"/>
-            <a:ext cx="0" cy="399794"/>
-          </a:xfrm>
-          <a:prstGeom prst="line">
-            <a:avLst/>
-          </a:prstGeom>
-          <a:ln w="76200" cmpd="sng">
-            <a:solidFill>
-              <a:srgbClr val="FF0000"/>
-            </a:solidFill>
-          </a:ln>
-          <a:effectLst/>
-        </p:spPr>
-        <p:style>
-          <a:lnRef idx="2">
-            <a:schemeClr val="accent1"/>
-          </a:lnRef>
-          <a:fillRef idx="0">
-            <a:schemeClr val="accent1"/>
-          </a:fillRef>
-          <a:effectRef idx="1">
-            <a:schemeClr val="accent1"/>
-          </a:effectRef>
-          <a:fontRef idx="minor">
-            <a:schemeClr val="tx1"/>
-          </a:fontRef>
-        </p:style>
-      </p:cxnSp>
-      <p:cxnSp>
-        <p:nvCxnSpPr>
-          <p:cNvPr id="103" name="Straight Connector 102"/>
-          <p:cNvCxnSpPr/>
-          <p:nvPr/>
-        </p:nvCxnSpPr>
-        <p:spPr>
-          <a:xfrm flipV="1">
-            <a:off x="7225336" y="3513654"/>
-            <a:ext cx="0" cy="399794"/>
-          </a:xfrm>
-          <a:prstGeom prst="line">
-            <a:avLst/>
-          </a:prstGeom>
-          <a:ln w="76200" cmpd="sng">
-            <a:solidFill>
-              <a:schemeClr val="accent6"/>
-            </a:solidFill>
-          </a:ln>
-          <a:effectLst/>
-        </p:spPr>
-        <p:style>
-          <a:lnRef idx="2">
-            <a:schemeClr val="accent1"/>
-          </a:lnRef>
-          <a:fillRef idx="0">
-            <a:schemeClr val="accent1"/>
-          </a:fillRef>
-          <a:effectRef idx="1">
-            <a:schemeClr val="accent1"/>
-          </a:effectRef>
-          <a:fontRef idx="minor">
-            <a:schemeClr val="tx1"/>
-          </a:fontRef>
-        </p:style>
-      </p:cxnSp>
-      <p:cxnSp>
-        <p:nvCxnSpPr>
-          <p:cNvPr id="104" name="Straight Connector 103"/>
-          <p:cNvCxnSpPr/>
-          <p:nvPr/>
-        </p:nvCxnSpPr>
-        <p:spPr>
-          <a:xfrm flipV="1">
-            <a:off x="5342263" y="3517475"/>
-            <a:ext cx="0" cy="399794"/>
-          </a:xfrm>
-          <a:prstGeom prst="line">
-            <a:avLst/>
-          </a:prstGeom>
-          <a:ln w="76200" cmpd="sng">
-            <a:solidFill>
-              <a:schemeClr val="accent6"/>
-            </a:solidFill>
-          </a:ln>
-          <a:effectLst/>
-        </p:spPr>
-        <p:style>
-          <a:lnRef idx="2">
-            <a:schemeClr val="accent1"/>
-          </a:lnRef>
-          <a:fillRef idx="0">
-            <a:schemeClr val="accent1"/>
-          </a:fillRef>
-          <a:effectRef idx="1">
-            <a:schemeClr val="accent1"/>
-          </a:effectRef>
-          <a:fontRef idx="minor">
-            <a:schemeClr val="tx1"/>
-          </a:fontRef>
-        </p:style>
-      </p:cxnSp>
-      <p:cxnSp>
-        <p:nvCxnSpPr>
-          <p:cNvPr id="114" name="Curved Connector 113"/>
-          <p:cNvCxnSpPr>
-            <a:endCxn id="11" idx="3"/>
-          </p:cNvCxnSpPr>
-          <p:nvPr/>
-        </p:nvCxnSpPr>
-        <p:spPr>
-          <a:xfrm rot="10800000">
-            <a:off x="2895064" y="2071697"/>
-            <a:ext cx="2381734" cy="1548677"/>
-          </a:xfrm>
-          <a:prstGeom prst="curvedConnector3">
-            <a:avLst>
-              <a:gd name="adj1" fmla="val 5471"/>
-            </a:avLst>
-          </a:prstGeom>
-          <a:ln w="57150" cmpd="sng">
-            <a:solidFill>
-              <a:srgbClr val="FF0000"/>
-            </a:solidFill>
-            <a:tailEnd type="arrow"/>
-          </a:ln>
-        </p:spPr>
-        <p:style>
-          <a:lnRef idx="2">
-            <a:schemeClr val="accent1"/>
-          </a:lnRef>
-          <a:fillRef idx="0">
-            <a:schemeClr val="accent1"/>
-          </a:fillRef>
-          <a:effectRef idx="1">
-            <a:schemeClr val="accent1"/>
-          </a:effectRef>
-          <a:fontRef idx="minor">
-            <a:schemeClr val="tx1"/>
-          </a:fontRef>
-        </p:style>
-      </p:cxnSp>
-      <p:cxnSp>
-        <p:nvCxnSpPr>
-          <p:cNvPr id="124" name="Straight Connector 123"/>
-          <p:cNvCxnSpPr/>
-          <p:nvPr/>
-        </p:nvCxnSpPr>
-        <p:spPr>
-          <a:xfrm flipV="1">
-            <a:off x="4384664" y="4141796"/>
-            <a:ext cx="0" cy="399794"/>
-          </a:xfrm>
-          <a:prstGeom prst="line">
-            <a:avLst/>
-          </a:prstGeom>
-          <a:ln w="76200" cmpd="sng">
-            <a:solidFill>
-              <a:srgbClr val="0000FF"/>
-            </a:solidFill>
-          </a:ln>
-          <a:effectLst/>
-        </p:spPr>
-        <p:style>
-          <a:lnRef idx="2">
-            <a:schemeClr val="accent1"/>
-          </a:lnRef>
-          <a:fillRef idx="0">
-            <a:schemeClr val="accent1"/>
-          </a:fillRef>
-          <a:effectRef idx="1">
-            <a:schemeClr val="accent1"/>
-          </a:effectRef>
-          <a:fontRef idx="minor">
-            <a:schemeClr val="tx1"/>
-          </a:fontRef>
-        </p:style>
-      </p:cxnSp>
-      <p:cxnSp>
-        <p:nvCxnSpPr>
-          <p:cNvPr id="125" name="Curved Connector 124"/>
-          <p:cNvCxnSpPr>
-            <a:endCxn id="11" idx="3"/>
-          </p:cNvCxnSpPr>
-          <p:nvPr/>
-        </p:nvCxnSpPr>
-        <p:spPr>
-          <a:xfrm rot="10800000">
-            <a:off x="2895064" y="2071697"/>
-            <a:ext cx="4237800" cy="1445781"/>
-          </a:xfrm>
-          <a:prstGeom prst="curvedConnector3">
-            <a:avLst>
-              <a:gd name="adj1" fmla="val 1802"/>
-            </a:avLst>
-          </a:prstGeom>
-          <a:ln w="57150" cmpd="sng">
-            <a:solidFill>
-              <a:srgbClr val="F79646"/>
-            </a:solidFill>
-            <a:tailEnd type="arrow"/>
-          </a:ln>
-        </p:spPr>
-        <p:style>
-          <a:lnRef idx="2">
-            <a:schemeClr val="accent1"/>
-          </a:lnRef>
-          <a:fillRef idx="0">
-            <a:schemeClr val="accent1"/>
-          </a:fillRef>
-          <a:effectRef idx="1">
-            <a:schemeClr val="accent1"/>
-          </a:effectRef>
-          <a:fontRef idx="minor">
-            <a:schemeClr val="tx1"/>
-          </a:fontRef>
-        </p:style>
-      </p:cxnSp>
-      <p:cxnSp>
-        <p:nvCxnSpPr>
-          <p:cNvPr id="135" name="Straight Arrow Connector 134"/>
-          <p:cNvCxnSpPr/>
-          <p:nvPr/>
-        </p:nvCxnSpPr>
-        <p:spPr>
-          <a:xfrm>
-            <a:off x="3050187" y="2675461"/>
-            <a:ext cx="250763" cy="185436"/>
-          </a:xfrm>
-          <a:prstGeom prst="straightConnector1">
-            <a:avLst/>
-          </a:prstGeom>
-          <a:ln>
-            <a:tailEnd type="arrow"/>
-          </a:ln>
-        </p:spPr>
-        <p:style>
-          <a:lnRef idx="2">
-            <a:schemeClr val="accent1"/>
-          </a:lnRef>
-          <a:fillRef idx="0">
-            <a:schemeClr val="accent1"/>
-          </a:fillRef>
-          <a:effectRef idx="1">
-            <a:schemeClr val="accent1"/>
-          </a:effectRef>
-          <a:fontRef idx="minor">
-            <a:schemeClr val="tx1"/>
-          </a:fontRef>
-        </p:style>
-      </p:cxnSp>
-      <p:cxnSp>
-        <p:nvCxnSpPr>
-          <p:cNvPr id="137" name="Straight Arrow Connector 136"/>
-          <p:cNvCxnSpPr/>
-          <p:nvPr/>
-        </p:nvCxnSpPr>
-        <p:spPr>
-          <a:xfrm>
-            <a:off x="3051019" y="3517479"/>
-            <a:ext cx="250763" cy="185436"/>
-          </a:xfrm>
-          <a:prstGeom prst="straightConnector1">
-            <a:avLst/>
-          </a:prstGeom>
-          <a:ln>
-            <a:tailEnd type="arrow"/>
-          </a:ln>
-        </p:spPr>
-        <p:style>
-          <a:lnRef idx="2">
-            <a:schemeClr val="accent1"/>
-          </a:lnRef>
-          <a:fillRef idx="0">
-            <a:schemeClr val="accent1"/>
-          </a:fillRef>
-          <a:effectRef idx="1">
-            <a:schemeClr val="accent1"/>
-          </a:effectRef>
-          <a:fontRef idx="minor">
-            <a:schemeClr val="tx1"/>
-          </a:fontRef>
-        </p:style>
-      </p:cxnSp>
-      <p:cxnSp>
-        <p:nvCxnSpPr>
-          <p:cNvPr id="138" name="Straight Arrow Connector 137"/>
-          <p:cNvCxnSpPr/>
-          <p:nvPr/>
-        </p:nvCxnSpPr>
-        <p:spPr>
-          <a:xfrm>
-            <a:off x="3051019" y="4179140"/>
-            <a:ext cx="250763" cy="185436"/>
-          </a:xfrm>
-          <a:prstGeom prst="straightConnector1">
-            <a:avLst/>
-          </a:prstGeom>
-          <a:ln>
-            <a:tailEnd type="arrow"/>
-          </a:ln>
-        </p:spPr>
-        <p:style>
-          <a:lnRef idx="2">
-            <a:schemeClr val="accent1"/>
-          </a:lnRef>
-          <a:fillRef idx="0">
-            <a:schemeClr val="accent1"/>
-          </a:fillRef>
-          <a:effectRef idx="1">
-            <a:schemeClr val="accent1"/>
-          </a:effectRef>
-          <a:fontRef idx="minor">
-            <a:schemeClr val="tx1"/>
-          </a:fontRef>
-        </p:style>
-      </p:cxnSp>
-      <p:sp>
-        <p:nvSpPr>
-          <p:cNvPr id="139" name="TextBox 138"/>
-          <p:cNvSpPr txBox="1"/>
-          <p:nvPr/>
-        </p:nvSpPr>
-        <p:spPr>
-          <a:xfrm>
-            <a:off x="1566145" y="3126563"/>
-            <a:ext cx="1609567" cy="430887"/>
-          </a:xfrm>
-          <a:prstGeom prst="rect">
-            <a:avLst/>
-          </a:prstGeom>
-          <a:noFill/>
-        </p:spPr>
-        <p:txBody>
-          <a:bodyPr wrap="none" rtlCol="0">
-            <a:spAutoFit/>
-          </a:bodyPr>
-          <a:lstStyle/>
-          <a:p>
-            <a:pPr algn="r"/>
-            <a:r>
-              <a:rPr lang="en-US" sz="1100" dirty="0" smtClean="0">
-                <a:solidFill>
-                  <a:schemeClr val="accent1"/>
-                </a:solidFill>
-              </a:rPr>
-              <a:t>check if </a:t>
-            </a:r>
-            <a:r>
-              <a:rPr lang="en-US" sz="1100" dirty="0" err="1" smtClean="0">
-                <a:solidFill>
-                  <a:schemeClr val="accent1"/>
-                </a:solidFill>
-              </a:rPr>
-              <a:t>time_slice</a:t>
-            </a:r>
-            <a:r>
-              <a:rPr lang="en-US" sz="1100" dirty="0" smtClean="0">
-                <a:solidFill>
-                  <a:schemeClr val="accent1"/>
-                </a:solidFill>
-              </a:rPr>
-              <a:t> is out</a:t>
-            </a:r>
-          </a:p>
-          <a:p>
-            <a:pPr algn="r"/>
-            <a:r>
-              <a:rPr lang="en-US" sz="1100" b="1" dirty="0" smtClean="0">
-                <a:solidFill>
-                  <a:schemeClr val="accent1"/>
-                </a:solidFill>
-              </a:rPr>
-              <a:t>not out yet!</a:t>
-            </a:r>
-            <a:endParaRPr lang="en-US" sz="1100" b="1" dirty="0">
-              <a:solidFill>
-                <a:schemeClr val="accent1"/>
-              </a:solidFill>
-            </a:endParaRPr>
-          </a:p>
-        </p:txBody>
-      </p:sp>
-      <p:cxnSp>
-        <p:nvCxnSpPr>
-          <p:cNvPr id="41" name="Curved Connector 40"/>
-          <p:cNvCxnSpPr>
-            <a:stCxn id="11" idx="3"/>
-          </p:cNvCxnSpPr>
-          <p:nvPr/>
-        </p:nvCxnSpPr>
-        <p:spPr>
-          <a:xfrm>
-            <a:off x="2895064" y="2071696"/>
-            <a:ext cx="1524001" cy="2322574"/>
-          </a:xfrm>
-          <a:prstGeom prst="curvedConnector2">
-            <a:avLst/>
-          </a:prstGeom>
-          <a:ln w="57150" cmpd="sng">
-            <a:solidFill>
-              <a:srgbClr val="660066"/>
-            </a:solidFill>
-            <a:tailEnd type="arrow"/>
-          </a:ln>
-        </p:spPr>
-        <p:style>
-          <a:lnRef idx="2">
-            <a:schemeClr val="accent1"/>
-          </a:lnRef>
-          <a:fillRef idx="0">
-            <a:schemeClr val="accent1"/>
-          </a:fillRef>
-          <a:effectRef idx="1">
-            <a:schemeClr val="accent1"/>
-          </a:effectRef>
-          <a:fontRef idx="minor">
-            <a:schemeClr val="tx1"/>
-          </a:fontRef>
-        </p:style>
-      </p:cxnSp>
-      <p:cxnSp>
-        <p:nvCxnSpPr>
-          <p:cNvPr id="105" name="Curved Connector 104"/>
-          <p:cNvCxnSpPr>
-            <a:stCxn id="11" idx="3"/>
-          </p:cNvCxnSpPr>
-          <p:nvPr/>
-        </p:nvCxnSpPr>
-        <p:spPr>
-          <a:xfrm>
-            <a:off x="2895064" y="2071696"/>
-            <a:ext cx="2381734" cy="1441958"/>
-          </a:xfrm>
-          <a:prstGeom prst="curvedConnector3">
-            <a:avLst>
-              <a:gd name="adj1" fmla="val 99476"/>
-            </a:avLst>
-          </a:prstGeom>
-          <a:ln w="57150" cmpd="sng">
-            <a:solidFill>
-              <a:srgbClr val="F79646"/>
-            </a:solidFill>
-            <a:tailEnd type="arrow"/>
-          </a:ln>
-        </p:spPr>
-        <p:style>
-          <a:lnRef idx="2">
-            <a:schemeClr val="accent1"/>
-          </a:lnRef>
-          <a:fillRef idx="0">
-            <a:schemeClr val="accent1"/>
-          </a:fillRef>
-          <a:effectRef idx="1">
-            <a:schemeClr val="accent1"/>
-          </a:effectRef>
-          <a:fontRef idx="minor">
-            <a:schemeClr val="tx1"/>
-          </a:fontRef>
-        </p:style>
-      </p:cxnSp>
-      <p:cxnSp>
-        <p:nvCxnSpPr>
-          <p:cNvPr id="130" name="Curved Connector 129"/>
-          <p:cNvCxnSpPr>
-            <a:stCxn id="11" idx="3"/>
-          </p:cNvCxnSpPr>
-          <p:nvPr/>
-        </p:nvCxnSpPr>
-        <p:spPr>
-          <a:xfrm>
-            <a:off x="2895064" y="2071696"/>
-            <a:ext cx="4400459" cy="1384301"/>
-          </a:xfrm>
-          <a:prstGeom prst="curvedConnector3">
-            <a:avLst>
-              <a:gd name="adj1" fmla="val 99690"/>
-            </a:avLst>
-          </a:prstGeom>
-          <a:ln w="57150" cmpd="sng">
-            <a:solidFill>
-              <a:srgbClr val="FF0000"/>
-            </a:solidFill>
-            <a:tailEnd type="arrow"/>
-          </a:ln>
-        </p:spPr>
-        <p:style>
-          <a:lnRef idx="2">
-            <a:schemeClr val="accent1"/>
-          </a:lnRef>
-          <a:fillRef idx="0">
-            <a:schemeClr val="accent1"/>
-          </a:fillRef>
-          <a:effectRef idx="1">
-            <a:schemeClr val="accent1"/>
-          </a:effectRef>
-          <a:fontRef idx="minor">
-            <a:schemeClr val="tx1"/>
-          </a:fontRef>
-        </p:style>
-      </p:cxnSp>
-      <p:sp>
-        <p:nvSpPr>
-          <p:cNvPr id="141" name="TextBox 140"/>
-          <p:cNvSpPr txBox="1"/>
-          <p:nvPr/>
-        </p:nvSpPr>
-        <p:spPr>
-          <a:xfrm>
-            <a:off x="4568326" y="3238617"/>
-            <a:ext cx="553858" cy="261610"/>
-          </a:xfrm>
-          <a:prstGeom prst="rect">
-            <a:avLst/>
-          </a:prstGeom>
-          <a:noFill/>
-        </p:spPr>
-        <p:txBody>
-          <a:bodyPr wrap="none" rtlCol="0">
-            <a:spAutoFit/>
-          </a:bodyPr>
-          <a:lstStyle/>
-          <a:p>
-            <a:r>
-              <a:rPr lang="en-US" sz="1100" b="1" dirty="0" smtClean="0">
-                <a:solidFill>
-                  <a:srgbClr val="4F81BD"/>
-                </a:solidFill>
-              </a:rPr>
-              <a:t>is out!</a:t>
-            </a:r>
-            <a:endParaRPr lang="en-US" sz="1100" b="1" dirty="0">
-              <a:solidFill>
-                <a:srgbClr val="4F81BD"/>
-              </a:solidFill>
-            </a:endParaRPr>
-          </a:p>
-        </p:txBody>
-      </p:sp>
-      <p:cxnSp>
-        <p:nvCxnSpPr>
-          <p:cNvPr id="142" name="Straight Arrow Connector 141"/>
-          <p:cNvCxnSpPr/>
-          <p:nvPr/>
-        </p:nvCxnSpPr>
-        <p:spPr>
-          <a:xfrm>
-            <a:off x="4971923" y="3466755"/>
-            <a:ext cx="250763" cy="185436"/>
-          </a:xfrm>
-          <a:prstGeom prst="straightConnector1">
-            <a:avLst/>
-          </a:prstGeom>
-          <a:ln>
-            <a:tailEnd type="arrow"/>
-          </a:ln>
-        </p:spPr>
-        <p:style>
-          <a:lnRef idx="2">
-            <a:schemeClr val="accent1"/>
-          </a:lnRef>
-          <a:fillRef idx="0">
-            <a:schemeClr val="accent1"/>
-          </a:fillRef>
-          <a:effectRef idx="1">
-            <a:schemeClr val="accent1"/>
-          </a:effectRef>
-          <a:fontRef idx="minor">
-            <a:schemeClr val="tx1"/>
-          </a:fontRef>
-        </p:style>
-      </p:cxnSp>
-      <p:sp>
-        <p:nvSpPr>
-          <p:cNvPr id="166" name="TextBox 165"/>
-          <p:cNvSpPr txBox="1"/>
-          <p:nvPr/>
-        </p:nvSpPr>
-        <p:spPr>
-          <a:xfrm>
-            <a:off x="2927597" y="3691123"/>
-            <a:ext cx="766143" cy="261610"/>
-          </a:xfrm>
-          <a:prstGeom prst="rect">
-            <a:avLst/>
-          </a:prstGeom>
-          <a:noFill/>
-        </p:spPr>
-        <p:txBody>
-          <a:bodyPr wrap="none" rtlCol="0">
-            <a:spAutoFit/>
-          </a:bodyPr>
-          <a:lstStyle/>
-          <a:p>
-            <a:r>
-              <a:rPr lang="en-US" sz="1100" dirty="0" err="1" smtClean="0">
-                <a:solidFill>
-                  <a:srgbClr val="FF0000"/>
-                </a:solidFill>
-              </a:rPr>
-              <a:t>time_slice</a:t>
-            </a:r>
-            <a:endParaRPr lang="en-US" sz="1100" dirty="0" smtClean="0">
-              <a:solidFill>
-                <a:srgbClr val="FF0000"/>
-              </a:solidFill>
-            </a:endParaRPr>
-          </a:p>
-        </p:txBody>
-      </p:sp>
-      <p:cxnSp>
-        <p:nvCxnSpPr>
-          <p:cNvPr id="168" name="Straight Arrow Connector 167"/>
-          <p:cNvCxnSpPr>
-            <a:stCxn id="166" idx="1"/>
-          </p:cNvCxnSpPr>
-          <p:nvPr/>
-        </p:nvCxnSpPr>
-        <p:spPr>
-          <a:xfrm flipH="1">
-            <a:off x="1496625" y="3821928"/>
-            <a:ext cx="1430972" cy="0"/>
-          </a:xfrm>
-          <a:prstGeom prst="straightConnector1">
-            <a:avLst/>
-          </a:prstGeom>
-          <a:ln>
-            <a:solidFill>
-              <a:srgbClr val="FF0000"/>
-            </a:solidFill>
-            <a:prstDash val="dash"/>
-            <a:tailEnd type="arrow"/>
-          </a:ln>
-        </p:spPr>
-        <p:style>
-          <a:lnRef idx="2">
-            <a:schemeClr val="accent1"/>
-          </a:lnRef>
-          <a:fillRef idx="0">
-            <a:schemeClr val="accent1"/>
-          </a:fillRef>
-          <a:effectRef idx="1">
-            <a:schemeClr val="accent1"/>
-          </a:effectRef>
-          <a:fontRef idx="minor">
-            <a:schemeClr val="tx1"/>
-          </a:fontRef>
-        </p:style>
-      </p:cxnSp>
-      <p:cxnSp>
-        <p:nvCxnSpPr>
-          <p:cNvPr id="170" name="Straight Arrow Connector 169"/>
-          <p:cNvCxnSpPr>
-            <a:stCxn id="166" idx="3"/>
-          </p:cNvCxnSpPr>
-          <p:nvPr/>
-        </p:nvCxnSpPr>
-        <p:spPr>
-          <a:xfrm>
-            <a:off x="3693740" y="3821928"/>
-            <a:ext cx="1574506" cy="0"/>
-          </a:xfrm>
-          <a:prstGeom prst="straightConnector1">
-            <a:avLst/>
-          </a:prstGeom>
-          <a:ln>
-            <a:solidFill>
-              <a:srgbClr val="FF0000"/>
-            </a:solidFill>
-            <a:prstDash val="dash"/>
-            <a:tailEnd type="arrow"/>
-          </a:ln>
-        </p:spPr>
-        <p:style>
-          <a:lnRef idx="2">
-            <a:schemeClr val="accent1"/>
-          </a:lnRef>
-          <a:fillRef idx="0">
-            <a:schemeClr val="accent1"/>
-          </a:fillRef>
-          <a:effectRef idx="1">
-            <a:schemeClr val="accent1"/>
-          </a:effectRef>
-          <a:fontRef idx="minor">
-            <a:schemeClr val="tx1"/>
-          </a:fontRef>
-        </p:style>
-      </p:cxnSp>
-      <p:sp>
-        <p:nvSpPr>
-          <p:cNvPr id="182" name="TextBox 181"/>
-          <p:cNvSpPr txBox="1"/>
-          <p:nvPr/>
-        </p:nvSpPr>
-        <p:spPr>
-          <a:xfrm>
-            <a:off x="1311315" y="5381985"/>
-            <a:ext cx="7143809" cy="400110"/>
-          </a:xfrm>
-          <a:prstGeom prst="rect">
-            <a:avLst/>
-          </a:prstGeom>
-          <a:noFill/>
-        </p:spPr>
-        <p:txBody>
-          <a:bodyPr wrap="square" rtlCol="0">
-            <a:spAutoFit/>
-          </a:bodyPr>
-          <a:lstStyle/>
-          <a:p>
-            <a:pPr algn="ctr"/>
-            <a:r>
-              <a:rPr lang="en-US" sz="2000" b="1" dirty="0" smtClean="0"/>
-              <a:t>Linux-like CFS scheduler simulator</a:t>
-            </a:r>
-            <a:endParaRPr lang="en-US" sz="2000" b="1" dirty="0"/>
-          </a:p>
-        </p:txBody>
-      </p:sp>
-      <p:sp>
-        <p:nvSpPr>
-          <p:cNvPr id="183" name="TextBox 182"/>
-          <p:cNvSpPr txBox="1"/>
-          <p:nvPr/>
-        </p:nvSpPr>
-        <p:spPr>
-          <a:xfrm>
-            <a:off x="7969240" y="4874451"/>
-            <a:ext cx="446131" cy="261610"/>
-          </a:xfrm>
-          <a:prstGeom prst="rect">
-            <a:avLst/>
-          </a:prstGeom>
-          <a:noFill/>
-        </p:spPr>
-        <p:txBody>
-          <a:bodyPr wrap="none" rtlCol="0">
-            <a:spAutoFit/>
-          </a:bodyPr>
-          <a:lstStyle/>
-          <a:p>
-            <a:r>
-              <a:rPr lang="en-US" sz="1100" dirty="0" smtClean="0">
-                <a:solidFill>
-                  <a:srgbClr val="4F81BD"/>
-                </a:solidFill>
-              </a:rPr>
-              <a:t>time</a:t>
-            </a:r>
-            <a:endParaRPr lang="en-US" sz="1100" dirty="0">
-              <a:solidFill>
-                <a:srgbClr val="4F81BD"/>
-              </a:solidFill>
-            </a:endParaRPr>
-          </a:p>
-        </p:txBody>
-      </p:sp>
-      <p:sp>
-        <p:nvSpPr>
-          <p:cNvPr id="184" name="TextBox 183"/>
-          <p:cNvSpPr txBox="1"/>
-          <p:nvPr/>
-        </p:nvSpPr>
-        <p:spPr>
-          <a:xfrm>
-            <a:off x="8079937" y="2832471"/>
-            <a:ext cx="518247" cy="261610"/>
+      <p:pic>
+        <p:nvPicPr>
+          <p:cNvPr id="6" name="Picture 5" descr="Macintosh HD:Users:jack:Desktop:image.png"/>
+          <p:cNvPicPr/>
+          <p:nvPr/>
+        </p:nvPicPr>
+        <p:blipFill rotWithShape="1">
+          <a:blip r:embed="rId2">
+            <a:extLst>
+              <a:ext uri="{28A0092B-C50C-407E-A947-70E740481C1C}">
+                <a14:useLocalDpi xmlns:a14="http://schemas.microsoft.com/office/drawing/2010/main" val="0"/>
+              </a:ext>
+            </a:extLst>
+          </a:blip>
+          <a:srcRect l="3735" t="9746" r="8072" b="2144"/>
+          <a:stretch/>
+        </p:blipFill>
+        <p:spPr bwMode="auto">
+          <a:xfrm>
+            <a:off x="692912" y="1941628"/>
+            <a:ext cx="7910883" cy="4884483"/>
           </a:xfrm>
           <a:prstGeom prst="rect">
             <a:avLst/>
@@ -7100,6 +10807,63 @@
           <a:ln>
             <a:noFill/>
           </a:ln>
+          <a:extLst>
+            <a:ext uri="{53640926-AAD7-44d8-BBD7-CCE9431645EC}">
+              <a14:shadowObscured xmlns:a14="http://schemas.microsoft.com/office/drawing/2010/main"/>
+            </a:ext>
+          </a:extLst>
+        </p:spPr>
+      </p:pic>
+      <p:sp>
+        <p:nvSpPr>
+          <p:cNvPr id="7" name="TextBox 6"/>
+          <p:cNvSpPr txBox="1"/>
+          <p:nvPr/>
+        </p:nvSpPr>
+        <p:spPr>
+          <a:xfrm>
+            <a:off x="1221" y="314770"/>
+            <a:ext cx="9142779" cy="707886"/>
+          </a:xfrm>
+          <a:prstGeom prst="rect">
+            <a:avLst/>
+          </a:prstGeom>
+          <a:noFill/>
+        </p:spPr>
+        <p:txBody>
+          <a:bodyPr wrap="square" rtlCol="0">
+            <a:spAutoFit/>
+          </a:bodyPr>
+          <a:lstStyle/>
+          <a:p>
+            <a:pPr algn="ctr"/>
+            <a:r>
+              <a:rPr lang="en-US" sz="4000" b="1" dirty="0" smtClean="0"/>
+              <a:t>multi</a:t>
+            </a:r>
+            <a:r>
+              <a:rPr lang="en-US" sz="4000" b="1" dirty="0" smtClean="0"/>
+              <a:t>-threaded Linux-like CFS simulator</a:t>
+            </a:r>
+            <a:endParaRPr lang="en-US" sz="4000" b="1" dirty="0"/>
+          </a:p>
+        </p:txBody>
+      </p:sp>
+      <p:sp>
+        <p:nvSpPr>
+          <p:cNvPr id="8" name="TextBox 7"/>
+          <p:cNvSpPr txBox="1"/>
+          <p:nvPr/>
+        </p:nvSpPr>
+        <p:spPr>
+          <a:xfrm>
+            <a:off x="414641" y="1425900"/>
+            <a:ext cx="5196705" cy="369332"/>
+          </a:xfrm>
+          <a:prstGeom prst="rect">
+            <a:avLst/>
+          </a:prstGeom>
+          <a:noFill/>
         </p:spPr>
         <p:txBody>
           <a:bodyPr wrap="none" rtlCol="0">
@@ -7108,134 +10872,59 @@
           <a:lstStyle/>
           <a:p>
             <a:r>
-              <a:rPr lang="en-US" sz="1100" dirty="0" smtClean="0">
-                <a:solidFill>
-                  <a:srgbClr val="008000"/>
-                </a:solidFill>
-              </a:rPr>
-              <a:t>a task</a:t>
-            </a:r>
-            <a:endParaRPr lang="en-US" sz="1100" dirty="0">
-              <a:solidFill>
-                <a:srgbClr val="008000"/>
-              </a:solidFill>
-            </a:endParaRPr>
-          </a:p>
-        </p:txBody>
-      </p:sp>
-      <p:sp>
-        <p:nvSpPr>
-          <p:cNvPr id="186" name="Rectangle 185"/>
-          <p:cNvSpPr/>
-          <p:nvPr/>
-        </p:nvSpPr>
-        <p:spPr>
-          <a:xfrm>
-            <a:off x="8067772" y="3657694"/>
-            <a:ext cx="518247" cy="261610"/>
-          </a:xfrm>
-          <a:prstGeom prst="rect">
-            <a:avLst/>
-          </a:prstGeom>
-        </p:spPr>
-        <p:txBody>
-          <a:bodyPr wrap="none">
-            <a:spAutoFit/>
-          </a:bodyPr>
-          <a:lstStyle/>
-          <a:p>
-            <a:r>
-              <a:rPr lang="en-US" sz="1100" dirty="0" smtClean="0">
-                <a:solidFill>
-                  <a:srgbClr val="FF0000"/>
-                </a:solidFill>
-              </a:rPr>
-              <a:t>a task</a:t>
-            </a:r>
-            <a:endParaRPr lang="en-US" sz="1100" dirty="0">
-              <a:solidFill>
-                <a:srgbClr val="FF0000"/>
-              </a:solidFill>
-            </a:endParaRPr>
-          </a:p>
-        </p:txBody>
-      </p:sp>
-      <p:sp>
-        <p:nvSpPr>
-          <p:cNvPr id="187" name="Rectangle 186"/>
-          <p:cNvSpPr/>
-          <p:nvPr/>
-        </p:nvSpPr>
-        <p:spPr>
-          <a:xfrm>
-            <a:off x="8079937" y="4339526"/>
-            <a:ext cx="518247" cy="261610"/>
-          </a:xfrm>
-          <a:prstGeom prst="rect">
-            <a:avLst/>
-          </a:prstGeom>
-        </p:spPr>
-        <p:txBody>
-          <a:bodyPr wrap="none">
-            <a:spAutoFit/>
-          </a:bodyPr>
-          <a:lstStyle/>
-          <a:p>
-            <a:r>
-              <a:rPr lang="en-US" sz="1100" dirty="0" smtClean="0">
-                <a:solidFill>
-                  <a:srgbClr val="660066"/>
-                </a:solidFill>
-              </a:rPr>
-              <a:t>a task</a:t>
-            </a:r>
-            <a:endParaRPr lang="en-US" sz="1100" dirty="0">
-              <a:solidFill>
-                <a:srgbClr val="660066"/>
-              </a:solidFill>
-            </a:endParaRPr>
-          </a:p>
-        </p:txBody>
-      </p:sp>
-      <p:sp>
-        <p:nvSpPr>
-          <p:cNvPr id="2" name="Rectangle 1"/>
-          <p:cNvSpPr/>
-          <p:nvPr/>
-        </p:nvSpPr>
-        <p:spPr>
-          <a:xfrm>
-            <a:off x="1033859" y="2191664"/>
-            <a:ext cx="1524263" cy="307777"/>
-          </a:xfrm>
-          <a:prstGeom prst="rect">
-            <a:avLst/>
-          </a:prstGeom>
-        </p:spPr>
-        <p:txBody>
-          <a:bodyPr wrap="none">
-            <a:spAutoFit/>
-          </a:bodyPr>
-          <a:lstStyle/>
-          <a:p>
-            <a:r>
-              <a:rPr lang="en-US" sz="1400" dirty="0" smtClean="0"/>
-              <a:t>RB-tree / AVL-tree</a:t>
-            </a:r>
-            <a:endParaRPr lang="en-US" sz="1400" dirty="0"/>
-          </a:p>
-        </p:txBody>
-      </p:sp>
-      <p:sp>
-        <p:nvSpPr>
-          <p:cNvPr id="45" name="TextBox 44"/>
+              <a:rPr lang="en-US" dirty="0" smtClean="0"/>
+              <a:t>Testing environment: 4 core laptop (hyper-threading)</a:t>
+            </a:r>
+          </a:p>
+        </p:txBody>
+      </p:sp>
+    </p:spTree>
+    <p:extLst>
+      <p:ext uri="{BB962C8B-B14F-4D97-AF65-F5344CB8AC3E}">
+        <p14:creationId xmlns:p14="http://schemas.microsoft.com/office/powerpoint/2010/main" val="872998405"/>
+      </p:ext>
+    </p:extLst>
+  </p:cSld>
+  <p:clrMapOvr>
+    <a:masterClrMapping/>
+  </p:clrMapOvr>
+  <p:timing>
+    <p:tnLst>
+      <p:par>
+        <p:cTn xmlns:p14="http://schemas.microsoft.com/office/powerpoint/2010/main" id="1" dur="indefinite" restart="never" nodeType="tmRoot"/>
+      </p:par>
+    </p:tnLst>
+  </p:timing>
+</p:sld>
+</file>
+
+<file path=ppt/slides/slide8.xml><?xml version="1.0" encoding="utf-8"?>
+<p:sld xmlns:a="http://schemas.openxmlformats.org/drawingml/2006/main" xmlns:r="http://schemas.openxmlformats.org/officeDocument/2006/relationships" xmlns:p="http://schemas.openxmlformats.org/presentationml/2006/main">
+  <p:cSld>
+    <p:spTree>
+      <p:nvGrpSpPr>
+        <p:cNvPr id="1" name=""/>
+        <p:cNvGrpSpPr/>
+        <p:nvPr/>
+      </p:nvGrpSpPr>
+      <p:grpSpPr>
+        <a:xfrm>
+          <a:off x="0" y="0"/>
+          <a:ext cx="0" cy="0"/>
+          <a:chOff x="0" y="0"/>
+          <a:chExt cx="0" cy="0"/>
+        </a:xfrm>
+      </p:grpSpPr>
+      <p:sp>
+        <p:nvSpPr>
+          <p:cNvPr id="2" name="TextBox 1"/>
           <p:cNvSpPr txBox="1"/>
           <p:nvPr/>
         </p:nvSpPr>
         <p:spPr>
           <a:xfrm>
-            <a:off x="0" y="269906"/>
-            <a:ext cx="9143999" cy="707886"/>
+            <a:off x="1221" y="314770"/>
+            <a:ext cx="9142779" cy="769441"/>
           </a:xfrm>
           <a:prstGeom prst="rect">
             <a:avLst/>
@@ -7250,21 +10939,412 @@
           <a:p>
             <a:pPr algn="ctr"/>
             <a:r>
-              <a:rPr lang="en-US" sz="4000" b="1" dirty="0" smtClean="0"/>
-              <a:t>Picture for </a:t>
-            </a:r>
-            <a:r>
-              <a:rPr lang="en-US" sz="4000" b="1" dirty="0" err="1" smtClean="0"/>
-              <a:t>README.md</a:t>
-            </a:r>
-            <a:endParaRPr lang="en-US" sz="4000" b="1" dirty="0"/>
+              <a:rPr lang="en-US" sz="4400" b="1" dirty="0" smtClean="0"/>
+              <a:t>Conclusion</a:t>
+            </a:r>
+            <a:endParaRPr lang="en-US" sz="4400" b="1" dirty="0"/>
+          </a:p>
+        </p:txBody>
+      </p:sp>
+      <p:sp>
+        <p:nvSpPr>
+          <p:cNvPr id="3" name="TextBox 2"/>
+          <p:cNvSpPr txBox="1"/>
+          <p:nvPr/>
+        </p:nvSpPr>
+        <p:spPr>
+          <a:xfrm>
+            <a:off x="221935" y="1317665"/>
+            <a:ext cx="8766404" cy="5262979"/>
+          </a:xfrm>
+          <a:prstGeom prst="rect">
+            <a:avLst/>
+          </a:prstGeom>
+          <a:noFill/>
+        </p:spPr>
+        <p:txBody>
+          <a:bodyPr wrap="square" rtlCol="0">
+            <a:spAutoFit/>
+          </a:bodyPr>
+          <a:lstStyle/>
+          <a:p>
+            <a:r>
+              <a:rPr lang="en-US" sz="2800" b="1" dirty="0" smtClean="0"/>
+              <a:t>Our </a:t>
+            </a:r>
+            <a:r>
+              <a:rPr lang="en-US" sz="2800" b="1" dirty="0"/>
+              <a:t>main </a:t>
+            </a:r>
+            <a:r>
+              <a:rPr lang="en-US" sz="2800" b="1" dirty="0" smtClean="0"/>
+              <a:t>contribution</a:t>
+            </a:r>
+            <a:endParaRPr lang="en-US" sz="2800" dirty="0"/>
+          </a:p>
+          <a:p>
+            <a:pPr marL="285750" lvl="0" indent="-285750">
+              <a:buFont typeface="Arial"/>
+              <a:buChar char="•"/>
+            </a:pPr>
+            <a:r>
+              <a:rPr lang="en-US" sz="2400" dirty="0"/>
+              <a:t>Implementing/modifying AVL-tree &amp; RB-</a:t>
+            </a:r>
+            <a:r>
+              <a:rPr lang="en-US" sz="2400" dirty="0" smtClean="0"/>
+              <a:t>tree</a:t>
+            </a:r>
+          </a:p>
+          <a:p>
+            <a:pPr marL="285750" lvl="0" indent="-285750">
+              <a:buFont typeface="Arial"/>
+              <a:buChar char="•"/>
+            </a:pPr>
+            <a:endParaRPr lang="en-US" dirty="0"/>
+          </a:p>
+          <a:p>
+            <a:pPr marL="285750" lvl="0" indent="-285750">
+              <a:buFont typeface="Arial"/>
+              <a:buChar char="•"/>
+            </a:pPr>
+            <a:r>
+              <a:rPr lang="en-US" sz="2400" dirty="0"/>
+              <a:t>Implementing parts of lock-free RB-tree methods </a:t>
+            </a:r>
+            <a:endParaRPr lang="en-US" sz="2400" dirty="0" smtClean="0"/>
+          </a:p>
+          <a:p>
+            <a:pPr lvl="0"/>
+            <a:r>
+              <a:rPr lang="en-US" sz="2000" dirty="0" smtClean="0"/>
+              <a:t>	(insertion </a:t>
+            </a:r>
+            <a:r>
+              <a:rPr lang="en-US" sz="2000" dirty="0"/>
+              <a:t>- partially working, search - fully working</a:t>
+            </a:r>
+            <a:r>
+              <a:rPr lang="en-US" sz="2000" dirty="0" smtClean="0"/>
+              <a:t>)</a:t>
+            </a:r>
+          </a:p>
+          <a:p>
+            <a:pPr lvl="0"/>
+            <a:endParaRPr lang="en-US" dirty="0"/>
+          </a:p>
+          <a:p>
+            <a:pPr marL="285750" lvl="0" indent="-285750">
+              <a:buFont typeface="Arial"/>
+              <a:buChar char="•"/>
+            </a:pPr>
+            <a:r>
+              <a:rPr lang="en-US" sz="2400" dirty="0"/>
+              <a:t>Implementing Linux-like CFS simulators </a:t>
+            </a:r>
+            <a:endParaRPr lang="en-US" sz="2400" dirty="0" smtClean="0"/>
+          </a:p>
+          <a:p>
+            <a:pPr lvl="0"/>
+            <a:r>
+              <a:rPr lang="en-US" sz="2400" dirty="0" smtClean="0"/>
+              <a:t>	</a:t>
+            </a:r>
+            <a:r>
+              <a:rPr lang="en-US" sz="2000" dirty="0" smtClean="0"/>
+              <a:t>(single</a:t>
+            </a:r>
+            <a:r>
+              <a:rPr lang="en-US" sz="2000" dirty="0"/>
+              <a:t>-threaded and ideal version, multi-threaded and concurrent version</a:t>
+            </a:r>
+            <a:r>
+              <a:rPr lang="en-US" sz="2000" dirty="0" smtClean="0"/>
+              <a:t>)</a:t>
+            </a:r>
+          </a:p>
+          <a:p>
+            <a:pPr lvl="0"/>
+            <a:endParaRPr lang="en-US" sz="2000" dirty="0"/>
+          </a:p>
+          <a:p>
+            <a:pPr lvl="0"/>
+            <a:r>
+              <a:rPr lang="en-US" sz="2400" b="1" dirty="0"/>
+              <a:t>Lessons we learn</a:t>
+            </a:r>
+          </a:p>
+          <a:p>
+            <a:pPr marL="457200" indent="-457200">
+              <a:buFont typeface="Arial"/>
+              <a:buChar char="•"/>
+            </a:pPr>
+            <a:r>
+              <a:rPr lang="en-US" sz="2400" dirty="0" smtClean="0"/>
+              <a:t>Lock-free data structure is extremely hard </a:t>
+            </a:r>
+            <a:r>
+              <a:rPr lang="en-US" sz="2400" dirty="0"/>
+              <a:t>to debug</a:t>
+            </a:r>
+          </a:p>
+          <a:p>
+            <a:pPr marL="457200" lvl="0" indent="-457200">
+              <a:buFont typeface="Arial"/>
+              <a:buChar char="•"/>
+            </a:pPr>
+            <a:endParaRPr lang="en-US" sz="2000" dirty="0"/>
+          </a:p>
+          <a:p>
+            <a:pPr marL="457200" lvl="0" indent="-457200">
+              <a:buFont typeface="Arial"/>
+              <a:buChar char="•"/>
+            </a:pPr>
+            <a:r>
+              <a:rPr lang="en-US" sz="2400" dirty="0"/>
+              <a:t>What is fair in Linux points of view </a:t>
+            </a:r>
+          </a:p>
+          <a:p>
+            <a:pPr marL="457200" lvl="0" indent="-457200">
+              <a:buFont typeface="Arial"/>
+              <a:buChar char="•"/>
+            </a:pPr>
+            <a:endParaRPr lang="en-US" sz="2000" dirty="0"/>
+          </a:p>
+          <a:p>
+            <a:pPr marL="457200" lvl="0" indent="-457200">
+              <a:buFont typeface="Arial"/>
+              <a:buChar char="•"/>
+            </a:pPr>
+            <a:r>
+              <a:rPr lang="en-US" sz="2400" dirty="0"/>
+              <a:t>Different concurrent data structures based </a:t>
+            </a:r>
+            <a:r>
+              <a:rPr lang="en-US" sz="2400" dirty="0" smtClean="0"/>
+              <a:t>CFS</a:t>
+            </a:r>
+            <a:endParaRPr lang="en-US" sz="2400" dirty="0"/>
           </a:p>
         </p:txBody>
       </p:sp>
     </p:spTree>
     <p:extLst>
       <p:ext uri="{BB962C8B-B14F-4D97-AF65-F5344CB8AC3E}">
-        <p14:creationId xmlns:p14="http://schemas.microsoft.com/office/powerpoint/2010/main" val="3723376174"/>
+        <p14:creationId xmlns:p14="http://schemas.microsoft.com/office/powerpoint/2010/main" val="1328948213"/>
+      </p:ext>
+    </p:extLst>
+  </p:cSld>
+  <p:clrMapOvr>
+    <a:masterClrMapping/>
+  </p:clrMapOvr>
+  <p:timing>
+    <p:tnLst>
+      <p:par>
+        <p:cTn xmlns:p14="http://schemas.microsoft.com/office/powerpoint/2010/main" id="1" dur="indefinite" restart="never" nodeType="tmRoot"/>
+      </p:par>
+    </p:tnLst>
+  </p:timing>
+</p:sld>
+</file>
+
+<file path=ppt/slides/slide9.xml><?xml version="1.0" encoding="utf-8"?>
+<p:sld xmlns:a="http://schemas.openxmlformats.org/drawingml/2006/main" xmlns:r="http://schemas.openxmlformats.org/officeDocument/2006/relationships" xmlns:p="http://schemas.openxmlformats.org/presentationml/2006/main">
+  <p:cSld>
+    <p:spTree>
+      <p:nvGrpSpPr>
+        <p:cNvPr id="1" name=""/>
+        <p:cNvGrpSpPr/>
+        <p:nvPr/>
+      </p:nvGrpSpPr>
+      <p:grpSpPr>
+        <a:xfrm>
+          <a:off x="0" y="0"/>
+          <a:ext cx="0" cy="0"/>
+          <a:chOff x="0" y="0"/>
+          <a:chExt cx="0" cy="0"/>
+        </a:xfrm>
+      </p:grpSpPr>
+      <p:sp>
+        <p:nvSpPr>
+          <p:cNvPr id="2" name="TextBox 1"/>
+          <p:cNvSpPr txBox="1"/>
+          <p:nvPr/>
+        </p:nvSpPr>
+        <p:spPr>
+          <a:xfrm>
+            <a:off x="1221" y="314770"/>
+            <a:ext cx="9142779" cy="769441"/>
+          </a:xfrm>
+          <a:prstGeom prst="rect">
+            <a:avLst/>
+          </a:prstGeom>
+          <a:noFill/>
+        </p:spPr>
+        <p:txBody>
+          <a:bodyPr wrap="square" rtlCol="0">
+            <a:spAutoFit/>
+          </a:bodyPr>
+          <a:lstStyle/>
+          <a:p>
+            <a:pPr algn="ctr"/>
+            <a:r>
+              <a:rPr lang="en-US" sz="4400" b="1" dirty="0" smtClean="0"/>
+              <a:t>Conclusion</a:t>
+            </a:r>
+            <a:endParaRPr lang="en-US" sz="4400" b="1" dirty="0"/>
+          </a:p>
+        </p:txBody>
+      </p:sp>
+      <p:sp>
+        <p:nvSpPr>
+          <p:cNvPr id="3" name="TextBox 2"/>
+          <p:cNvSpPr txBox="1"/>
+          <p:nvPr/>
+        </p:nvSpPr>
+        <p:spPr>
+          <a:xfrm>
+            <a:off x="221935" y="1775375"/>
+            <a:ext cx="8766404" cy="4093428"/>
+          </a:xfrm>
+          <a:prstGeom prst="rect">
+            <a:avLst/>
+          </a:prstGeom>
+          <a:noFill/>
+        </p:spPr>
+        <p:txBody>
+          <a:bodyPr wrap="square" rtlCol="0">
+            <a:spAutoFit/>
+          </a:bodyPr>
+          <a:lstStyle/>
+          <a:p>
+            <a:r>
+              <a:rPr lang="en-US" sz="2000" dirty="0"/>
+              <a:t>[1] Molnar, Ingo. "Modular scheduler core and completely fair scheduler [</a:t>
+            </a:r>
+            <a:r>
+              <a:rPr lang="en-US" sz="2000" dirty="0" err="1"/>
+              <a:t>cfs</a:t>
+            </a:r>
+            <a:r>
+              <a:rPr lang="en-US" sz="2000" dirty="0"/>
+              <a:t>]."Linux-Kernel mailing list (2007).</a:t>
+            </a:r>
+          </a:p>
+          <a:p>
+            <a:r>
+              <a:rPr lang="en-US" sz="2000" dirty="0" smtClean="0"/>
+              <a:t>[</a:t>
+            </a:r>
+            <a:r>
+              <a:rPr lang="en-US" sz="2000" dirty="0"/>
+              <a:t>2] Kim, Jong Ho, Helen Cameron, and Peter Graham. "Lock-free red-black trees using </a:t>
+            </a:r>
+            <a:r>
+              <a:rPr lang="en-US" sz="2000" dirty="0" err="1"/>
+              <a:t>cas</a:t>
+            </a:r>
+            <a:r>
+              <a:rPr lang="en-US" sz="2000" dirty="0"/>
+              <a:t>." Concurrency and Computation: Practice and Experience(2006): 1-40.</a:t>
+            </a:r>
+          </a:p>
+          <a:p>
+            <a:r>
+              <a:rPr lang="en-US" sz="2000" dirty="0"/>
+              <a:t>[3] Love, Robert. Linux system programming: talking directly to the kernel and C library. " O'Reilly Media, Inc.", 2013.</a:t>
+            </a:r>
+          </a:p>
+          <a:p>
+            <a:r>
+              <a:rPr lang="en-US" sz="2000" dirty="0" smtClean="0"/>
+              <a:t>[4] </a:t>
+            </a:r>
+            <a:r>
+              <a:rPr lang="en-US" sz="2000" dirty="0" err="1"/>
+              <a:t>Jianwen</a:t>
+            </a:r>
+            <a:r>
+              <a:rPr lang="en-US" sz="2000" dirty="0"/>
+              <a:t> Ma. Lock-Free Insertions on Red-Black Trees. MSc thesis, University of Manitoba, October,2003.</a:t>
+            </a:r>
+          </a:p>
+          <a:p>
+            <a:r>
+              <a:rPr lang="en-US" sz="2000" dirty="0" smtClean="0"/>
+              <a:t>[5] </a:t>
+            </a:r>
+            <a:r>
+              <a:rPr lang="en-US" sz="2000" dirty="0" err="1"/>
+              <a:t>Natarajan</a:t>
+            </a:r>
+            <a:r>
+              <a:rPr lang="en-US" sz="2000" dirty="0"/>
+              <a:t>, </a:t>
+            </a:r>
+            <a:r>
+              <a:rPr lang="en-US" sz="2000" dirty="0" err="1"/>
+              <a:t>Aravind</a:t>
+            </a:r>
+            <a:r>
+              <a:rPr lang="en-US" sz="2000" dirty="0"/>
+              <a:t>, Lee H. </a:t>
+            </a:r>
+            <a:r>
+              <a:rPr lang="en-US" sz="2000" dirty="0" err="1"/>
+              <a:t>Savoie</a:t>
+            </a:r>
+            <a:r>
+              <a:rPr lang="en-US" sz="2000" dirty="0"/>
+              <a:t>, and </a:t>
+            </a:r>
+            <a:r>
+              <a:rPr lang="en-US" sz="2000" dirty="0" err="1"/>
+              <a:t>Neeraj</a:t>
+            </a:r>
+            <a:r>
+              <a:rPr lang="en-US" sz="2000" dirty="0"/>
+              <a:t> Mittal. "Concurrent wait-free red black trees." Symposium on Self-Stabilizing Systems. Springer International Publishing, 2013.</a:t>
+            </a:r>
+          </a:p>
+          <a:p>
+            <a:r>
+              <a:rPr lang="en-US" sz="2000" dirty="0" smtClean="0"/>
+              <a:t>[6] </a:t>
+            </a:r>
+            <a:r>
+              <a:rPr lang="en-US" sz="2000" dirty="0"/>
+              <a:t>The university of Auckland, Computer Science, Data Structures and Algorithms Course  https://</a:t>
+            </a:r>
+            <a:r>
+              <a:rPr lang="en-US" sz="2000" dirty="0" err="1"/>
+              <a:t>www.cs.auckland.ac.nz</a:t>
+            </a:r>
+            <a:r>
+              <a:rPr lang="en-US" sz="2000" dirty="0"/>
+              <a:t>/software/</a:t>
+            </a:r>
+            <a:r>
+              <a:rPr lang="en-US" sz="2000" dirty="0" err="1"/>
+              <a:t>AlgAnim</a:t>
+            </a:r>
+            <a:r>
+              <a:rPr lang="en-US" sz="2000" dirty="0"/>
+              <a:t>/</a:t>
+            </a:r>
+            <a:r>
+              <a:rPr lang="en-US" sz="2000" dirty="0" err="1" smtClean="0"/>
+              <a:t>red_black.html</a:t>
+            </a:r>
+            <a:endParaRPr lang="en-US" sz="2000" dirty="0"/>
+          </a:p>
+        </p:txBody>
+      </p:sp>
+    </p:spTree>
+    <p:extLst>
+      <p:ext uri="{BB962C8B-B14F-4D97-AF65-F5344CB8AC3E}">
+        <p14:creationId xmlns:p14="http://schemas.microsoft.com/office/powerpoint/2010/main" val="651686607"/>
       </p:ext>
     </p:extLst>
   </p:cSld>

--- a/MPP_final_ppt_Jack_ppt.pptx
+++ b/MPP_final_ppt_Jack_ppt.pptx
@@ -3105,6 +3105,113 @@
           <a:chExt cx="0" cy="0"/>
         </a:xfrm>
       </p:grpSpPr>
+      <p:sp>
+        <p:nvSpPr>
+          <p:cNvPr id="2" name="Rectangle 1"/>
+          <p:cNvSpPr/>
+          <p:nvPr/>
+        </p:nvSpPr>
+        <p:spPr>
+          <a:xfrm>
+            <a:off x="0" y="1959427"/>
+            <a:ext cx="9143999" cy="3631763"/>
+          </a:xfrm>
+          <a:prstGeom prst="rect">
+            <a:avLst/>
+          </a:prstGeom>
+        </p:spPr>
+        <p:txBody>
+          <a:bodyPr wrap="square">
+            <a:spAutoFit/>
+          </a:bodyPr>
+          <a:lstStyle/>
+          <a:p>
+            <a:endParaRPr lang="en-US" sz="4000" dirty="0" smtClean="0"/>
+          </a:p>
+          <a:p>
+            <a:r>
+              <a:rPr lang="en-US" sz="3600" dirty="0" smtClean="0"/>
+              <a:t>Lock</a:t>
+            </a:r>
+            <a:r>
+              <a:rPr lang="en-US" sz="3600" dirty="0"/>
+              <a:t>-free red-black tree based </a:t>
+            </a:r>
+            <a:r>
+              <a:rPr lang="en-US" sz="3600" dirty="0" smtClean="0"/>
+              <a:t>CFS scheduler</a:t>
+            </a:r>
+          </a:p>
+          <a:p>
+            <a:endParaRPr lang="en-US" sz="4000" dirty="0" smtClean="0"/>
+          </a:p>
+          <a:p>
+            <a:endParaRPr lang="en-US" sz="4000" dirty="0"/>
+          </a:p>
+          <a:p>
+            <a:r>
+              <a:rPr lang="en-US" sz="2000" dirty="0"/>
+              <a:t>ECE/CS 5510 </a:t>
+            </a:r>
+            <a:r>
+              <a:rPr lang="en-US" sz="2000" dirty="0" smtClean="0"/>
+              <a:t>Multiprocessor Programming</a:t>
+            </a:r>
+          </a:p>
+          <a:p>
+            <a:endParaRPr lang="en-US" dirty="0"/>
+          </a:p>
+          <a:p>
+            <a:r>
+              <a:rPr lang="en-US" dirty="0" err="1"/>
+              <a:t>Mincan</a:t>
+            </a:r>
+            <a:r>
+              <a:rPr lang="en-US" dirty="0"/>
+              <a:t> Cao </a:t>
+            </a:r>
+            <a:r>
+              <a:rPr lang="en-US" u="sng" dirty="0">
+                <a:hlinkClick r:id="rId2"/>
+              </a:rPr>
+              <a:t>micao@vt.edu</a:t>
+            </a:r>
+            <a:r>
+              <a:rPr lang="en-US" dirty="0"/>
+              <a:t>, </a:t>
+            </a:r>
+            <a:endParaRPr lang="en-US" dirty="0" smtClean="0"/>
+          </a:p>
+          <a:p>
+            <a:r>
+              <a:rPr lang="en-US" dirty="0" smtClean="0"/>
+              <a:t>Ho</a:t>
+            </a:r>
+            <a:r>
+              <a:rPr lang="en-US" dirty="0"/>
+              <a:t>-</a:t>
+            </a:r>
+            <a:r>
+              <a:rPr lang="en-US" dirty="0" err="1"/>
+              <a:t>Ren</a:t>
+            </a:r>
+            <a:r>
+              <a:rPr lang="en-US" dirty="0"/>
+              <a:t> Chuang </a:t>
+            </a:r>
+            <a:r>
+              <a:rPr lang="en-US" u="sng" dirty="0">
+                <a:hlinkClick r:id="rId3"/>
+              </a:rPr>
+              <a:t>horenc@vt.edu</a:t>
+            </a:r>
+            <a:r>
+              <a:rPr lang="en-US" dirty="0"/>
+              <a:t> </a:t>
+            </a:r>
+          </a:p>
+        </p:txBody>
+      </p:sp>
     </p:spTree>
     <p:extLst>
       <p:ext uri="{BB962C8B-B14F-4D97-AF65-F5344CB8AC3E}">

--- a/MPP_final_ppt_Jack_ppt.pptx
+++ b/MPP_final_ppt_Jack_ppt.pptx
@@ -4,18 +4,22 @@
   <p:sldMasterIdLst>
     <p:sldMasterId id="2147483648" r:id="rId1"/>
   </p:sldMasterIdLst>
+  <p:notesMasterIdLst>
+    <p:notesMasterId r:id="rId14"/>
+  </p:notesMasterIdLst>
   <p:sldIdLst>
     <p:sldId id="260" r:id="rId2"/>
-    <p:sldId id="263" r:id="rId3"/>
-    <p:sldId id="266" r:id="rId4"/>
-    <p:sldId id="265" r:id="rId5"/>
-    <p:sldId id="267" r:id="rId6"/>
-    <p:sldId id="257" r:id="rId7"/>
-    <p:sldId id="264" r:id="rId8"/>
-    <p:sldId id="268" r:id="rId9"/>
-    <p:sldId id="262" r:id="rId10"/>
-    <p:sldId id="259" r:id="rId11"/>
-    <p:sldId id="261" r:id="rId12"/>
+    <p:sldId id="269" r:id="rId3"/>
+    <p:sldId id="270" r:id="rId4"/>
+    <p:sldId id="266" r:id="rId5"/>
+    <p:sldId id="265" r:id="rId6"/>
+    <p:sldId id="267" r:id="rId7"/>
+    <p:sldId id="257" r:id="rId8"/>
+    <p:sldId id="264" r:id="rId9"/>
+    <p:sldId id="268" r:id="rId10"/>
+    <p:sldId id="262" r:id="rId11"/>
+    <p:sldId id="259" r:id="rId12"/>
+    <p:sldId id="261" r:id="rId13"/>
   </p:sldIdLst>
   <p:sldSz cx="9144000" cy="6858000" type="screen4x3"/>
   <p:notesSz cx="6858000" cy="9144000"/>
@@ -115,6 +119,617 @@
     </a:lvl9pPr>
   </p:defaultTextStyle>
 </p:presentation>
+</file>
+
+<file path=ppt/notesMasters/notesMaster1.xml><?xml version="1.0" encoding="utf-8"?>
+<p:notesMaster xmlns:a="http://schemas.openxmlformats.org/drawingml/2006/main" xmlns:r="http://schemas.openxmlformats.org/officeDocument/2006/relationships" xmlns:p="http://schemas.openxmlformats.org/presentationml/2006/main">
+  <p:cSld>
+    <p:bg>
+      <p:bgRef idx="1001">
+        <a:schemeClr val="bg1"/>
+      </p:bgRef>
+    </p:bg>
+    <p:spTree>
+      <p:nvGrpSpPr>
+        <p:cNvPr id="1" name=""/>
+        <p:cNvGrpSpPr/>
+        <p:nvPr/>
+      </p:nvGrpSpPr>
+      <p:grpSpPr>
+        <a:xfrm>
+          <a:off x="0" y="0"/>
+          <a:ext cx="0" cy="0"/>
+          <a:chOff x="0" y="0"/>
+          <a:chExt cx="0" cy="0"/>
+        </a:xfrm>
+      </p:grpSpPr>
+      <p:sp>
+        <p:nvSpPr>
+          <p:cNvPr id="2" name="Header Placeholder 1"/>
+          <p:cNvSpPr>
+            <a:spLocks noGrp="1"/>
+          </p:cNvSpPr>
+          <p:nvPr>
+            <p:ph type="hdr" sz="quarter"/>
+          </p:nvPr>
+        </p:nvSpPr>
+        <p:spPr>
+          <a:xfrm>
+            <a:off x="0" y="0"/>
+            <a:ext cx="2971800" cy="457200"/>
+          </a:xfrm>
+          <a:prstGeom prst="rect">
+            <a:avLst/>
+          </a:prstGeom>
+        </p:spPr>
+        <p:txBody>
+          <a:bodyPr vert="horz" lIns="91440" tIns="45720" rIns="91440" bIns="45720" rtlCol="0"/>
+          <a:lstStyle>
+            <a:lvl1pPr algn="l">
+              <a:defRPr sz="1200"/>
+            </a:lvl1pPr>
+          </a:lstStyle>
+          <a:p>
+            <a:endParaRPr lang="en-US"/>
+          </a:p>
+        </p:txBody>
+      </p:sp>
+      <p:sp>
+        <p:nvSpPr>
+          <p:cNvPr id="3" name="Date Placeholder 2"/>
+          <p:cNvSpPr>
+            <a:spLocks noGrp="1"/>
+          </p:cNvSpPr>
+          <p:nvPr>
+            <p:ph type="dt" idx="1"/>
+          </p:nvPr>
+        </p:nvSpPr>
+        <p:spPr>
+          <a:xfrm>
+            <a:off x="3884613" y="0"/>
+            <a:ext cx="2971800" cy="457200"/>
+          </a:xfrm>
+          <a:prstGeom prst="rect">
+            <a:avLst/>
+          </a:prstGeom>
+        </p:spPr>
+        <p:txBody>
+          <a:bodyPr vert="horz" lIns="91440" tIns="45720" rIns="91440" bIns="45720" rtlCol="0"/>
+          <a:lstStyle>
+            <a:lvl1pPr algn="r">
+              <a:defRPr sz="1200"/>
+            </a:lvl1pPr>
+          </a:lstStyle>
+          <a:p>
+            <a:fld id="{CB004A7C-7BDE-1E4C-A58E-C9F329BD8504}" type="datetimeFigureOut">
+              <a:rPr lang="en-US" smtClean="0"/>
+              <a:t>12/7/16</a:t>
+            </a:fld>
+            <a:endParaRPr lang="en-US"/>
+          </a:p>
+        </p:txBody>
+      </p:sp>
+      <p:sp>
+        <p:nvSpPr>
+          <p:cNvPr id="4" name="Slide Image Placeholder 3"/>
+          <p:cNvSpPr>
+            <a:spLocks noGrp="1" noRot="1" noChangeAspect="1"/>
+          </p:cNvSpPr>
+          <p:nvPr>
+            <p:ph type="sldImg" idx="2"/>
+          </p:nvPr>
+        </p:nvSpPr>
+        <p:spPr>
+          <a:xfrm>
+            <a:off x="1143000" y="685800"/>
+            <a:ext cx="4572000" cy="3429000"/>
+          </a:xfrm>
+          <a:prstGeom prst="rect">
+            <a:avLst/>
+          </a:prstGeom>
+          <a:noFill/>
+          <a:ln w="12700">
+            <a:solidFill>
+              <a:prstClr val="black"/>
+            </a:solidFill>
+          </a:ln>
+        </p:spPr>
+        <p:txBody>
+          <a:bodyPr vert="horz" lIns="91440" tIns="45720" rIns="91440" bIns="45720" rtlCol="0" anchor="ctr"/>
+          <a:lstStyle/>
+          <a:p>
+            <a:endParaRPr lang="en-US"/>
+          </a:p>
+        </p:txBody>
+      </p:sp>
+      <p:sp>
+        <p:nvSpPr>
+          <p:cNvPr id="5" name="Notes Placeholder 4"/>
+          <p:cNvSpPr>
+            <a:spLocks noGrp="1"/>
+          </p:cNvSpPr>
+          <p:nvPr>
+            <p:ph type="body" sz="quarter" idx="3"/>
+          </p:nvPr>
+        </p:nvSpPr>
+        <p:spPr>
+          <a:xfrm>
+            <a:off x="685800" y="4343400"/>
+            <a:ext cx="5486400" cy="4114800"/>
+          </a:xfrm>
+          <a:prstGeom prst="rect">
+            <a:avLst/>
+          </a:prstGeom>
+        </p:spPr>
+        <p:txBody>
+          <a:bodyPr vert="horz" lIns="91440" tIns="45720" rIns="91440" bIns="45720" rtlCol="0"/>
+          <a:lstStyle/>
+          <a:p>
+            <a:pPr lvl="0"/>
+            <a:r>
+              <a:rPr lang="en-US" smtClean="0"/>
+              <a:t>Click to edit Master text styles</a:t>
+            </a:r>
+          </a:p>
+          <a:p>
+            <a:pPr lvl="1"/>
+            <a:r>
+              <a:rPr lang="en-US" smtClean="0"/>
+              <a:t>Second level</a:t>
+            </a:r>
+          </a:p>
+          <a:p>
+            <a:pPr lvl="2"/>
+            <a:r>
+              <a:rPr lang="en-US" smtClean="0"/>
+              <a:t>Third level</a:t>
+            </a:r>
+          </a:p>
+          <a:p>
+            <a:pPr lvl="3"/>
+            <a:r>
+              <a:rPr lang="en-US" smtClean="0"/>
+              <a:t>Fourth level</a:t>
+            </a:r>
+          </a:p>
+          <a:p>
+            <a:pPr lvl="4"/>
+            <a:r>
+              <a:rPr lang="en-US" smtClean="0"/>
+              <a:t>Fifth level</a:t>
+            </a:r>
+            <a:endParaRPr lang="en-US"/>
+          </a:p>
+        </p:txBody>
+      </p:sp>
+      <p:sp>
+        <p:nvSpPr>
+          <p:cNvPr id="6" name="Footer Placeholder 5"/>
+          <p:cNvSpPr>
+            <a:spLocks noGrp="1"/>
+          </p:cNvSpPr>
+          <p:nvPr>
+            <p:ph type="ftr" sz="quarter" idx="4"/>
+          </p:nvPr>
+        </p:nvSpPr>
+        <p:spPr>
+          <a:xfrm>
+            <a:off x="0" y="8685213"/>
+            <a:ext cx="2971800" cy="457200"/>
+          </a:xfrm>
+          <a:prstGeom prst="rect">
+            <a:avLst/>
+          </a:prstGeom>
+        </p:spPr>
+        <p:txBody>
+          <a:bodyPr vert="horz" lIns="91440" tIns="45720" rIns="91440" bIns="45720" rtlCol="0" anchor="b"/>
+          <a:lstStyle>
+            <a:lvl1pPr algn="l">
+              <a:defRPr sz="1200"/>
+            </a:lvl1pPr>
+          </a:lstStyle>
+          <a:p>
+            <a:endParaRPr lang="en-US"/>
+          </a:p>
+        </p:txBody>
+      </p:sp>
+      <p:sp>
+        <p:nvSpPr>
+          <p:cNvPr id="7" name="Slide Number Placeholder 6"/>
+          <p:cNvSpPr>
+            <a:spLocks noGrp="1"/>
+          </p:cNvSpPr>
+          <p:nvPr>
+            <p:ph type="sldNum" sz="quarter" idx="5"/>
+          </p:nvPr>
+        </p:nvSpPr>
+        <p:spPr>
+          <a:xfrm>
+            <a:off x="3884613" y="8685213"/>
+            <a:ext cx="2971800" cy="457200"/>
+          </a:xfrm>
+          <a:prstGeom prst="rect">
+            <a:avLst/>
+          </a:prstGeom>
+        </p:spPr>
+        <p:txBody>
+          <a:bodyPr vert="horz" lIns="91440" tIns="45720" rIns="91440" bIns="45720" rtlCol="0" anchor="b"/>
+          <a:lstStyle>
+            <a:lvl1pPr algn="r">
+              <a:defRPr sz="1200"/>
+            </a:lvl1pPr>
+          </a:lstStyle>
+          <a:p>
+            <a:fld id="{6A0A6F83-7859-504F-877B-9DD5D099FC61}" type="slidenum">
+              <a:rPr lang="en-US" smtClean="0"/>
+              <a:t>‹#›</a:t>
+            </a:fld>
+            <a:endParaRPr lang="en-US"/>
+          </a:p>
+        </p:txBody>
+      </p:sp>
+    </p:spTree>
+    <p:extLst>
+      <p:ext uri="{BB962C8B-B14F-4D97-AF65-F5344CB8AC3E}">
+        <p14:creationId xmlns:p14="http://schemas.microsoft.com/office/powerpoint/2010/main" val="3783033378"/>
+      </p:ext>
+    </p:extLst>
+  </p:cSld>
+  <p:clrMap bg1="lt1" tx1="dk1" bg2="lt2" tx2="dk2" accent1="accent1" accent2="accent2" accent3="accent3" accent4="accent4" accent5="accent5" accent6="accent6" hlink="hlink" folHlink="folHlink"/>
+  <p:notesStyle>
+    <a:lvl1pPr marL="0" algn="l" defTabSz="457200" rtl="0" eaLnBrk="1" latinLnBrk="0" hangingPunct="1">
+      <a:defRPr sz="1200" kern="1200">
+        <a:solidFill>
+          <a:schemeClr val="tx1"/>
+        </a:solidFill>
+        <a:latin typeface="+mn-lt"/>
+        <a:ea typeface="+mn-ea"/>
+        <a:cs typeface="+mn-cs"/>
+      </a:defRPr>
+    </a:lvl1pPr>
+    <a:lvl2pPr marL="457200" algn="l" defTabSz="457200" rtl="0" eaLnBrk="1" latinLnBrk="0" hangingPunct="1">
+      <a:defRPr sz="1200" kern="1200">
+        <a:solidFill>
+          <a:schemeClr val="tx1"/>
+        </a:solidFill>
+        <a:latin typeface="+mn-lt"/>
+        <a:ea typeface="+mn-ea"/>
+        <a:cs typeface="+mn-cs"/>
+      </a:defRPr>
+    </a:lvl2pPr>
+    <a:lvl3pPr marL="914400" algn="l" defTabSz="457200" rtl="0" eaLnBrk="1" latinLnBrk="0" hangingPunct="1">
+      <a:defRPr sz="1200" kern="1200">
+        <a:solidFill>
+          <a:schemeClr val="tx1"/>
+        </a:solidFill>
+        <a:latin typeface="+mn-lt"/>
+        <a:ea typeface="+mn-ea"/>
+        <a:cs typeface="+mn-cs"/>
+      </a:defRPr>
+    </a:lvl3pPr>
+    <a:lvl4pPr marL="1371600" algn="l" defTabSz="457200" rtl="0" eaLnBrk="1" latinLnBrk="0" hangingPunct="1">
+      <a:defRPr sz="1200" kern="1200">
+        <a:solidFill>
+          <a:schemeClr val="tx1"/>
+        </a:solidFill>
+        <a:latin typeface="+mn-lt"/>
+        <a:ea typeface="+mn-ea"/>
+        <a:cs typeface="+mn-cs"/>
+      </a:defRPr>
+    </a:lvl4pPr>
+    <a:lvl5pPr marL="1828800" algn="l" defTabSz="457200" rtl="0" eaLnBrk="1" latinLnBrk="0" hangingPunct="1">
+      <a:defRPr sz="1200" kern="1200">
+        <a:solidFill>
+          <a:schemeClr val="tx1"/>
+        </a:solidFill>
+        <a:latin typeface="+mn-lt"/>
+        <a:ea typeface="+mn-ea"/>
+        <a:cs typeface="+mn-cs"/>
+      </a:defRPr>
+    </a:lvl5pPr>
+    <a:lvl6pPr marL="2286000" algn="l" defTabSz="457200" rtl="0" eaLnBrk="1" latinLnBrk="0" hangingPunct="1">
+      <a:defRPr sz="1200" kern="1200">
+        <a:solidFill>
+          <a:schemeClr val="tx1"/>
+        </a:solidFill>
+        <a:latin typeface="+mn-lt"/>
+        <a:ea typeface="+mn-ea"/>
+        <a:cs typeface="+mn-cs"/>
+      </a:defRPr>
+    </a:lvl6pPr>
+    <a:lvl7pPr marL="2743200" algn="l" defTabSz="457200" rtl="0" eaLnBrk="1" latinLnBrk="0" hangingPunct="1">
+      <a:defRPr sz="1200" kern="1200">
+        <a:solidFill>
+          <a:schemeClr val="tx1"/>
+        </a:solidFill>
+        <a:latin typeface="+mn-lt"/>
+        <a:ea typeface="+mn-ea"/>
+        <a:cs typeface="+mn-cs"/>
+      </a:defRPr>
+    </a:lvl7pPr>
+    <a:lvl8pPr marL="3200400" algn="l" defTabSz="457200" rtl="0" eaLnBrk="1" latinLnBrk="0" hangingPunct="1">
+      <a:defRPr sz="1200" kern="1200">
+        <a:solidFill>
+          <a:schemeClr val="tx1"/>
+        </a:solidFill>
+        <a:latin typeface="+mn-lt"/>
+        <a:ea typeface="+mn-ea"/>
+        <a:cs typeface="+mn-cs"/>
+      </a:defRPr>
+    </a:lvl8pPr>
+    <a:lvl9pPr marL="3657600" algn="l" defTabSz="457200" rtl="0" eaLnBrk="1" latinLnBrk="0" hangingPunct="1">
+      <a:defRPr sz="1200" kern="1200">
+        <a:solidFill>
+          <a:schemeClr val="tx1"/>
+        </a:solidFill>
+        <a:latin typeface="+mn-lt"/>
+        <a:ea typeface="+mn-ea"/>
+        <a:cs typeface="+mn-cs"/>
+      </a:defRPr>
+    </a:lvl9pPr>
+  </p:notesStyle>
+</p:notesMaster>
+</file>
+
+<file path=ppt/notesSlides/notesSlide1.xml><?xml version="1.0" encoding="utf-8"?>
+<p:notes xmlns:a="http://schemas.openxmlformats.org/drawingml/2006/main" xmlns:r="http://schemas.openxmlformats.org/officeDocument/2006/relationships" xmlns:p="http://schemas.openxmlformats.org/presentationml/2006/main">
+  <p:cSld>
+    <p:spTree>
+      <p:nvGrpSpPr>
+        <p:cNvPr id="1" name=""/>
+        <p:cNvGrpSpPr/>
+        <p:nvPr/>
+      </p:nvGrpSpPr>
+      <p:grpSpPr>
+        <a:xfrm>
+          <a:off x="0" y="0"/>
+          <a:ext cx="0" cy="0"/>
+          <a:chOff x="0" y="0"/>
+          <a:chExt cx="0" cy="0"/>
+        </a:xfrm>
+      </p:grpSpPr>
+      <p:sp>
+        <p:nvSpPr>
+          <p:cNvPr id="2" name="Slide Image Placeholder 1"/>
+          <p:cNvSpPr>
+            <a:spLocks noGrp="1" noRot="1" noChangeAspect="1"/>
+          </p:cNvSpPr>
+          <p:nvPr>
+            <p:ph type="sldImg"/>
+          </p:nvPr>
+        </p:nvSpPr>
+        <p:spPr/>
+      </p:sp>
+      <p:sp>
+        <p:nvSpPr>
+          <p:cNvPr id="3" name="Notes Placeholder 2"/>
+          <p:cNvSpPr>
+            <a:spLocks noGrp="1"/>
+          </p:cNvSpPr>
+          <p:nvPr>
+            <p:ph type="body" idx="1"/>
+          </p:nvPr>
+        </p:nvSpPr>
+        <p:spPr/>
+        <p:txBody>
+          <a:bodyPr/>
+          <a:lstStyle/>
+          <a:p>
+            <a:endParaRPr lang="en-US" dirty="0"/>
+          </a:p>
+        </p:txBody>
+      </p:sp>
+      <p:sp>
+        <p:nvSpPr>
+          <p:cNvPr id="4" name="Slide Number Placeholder 3"/>
+          <p:cNvSpPr>
+            <a:spLocks noGrp="1"/>
+          </p:cNvSpPr>
+          <p:nvPr>
+            <p:ph type="sldNum" sz="quarter" idx="10"/>
+          </p:nvPr>
+        </p:nvSpPr>
+        <p:spPr/>
+        <p:txBody>
+          <a:bodyPr/>
+          <a:lstStyle/>
+          <a:p>
+            <a:fld id="{6A0A6F83-7859-504F-877B-9DD5D099FC61}" type="slidenum">
+              <a:rPr lang="en-US" smtClean="0"/>
+              <a:t>2</a:t>
+            </a:fld>
+            <a:endParaRPr lang="en-US"/>
+          </a:p>
+        </p:txBody>
+      </p:sp>
+    </p:spTree>
+    <p:extLst>
+      <p:ext uri="{BB962C8B-B14F-4D97-AF65-F5344CB8AC3E}">
+        <p14:creationId xmlns:p14="http://schemas.microsoft.com/office/powerpoint/2010/main" val="244078431"/>
+      </p:ext>
+    </p:extLst>
+  </p:cSld>
+  <p:clrMapOvr>
+    <a:masterClrMapping/>
+  </p:clrMapOvr>
+</p:notes>
+</file>
+
+<file path=ppt/notesSlides/notesSlide2.xml><?xml version="1.0" encoding="utf-8"?>
+<p:notes xmlns:a="http://schemas.openxmlformats.org/drawingml/2006/main" xmlns:r="http://schemas.openxmlformats.org/officeDocument/2006/relationships" xmlns:p="http://schemas.openxmlformats.org/presentationml/2006/main">
+  <p:cSld>
+    <p:spTree>
+      <p:nvGrpSpPr>
+        <p:cNvPr id="1" name=""/>
+        <p:cNvGrpSpPr/>
+        <p:nvPr/>
+      </p:nvGrpSpPr>
+      <p:grpSpPr>
+        <a:xfrm>
+          <a:off x="0" y="0"/>
+          <a:ext cx="0" cy="0"/>
+          <a:chOff x="0" y="0"/>
+          <a:chExt cx="0" cy="0"/>
+        </a:xfrm>
+      </p:grpSpPr>
+      <p:sp>
+        <p:nvSpPr>
+          <p:cNvPr id="2" name="Slide Image Placeholder 1"/>
+          <p:cNvSpPr>
+            <a:spLocks noGrp="1" noRot="1" noChangeAspect="1"/>
+          </p:cNvSpPr>
+          <p:nvPr>
+            <p:ph type="sldImg"/>
+          </p:nvPr>
+        </p:nvSpPr>
+        <p:spPr/>
+      </p:sp>
+      <p:sp>
+        <p:nvSpPr>
+          <p:cNvPr id="3" name="Notes Placeholder 2"/>
+          <p:cNvSpPr>
+            <a:spLocks noGrp="1"/>
+          </p:cNvSpPr>
+          <p:nvPr>
+            <p:ph type="body" idx="1"/>
+          </p:nvPr>
+        </p:nvSpPr>
+        <p:spPr/>
+        <p:txBody>
+          <a:bodyPr/>
+          <a:lstStyle/>
+          <a:p>
+            <a:r>
+              <a:rPr lang="en-US" dirty="0" smtClean="0"/>
+              <a:t>CFS-&gt;concurrent</a:t>
+            </a:r>
+            <a:r>
+              <a:rPr lang="en-US" baseline="0" dirty="0" smtClean="0"/>
+              <a:t> object </a:t>
+            </a:r>
+            <a:r>
+              <a:rPr lang="en-US" baseline="0" dirty="0" err="1" smtClean="0"/>
+              <a:t>queu</a:t>
+            </a:r>
+            <a:endParaRPr lang="en-US" dirty="0" smtClean="0"/>
+          </a:p>
+          <a:p>
+            <a:r>
+              <a:rPr lang="en-US" dirty="0" smtClean="0"/>
+              <a:t>Time</a:t>
+            </a:r>
+            <a:r>
+              <a:rPr lang="en-US" baseline="0" dirty="0" smtClean="0"/>
+              <a:t> slice is not a fixed value, according to nice -&gt; diff CPU proportion</a:t>
+            </a:r>
+          </a:p>
+          <a:p>
+            <a:endParaRPr lang="en-US" baseline="0" dirty="0" smtClean="0"/>
+          </a:p>
+          <a:p>
+            <a:pPr marL="342900" indent="-342900">
+              <a:buFont typeface="Arial"/>
+              <a:buChar char="•"/>
+            </a:pPr>
+            <a:r>
+              <a:rPr lang="en-US" sz="1600" dirty="0" smtClean="0">
+                <a:latin typeface="Times"/>
+                <a:cs typeface="Times"/>
+              </a:rPr>
+              <a:t>Linux CFS </a:t>
+            </a:r>
+            <a:r>
+              <a:rPr lang="en-US" sz="1600" dirty="0" err="1" smtClean="0">
+                <a:latin typeface="Times"/>
+                <a:cs typeface="Times"/>
+              </a:rPr>
+              <a:t>vruntime</a:t>
+            </a:r>
+            <a:r>
+              <a:rPr lang="en-US" sz="1600" dirty="0" smtClean="0">
+                <a:latin typeface="Times"/>
+                <a:cs typeface="Times"/>
+              </a:rPr>
+              <a:t> formula</a:t>
+            </a:r>
+          </a:p>
+          <a:p>
+            <a:r>
+              <a:rPr lang="en-US" dirty="0" smtClean="0">
+                <a:latin typeface="Times"/>
+                <a:cs typeface="Times"/>
+              </a:rPr>
+              <a:t>/* delta: how long process really runs, the time a process has the CPU resource to it release the resource */</a:t>
+            </a:r>
+          </a:p>
+          <a:p>
+            <a:r>
+              <a:rPr lang="en-US" dirty="0" smtClean="0">
+                <a:latin typeface="Times"/>
+                <a:cs typeface="Times"/>
+              </a:rPr>
+              <a:t>/* weight: based on 10% rule, roughly equivalent to 1024 * (1.25)^(-nice)*/</a:t>
+            </a:r>
+          </a:p>
+          <a:p>
+            <a:r>
+              <a:rPr lang="en-US" b="1" dirty="0" err="1" smtClean="0">
+                <a:latin typeface="Times"/>
+                <a:cs typeface="Times"/>
+              </a:rPr>
+              <a:t>vruntime</a:t>
+            </a:r>
+            <a:r>
+              <a:rPr lang="en-US" b="1" dirty="0" smtClean="0">
+                <a:latin typeface="Times"/>
+                <a:cs typeface="Times"/>
+              </a:rPr>
+              <a:t> += delta * (nice / weight);</a:t>
+            </a:r>
+            <a:endParaRPr lang="en-US" dirty="0" smtClean="0">
+              <a:latin typeface="Times"/>
+              <a:cs typeface="Times"/>
+            </a:endParaRPr>
+          </a:p>
+          <a:p>
+            <a:endParaRPr lang="en-US" dirty="0"/>
+          </a:p>
+        </p:txBody>
+      </p:sp>
+      <p:sp>
+        <p:nvSpPr>
+          <p:cNvPr id="4" name="Slide Number Placeholder 3"/>
+          <p:cNvSpPr>
+            <a:spLocks noGrp="1"/>
+          </p:cNvSpPr>
+          <p:nvPr>
+            <p:ph type="sldNum" sz="quarter" idx="10"/>
+          </p:nvPr>
+        </p:nvSpPr>
+        <p:spPr/>
+        <p:txBody>
+          <a:bodyPr/>
+          <a:lstStyle/>
+          <a:p>
+            <a:fld id="{6A0A6F83-7859-504F-877B-9DD5D099FC61}" type="slidenum">
+              <a:rPr lang="en-US" smtClean="0"/>
+              <a:t>3</a:t>
+            </a:fld>
+            <a:endParaRPr lang="en-US"/>
+          </a:p>
+        </p:txBody>
+      </p:sp>
+    </p:spTree>
+    <p:extLst>
+      <p:ext uri="{BB962C8B-B14F-4D97-AF65-F5344CB8AC3E}">
+        <p14:creationId xmlns:p14="http://schemas.microsoft.com/office/powerpoint/2010/main" val="244078431"/>
+      </p:ext>
+    </p:extLst>
+  </p:cSld>
+  <p:clrMapOvr>
+    <a:masterClrMapping/>
+  </p:clrMapOvr>
+</p:notes>
 </file>
 
 <file path=ppt/slideLayouts/slideLayout1.xml><?xml version="1.0" encoding="utf-8"?>
@@ -3257,6 +3872,218 @@
         </p:nvSpPr>
         <p:spPr>
           <a:xfrm>
+            <a:off x="1221" y="314770"/>
+            <a:ext cx="9142779" cy="769441"/>
+          </a:xfrm>
+          <a:prstGeom prst="rect">
+            <a:avLst/>
+          </a:prstGeom>
+          <a:noFill/>
+        </p:spPr>
+        <p:txBody>
+          <a:bodyPr wrap="square" rtlCol="0">
+            <a:spAutoFit/>
+          </a:bodyPr>
+          <a:lstStyle/>
+          <a:p>
+            <a:pPr algn="ctr"/>
+            <a:r>
+              <a:rPr lang="en-US" sz="4400" b="1" dirty="0" smtClean="0"/>
+              <a:t>Conclusion</a:t>
+            </a:r>
+            <a:endParaRPr lang="en-US" sz="4400" b="1" dirty="0"/>
+          </a:p>
+        </p:txBody>
+      </p:sp>
+      <p:sp>
+        <p:nvSpPr>
+          <p:cNvPr id="3" name="TextBox 2"/>
+          <p:cNvSpPr txBox="1"/>
+          <p:nvPr/>
+        </p:nvSpPr>
+        <p:spPr>
+          <a:xfrm>
+            <a:off x="221935" y="1775375"/>
+            <a:ext cx="8766404" cy="4093428"/>
+          </a:xfrm>
+          <a:prstGeom prst="rect">
+            <a:avLst/>
+          </a:prstGeom>
+          <a:noFill/>
+        </p:spPr>
+        <p:txBody>
+          <a:bodyPr wrap="square" rtlCol="0">
+            <a:spAutoFit/>
+          </a:bodyPr>
+          <a:lstStyle/>
+          <a:p>
+            <a:r>
+              <a:rPr lang="en-US" sz="2000" dirty="0"/>
+              <a:t>[1] Molnar, Ingo. "Modular scheduler core and completely fair scheduler [</a:t>
+            </a:r>
+            <a:r>
+              <a:rPr lang="en-US" sz="2000" dirty="0" err="1"/>
+              <a:t>cfs</a:t>
+            </a:r>
+            <a:r>
+              <a:rPr lang="en-US" sz="2000" dirty="0"/>
+              <a:t>]."Linux-Kernel mailing list (2007).</a:t>
+            </a:r>
+          </a:p>
+          <a:p>
+            <a:r>
+              <a:rPr lang="en-US" sz="2000" dirty="0" smtClean="0"/>
+              <a:t>[</a:t>
+            </a:r>
+            <a:r>
+              <a:rPr lang="en-US" sz="2000" dirty="0"/>
+              <a:t>2] Kim, Jong Ho, Helen Cameron, and Peter Graham. "Lock-free red-black trees using </a:t>
+            </a:r>
+            <a:r>
+              <a:rPr lang="en-US" sz="2000" dirty="0" err="1"/>
+              <a:t>cas</a:t>
+            </a:r>
+            <a:r>
+              <a:rPr lang="en-US" sz="2000" dirty="0"/>
+              <a:t>." Concurrency and Computation: Practice and Experience(2006): 1-40.</a:t>
+            </a:r>
+          </a:p>
+          <a:p>
+            <a:r>
+              <a:rPr lang="en-US" sz="2000" dirty="0"/>
+              <a:t>[3] Love, Robert. Linux system programming: talking directly to the kernel and C library. " O'Reilly Media, Inc.", 2013.</a:t>
+            </a:r>
+          </a:p>
+          <a:p>
+            <a:r>
+              <a:rPr lang="en-US" sz="2000" dirty="0" smtClean="0"/>
+              <a:t>[4] </a:t>
+            </a:r>
+            <a:r>
+              <a:rPr lang="en-US" sz="2000" dirty="0" err="1"/>
+              <a:t>Jianwen</a:t>
+            </a:r>
+            <a:r>
+              <a:rPr lang="en-US" sz="2000" dirty="0"/>
+              <a:t> Ma. Lock-Free Insertions on Red-Black Trees. MSc thesis, University of Manitoba, October,2003.</a:t>
+            </a:r>
+          </a:p>
+          <a:p>
+            <a:r>
+              <a:rPr lang="en-US" sz="2000" dirty="0" smtClean="0"/>
+              <a:t>[5] </a:t>
+            </a:r>
+            <a:r>
+              <a:rPr lang="en-US" sz="2000" dirty="0" err="1"/>
+              <a:t>Natarajan</a:t>
+            </a:r>
+            <a:r>
+              <a:rPr lang="en-US" sz="2000" dirty="0"/>
+              <a:t>, </a:t>
+            </a:r>
+            <a:r>
+              <a:rPr lang="en-US" sz="2000" dirty="0" err="1"/>
+              <a:t>Aravind</a:t>
+            </a:r>
+            <a:r>
+              <a:rPr lang="en-US" sz="2000" dirty="0"/>
+              <a:t>, Lee H. </a:t>
+            </a:r>
+            <a:r>
+              <a:rPr lang="en-US" sz="2000" dirty="0" err="1"/>
+              <a:t>Savoie</a:t>
+            </a:r>
+            <a:r>
+              <a:rPr lang="en-US" sz="2000" dirty="0"/>
+              <a:t>, and </a:t>
+            </a:r>
+            <a:r>
+              <a:rPr lang="en-US" sz="2000" dirty="0" err="1"/>
+              <a:t>Neeraj</a:t>
+            </a:r>
+            <a:r>
+              <a:rPr lang="en-US" sz="2000" dirty="0"/>
+              <a:t> Mittal. "Concurrent wait-free red black trees." Symposium on Self-Stabilizing Systems. Springer International Publishing, 2013.</a:t>
+            </a:r>
+          </a:p>
+          <a:p>
+            <a:r>
+              <a:rPr lang="en-US" sz="2000" dirty="0" smtClean="0"/>
+              <a:t>[6] </a:t>
+            </a:r>
+            <a:r>
+              <a:rPr lang="en-US" sz="2000" dirty="0"/>
+              <a:t>The university of Auckland, Computer Science, Data Structures and Algorithms Course  https://</a:t>
+            </a:r>
+            <a:r>
+              <a:rPr lang="en-US" sz="2000" dirty="0" err="1"/>
+              <a:t>www.cs.auckland.ac.nz</a:t>
+            </a:r>
+            <a:r>
+              <a:rPr lang="en-US" sz="2000" dirty="0"/>
+              <a:t>/software/</a:t>
+            </a:r>
+            <a:r>
+              <a:rPr lang="en-US" sz="2000" dirty="0" err="1"/>
+              <a:t>AlgAnim</a:t>
+            </a:r>
+            <a:r>
+              <a:rPr lang="en-US" sz="2000" dirty="0"/>
+              <a:t>/</a:t>
+            </a:r>
+            <a:r>
+              <a:rPr lang="en-US" sz="2000" dirty="0" err="1" smtClean="0"/>
+              <a:t>red_black.html</a:t>
+            </a:r>
+            <a:endParaRPr lang="en-US" sz="2000" dirty="0"/>
+          </a:p>
+        </p:txBody>
+      </p:sp>
+    </p:spTree>
+    <p:extLst>
+      <p:ext uri="{BB962C8B-B14F-4D97-AF65-F5344CB8AC3E}">
+        <p14:creationId xmlns:p14="http://schemas.microsoft.com/office/powerpoint/2010/main" val="651686607"/>
+      </p:ext>
+    </p:extLst>
+  </p:cSld>
+  <p:clrMapOvr>
+    <a:masterClrMapping/>
+  </p:clrMapOvr>
+  <p:timing>
+    <p:tnLst>
+      <p:par>
+        <p:cTn xmlns:p14="http://schemas.microsoft.com/office/powerpoint/2010/main" id="1" dur="indefinite" restart="never" nodeType="tmRoot"/>
+      </p:par>
+    </p:tnLst>
+  </p:timing>
+</p:sld>
+</file>
+
+<file path=ppt/slides/slide11.xml><?xml version="1.0" encoding="utf-8"?>
+<p:sld xmlns:a="http://schemas.openxmlformats.org/drawingml/2006/main" xmlns:r="http://schemas.openxmlformats.org/officeDocument/2006/relationships" xmlns:p="http://schemas.openxmlformats.org/presentationml/2006/main">
+  <p:cSld>
+    <p:spTree>
+      <p:nvGrpSpPr>
+        <p:cNvPr id="1" name=""/>
+        <p:cNvGrpSpPr/>
+        <p:nvPr/>
+      </p:nvGrpSpPr>
+      <p:grpSpPr>
+        <a:xfrm>
+          <a:off x="0" y="0"/>
+          <a:ext cx="0" cy="0"/>
+          <a:chOff x="0" y="0"/>
+          <a:chExt cx="0" cy="0"/>
+        </a:xfrm>
+      </p:grpSpPr>
+      <p:sp>
+        <p:nvSpPr>
+          <p:cNvPr id="2" name="TextBox 1"/>
+          <p:cNvSpPr txBox="1"/>
+          <p:nvPr/>
+        </p:nvSpPr>
+        <p:spPr>
+          <a:xfrm>
             <a:off x="3236298" y="2798680"/>
             <a:ext cx="2053492" cy="1107996"/>
           </a:xfrm>
@@ -3292,7 +4119,7 @@
 </p:sld>
 </file>
 
-<file path=ppt/slides/slide11.xml><?xml version="1.0" encoding="utf-8"?>
+<file path=ppt/slides/slide12.xml><?xml version="1.0" encoding="utf-8"?>
 <p:sld xmlns:a="http://schemas.openxmlformats.org/drawingml/2006/main" xmlns:r="http://schemas.openxmlformats.org/officeDocument/2006/relationships" xmlns:p="http://schemas.openxmlformats.org/presentationml/2006/main">
   <p:cSld>
     <p:spTree>
@@ -4963,7 +5790,7 @@
         </p:nvSpPr>
         <p:spPr>
           <a:xfrm>
-            <a:off x="1221" y="314770"/>
+            <a:off x="0" y="314770"/>
             <a:ext cx="9142779" cy="769441"/>
           </a:xfrm>
           <a:prstGeom prst="rect">
@@ -4980,41 +5807,12 @@
             <a:pPr algn="ctr"/>
             <a:r>
               <a:rPr lang="en-US" sz="4400" b="1" dirty="0" smtClean="0"/>
-              <a:t>Complete Fairness Scheduler</a:t>
+              <a:t>Outline</a:t>
             </a:r>
             <a:endParaRPr lang="en-US" sz="4400" b="1" dirty="0"/>
           </a:p>
         </p:txBody>
       </p:sp>
-      <p:pic>
-        <p:nvPicPr>
-          <p:cNvPr id="4" name="Picture 3" descr="nice value.png"/>
-          <p:cNvPicPr>
-            <a:picLocks noChangeAspect="1"/>
-          </p:cNvPicPr>
-          <p:nvPr/>
-        </p:nvPicPr>
-        <p:blipFill rotWithShape="1">
-          <a:blip r:embed="rId2">
-            <a:extLst>
-              <a:ext uri="{28A0092B-C50C-407E-A947-70E740481C1C}">
-                <a14:useLocalDpi xmlns:a14="http://schemas.microsoft.com/office/drawing/2010/main" val="0"/>
-              </a:ext>
-            </a:extLst>
-          </a:blip>
-          <a:srcRect t="36712" r="51831"/>
-          <a:stretch/>
-        </p:blipFill>
-        <p:spPr>
-          <a:xfrm>
-            <a:off x="9252858" y="4491990"/>
-            <a:ext cx="2050186" cy="2366010"/>
-          </a:xfrm>
-          <a:prstGeom prst="rect">
-            <a:avLst/>
-          </a:prstGeom>
-        </p:spPr>
-      </p:pic>
       <p:sp>
         <p:nvSpPr>
           <p:cNvPr id="5" name="Rectangle 4"/>
@@ -5023,8 +5821,8 @@
         </p:nvSpPr>
         <p:spPr>
           <a:xfrm>
-            <a:off x="739781" y="1229646"/>
-            <a:ext cx="7770396" cy="5355313"/>
+            <a:off x="739781" y="1872002"/>
+            <a:ext cx="7946198" cy="3539431"/>
           </a:xfrm>
           <a:prstGeom prst="rect">
             <a:avLst/>
@@ -5041,85 +5839,19 @@
               <a:buChar char="•"/>
             </a:pPr>
             <a:r>
-              <a:rPr lang="en-US" sz="2400" dirty="0" smtClean="0">
+              <a:rPr lang="en-US" sz="2800" dirty="0" smtClean="0">
                 <a:latin typeface="Times"/>
                 <a:cs typeface="Times"/>
               </a:rPr>
-              <a:t>Scheduler</a:t>
-            </a:r>
-          </a:p>
-          <a:p>
-            <a:pPr lvl="1"/>
-            <a:r>
-              <a:rPr lang="en-US" sz="2400" dirty="0">
-                <a:latin typeface="Times"/>
-                <a:cs typeface="Times"/>
-              </a:rPr>
-              <a:t>	</a:t>
-            </a:r>
-            <a:r>
-              <a:rPr lang="en-US" sz="2400" dirty="0" smtClean="0">
-                <a:latin typeface="Times"/>
-                <a:cs typeface="Times"/>
-              </a:rPr>
-              <a:t>Allocate </a:t>
-            </a:r>
-            <a:r>
-              <a:rPr lang="en-US" sz="2000" dirty="0" smtClean="0">
-                <a:latin typeface="Times"/>
-                <a:cs typeface="Times"/>
-              </a:rPr>
-              <a:t>CPU resources to tasks</a:t>
-            </a:r>
-            <a:endParaRPr lang="en-US" sz="2400" dirty="0">
-              <a:latin typeface="Times"/>
-              <a:cs typeface="Times"/>
-            </a:endParaRPr>
+              <a:t>Lock-free RB-tree </a:t>
+            </a:r>
           </a:p>
           <a:p>
             <a:pPr marL="342900" indent="-342900">
               <a:buFont typeface="Arial"/>
               <a:buChar char="•"/>
             </a:pPr>
-            <a:r>
-              <a:rPr lang="en-US" sz="2400" dirty="0" smtClean="0">
-                <a:latin typeface="Times"/>
-                <a:cs typeface="Times"/>
-              </a:rPr>
-              <a:t>Problems?</a:t>
-            </a:r>
-          </a:p>
-          <a:p>
-            <a:pPr lvl="1"/>
-            <a:r>
-              <a:rPr lang="en-US" sz="2000" dirty="0">
-                <a:latin typeface="Times"/>
-                <a:cs typeface="Times"/>
-              </a:rPr>
-              <a:t>	D</a:t>
-            </a:r>
-            <a:r>
-              <a:rPr lang="en-US" sz="2000" dirty="0" smtClean="0">
-                <a:latin typeface="Times"/>
-                <a:cs typeface="Times"/>
-              </a:rPr>
-              <a:t>ifferent types </a:t>
-            </a:r>
-            <a:r>
-              <a:rPr lang="en-US" sz="2000" dirty="0">
-                <a:latin typeface="Times"/>
-                <a:cs typeface="Times"/>
-              </a:rPr>
-              <a:t>of </a:t>
-            </a:r>
-            <a:r>
-              <a:rPr lang="en-US" sz="2000" dirty="0" smtClean="0">
-                <a:latin typeface="Times"/>
-                <a:cs typeface="Times"/>
-              </a:rPr>
-              <a:t>tasks</a:t>
-            </a:r>
-            <a:endParaRPr lang="en-US" sz="2400" dirty="0" smtClean="0">
+            <a:endParaRPr lang="en-US" sz="2800" dirty="0">
               <a:latin typeface="Times"/>
               <a:cs typeface="Times"/>
             </a:endParaRPr>
@@ -5129,70 +5861,10 @@
               <a:buFont typeface="Arial"/>
               <a:buChar char="•"/>
             </a:pPr>
-            <a:r>
-              <a:rPr lang="en-US" sz="2400" dirty="0" smtClean="0">
-                <a:latin typeface="Times"/>
-                <a:cs typeface="Times"/>
-              </a:rPr>
-              <a:t>Solutions </a:t>
-            </a:r>
-          </a:p>
-          <a:p>
-            <a:pPr lvl="1"/>
-            <a:r>
-              <a:rPr lang="en-US" sz="2400" dirty="0" smtClean="0">
-                <a:latin typeface="Times"/>
-                <a:cs typeface="Times"/>
-              </a:rPr>
-              <a:t>	</a:t>
-            </a:r>
-            <a:r>
-              <a:rPr lang="en-US" sz="2000" dirty="0" smtClean="0">
-                <a:latin typeface="Times"/>
-                <a:cs typeface="Times"/>
-              </a:rPr>
-              <a:t>Time slice, priority and nice value. </a:t>
-            </a:r>
-            <a:r>
-              <a:rPr lang="en-US" sz="2000" dirty="0" smtClean="0">
-                <a:solidFill>
-                  <a:srgbClr val="FF0000"/>
-                </a:solidFill>
-                <a:latin typeface="Times"/>
-                <a:cs typeface="Times"/>
-              </a:rPr>
-              <a:t>accumulated to</a:t>
-            </a:r>
-            <a:r>
-              <a:rPr lang="en-US" sz="2000" dirty="0">
-                <a:solidFill>
-                  <a:srgbClr val="FF0000"/>
-                </a:solidFill>
-                <a:latin typeface="Times"/>
-                <a:cs typeface="Times"/>
-              </a:rPr>
-              <a:t> </a:t>
-            </a:r>
-            <a:r>
-              <a:rPr lang="en-US" altLang="zh-TW" sz="2000" dirty="0" err="1" smtClean="0">
-                <a:solidFill>
-                  <a:srgbClr val="FF0000"/>
-                </a:solidFill>
-                <a:latin typeface="Times"/>
-                <a:cs typeface="Times"/>
-              </a:rPr>
-              <a:t>vruntime</a:t>
-            </a:r>
-            <a:r>
-              <a:rPr lang="en-US" sz="2000" dirty="0" smtClean="0">
-                <a:solidFill>
-                  <a:srgbClr val="FF0000"/>
-                </a:solidFill>
-                <a:latin typeface="Times"/>
-                <a:cs typeface="Times"/>
-              </a:rPr>
-              <a:t> </a:t>
-            </a:r>
+            <a:endParaRPr lang="en-US" sz="2800" dirty="0" smtClean="0">
+              <a:latin typeface="Times"/>
+              <a:cs typeface="Times"/>
+            </a:endParaRPr>
           </a:p>
           <a:p>
             <a:pPr marL="342900" indent="-342900">
@@ -5200,146 +5872,19 @@
               <a:buChar char="•"/>
             </a:pPr>
             <a:r>
-              <a:rPr lang="en-US" sz="2400" dirty="0" smtClean="0">
+              <a:rPr lang="en-US" sz="2800" dirty="0" smtClean="0">
                 <a:latin typeface="Times"/>
                 <a:cs typeface="Times"/>
               </a:rPr>
-              <a:t>More problems?</a:t>
-            </a:r>
-          </a:p>
-          <a:p>
-            <a:pPr lvl="1"/>
-            <a:r>
-              <a:rPr lang="en-US" sz="2000" dirty="0" smtClean="0">
-                <a:latin typeface="Times"/>
-                <a:cs typeface="Times"/>
-              </a:rPr>
-              <a:t>	</a:t>
-            </a:r>
-            <a:r>
-              <a:rPr lang="en-US" sz="2000" dirty="0">
-                <a:latin typeface="Times"/>
-                <a:cs typeface="Times"/>
-              </a:rPr>
-              <a:t>T</a:t>
-            </a:r>
-            <a:r>
-              <a:rPr lang="en-US" sz="2000" dirty="0" smtClean="0">
-                <a:latin typeface="Times"/>
-                <a:cs typeface="Times"/>
-              </a:rPr>
-              <a:t>ime slice &amp; , group</a:t>
-            </a:r>
-            <a:r>
-              <a:rPr lang="en-US" sz="2000" dirty="0">
-                <a:latin typeface="Times"/>
-                <a:cs typeface="Times"/>
-              </a:rPr>
-              <a:t>, new task, </a:t>
-            </a:r>
-            <a:r>
-              <a:rPr lang="mr-IN" sz="2000" dirty="0">
-                <a:latin typeface="Times"/>
-                <a:cs typeface="Times"/>
-              </a:rPr>
-              <a:t>…</a:t>
-            </a:r>
-            <a:r>
-              <a:rPr lang="en-US" sz="2000" dirty="0">
-                <a:latin typeface="Times"/>
-                <a:cs typeface="Times"/>
-              </a:rPr>
-              <a:t> and so </a:t>
-            </a:r>
-            <a:r>
-              <a:rPr lang="en-US" sz="2000" dirty="0" smtClean="0">
-                <a:latin typeface="Times"/>
-                <a:cs typeface="Times"/>
-              </a:rPr>
-              <a:t>on</a:t>
-            </a:r>
-            <a:endParaRPr lang="en-US" sz="2400" dirty="0">
-              <a:latin typeface="Times"/>
-              <a:cs typeface="Times"/>
-            </a:endParaRPr>
+              <a:t>RB-tree based Linux-like CFS simulator</a:t>
+            </a:r>
           </a:p>
           <a:p>
             <a:pPr marL="342900" indent="-342900">
               <a:buFont typeface="Arial"/>
               <a:buChar char="•"/>
             </a:pPr>
-            <a:r>
-              <a:rPr lang="en-US" sz="2400" dirty="0" smtClean="0">
-                <a:latin typeface="Times"/>
-                <a:cs typeface="Times"/>
-              </a:rPr>
-              <a:t>More solutions from Linux</a:t>
-            </a:r>
-          </a:p>
-          <a:p>
-            <a:r>
-              <a:rPr lang="en-US" sz="2000" dirty="0">
-                <a:latin typeface="Times"/>
-                <a:cs typeface="Times"/>
-              </a:rPr>
-              <a:t>	</a:t>
-            </a:r>
-            <a:r>
-              <a:rPr lang="en-US" sz="2000" dirty="0" smtClean="0">
-                <a:latin typeface="Times"/>
-                <a:cs typeface="Times"/>
-              </a:rPr>
-              <a:t>	</a:t>
-            </a:r>
-            <a:r>
-              <a:rPr lang="en-US" sz="2000" dirty="0">
-                <a:latin typeface="Times"/>
-                <a:cs typeface="Times"/>
-              </a:rPr>
-              <a:t>Min </a:t>
-            </a:r>
-            <a:r>
-              <a:rPr lang="en-US" sz="2000" dirty="0" smtClean="0">
-                <a:latin typeface="Times"/>
-                <a:cs typeface="Times"/>
-              </a:rPr>
-              <a:t>granularity, per-process </a:t>
-            </a:r>
-            <a:r>
-              <a:rPr lang="en-US" sz="2000" dirty="0" err="1" smtClean="0">
-                <a:latin typeface="Times"/>
-                <a:cs typeface="Times"/>
-              </a:rPr>
-              <a:t>sched</a:t>
-            </a:r>
-            <a:r>
-              <a:rPr lang="en-US" sz="2000" dirty="0" smtClean="0">
-                <a:latin typeface="Times"/>
-                <a:cs typeface="Times"/>
-              </a:rPr>
-              <a:t>, least </a:t>
-            </a:r>
-            <a:r>
-              <a:rPr lang="en-US" sz="2000" dirty="0" err="1" smtClean="0">
-                <a:latin typeface="Times"/>
-                <a:cs typeface="Times"/>
-              </a:rPr>
-              <a:t>vruntime</a:t>
-            </a:r>
-            <a:r>
-              <a:rPr lang="en-US" sz="2000" dirty="0" smtClean="0">
-                <a:latin typeface="Times"/>
-                <a:cs typeface="Times"/>
-              </a:rPr>
-              <a:t>, ... and so on</a:t>
-            </a:r>
-            <a:endParaRPr lang="en-US" dirty="0" smtClean="0">
-              <a:latin typeface="Times"/>
-              <a:cs typeface="Times"/>
-            </a:endParaRPr>
-          </a:p>
-          <a:p>
-            <a:endParaRPr lang="en-US" dirty="0">
+            <a:endParaRPr lang="en-US" sz="2800" dirty="0" smtClean="0">
               <a:latin typeface="Times"/>
               <a:cs typeface="Times"/>
             </a:endParaRPr>
@@ -5349,90 +5894,36 @@
               <a:buFont typeface="Arial"/>
               <a:buChar char="•"/>
             </a:pPr>
-            <a:r>
-              <a:rPr lang="en-US" sz="2400" dirty="0" smtClean="0">
+            <a:endParaRPr lang="en-US" sz="2800" dirty="0">
+              <a:latin typeface="Times"/>
+              <a:cs typeface="Times"/>
+            </a:endParaRPr>
+          </a:p>
+          <a:p>
+            <a:pPr marL="342900" indent="-342900">
+              <a:buFont typeface="Arial"/>
+              <a:buChar char="•"/>
+            </a:pPr>
+            <a:r>
+              <a:rPr lang="en-US" sz="2800" dirty="0" smtClean="0">
                 <a:latin typeface="Times"/>
                 <a:cs typeface="Times"/>
               </a:rPr>
-              <a:t>Linux CFS </a:t>
-            </a:r>
-            <a:r>
-              <a:rPr lang="en-US" sz="2400" dirty="0" err="1">
-                <a:latin typeface="Times"/>
-                <a:cs typeface="Times"/>
-              </a:rPr>
-              <a:t>vruntime</a:t>
-            </a:r>
-            <a:r>
-              <a:rPr lang="en-US" sz="2400" dirty="0">
-                <a:latin typeface="Times"/>
-                <a:cs typeface="Times"/>
-              </a:rPr>
-              <a:t> </a:t>
-            </a:r>
-            <a:r>
-              <a:rPr lang="en-US" sz="2400" dirty="0" smtClean="0">
-                <a:latin typeface="Times"/>
-                <a:cs typeface="Times"/>
-              </a:rPr>
-              <a:t>formula</a:t>
-            </a:r>
-            <a:endParaRPr lang="en-US" sz="2400" dirty="0">
+              <a:t>Conclusion</a:t>
+            </a:r>
+          </a:p>
+          <a:p>
+            <a:endParaRPr lang="en-US" sz="2800" dirty="0">
               <a:latin typeface="Times"/>
               <a:cs typeface="Times"/>
             </a:endParaRPr>
           </a:p>
-          <a:p>
-            <a:r>
-              <a:rPr lang="en-US" dirty="0" smtClean="0">
-                <a:latin typeface="Times"/>
-                <a:cs typeface="Times"/>
-              </a:rPr>
-              <a:t>/</a:t>
-            </a:r>
-            <a:r>
-              <a:rPr lang="en-US" dirty="0">
-                <a:latin typeface="Times"/>
-                <a:cs typeface="Times"/>
-              </a:rPr>
-              <a:t>* delta: how long process really runs, the time a process has the CPU resource to it release the resource */</a:t>
-            </a:r>
-          </a:p>
-          <a:p>
-            <a:r>
-              <a:rPr lang="en-US" dirty="0">
-                <a:latin typeface="Times"/>
-                <a:cs typeface="Times"/>
-              </a:rPr>
-              <a:t>/* weight: based on 10% rule, roughly equivalent to 1024 * (1.25)^(-nice)*/</a:t>
-            </a:r>
-          </a:p>
-          <a:p>
-            <a:r>
-              <a:rPr lang="en-US" b="1" dirty="0" err="1">
-                <a:latin typeface="Times"/>
-                <a:cs typeface="Times"/>
-              </a:rPr>
-              <a:t>vruntime</a:t>
-            </a:r>
-            <a:r>
-              <a:rPr lang="en-US" b="1" dirty="0">
-                <a:latin typeface="Times"/>
-                <a:cs typeface="Times"/>
-              </a:rPr>
-              <a:t> += delta * (nice / weight);</a:t>
-            </a:r>
-            <a:endParaRPr lang="en-US" dirty="0">
-              <a:latin typeface="Times"/>
-              <a:cs typeface="Times"/>
-            </a:endParaRPr>
-          </a:p>
         </p:txBody>
       </p:sp>
     </p:spTree>
     <p:extLst>
       <p:ext uri="{BB962C8B-B14F-4D97-AF65-F5344CB8AC3E}">
-        <p14:creationId xmlns:p14="http://schemas.microsoft.com/office/powerpoint/2010/main" val="287739210"/>
+        <p14:creationId xmlns:p14="http://schemas.microsoft.com/office/powerpoint/2010/main" val="1494383026"/>
       </p:ext>
     </p:extLst>
   </p:cSld>
@@ -5466,210 +5957,16 @@
           <a:chExt cx="0" cy="0"/>
         </a:xfrm>
       </p:grpSpPr>
-      <p:cxnSp>
-        <p:nvCxnSpPr>
-          <p:cNvPr id="5" name="Straight Arrow Connector 4"/>
-          <p:cNvCxnSpPr/>
-          <p:nvPr/>
-        </p:nvCxnSpPr>
-        <p:spPr>
-          <a:xfrm>
-            <a:off x="1445464" y="4510010"/>
-            <a:ext cx="6985000" cy="0"/>
-          </a:xfrm>
-          <a:prstGeom prst="straightConnector1">
-            <a:avLst/>
-          </a:prstGeom>
-          <a:ln>
-            <a:tailEnd type="arrow"/>
-          </a:ln>
-          <a:effectLst/>
-        </p:spPr>
-        <p:style>
-          <a:lnRef idx="2">
-            <a:schemeClr val="accent1"/>
-          </a:lnRef>
-          <a:fillRef idx="0">
-            <a:schemeClr val="accent1"/>
-          </a:fillRef>
-          <a:effectRef idx="1">
-            <a:schemeClr val="accent1"/>
-          </a:effectRef>
-          <a:fontRef idx="minor">
-            <a:schemeClr val="tx1"/>
-          </a:fontRef>
-        </p:style>
-      </p:cxnSp>
-      <p:cxnSp>
-        <p:nvCxnSpPr>
-          <p:cNvPr id="8" name="Straight Connector 7"/>
-          <p:cNvCxnSpPr/>
-          <p:nvPr/>
-        </p:nvCxnSpPr>
-        <p:spPr>
-          <a:xfrm>
-            <a:off x="3286964" y="2135110"/>
-            <a:ext cx="0" cy="2374900"/>
-          </a:xfrm>
-          <a:prstGeom prst="line">
-            <a:avLst/>
-          </a:prstGeom>
-          <a:ln>
-            <a:prstDash val="sysDash"/>
-          </a:ln>
-          <a:effectLst/>
-        </p:spPr>
-        <p:style>
-          <a:lnRef idx="2">
-            <a:schemeClr val="accent1"/>
-          </a:lnRef>
-          <a:fillRef idx="0">
-            <a:schemeClr val="accent1"/>
-          </a:fillRef>
-          <a:effectRef idx="1">
-            <a:schemeClr val="accent1"/>
-          </a:effectRef>
-          <a:fontRef idx="minor">
-            <a:schemeClr val="tx1"/>
-          </a:fontRef>
-        </p:style>
-      </p:cxnSp>
-      <p:cxnSp>
-        <p:nvCxnSpPr>
-          <p:cNvPr id="9" name="Straight Connector 8"/>
-          <p:cNvCxnSpPr/>
-          <p:nvPr/>
-        </p:nvCxnSpPr>
-        <p:spPr>
-          <a:xfrm>
-            <a:off x="5278324" y="2135110"/>
-            <a:ext cx="0" cy="2374900"/>
-          </a:xfrm>
-          <a:prstGeom prst="line">
-            <a:avLst/>
-          </a:prstGeom>
-          <a:ln>
-            <a:prstDash val="sysDash"/>
-          </a:ln>
-          <a:effectLst/>
-        </p:spPr>
-        <p:style>
-          <a:lnRef idx="2">
-            <a:schemeClr val="accent1"/>
-          </a:lnRef>
-          <a:fillRef idx="0">
-            <a:schemeClr val="accent1"/>
-          </a:fillRef>
-          <a:effectRef idx="1">
-            <a:schemeClr val="accent1"/>
-          </a:effectRef>
-          <a:fontRef idx="minor">
-            <a:schemeClr val="tx1"/>
-          </a:fontRef>
-        </p:style>
-      </p:cxnSp>
-      <p:cxnSp>
-        <p:nvCxnSpPr>
-          <p:cNvPr id="10" name="Straight Connector 9"/>
-          <p:cNvCxnSpPr/>
-          <p:nvPr/>
-        </p:nvCxnSpPr>
-        <p:spPr>
-          <a:xfrm>
-            <a:off x="7231584" y="2135110"/>
-            <a:ext cx="0" cy="2374900"/>
-          </a:xfrm>
-          <a:prstGeom prst="line">
-            <a:avLst/>
-          </a:prstGeom>
-          <a:ln>
-            <a:prstDash val="sysDash"/>
-          </a:ln>
-          <a:effectLst/>
-        </p:spPr>
-        <p:style>
-          <a:lnRef idx="2">
-            <a:schemeClr val="accent1"/>
-          </a:lnRef>
-          <a:fillRef idx="0">
-            <a:schemeClr val="accent1"/>
-          </a:fillRef>
-          <a:effectRef idx="1">
-            <a:schemeClr val="accent1"/>
-          </a:effectRef>
-          <a:fontRef idx="minor">
-            <a:schemeClr val="tx1"/>
-          </a:fontRef>
-        </p:style>
-      </p:cxnSp>
-      <p:sp>
-        <p:nvSpPr>
-          <p:cNvPr id="11" name="Rounded Rectangle 10"/>
-          <p:cNvSpPr/>
-          <p:nvPr/>
-        </p:nvSpPr>
-        <p:spPr>
-          <a:xfrm>
-            <a:off x="594564" y="1484870"/>
-            <a:ext cx="2275840" cy="335280"/>
-          </a:xfrm>
-          <a:prstGeom prst="roundRect">
-            <a:avLst/>
-          </a:prstGeom>
-        </p:spPr>
-        <p:style>
-          <a:lnRef idx="1">
-            <a:schemeClr val="accent1"/>
-          </a:lnRef>
-          <a:fillRef idx="3">
-            <a:schemeClr val="accent1"/>
-          </a:fillRef>
-          <a:effectRef idx="2">
-            <a:schemeClr val="accent1"/>
-          </a:effectRef>
-          <a:fontRef idx="minor">
-            <a:schemeClr val="lt1"/>
-          </a:fontRef>
-        </p:style>
-        <p:txBody>
-          <a:bodyPr rtlCol="0" anchor="ctr"/>
-          <a:lstStyle/>
-          <a:p>
-            <a:pPr algn="ctr"/>
-            <a:r>
-              <a:rPr lang="en-US" dirty="0" smtClean="0">
-                <a:solidFill>
-                  <a:schemeClr val="tx1"/>
-                </a:solidFill>
-              </a:rPr>
-              <a:t>Global </a:t>
-            </a:r>
-            <a:r>
-              <a:rPr lang="en-US" dirty="0" err="1" smtClean="0">
-                <a:solidFill>
-                  <a:schemeClr val="tx1"/>
-                </a:solidFill>
-              </a:rPr>
-              <a:t>runqueue</a:t>
-            </a:r>
-            <a:endParaRPr lang="en-US" dirty="0">
-              <a:solidFill>
-                <a:schemeClr val="tx1"/>
-              </a:solidFill>
-            </a:endParaRPr>
-          </a:p>
-        </p:txBody>
-      </p:sp>
-      <p:sp>
-        <p:nvSpPr>
-          <p:cNvPr id="15" name="TextBox 14"/>
+      <p:sp>
+        <p:nvSpPr>
+          <p:cNvPr id="2" name="TextBox 1"/>
           <p:cNvSpPr txBox="1"/>
           <p:nvPr/>
         </p:nvSpPr>
         <p:spPr>
           <a:xfrm>
-            <a:off x="594564" y="2287510"/>
-            <a:ext cx="692091" cy="369332"/>
+            <a:off x="1221" y="314770"/>
+            <a:ext cx="9142779" cy="769441"/>
           </a:xfrm>
           <a:prstGeom prst="rect">
             <a:avLst/>
@@ -5677,1493 +5974,395 @@
           <a:noFill/>
         </p:spPr>
         <p:txBody>
-          <a:bodyPr wrap="none" rtlCol="0">
+          <a:bodyPr wrap="square" rtlCol="0">
             <a:spAutoFit/>
           </a:bodyPr>
           <a:lstStyle/>
           <a:p>
-            <a:r>
-              <a:rPr lang="en-US" dirty="0" smtClean="0"/>
-              <a:t>CPU1</a:t>
-            </a:r>
-            <a:endParaRPr lang="en-US" dirty="0"/>
-          </a:p>
-        </p:txBody>
-      </p:sp>
-      <p:sp>
-        <p:nvSpPr>
-          <p:cNvPr id="16" name="TextBox 15"/>
-          <p:cNvSpPr txBox="1"/>
-          <p:nvPr/>
-        </p:nvSpPr>
-        <p:spPr>
-          <a:xfrm>
-            <a:off x="594564" y="3036810"/>
-            <a:ext cx="692091" cy="369332"/>
+            <a:pPr algn="ctr"/>
+            <a:r>
+              <a:rPr lang="en-US" sz="4400" b="1" dirty="0"/>
+              <a:t>Complete Fairness </a:t>
+            </a:r>
+            <a:r>
+              <a:rPr lang="en-US" sz="4400" b="1" dirty="0" smtClean="0"/>
+              <a:t>Scheduler</a:t>
+            </a:r>
+            <a:endParaRPr lang="en-US" sz="4400" b="1" dirty="0"/>
+          </a:p>
+        </p:txBody>
+      </p:sp>
+      <p:pic>
+        <p:nvPicPr>
+          <p:cNvPr id="4" name="Picture 3" descr="nice value.png"/>
+          <p:cNvPicPr>
+            <a:picLocks noChangeAspect="1"/>
+          </p:cNvPicPr>
+          <p:nvPr/>
+        </p:nvPicPr>
+        <p:blipFill rotWithShape="1">
+          <a:blip r:embed="rId3">
+            <a:extLst>
+              <a:ext uri="{28A0092B-C50C-407E-A947-70E740481C1C}">
+                <a14:useLocalDpi xmlns:a14="http://schemas.microsoft.com/office/drawing/2010/main" val="0"/>
+              </a:ext>
+            </a:extLst>
+          </a:blip>
+          <a:srcRect t="36712" r="51831"/>
+          <a:stretch/>
+        </p:blipFill>
+        <p:spPr>
+          <a:xfrm>
+            <a:off x="9252858" y="4491990"/>
+            <a:ext cx="2050186" cy="2366010"/>
           </a:xfrm>
           <a:prstGeom prst="rect">
             <a:avLst/>
           </a:prstGeom>
-          <a:noFill/>
-        </p:spPr>
-        <p:txBody>
-          <a:bodyPr wrap="none" rtlCol="0">
+        </p:spPr>
+      </p:pic>
+      <p:sp>
+        <p:nvSpPr>
+          <p:cNvPr id="5" name="Rectangle 4"/>
+          <p:cNvSpPr/>
+          <p:nvPr/>
+        </p:nvSpPr>
+        <p:spPr>
+          <a:xfrm>
+            <a:off x="739781" y="1229646"/>
+            <a:ext cx="8252762" cy="5355312"/>
+          </a:xfrm>
+          <a:prstGeom prst="rect">
+            <a:avLst/>
+          </a:prstGeom>
+        </p:spPr>
+        <p:txBody>
+          <a:bodyPr wrap="square">
             <a:spAutoFit/>
           </a:bodyPr>
           <a:lstStyle/>
           <a:p>
-            <a:r>
-              <a:rPr lang="en-US" dirty="0" smtClean="0"/>
-              <a:t>CPU2</a:t>
-            </a:r>
-            <a:endParaRPr lang="en-US" dirty="0"/>
-          </a:p>
-        </p:txBody>
-      </p:sp>
-      <p:sp>
-        <p:nvSpPr>
-          <p:cNvPr id="17" name="TextBox 16"/>
-          <p:cNvSpPr txBox="1"/>
-          <p:nvPr/>
-        </p:nvSpPr>
-        <p:spPr>
-          <a:xfrm>
-            <a:off x="594564" y="3722610"/>
-            <a:ext cx="692091" cy="369332"/>
-          </a:xfrm>
-          <a:prstGeom prst="rect">
-            <a:avLst/>
-          </a:prstGeom>
-          <a:noFill/>
-        </p:spPr>
-        <p:txBody>
-          <a:bodyPr wrap="none" rtlCol="0">
-            <a:spAutoFit/>
-          </a:bodyPr>
-          <a:lstStyle/>
-          <a:p>
-            <a:r>
-              <a:rPr lang="en-US" dirty="0" smtClean="0"/>
-              <a:t>CPU3</a:t>
-            </a:r>
-            <a:endParaRPr lang="en-US" dirty="0"/>
-          </a:p>
-        </p:txBody>
-      </p:sp>
-      <p:sp>
-        <p:nvSpPr>
-          <p:cNvPr id="18" name="TextBox 17"/>
-          <p:cNvSpPr txBox="1"/>
-          <p:nvPr/>
-        </p:nvSpPr>
-        <p:spPr>
-          <a:xfrm>
-            <a:off x="594564" y="4325344"/>
-            <a:ext cx="692091" cy="369332"/>
-          </a:xfrm>
-          <a:prstGeom prst="rect">
-            <a:avLst/>
-          </a:prstGeom>
-          <a:noFill/>
-        </p:spPr>
-        <p:txBody>
-          <a:bodyPr wrap="none" rtlCol="0">
-            <a:spAutoFit/>
-          </a:bodyPr>
-          <a:lstStyle/>
-          <a:p>
-            <a:r>
-              <a:rPr lang="en-US" dirty="0" smtClean="0"/>
-              <a:t>CPU4</a:t>
-            </a:r>
-          </a:p>
-        </p:txBody>
-      </p:sp>
-      <p:cxnSp>
-        <p:nvCxnSpPr>
-          <p:cNvPr id="26" name="Straight Connector 25"/>
-          <p:cNvCxnSpPr/>
-          <p:nvPr/>
-        </p:nvCxnSpPr>
-        <p:spPr>
-          <a:xfrm>
-            <a:off x="5278324" y="3294365"/>
-            <a:ext cx="1953260" cy="0"/>
-          </a:xfrm>
-          <a:prstGeom prst="line">
-            <a:avLst/>
-          </a:prstGeom>
-          <a:ln>
-            <a:solidFill>
-              <a:schemeClr val="accent6">
-                <a:lumMod val="75000"/>
-              </a:schemeClr>
-            </a:solidFill>
-          </a:ln>
-          <a:effectLst/>
-        </p:spPr>
-        <p:style>
-          <a:lnRef idx="2">
-            <a:schemeClr val="accent1"/>
-          </a:lnRef>
-          <a:fillRef idx="0">
-            <a:schemeClr val="accent1"/>
-          </a:fillRef>
-          <a:effectRef idx="1">
-            <a:schemeClr val="accent1"/>
-          </a:effectRef>
-          <a:fontRef idx="minor">
-            <a:schemeClr val="tx1"/>
-          </a:fontRef>
-        </p:style>
-      </p:cxnSp>
-      <p:cxnSp>
-        <p:nvCxnSpPr>
-          <p:cNvPr id="27" name="Straight Connector 26"/>
-          <p:cNvCxnSpPr/>
-          <p:nvPr/>
-        </p:nvCxnSpPr>
-        <p:spPr>
-          <a:xfrm>
-            <a:off x="1445464" y="3294365"/>
-            <a:ext cx="3832860" cy="0"/>
-          </a:xfrm>
-          <a:prstGeom prst="line">
-            <a:avLst/>
-          </a:prstGeom>
-          <a:ln>
-            <a:solidFill>
-              <a:srgbClr val="FF0000"/>
-            </a:solidFill>
-          </a:ln>
-          <a:effectLst/>
-        </p:spPr>
-        <p:style>
-          <a:lnRef idx="2">
-            <a:schemeClr val="accent1"/>
-          </a:lnRef>
-          <a:fillRef idx="0">
-            <a:schemeClr val="accent1"/>
-          </a:fillRef>
-          <a:effectRef idx="1">
-            <a:schemeClr val="accent1"/>
-          </a:effectRef>
-          <a:fontRef idx="minor">
-            <a:schemeClr val="tx1"/>
-          </a:fontRef>
-        </p:style>
-      </p:cxnSp>
-      <p:cxnSp>
-        <p:nvCxnSpPr>
-          <p:cNvPr id="28" name="Straight Connector 27"/>
-          <p:cNvCxnSpPr/>
-          <p:nvPr/>
-        </p:nvCxnSpPr>
-        <p:spPr>
-          <a:xfrm>
-            <a:off x="1445464" y="3975085"/>
-            <a:ext cx="2948940" cy="0"/>
-          </a:xfrm>
-          <a:prstGeom prst="line">
-            <a:avLst/>
-          </a:prstGeom>
-          <a:ln>
-            <a:solidFill>
-              <a:srgbClr val="0000FF"/>
-            </a:solidFill>
-          </a:ln>
-          <a:effectLst/>
-        </p:spPr>
-        <p:style>
-          <a:lnRef idx="2">
-            <a:schemeClr val="accent1"/>
-          </a:lnRef>
-          <a:fillRef idx="0">
-            <a:schemeClr val="accent1"/>
-          </a:fillRef>
-          <a:effectRef idx="1">
-            <a:schemeClr val="accent1"/>
-          </a:effectRef>
-          <a:fontRef idx="minor">
-            <a:schemeClr val="tx1"/>
-          </a:fontRef>
-        </p:style>
-      </p:cxnSp>
-      <p:cxnSp>
-        <p:nvCxnSpPr>
-          <p:cNvPr id="35" name="Straight Connector 34"/>
-          <p:cNvCxnSpPr/>
-          <p:nvPr/>
-        </p:nvCxnSpPr>
-        <p:spPr>
-          <a:xfrm>
-            <a:off x="7231584" y="3294365"/>
-            <a:ext cx="1236980" cy="0"/>
-          </a:xfrm>
-          <a:prstGeom prst="line">
-            <a:avLst/>
-          </a:prstGeom>
-          <a:ln>
-            <a:solidFill>
-              <a:srgbClr val="FF0000"/>
-            </a:solidFill>
-          </a:ln>
-          <a:effectLst/>
-        </p:spPr>
-        <p:style>
-          <a:lnRef idx="2">
-            <a:schemeClr val="accent1"/>
-          </a:lnRef>
-          <a:fillRef idx="0">
-            <a:schemeClr val="accent1"/>
-          </a:fillRef>
-          <a:effectRef idx="1">
-            <a:schemeClr val="accent1"/>
-          </a:effectRef>
-          <a:fontRef idx="minor">
-            <a:schemeClr val="tx1"/>
-          </a:fontRef>
-        </p:style>
-      </p:cxnSp>
-      <p:cxnSp>
-        <p:nvCxnSpPr>
-          <p:cNvPr id="48" name="Straight Connector 47"/>
-          <p:cNvCxnSpPr/>
-          <p:nvPr/>
-        </p:nvCxnSpPr>
-        <p:spPr>
-          <a:xfrm>
-            <a:off x="4394405" y="3970004"/>
-            <a:ext cx="4074159" cy="0"/>
-          </a:xfrm>
-          <a:prstGeom prst="line">
-            <a:avLst/>
-          </a:prstGeom>
-          <a:ln>
-            <a:solidFill>
-              <a:srgbClr val="660066"/>
-            </a:solidFill>
-          </a:ln>
-          <a:effectLst/>
-        </p:spPr>
-        <p:style>
-          <a:lnRef idx="2">
-            <a:schemeClr val="accent1"/>
-          </a:lnRef>
-          <a:fillRef idx="0">
-            <a:schemeClr val="accent1"/>
-          </a:fillRef>
-          <a:effectRef idx="1">
-            <a:schemeClr val="accent1"/>
-          </a:effectRef>
-          <a:fontRef idx="minor">
-            <a:schemeClr val="tx1"/>
-          </a:fontRef>
-        </p:style>
-      </p:cxnSp>
-      <p:cxnSp>
-        <p:nvCxnSpPr>
-          <p:cNvPr id="51" name="Straight Connector 50"/>
-          <p:cNvCxnSpPr/>
-          <p:nvPr/>
-        </p:nvCxnSpPr>
-        <p:spPr>
-          <a:xfrm>
-            <a:off x="1445464" y="2471405"/>
-            <a:ext cx="7023100" cy="0"/>
-          </a:xfrm>
-          <a:prstGeom prst="line">
-            <a:avLst/>
-          </a:prstGeom>
-          <a:ln>
-            <a:solidFill>
-              <a:srgbClr val="008000"/>
-            </a:solidFill>
-          </a:ln>
-          <a:effectLst/>
-        </p:spPr>
-        <p:style>
-          <a:lnRef idx="2">
-            <a:schemeClr val="accent4"/>
-          </a:lnRef>
-          <a:fillRef idx="0">
-            <a:schemeClr val="accent4"/>
-          </a:fillRef>
-          <a:effectRef idx="1">
-            <a:schemeClr val="accent4"/>
-          </a:effectRef>
-          <a:fontRef idx="minor">
-            <a:schemeClr val="tx1"/>
-          </a:fontRef>
-        </p:style>
-      </p:cxnSp>
-      <p:cxnSp>
-        <p:nvCxnSpPr>
-          <p:cNvPr id="86" name="Straight Connector 85"/>
-          <p:cNvCxnSpPr/>
-          <p:nvPr/>
-        </p:nvCxnSpPr>
-        <p:spPr>
-          <a:xfrm flipV="1">
-            <a:off x="4394404" y="3722610"/>
-            <a:ext cx="0" cy="399794"/>
-          </a:xfrm>
-          <a:prstGeom prst="line">
-            <a:avLst/>
-          </a:prstGeom>
-          <a:ln w="76200" cmpd="sng">
-            <a:solidFill>
-              <a:srgbClr val="660066"/>
-            </a:solidFill>
-          </a:ln>
-          <a:effectLst/>
-        </p:spPr>
-        <p:style>
-          <a:lnRef idx="2">
-            <a:schemeClr val="accent1"/>
-          </a:lnRef>
-          <a:fillRef idx="0">
-            <a:schemeClr val="accent1"/>
-          </a:fillRef>
-          <a:effectRef idx="1">
-            <a:schemeClr val="accent1"/>
-          </a:effectRef>
-          <a:fontRef idx="minor">
-            <a:schemeClr val="tx1"/>
-          </a:fontRef>
-        </p:style>
-      </p:cxnSp>
-      <p:sp>
-        <p:nvSpPr>
-          <p:cNvPr id="100" name="TextBox 99"/>
-          <p:cNvSpPr txBox="1"/>
-          <p:nvPr/>
-        </p:nvSpPr>
-        <p:spPr>
-          <a:xfrm>
-            <a:off x="594564" y="4629110"/>
-            <a:ext cx="6678481" cy="307777"/>
-          </a:xfrm>
-          <a:prstGeom prst="rect">
-            <a:avLst/>
-          </a:prstGeom>
-          <a:noFill/>
-        </p:spPr>
-        <p:txBody>
-          <a:bodyPr wrap="none" rtlCol="0">
-            <a:spAutoFit/>
-          </a:bodyPr>
-          <a:lstStyle/>
-          <a:p>
-            <a:r>
-              <a:rPr lang="en-US" sz="1400" dirty="0" smtClean="0"/>
-              <a:t>1 thread (CPU4) keeps polling whether there is a external interrupt </a:t>
-            </a:r>
-            <a:r>
-              <a:rPr lang="en-US" sz="1400" dirty="0" smtClean="0"/>
-              <a:t>(e.g. new </a:t>
-            </a:r>
-            <a:r>
-              <a:rPr lang="en-US" sz="1400" dirty="0" smtClean="0"/>
-              <a:t>task </a:t>
-            </a:r>
-            <a:r>
-              <a:rPr lang="en-US" sz="1400" dirty="0" smtClean="0"/>
-              <a:t>comes)</a:t>
-            </a:r>
-            <a:endParaRPr lang="en-US" sz="1400" dirty="0"/>
-          </a:p>
-        </p:txBody>
-      </p:sp>
-      <p:cxnSp>
-        <p:nvCxnSpPr>
-          <p:cNvPr id="101" name="Straight Connector 100"/>
-          <p:cNvCxnSpPr/>
-          <p:nvPr/>
-        </p:nvCxnSpPr>
-        <p:spPr>
-          <a:xfrm flipV="1">
-            <a:off x="5252138" y="3094468"/>
-            <a:ext cx="0" cy="399794"/>
-          </a:xfrm>
-          <a:prstGeom prst="line">
-            <a:avLst/>
-          </a:prstGeom>
-          <a:ln w="76200" cmpd="sng">
-            <a:solidFill>
-              <a:srgbClr val="FF0000"/>
-            </a:solidFill>
-          </a:ln>
-          <a:effectLst/>
-        </p:spPr>
-        <p:style>
-          <a:lnRef idx="2">
-            <a:schemeClr val="accent1"/>
-          </a:lnRef>
-          <a:fillRef idx="0">
-            <a:schemeClr val="accent1"/>
-          </a:fillRef>
-          <a:effectRef idx="1">
-            <a:schemeClr val="accent1"/>
-          </a:effectRef>
-          <a:fontRef idx="minor">
-            <a:schemeClr val="tx1"/>
-          </a:fontRef>
-        </p:style>
-      </p:cxnSp>
-      <p:cxnSp>
-        <p:nvCxnSpPr>
-          <p:cNvPr id="102" name="Straight Connector 101"/>
-          <p:cNvCxnSpPr/>
-          <p:nvPr/>
-        </p:nvCxnSpPr>
-        <p:spPr>
-          <a:xfrm flipV="1">
-            <a:off x="7270863" y="3094468"/>
-            <a:ext cx="0" cy="399794"/>
-          </a:xfrm>
-          <a:prstGeom prst="line">
-            <a:avLst/>
-          </a:prstGeom>
-          <a:ln w="76200" cmpd="sng">
-            <a:solidFill>
-              <a:srgbClr val="FF0000"/>
-            </a:solidFill>
-          </a:ln>
-          <a:effectLst/>
-        </p:spPr>
-        <p:style>
-          <a:lnRef idx="2">
-            <a:schemeClr val="accent1"/>
-          </a:lnRef>
-          <a:fillRef idx="0">
-            <a:schemeClr val="accent1"/>
-          </a:fillRef>
-          <a:effectRef idx="1">
-            <a:schemeClr val="accent1"/>
-          </a:effectRef>
-          <a:fontRef idx="minor">
-            <a:schemeClr val="tx1"/>
-          </a:fontRef>
-        </p:style>
-      </p:cxnSp>
-      <p:cxnSp>
-        <p:nvCxnSpPr>
-          <p:cNvPr id="103" name="Straight Connector 102"/>
-          <p:cNvCxnSpPr/>
-          <p:nvPr/>
-        </p:nvCxnSpPr>
-        <p:spPr>
-          <a:xfrm flipV="1">
-            <a:off x="7200676" y="3094468"/>
-            <a:ext cx="0" cy="399794"/>
-          </a:xfrm>
-          <a:prstGeom prst="line">
-            <a:avLst/>
-          </a:prstGeom>
-          <a:ln w="76200" cmpd="sng">
-            <a:solidFill>
-              <a:schemeClr val="accent6"/>
-            </a:solidFill>
-          </a:ln>
-          <a:effectLst/>
-        </p:spPr>
-        <p:style>
-          <a:lnRef idx="2">
-            <a:schemeClr val="accent1"/>
-          </a:lnRef>
-          <a:fillRef idx="0">
-            <a:schemeClr val="accent1"/>
-          </a:fillRef>
-          <a:effectRef idx="1">
-            <a:schemeClr val="accent1"/>
-          </a:effectRef>
-          <a:fontRef idx="minor">
-            <a:schemeClr val="tx1"/>
-          </a:fontRef>
-        </p:style>
-      </p:cxnSp>
-      <p:cxnSp>
-        <p:nvCxnSpPr>
-          <p:cNvPr id="104" name="Straight Connector 103"/>
-          <p:cNvCxnSpPr/>
-          <p:nvPr/>
-        </p:nvCxnSpPr>
-        <p:spPr>
-          <a:xfrm flipV="1">
-            <a:off x="5317603" y="3098289"/>
-            <a:ext cx="0" cy="399794"/>
-          </a:xfrm>
-          <a:prstGeom prst="line">
-            <a:avLst/>
-          </a:prstGeom>
-          <a:ln w="76200" cmpd="sng">
-            <a:solidFill>
-              <a:schemeClr val="accent6"/>
-            </a:solidFill>
-          </a:ln>
-          <a:effectLst/>
-        </p:spPr>
-        <p:style>
-          <a:lnRef idx="2">
-            <a:schemeClr val="accent1"/>
-          </a:lnRef>
-          <a:fillRef idx="0">
-            <a:schemeClr val="accent1"/>
-          </a:fillRef>
-          <a:effectRef idx="1">
-            <a:schemeClr val="accent1"/>
-          </a:effectRef>
-          <a:fontRef idx="minor">
-            <a:schemeClr val="tx1"/>
-          </a:fontRef>
-        </p:style>
-      </p:cxnSp>
-      <p:cxnSp>
-        <p:nvCxnSpPr>
-          <p:cNvPr id="114" name="Curved Connector 113"/>
-          <p:cNvCxnSpPr>
-            <a:endCxn id="11" idx="3"/>
-          </p:cNvCxnSpPr>
-          <p:nvPr/>
-        </p:nvCxnSpPr>
-        <p:spPr>
-          <a:xfrm rot="10800000">
-            <a:off x="2870404" y="1652511"/>
-            <a:ext cx="2381734" cy="1548677"/>
-          </a:xfrm>
-          <a:prstGeom prst="curvedConnector3">
-            <a:avLst>
-              <a:gd name="adj1" fmla="val 5471"/>
-            </a:avLst>
-          </a:prstGeom>
-          <a:ln w="57150" cmpd="sng">
-            <a:solidFill>
-              <a:srgbClr val="FF0000"/>
-            </a:solidFill>
-            <a:tailEnd type="arrow"/>
-          </a:ln>
-        </p:spPr>
-        <p:style>
-          <a:lnRef idx="2">
-            <a:schemeClr val="accent1"/>
-          </a:lnRef>
-          <a:fillRef idx="0">
-            <a:schemeClr val="accent1"/>
-          </a:fillRef>
-          <a:effectRef idx="1">
-            <a:schemeClr val="accent1"/>
-          </a:effectRef>
-          <a:fontRef idx="minor">
-            <a:schemeClr val="tx1"/>
-          </a:fontRef>
-        </p:style>
-      </p:cxnSp>
-      <p:cxnSp>
-        <p:nvCxnSpPr>
-          <p:cNvPr id="124" name="Straight Connector 123"/>
-          <p:cNvCxnSpPr/>
-          <p:nvPr/>
-        </p:nvCxnSpPr>
-        <p:spPr>
-          <a:xfrm flipV="1">
-            <a:off x="4360004" y="3722610"/>
-            <a:ext cx="0" cy="399794"/>
-          </a:xfrm>
-          <a:prstGeom prst="line">
-            <a:avLst/>
-          </a:prstGeom>
-          <a:ln w="76200" cmpd="sng">
-            <a:solidFill>
-              <a:srgbClr val="0000FF"/>
-            </a:solidFill>
-          </a:ln>
-          <a:effectLst/>
-        </p:spPr>
-        <p:style>
-          <a:lnRef idx="2">
-            <a:schemeClr val="accent1"/>
-          </a:lnRef>
-          <a:fillRef idx="0">
-            <a:schemeClr val="accent1"/>
-          </a:fillRef>
-          <a:effectRef idx="1">
-            <a:schemeClr val="accent1"/>
-          </a:effectRef>
-          <a:fontRef idx="minor">
-            <a:schemeClr val="tx1"/>
-          </a:fontRef>
-        </p:style>
-      </p:cxnSp>
-      <p:cxnSp>
-        <p:nvCxnSpPr>
-          <p:cNvPr id="125" name="Curved Connector 124"/>
-          <p:cNvCxnSpPr>
-            <a:endCxn id="11" idx="3"/>
-          </p:cNvCxnSpPr>
-          <p:nvPr/>
-        </p:nvCxnSpPr>
-        <p:spPr>
-          <a:xfrm rot="10800000">
-            <a:off x="2870404" y="1652511"/>
-            <a:ext cx="4237800" cy="1445781"/>
-          </a:xfrm>
-          <a:prstGeom prst="curvedConnector3">
-            <a:avLst>
-              <a:gd name="adj1" fmla="val 1802"/>
-            </a:avLst>
-          </a:prstGeom>
-          <a:ln w="57150" cmpd="sng">
-            <a:solidFill>
-              <a:srgbClr val="F79646"/>
-            </a:solidFill>
-            <a:tailEnd type="arrow"/>
-          </a:ln>
-        </p:spPr>
-        <p:style>
-          <a:lnRef idx="2">
-            <a:schemeClr val="accent1"/>
-          </a:lnRef>
-          <a:fillRef idx="0">
-            <a:schemeClr val="accent1"/>
-          </a:fillRef>
-          <a:effectRef idx="1">
-            <a:schemeClr val="accent1"/>
-          </a:effectRef>
-          <a:fontRef idx="minor">
-            <a:schemeClr val="tx1"/>
-          </a:fontRef>
-        </p:style>
-      </p:cxnSp>
-      <p:cxnSp>
-        <p:nvCxnSpPr>
-          <p:cNvPr id="135" name="Straight Arrow Connector 134"/>
-          <p:cNvCxnSpPr/>
-          <p:nvPr/>
-        </p:nvCxnSpPr>
-        <p:spPr>
-          <a:xfrm>
-            <a:off x="3025527" y="2256275"/>
-            <a:ext cx="250763" cy="185436"/>
-          </a:xfrm>
-          <a:prstGeom prst="straightConnector1">
-            <a:avLst/>
-          </a:prstGeom>
-          <a:ln>
-            <a:tailEnd type="arrow"/>
-          </a:ln>
-        </p:spPr>
-        <p:style>
-          <a:lnRef idx="2">
-            <a:schemeClr val="accent1"/>
-          </a:lnRef>
-          <a:fillRef idx="0">
-            <a:schemeClr val="accent1"/>
-          </a:fillRef>
-          <a:effectRef idx="1">
-            <a:schemeClr val="accent1"/>
-          </a:effectRef>
-          <a:fontRef idx="minor">
-            <a:schemeClr val="tx1"/>
-          </a:fontRef>
-        </p:style>
-      </p:cxnSp>
-      <p:cxnSp>
-        <p:nvCxnSpPr>
-          <p:cNvPr id="137" name="Straight Arrow Connector 136"/>
-          <p:cNvCxnSpPr/>
-          <p:nvPr/>
-        </p:nvCxnSpPr>
-        <p:spPr>
-          <a:xfrm>
-            <a:off x="3026359" y="3098293"/>
-            <a:ext cx="250763" cy="185436"/>
-          </a:xfrm>
-          <a:prstGeom prst="straightConnector1">
-            <a:avLst/>
-          </a:prstGeom>
-          <a:ln>
-            <a:tailEnd type="arrow"/>
-          </a:ln>
-        </p:spPr>
-        <p:style>
-          <a:lnRef idx="2">
-            <a:schemeClr val="accent1"/>
-          </a:lnRef>
-          <a:fillRef idx="0">
-            <a:schemeClr val="accent1"/>
-          </a:fillRef>
-          <a:effectRef idx="1">
-            <a:schemeClr val="accent1"/>
-          </a:effectRef>
-          <a:fontRef idx="minor">
-            <a:schemeClr val="tx1"/>
-          </a:fontRef>
-        </p:style>
-      </p:cxnSp>
-      <p:cxnSp>
-        <p:nvCxnSpPr>
-          <p:cNvPr id="138" name="Straight Arrow Connector 137"/>
-          <p:cNvCxnSpPr/>
-          <p:nvPr/>
-        </p:nvCxnSpPr>
-        <p:spPr>
-          <a:xfrm>
-            <a:off x="3026359" y="3759954"/>
-            <a:ext cx="250763" cy="185436"/>
-          </a:xfrm>
-          <a:prstGeom prst="straightConnector1">
-            <a:avLst/>
-          </a:prstGeom>
-          <a:ln>
-            <a:tailEnd type="arrow"/>
-          </a:ln>
-        </p:spPr>
-        <p:style>
-          <a:lnRef idx="2">
-            <a:schemeClr val="accent1"/>
-          </a:lnRef>
-          <a:fillRef idx="0">
-            <a:schemeClr val="accent1"/>
-          </a:fillRef>
-          <a:effectRef idx="1">
-            <a:schemeClr val="accent1"/>
-          </a:effectRef>
-          <a:fontRef idx="minor">
-            <a:schemeClr val="tx1"/>
-          </a:fontRef>
-        </p:style>
-      </p:cxnSp>
-      <p:sp>
-        <p:nvSpPr>
-          <p:cNvPr id="139" name="TextBox 138"/>
-          <p:cNvSpPr txBox="1"/>
-          <p:nvPr/>
-        </p:nvSpPr>
-        <p:spPr>
-          <a:xfrm>
-            <a:off x="1541485" y="2707377"/>
-            <a:ext cx="1609567" cy="430887"/>
-          </a:xfrm>
-          <a:prstGeom prst="rect">
-            <a:avLst/>
-          </a:prstGeom>
-          <a:noFill/>
-        </p:spPr>
-        <p:txBody>
-          <a:bodyPr wrap="none" rtlCol="0">
-            <a:spAutoFit/>
-          </a:bodyPr>
-          <a:lstStyle/>
-          <a:p>
-            <a:pPr algn="r"/>
-            <a:r>
-              <a:rPr lang="en-US" sz="1100" dirty="0" smtClean="0">
-                <a:solidFill>
-                  <a:schemeClr val="accent1"/>
-                </a:solidFill>
+            <a:pPr marL="342900" indent="-342900">
+              <a:buFont typeface="Arial"/>
+              <a:buChar char="•"/>
+            </a:pPr>
+            <a:r>
+              <a:rPr lang="en-US" sz="2400" dirty="0" smtClean="0">
+                <a:latin typeface="Times"/>
+                <a:cs typeface="Times"/>
               </a:rPr>
-              <a:t>check if </a:t>
-            </a:r>
-            <a:r>
-              <a:rPr lang="en-US" sz="1100" dirty="0" err="1" smtClean="0">
-                <a:solidFill>
-                  <a:schemeClr val="accent1"/>
-                </a:solidFill>
+              <a:t>Scheduler</a:t>
+            </a:r>
+          </a:p>
+          <a:p>
+            <a:pPr lvl="1"/>
+            <a:r>
+              <a:rPr lang="en-US" sz="2400" dirty="0">
+                <a:latin typeface="Times"/>
+                <a:cs typeface="Times"/>
               </a:rPr>
-              <a:t>time_slice</a:t>
-            </a:r>
-            <a:r>
-              <a:rPr lang="en-US" sz="1100" dirty="0" smtClean="0">
-                <a:solidFill>
-                  <a:schemeClr val="accent1"/>
-                </a:solidFill>
+              <a:t>	</a:t>
+            </a:r>
+            <a:r>
+              <a:rPr lang="en-US" sz="2400" dirty="0" smtClean="0">
+                <a:latin typeface="Times"/>
+                <a:cs typeface="Times"/>
               </a:rPr>
-              <a:t> is out</a:t>
-            </a:r>
-          </a:p>
-          <a:p>
-            <a:pPr algn="r"/>
-            <a:r>
-              <a:rPr lang="en-US" sz="1100" b="1" dirty="0" smtClean="0">
-                <a:solidFill>
-                  <a:schemeClr val="accent1"/>
-                </a:solidFill>
+              <a:t>Allocate </a:t>
+            </a:r>
+            <a:r>
+              <a:rPr lang="en-US" sz="2000" dirty="0" smtClean="0">
+                <a:latin typeface="Times"/>
+                <a:cs typeface="Times"/>
               </a:rPr>
-              <a:t>not out yet!</a:t>
-            </a:r>
-            <a:endParaRPr lang="en-US" sz="1100" b="1" dirty="0">
-              <a:solidFill>
-                <a:schemeClr val="accent1"/>
-              </a:solidFill>
+              <a:t>CPU resources to tasks</a:t>
+            </a:r>
+            <a:endParaRPr lang="en-US" sz="2400" dirty="0">
+              <a:latin typeface="Times"/>
+              <a:cs typeface="Times"/>
             </a:endParaRPr>
           </a:p>
-        </p:txBody>
-      </p:sp>
-      <p:cxnSp>
-        <p:nvCxnSpPr>
-          <p:cNvPr id="41" name="Curved Connector 40"/>
-          <p:cNvCxnSpPr>
-            <a:stCxn id="11" idx="3"/>
-          </p:cNvCxnSpPr>
-          <p:nvPr/>
-        </p:nvCxnSpPr>
-        <p:spPr>
-          <a:xfrm>
-            <a:off x="2870404" y="1652510"/>
-            <a:ext cx="1524001" cy="2322574"/>
-          </a:xfrm>
-          <a:prstGeom prst="curvedConnector2">
-            <a:avLst/>
-          </a:prstGeom>
-          <a:ln w="57150" cmpd="sng">
-            <a:solidFill>
-              <a:srgbClr val="660066"/>
-            </a:solidFill>
-            <a:tailEnd type="arrow"/>
-          </a:ln>
-        </p:spPr>
-        <p:style>
-          <a:lnRef idx="2">
-            <a:schemeClr val="accent1"/>
-          </a:lnRef>
-          <a:fillRef idx="0">
-            <a:schemeClr val="accent1"/>
-          </a:fillRef>
-          <a:effectRef idx="1">
-            <a:schemeClr val="accent1"/>
-          </a:effectRef>
-          <a:fontRef idx="minor">
-            <a:schemeClr val="tx1"/>
-          </a:fontRef>
-        </p:style>
-      </p:cxnSp>
-      <p:cxnSp>
-        <p:nvCxnSpPr>
-          <p:cNvPr id="105" name="Curved Connector 104"/>
-          <p:cNvCxnSpPr>
-            <a:stCxn id="11" idx="3"/>
-          </p:cNvCxnSpPr>
-          <p:nvPr/>
-        </p:nvCxnSpPr>
-        <p:spPr>
-          <a:xfrm>
-            <a:off x="2870404" y="1652510"/>
-            <a:ext cx="2381734" cy="1441958"/>
-          </a:xfrm>
-          <a:prstGeom prst="curvedConnector3">
-            <a:avLst>
-              <a:gd name="adj1" fmla="val 99476"/>
-            </a:avLst>
-          </a:prstGeom>
-          <a:ln w="57150" cmpd="sng">
-            <a:solidFill>
-              <a:srgbClr val="F79646"/>
-            </a:solidFill>
-            <a:tailEnd type="arrow"/>
-          </a:ln>
-        </p:spPr>
-        <p:style>
-          <a:lnRef idx="2">
-            <a:schemeClr val="accent1"/>
-          </a:lnRef>
-          <a:fillRef idx="0">
-            <a:schemeClr val="accent1"/>
-          </a:fillRef>
-          <a:effectRef idx="1">
-            <a:schemeClr val="accent1"/>
-          </a:effectRef>
-          <a:fontRef idx="minor">
-            <a:schemeClr val="tx1"/>
-          </a:fontRef>
-        </p:style>
-      </p:cxnSp>
-      <p:cxnSp>
-        <p:nvCxnSpPr>
-          <p:cNvPr id="130" name="Curved Connector 129"/>
-          <p:cNvCxnSpPr>
-            <a:stCxn id="11" idx="3"/>
-          </p:cNvCxnSpPr>
-          <p:nvPr/>
-        </p:nvCxnSpPr>
-        <p:spPr>
-          <a:xfrm>
-            <a:off x="2870404" y="1652510"/>
-            <a:ext cx="4400459" cy="1384301"/>
-          </a:xfrm>
-          <a:prstGeom prst="curvedConnector3">
-            <a:avLst>
-              <a:gd name="adj1" fmla="val 99690"/>
-            </a:avLst>
-          </a:prstGeom>
-          <a:ln w="57150" cmpd="sng">
-            <a:solidFill>
-              <a:srgbClr val="FF0000"/>
-            </a:solidFill>
-            <a:tailEnd type="arrow"/>
-          </a:ln>
-        </p:spPr>
-        <p:style>
-          <a:lnRef idx="2">
-            <a:schemeClr val="accent1"/>
-          </a:lnRef>
-          <a:fillRef idx="0">
-            <a:schemeClr val="accent1"/>
-          </a:fillRef>
-          <a:effectRef idx="1">
-            <a:schemeClr val="accent1"/>
-          </a:effectRef>
-          <a:fontRef idx="minor">
-            <a:schemeClr val="tx1"/>
-          </a:fontRef>
-        </p:style>
-      </p:cxnSp>
-      <p:sp>
-        <p:nvSpPr>
-          <p:cNvPr id="141" name="TextBox 140"/>
-          <p:cNvSpPr txBox="1"/>
-          <p:nvPr/>
-        </p:nvSpPr>
-        <p:spPr>
-          <a:xfrm>
-            <a:off x="4543666" y="2819431"/>
-            <a:ext cx="553858" cy="261610"/>
-          </a:xfrm>
-          <a:prstGeom prst="rect">
-            <a:avLst/>
-          </a:prstGeom>
-          <a:noFill/>
-        </p:spPr>
-        <p:txBody>
-          <a:bodyPr wrap="none" rtlCol="0">
-            <a:spAutoFit/>
-          </a:bodyPr>
-          <a:lstStyle/>
-          <a:p>
-            <a:r>
-              <a:rPr lang="en-US" sz="1100" b="1" dirty="0" smtClean="0">
-                <a:solidFill>
-                  <a:srgbClr val="4F81BD"/>
-                </a:solidFill>
+          <a:p>
+            <a:pPr marL="342900" indent="-342900">
+              <a:buFont typeface="Arial"/>
+              <a:buChar char="•"/>
+            </a:pPr>
+            <a:endParaRPr lang="en-US" sz="2400" dirty="0" smtClean="0">
+              <a:latin typeface="Times"/>
+              <a:cs typeface="Times"/>
+            </a:endParaRPr>
+          </a:p>
+          <a:p>
+            <a:pPr marL="342900" indent="-342900">
+              <a:buFont typeface="Arial"/>
+              <a:buChar char="•"/>
+            </a:pPr>
+            <a:r>
+              <a:rPr lang="en-US" sz="2400" dirty="0" smtClean="0">
+                <a:latin typeface="Times"/>
+                <a:cs typeface="Times"/>
               </a:rPr>
-              <a:t>is out!</a:t>
-            </a:r>
-            <a:endParaRPr lang="en-US" sz="1100" b="1" dirty="0">
-              <a:solidFill>
-                <a:srgbClr val="4F81BD"/>
-              </a:solidFill>
+              <a:t>Problems?</a:t>
+            </a:r>
+          </a:p>
+          <a:p>
+            <a:pPr lvl="1"/>
+            <a:r>
+              <a:rPr lang="en-US" sz="2000" dirty="0">
+                <a:latin typeface="Times"/>
+                <a:cs typeface="Times"/>
+              </a:rPr>
+              <a:t>	D</a:t>
+            </a:r>
+            <a:r>
+              <a:rPr lang="en-US" sz="2000" dirty="0" smtClean="0">
+                <a:latin typeface="Times"/>
+                <a:cs typeface="Times"/>
+              </a:rPr>
+              <a:t>ifferent types </a:t>
+            </a:r>
+            <a:r>
+              <a:rPr lang="en-US" sz="2000" dirty="0">
+                <a:latin typeface="Times"/>
+                <a:cs typeface="Times"/>
+              </a:rPr>
+              <a:t>of </a:t>
+            </a:r>
+            <a:r>
+              <a:rPr lang="en-US" sz="2000" dirty="0" smtClean="0">
+                <a:latin typeface="Times"/>
+                <a:cs typeface="Times"/>
+              </a:rPr>
+              <a:t>tasks</a:t>
+            </a:r>
+            <a:endParaRPr lang="en-US" sz="2400" dirty="0" smtClean="0">
+              <a:latin typeface="Times"/>
+              <a:cs typeface="Times"/>
             </a:endParaRPr>
           </a:p>
-        </p:txBody>
-      </p:sp>
-      <p:cxnSp>
-        <p:nvCxnSpPr>
-          <p:cNvPr id="142" name="Straight Arrow Connector 141"/>
-          <p:cNvCxnSpPr/>
-          <p:nvPr/>
-        </p:nvCxnSpPr>
-        <p:spPr>
-          <a:xfrm>
-            <a:off x="4947263" y="3047569"/>
-            <a:ext cx="250763" cy="185436"/>
-          </a:xfrm>
-          <a:prstGeom prst="straightConnector1">
-            <a:avLst/>
-          </a:prstGeom>
-          <a:ln>
-            <a:tailEnd type="arrow"/>
-          </a:ln>
-        </p:spPr>
-        <p:style>
-          <a:lnRef idx="2">
-            <a:schemeClr val="accent1"/>
-          </a:lnRef>
-          <a:fillRef idx="0">
-            <a:schemeClr val="accent1"/>
-          </a:fillRef>
-          <a:effectRef idx="1">
-            <a:schemeClr val="accent1"/>
-          </a:effectRef>
-          <a:fontRef idx="minor">
-            <a:schemeClr val="tx1"/>
-          </a:fontRef>
-        </p:style>
-      </p:cxnSp>
-      <p:sp>
-        <p:nvSpPr>
-          <p:cNvPr id="166" name="TextBox 165"/>
-          <p:cNvSpPr txBox="1"/>
-          <p:nvPr/>
-        </p:nvSpPr>
-        <p:spPr>
-          <a:xfrm>
-            <a:off x="2902937" y="3271937"/>
-            <a:ext cx="766143" cy="261610"/>
-          </a:xfrm>
-          <a:prstGeom prst="rect">
-            <a:avLst/>
-          </a:prstGeom>
-          <a:noFill/>
-        </p:spPr>
-        <p:txBody>
-          <a:bodyPr wrap="none" rtlCol="0">
-            <a:spAutoFit/>
-          </a:bodyPr>
-          <a:lstStyle/>
-          <a:p>
-            <a:r>
-              <a:rPr lang="en-US" sz="1100" dirty="0" err="1" smtClean="0">
-                <a:solidFill>
-                  <a:srgbClr val="FF0000"/>
-                </a:solidFill>
+          <a:p>
+            <a:pPr marL="342900" indent="-342900">
+              <a:buFont typeface="Arial"/>
+              <a:buChar char="•"/>
+            </a:pPr>
+            <a:endParaRPr lang="en-US" sz="2400" dirty="0" smtClean="0">
+              <a:latin typeface="Times"/>
+              <a:cs typeface="Times"/>
+            </a:endParaRPr>
+          </a:p>
+          <a:p>
+            <a:pPr marL="342900" indent="-342900">
+              <a:buFont typeface="Arial"/>
+              <a:buChar char="•"/>
+            </a:pPr>
+            <a:r>
+              <a:rPr lang="en-US" sz="2400" dirty="0" smtClean="0">
+                <a:latin typeface="Times"/>
+                <a:cs typeface="Times"/>
               </a:rPr>
-              <a:t>time_slice</a:t>
-            </a:r>
-            <a:endParaRPr lang="en-US" sz="1100" dirty="0" smtClean="0">
+              <a:t>Solutions </a:t>
+            </a:r>
+          </a:p>
+          <a:p>
+            <a:pPr lvl="1"/>
+            <a:r>
+              <a:rPr lang="en-US" sz="2400" dirty="0" smtClean="0">
+                <a:latin typeface="Times"/>
+                <a:cs typeface="Times"/>
+              </a:rPr>
+              <a:t>	</a:t>
+            </a:r>
+            <a:r>
+              <a:rPr lang="en-US" sz="1900" dirty="0" smtClean="0">
+                <a:latin typeface="Times"/>
+                <a:cs typeface="Times"/>
+              </a:rPr>
+              <a:t>virtual runtime += </a:t>
+            </a:r>
+            <a:r>
+              <a:rPr lang="en-US" sz="1900" dirty="0">
+                <a:latin typeface="Times"/>
+                <a:cs typeface="Times"/>
+              </a:rPr>
+              <a:t>t</a:t>
+            </a:r>
+            <a:r>
+              <a:rPr lang="en-US" sz="1900" dirty="0" smtClean="0">
+                <a:latin typeface="Times"/>
+                <a:cs typeface="Times"/>
+              </a:rPr>
+              <a:t>ime slice (changed by priority and nice value)</a:t>
+            </a:r>
+            <a:endParaRPr lang="en-US" sz="1900" dirty="0" smtClean="0">
               <a:solidFill>
                 <a:srgbClr val="FF0000"/>
               </a:solidFill>
+              <a:latin typeface="Times"/>
+              <a:cs typeface="Times"/>
             </a:endParaRPr>
           </a:p>
-        </p:txBody>
-      </p:sp>
-      <p:cxnSp>
-        <p:nvCxnSpPr>
-          <p:cNvPr id="168" name="Straight Arrow Connector 167"/>
-          <p:cNvCxnSpPr>
-            <a:stCxn id="166" idx="1"/>
-          </p:cNvCxnSpPr>
-          <p:nvPr/>
-        </p:nvCxnSpPr>
-        <p:spPr>
-          <a:xfrm flipH="1">
-            <a:off x="1471965" y="3402742"/>
-            <a:ext cx="1430972" cy="0"/>
-          </a:xfrm>
-          <a:prstGeom prst="straightConnector1">
-            <a:avLst/>
-          </a:prstGeom>
-          <a:ln>
-            <a:solidFill>
-              <a:srgbClr val="FF0000"/>
-            </a:solidFill>
-            <a:prstDash val="dash"/>
-            <a:tailEnd type="arrow"/>
-          </a:ln>
-        </p:spPr>
-        <p:style>
-          <a:lnRef idx="2">
-            <a:schemeClr val="accent1"/>
-          </a:lnRef>
-          <a:fillRef idx="0">
-            <a:schemeClr val="accent1"/>
-          </a:fillRef>
-          <a:effectRef idx="1">
-            <a:schemeClr val="accent1"/>
-          </a:effectRef>
-          <a:fontRef idx="minor">
-            <a:schemeClr val="tx1"/>
-          </a:fontRef>
-        </p:style>
-      </p:cxnSp>
-      <p:cxnSp>
-        <p:nvCxnSpPr>
-          <p:cNvPr id="170" name="Straight Arrow Connector 169"/>
-          <p:cNvCxnSpPr>
-            <a:stCxn id="166" idx="3"/>
-          </p:cNvCxnSpPr>
-          <p:nvPr/>
-        </p:nvCxnSpPr>
-        <p:spPr>
-          <a:xfrm>
-            <a:off x="3669080" y="3402742"/>
-            <a:ext cx="1574506" cy="0"/>
-          </a:xfrm>
-          <a:prstGeom prst="straightConnector1">
-            <a:avLst/>
-          </a:prstGeom>
-          <a:ln>
-            <a:solidFill>
-              <a:srgbClr val="FF0000"/>
-            </a:solidFill>
-            <a:prstDash val="dash"/>
-            <a:tailEnd type="arrow"/>
-          </a:ln>
-        </p:spPr>
-        <p:style>
-          <a:lnRef idx="2">
-            <a:schemeClr val="accent1"/>
-          </a:lnRef>
-          <a:fillRef idx="0">
-            <a:schemeClr val="accent1"/>
-          </a:fillRef>
-          <a:effectRef idx="1">
-            <a:schemeClr val="accent1"/>
-          </a:effectRef>
-          <a:fontRef idx="minor">
-            <a:schemeClr val="tx1"/>
-          </a:fontRef>
-        </p:style>
-      </p:cxnSp>
-      <p:sp>
-        <p:nvSpPr>
-          <p:cNvPr id="182" name="TextBox 181"/>
-          <p:cNvSpPr txBox="1"/>
-          <p:nvPr/>
-        </p:nvSpPr>
-        <p:spPr>
-          <a:xfrm>
-            <a:off x="1221" y="314770"/>
-            <a:ext cx="9142779" cy="769441"/>
-          </a:xfrm>
-          <a:prstGeom prst="rect">
-            <a:avLst/>
-          </a:prstGeom>
-          <a:noFill/>
-        </p:spPr>
-        <p:txBody>
-          <a:bodyPr wrap="square" rtlCol="0">
-            <a:spAutoFit/>
-          </a:bodyPr>
-          <a:lstStyle/>
-          <a:p>
-            <a:pPr algn="ctr"/>
-            <a:r>
-              <a:rPr lang="en-US" sz="4400" b="1" dirty="0" smtClean="0"/>
-              <a:t>Linux-like CFS scheduler simulator</a:t>
-            </a:r>
-            <a:endParaRPr lang="en-US" sz="4400" b="1" dirty="0"/>
-          </a:p>
-        </p:txBody>
-      </p:sp>
-      <p:sp>
-        <p:nvSpPr>
-          <p:cNvPr id="183" name="TextBox 182"/>
-          <p:cNvSpPr txBox="1"/>
-          <p:nvPr/>
-        </p:nvSpPr>
-        <p:spPr>
-          <a:xfrm>
-            <a:off x="7944580" y="4455265"/>
-            <a:ext cx="446131" cy="261610"/>
-          </a:xfrm>
-          <a:prstGeom prst="rect">
-            <a:avLst/>
-          </a:prstGeom>
-          <a:noFill/>
-        </p:spPr>
-        <p:txBody>
-          <a:bodyPr wrap="none" rtlCol="0">
-            <a:spAutoFit/>
-          </a:bodyPr>
-          <a:lstStyle/>
-          <a:p>
-            <a:r>
-              <a:rPr lang="en-US" sz="1100" dirty="0" smtClean="0">
-                <a:solidFill>
-                  <a:srgbClr val="4F81BD"/>
-                </a:solidFill>
-              </a:rPr>
-              <a:t>time</a:t>
-            </a:r>
-            <a:endParaRPr lang="en-US" sz="1100" dirty="0">
-              <a:solidFill>
-                <a:srgbClr val="4F81BD"/>
-              </a:solidFill>
-            </a:endParaRPr>
-          </a:p>
-        </p:txBody>
-      </p:sp>
-      <p:sp>
-        <p:nvSpPr>
-          <p:cNvPr id="184" name="TextBox 183"/>
-          <p:cNvSpPr txBox="1"/>
-          <p:nvPr/>
-        </p:nvSpPr>
-        <p:spPr>
-          <a:xfrm>
-            <a:off x="8055277" y="2413285"/>
-            <a:ext cx="518247" cy="261610"/>
-          </a:xfrm>
-          <a:prstGeom prst="rect">
-            <a:avLst/>
-          </a:prstGeom>
-          <a:noFill/>
-          <a:ln>
-            <a:noFill/>
-          </a:ln>
-        </p:spPr>
-        <p:txBody>
-          <a:bodyPr wrap="none" rtlCol="0">
-            <a:spAutoFit/>
-          </a:bodyPr>
-          <a:lstStyle/>
-          <a:p>
-            <a:r>
-              <a:rPr lang="en-US" sz="1100" dirty="0" smtClean="0">
-                <a:solidFill>
-                  <a:srgbClr val="008000"/>
-                </a:solidFill>
-              </a:rPr>
-              <a:t>a task</a:t>
-            </a:r>
-            <a:endParaRPr lang="en-US" sz="1100" dirty="0">
-              <a:solidFill>
-                <a:srgbClr val="008000"/>
-              </a:solidFill>
-            </a:endParaRPr>
-          </a:p>
-        </p:txBody>
-      </p:sp>
-      <p:sp>
-        <p:nvSpPr>
-          <p:cNvPr id="186" name="Rectangle 185"/>
-          <p:cNvSpPr/>
-          <p:nvPr/>
-        </p:nvSpPr>
-        <p:spPr>
-          <a:xfrm>
-            <a:off x="8043112" y="3238508"/>
-            <a:ext cx="518247" cy="261610"/>
-          </a:xfrm>
-          <a:prstGeom prst="rect">
-            <a:avLst/>
-          </a:prstGeom>
-        </p:spPr>
-        <p:txBody>
-          <a:bodyPr wrap="none">
-            <a:spAutoFit/>
-          </a:bodyPr>
-          <a:lstStyle/>
-          <a:p>
-            <a:r>
-              <a:rPr lang="en-US" sz="1100" dirty="0" smtClean="0">
-                <a:solidFill>
-                  <a:srgbClr val="FF0000"/>
-                </a:solidFill>
-              </a:rPr>
-              <a:t>a task</a:t>
-            </a:r>
-            <a:endParaRPr lang="en-US" sz="1100" dirty="0">
-              <a:solidFill>
-                <a:srgbClr val="FF0000"/>
-              </a:solidFill>
-            </a:endParaRPr>
-          </a:p>
-        </p:txBody>
-      </p:sp>
-      <p:sp>
-        <p:nvSpPr>
-          <p:cNvPr id="187" name="Rectangle 186"/>
-          <p:cNvSpPr/>
-          <p:nvPr/>
-        </p:nvSpPr>
-        <p:spPr>
-          <a:xfrm>
-            <a:off x="8055277" y="3920340"/>
-            <a:ext cx="518247" cy="261610"/>
-          </a:xfrm>
-          <a:prstGeom prst="rect">
-            <a:avLst/>
-          </a:prstGeom>
-        </p:spPr>
-        <p:txBody>
-          <a:bodyPr wrap="none">
-            <a:spAutoFit/>
-          </a:bodyPr>
-          <a:lstStyle/>
-          <a:p>
-            <a:r>
-              <a:rPr lang="en-US" sz="1100" dirty="0" smtClean="0">
-                <a:solidFill>
-                  <a:srgbClr val="660066"/>
-                </a:solidFill>
-              </a:rPr>
-              <a:t>a task</a:t>
-            </a:r>
-            <a:endParaRPr lang="en-US" sz="1100" dirty="0">
-              <a:solidFill>
-                <a:srgbClr val="660066"/>
-              </a:solidFill>
-            </a:endParaRPr>
-          </a:p>
-        </p:txBody>
-      </p:sp>
-      <p:sp>
-        <p:nvSpPr>
-          <p:cNvPr id="2" name="Rectangle 1"/>
-          <p:cNvSpPr/>
-          <p:nvPr/>
-        </p:nvSpPr>
-        <p:spPr>
-          <a:xfrm>
-            <a:off x="1009199" y="1772478"/>
-            <a:ext cx="1524263" cy="307777"/>
-          </a:xfrm>
-          <a:prstGeom prst="rect">
-            <a:avLst/>
-          </a:prstGeom>
-        </p:spPr>
-        <p:txBody>
-          <a:bodyPr wrap="none">
-            <a:spAutoFit/>
-          </a:bodyPr>
-          <a:lstStyle/>
-          <a:p>
-            <a:r>
-              <a:rPr lang="en-US" sz="1400" dirty="0" smtClean="0"/>
-              <a:t>RB-tree / AVL-tree</a:t>
-            </a:r>
-            <a:endParaRPr lang="en-US" sz="1400" dirty="0"/>
-          </a:p>
-        </p:txBody>
-      </p:sp>
-      <p:sp>
-        <p:nvSpPr>
-          <p:cNvPr id="50" name="TextBox 49"/>
-          <p:cNvSpPr txBox="1"/>
-          <p:nvPr/>
-        </p:nvSpPr>
-        <p:spPr>
-          <a:xfrm>
-            <a:off x="204981" y="5103673"/>
-            <a:ext cx="7019870" cy="1477328"/>
-          </a:xfrm>
-          <a:prstGeom prst="rect">
-            <a:avLst/>
-          </a:prstGeom>
-          <a:noFill/>
-        </p:spPr>
-        <p:txBody>
-          <a:bodyPr wrap="none" rtlCol="0">
-            <a:spAutoFit/>
-          </a:bodyPr>
-          <a:lstStyle/>
-          <a:p>
-            <a:r>
-              <a:rPr lang="en-US" b="1" dirty="0"/>
-              <a:t>Linux-like CFS simulator features</a:t>
-            </a:r>
-            <a:r>
-              <a:rPr lang="en-US" b="1" dirty="0" smtClean="0"/>
-              <a:t>:</a:t>
-            </a:r>
-            <a:endParaRPr lang="en-US" dirty="0" smtClean="0"/>
-          </a:p>
-          <a:p>
-            <a:r>
-              <a:rPr lang="en-US" dirty="0" smtClean="0"/>
-              <a:t>Simulator </a:t>
-            </a:r>
-            <a:r>
-              <a:rPr lang="en-US" dirty="0"/>
-              <a:t>features </a:t>
-            </a:r>
-            <a:r>
-              <a:rPr lang="mr-IN" dirty="0" smtClean="0"/>
-              <a:t>–</a:t>
-            </a:r>
-            <a:r>
-              <a:rPr lang="en-US" dirty="0" smtClean="0"/>
-              <a:t> </a:t>
-            </a:r>
-          </a:p>
-          <a:p>
-            <a:pPr marL="285750" indent="-285750">
+          <a:p>
+            <a:pPr marL="342900" indent="-342900">
               <a:buFont typeface="Arial"/>
               <a:buChar char="•"/>
             </a:pPr>
-            <a:r>
-              <a:rPr lang="en-US" dirty="0" smtClean="0"/>
-              <a:t>Timer </a:t>
-            </a:r>
-            <a:r>
-              <a:rPr lang="en-US" dirty="0"/>
-              <a:t>interrupt: check if </a:t>
-            </a:r>
-            <a:r>
-              <a:rPr lang="en-US" dirty="0" err="1"/>
-              <a:t>delta_exec</a:t>
-            </a:r>
-            <a:r>
-              <a:rPr lang="en-US" dirty="0"/>
-              <a:t> &gt; </a:t>
-            </a:r>
-            <a:r>
-              <a:rPr lang="en-US" dirty="0" err="1"/>
-              <a:t>time_slice</a:t>
-            </a:r>
-            <a:r>
-              <a:rPr lang="en-US" dirty="0"/>
-              <a:t>, </a:t>
-            </a:r>
-            <a:r>
-              <a:rPr lang="en-US" dirty="0" err="1"/>
-              <a:t>enq</a:t>
-            </a:r>
-            <a:r>
-              <a:rPr lang="en-US" dirty="0"/>
-              <a:t>() and then </a:t>
-            </a:r>
-            <a:r>
-              <a:rPr lang="en-US" dirty="0" err="1"/>
-              <a:t>deq</a:t>
-            </a:r>
-            <a:r>
-              <a:rPr lang="en-US" dirty="0"/>
-              <a:t>(</a:t>
-            </a:r>
-            <a:r>
-              <a:rPr lang="en-US" dirty="0" smtClean="0"/>
-              <a:t>)</a:t>
-            </a:r>
-          </a:p>
-          <a:p>
-            <a:pPr marL="285750" indent="-285750">
+            <a:endParaRPr lang="en-US" sz="2400" dirty="0" smtClean="0">
+              <a:latin typeface="Times"/>
+              <a:cs typeface="Times"/>
+            </a:endParaRPr>
+          </a:p>
+          <a:p>
+            <a:pPr marL="342900" indent="-342900">
               <a:buFont typeface="Arial"/>
               <a:buChar char="•"/>
             </a:pPr>
             <a:r>
-              <a:rPr lang="en-US" dirty="0" err="1" smtClean="0"/>
-              <a:t>thread_exit</a:t>
-            </a:r>
-            <a:r>
-              <a:rPr lang="en-US" dirty="0"/>
-              <a:t>(): when a thread finishes its </a:t>
-            </a:r>
-            <a:r>
-              <a:rPr lang="en-US" dirty="0" smtClean="0"/>
-              <a:t>jobs</a:t>
-            </a:r>
-          </a:p>
-          <a:p>
-            <a:pPr marL="285750" indent="-285750">
+              <a:rPr lang="en-US" sz="2400" dirty="0" smtClean="0">
+                <a:latin typeface="Times"/>
+                <a:cs typeface="Times"/>
+              </a:rPr>
+              <a:t>More problems?</a:t>
+            </a:r>
+          </a:p>
+          <a:p>
+            <a:pPr lvl="1"/>
+            <a:r>
+              <a:rPr lang="en-US" sz="2000" dirty="0" smtClean="0">
+                <a:latin typeface="Times"/>
+                <a:cs typeface="Times"/>
+              </a:rPr>
+              <a:t>	</a:t>
+            </a:r>
+            <a:r>
+              <a:rPr lang="en-US" sz="2000" dirty="0">
+                <a:latin typeface="Times"/>
+                <a:cs typeface="Times"/>
+              </a:rPr>
+              <a:t>T</a:t>
+            </a:r>
+            <a:r>
+              <a:rPr lang="en-US" sz="2000" dirty="0" smtClean="0">
+                <a:latin typeface="Times"/>
+                <a:cs typeface="Times"/>
+              </a:rPr>
+              <a:t>ime slice &amp; , group</a:t>
+            </a:r>
+            <a:r>
+              <a:rPr lang="en-US" sz="2000" dirty="0">
+                <a:latin typeface="Times"/>
+                <a:cs typeface="Times"/>
+              </a:rPr>
+              <a:t>, new task, </a:t>
+            </a:r>
+            <a:r>
+              <a:rPr lang="mr-IN" sz="2000" dirty="0">
+                <a:latin typeface="Times"/>
+                <a:cs typeface="Times"/>
+              </a:rPr>
+              <a:t>…</a:t>
+            </a:r>
+            <a:r>
+              <a:rPr lang="en-US" sz="2000" dirty="0">
+                <a:latin typeface="Times"/>
+                <a:cs typeface="Times"/>
+              </a:rPr>
+              <a:t> and so </a:t>
+            </a:r>
+            <a:r>
+              <a:rPr lang="en-US" sz="2000" dirty="0" smtClean="0">
+                <a:latin typeface="Times"/>
+                <a:cs typeface="Times"/>
+              </a:rPr>
+              <a:t>on</a:t>
+            </a:r>
+            <a:endParaRPr lang="en-US" sz="2400" dirty="0">
+              <a:latin typeface="Times"/>
+              <a:cs typeface="Times"/>
+            </a:endParaRPr>
+          </a:p>
+          <a:p>
+            <a:pPr marL="342900" indent="-342900">
               <a:buFont typeface="Arial"/>
               <a:buChar char="•"/>
             </a:pPr>
-            <a:r>
-              <a:rPr lang="en-US" dirty="0" err="1" smtClean="0"/>
-              <a:t>thread_create</a:t>
-            </a:r>
-            <a:r>
-              <a:rPr lang="en-US" dirty="0"/>
-              <a:t>() : </a:t>
-            </a:r>
-            <a:r>
-              <a:rPr lang="en-US" dirty="0" err="1"/>
-              <a:t>start_time</a:t>
-            </a:r>
-            <a:r>
-              <a:rPr lang="en-US" dirty="0"/>
-              <a:t> </a:t>
-            </a:r>
+            <a:endParaRPr lang="en-US" sz="2400" dirty="0" smtClean="0">
+              <a:latin typeface="Times"/>
+              <a:cs typeface="Times"/>
+            </a:endParaRPr>
+          </a:p>
+          <a:p>
+            <a:pPr marL="342900" indent="-342900">
+              <a:buFont typeface="Arial"/>
+              <a:buChar char="•"/>
+            </a:pPr>
+            <a:r>
+              <a:rPr lang="en-US" sz="2400" dirty="0" smtClean="0">
+                <a:latin typeface="Times"/>
+                <a:cs typeface="Times"/>
+              </a:rPr>
+              <a:t>More solutions</a:t>
+            </a:r>
+          </a:p>
+          <a:p>
+            <a:r>
+              <a:rPr lang="en-US" sz="2000" dirty="0">
+                <a:latin typeface="Times"/>
+                <a:cs typeface="Times"/>
+              </a:rPr>
+              <a:t>	</a:t>
+            </a:r>
+            <a:r>
+              <a:rPr lang="en-US" sz="2000" dirty="0" smtClean="0">
+                <a:latin typeface="Times"/>
+                <a:cs typeface="Times"/>
+              </a:rPr>
+              <a:t>	Min. granularity, per-process </a:t>
+            </a:r>
+            <a:r>
+              <a:rPr lang="en-US" sz="2000" dirty="0" err="1" smtClean="0">
+                <a:latin typeface="Times"/>
+                <a:cs typeface="Times"/>
+              </a:rPr>
+              <a:t>sched</a:t>
+            </a:r>
+            <a:r>
+              <a:rPr lang="en-US" sz="2000" dirty="0" smtClean="0">
+                <a:latin typeface="Times"/>
+                <a:cs typeface="Times"/>
+              </a:rPr>
+              <a:t>, least </a:t>
+            </a:r>
+            <a:r>
+              <a:rPr lang="en-US" sz="2000" dirty="0" err="1" smtClean="0">
+                <a:latin typeface="Times"/>
+                <a:cs typeface="Times"/>
+              </a:rPr>
+              <a:t>vruntime</a:t>
+            </a:r>
+            <a:r>
+              <a:rPr lang="en-US" sz="2000" dirty="0" smtClean="0">
+                <a:latin typeface="Times"/>
+                <a:cs typeface="Times"/>
+              </a:rPr>
+              <a:t>, ... and so on</a:t>
+            </a:r>
+            <a:endParaRPr lang="en-US" dirty="0" smtClean="0">
+              <a:latin typeface="Times"/>
+              <a:cs typeface="Times"/>
+            </a:endParaRPr>
+          </a:p>
+          <a:p>
+            <a:endParaRPr lang="en-US" dirty="0">
+              <a:latin typeface="Times"/>
+              <a:cs typeface="Times"/>
+            </a:endParaRPr>
           </a:p>
         </p:txBody>
       </p:sp>
     </p:spTree>
     <p:extLst>
       <p:ext uri="{BB962C8B-B14F-4D97-AF65-F5344CB8AC3E}">
-        <p14:creationId xmlns:p14="http://schemas.microsoft.com/office/powerpoint/2010/main" val="2901668418"/>
+        <p14:creationId xmlns:p14="http://schemas.microsoft.com/office/powerpoint/2010/main" val="697048170"/>
       </p:ext>
     </p:extLst>
   </p:cSld>
@@ -7791,8 +6990,16 @@
               <a:t>1 thread (CPU4) keeps polling whether there is a external interrupt </a:t>
             </a:r>
             <a:r>
-              <a:rPr lang="en-US" sz="1400" dirty="0"/>
-              <a:t>(e.g. new task comes)</a:t>
+              <a:rPr lang="en-US" sz="1400" dirty="0" smtClean="0"/>
+              <a:t>(e.g. new </a:t>
+            </a:r>
+            <a:r>
+              <a:rPr lang="en-US" sz="1400" dirty="0" smtClean="0"/>
+              <a:t>task </a:t>
+            </a:r>
+            <a:r>
+              <a:rPr lang="en-US" sz="1400" dirty="0" smtClean="0"/>
+              <a:t>comes)</a:t>
             </a:r>
             <a:endParaRPr lang="en-US" sz="1400" dirty="0"/>
           </a:p>
@@ -8743,14 +7950,14 @@
       </p:sp>
       <p:sp>
         <p:nvSpPr>
-          <p:cNvPr id="13" name="TextBox 12"/>
+          <p:cNvPr id="50" name="TextBox 49"/>
           <p:cNvSpPr txBox="1"/>
           <p:nvPr/>
         </p:nvSpPr>
         <p:spPr>
           <a:xfrm>
             <a:off x="204981" y="5103673"/>
-            <a:ext cx="7827784" cy="1754327"/>
+            <a:ext cx="7019870" cy="1477328"/>
           </a:xfrm>
           <a:prstGeom prst="rect">
             <a:avLst/>
@@ -8765,114 +7972,128 @@
           <a:p>
             <a:r>
               <a:rPr lang="en-US" b="1" dirty="0"/>
-              <a:t>Linux-like CFS simulator features:</a:t>
-            </a:r>
-            <a:endParaRPr lang="en-US" dirty="0"/>
-          </a:p>
-          <a:p>
+              <a:t>Linux-like CFS simulator features</a:t>
+            </a:r>
+            <a:r>
+              <a:rPr lang="en-US" b="1" dirty="0" smtClean="0"/>
+              <a:t>:</a:t>
+            </a:r>
+            <a:endParaRPr lang="en-US" dirty="0" smtClean="0"/>
+          </a:p>
+          <a:p>
+            <a:r>
+              <a:rPr lang="en-US" dirty="0" smtClean="0"/>
+              <a:t>Simulator </a:t>
+            </a:r>
             <a:r>
               <a:rPr lang="en-US" dirty="0"/>
-              <a:t>CFS features </a:t>
+              <a:t>features </a:t>
             </a:r>
             <a:r>
               <a:rPr lang="mr-IN" dirty="0" smtClean="0"/>
               <a:t>–</a:t>
             </a:r>
-            <a:endParaRPr lang="en-US" dirty="0"/>
-          </a:p>
-          <a:p>
-            <a:pPr marL="285750" lvl="0" indent="-285750">
+            <a:r>
+              <a:rPr lang="en-US" dirty="0" smtClean="0"/>
+              <a:t> </a:t>
+            </a:r>
+          </a:p>
+          <a:p>
+            <a:pPr marL="285750" indent="-285750">
               <a:buFont typeface="Arial"/>
               <a:buChar char="•"/>
             </a:pPr>
             <a:r>
+              <a:rPr lang="en-US" dirty="0" smtClean="0"/>
+              <a:t>Timer </a:t>
+            </a:r>
+            <a:r>
               <a:rPr lang="en-US" dirty="0"/>
-              <a:t>Minimum granularity for a time slice</a:t>
+              <a:t>interrupt: check if </a:t>
+            </a:r>
+            <a:r>
+              <a:rPr lang="en-US" dirty="0" err="1"/>
+              <a:t>delta_exec</a:t>
+            </a:r>
+            <a:r>
+              <a:rPr lang="en-US" dirty="0"/>
+              <a:t> &gt; </a:t>
+            </a:r>
+            <a:r>
+              <a:rPr lang="en-US" dirty="0" err="1"/>
+              <a:t>time_slice</a:t>
+            </a:r>
+            <a:r>
+              <a:rPr lang="en-US" dirty="0"/>
+              <a:t>, </a:t>
+            </a:r>
+            <a:r>
+              <a:rPr lang="en-US" dirty="0" err="1"/>
+              <a:t>enq</a:t>
+            </a:r>
+            <a:r>
+              <a:rPr lang="en-US" dirty="0"/>
+              <a:t>() and then </a:t>
+            </a:r>
+            <a:r>
+              <a:rPr lang="en-US" dirty="0" err="1"/>
+              <a:t>deq</a:t>
+            </a:r>
+            <a:r>
+              <a:rPr lang="en-US" dirty="0"/>
+              <a:t>(</a:t>
             </a:r>
             <a:r>
               <a:rPr lang="en-US" dirty="0" smtClean="0"/>
-              <a:t>.</a:t>
-            </a:r>
-          </a:p>
-          <a:p>
-            <a:pPr marL="285750" lvl="0" indent="-285750">
+              <a:t>)</a:t>
+            </a:r>
+          </a:p>
+          <a:p>
+            <a:pPr marL="285750" indent="-285750">
               <a:buFont typeface="Arial"/>
               <a:buChar char="•"/>
             </a:pPr>
             <a:r>
+              <a:rPr lang="en-US" dirty="0" err="1" smtClean="0"/>
+              <a:t>thread_exit</a:t>
+            </a:r>
+            <a:r>
+              <a:rPr lang="en-US" dirty="0"/>
+              <a:t>(): when a thread finishes its </a:t>
+            </a:r>
+            <a:r>
               <a:rPr lang="en-US" dirty="0" smtClean="0"/>
-              <a:t>CPU </a:t>
-            </a:r>
-            <a:r>
-              <a:rPr lang="en-US" dirty="0"/>
-              <a:t>resource limitation: RLIMIT_NICE </a:t>
-            </a:r>
-            <a:endParaRPr lang="en-US" dirty="0" smtClean="0"/>
-          </a:p>
-          <a:p>
-            <a:pPr lvl="0"/>
-            <a:r>
-              <a:rPr lang="en-US" dirty="0"/>
-              <a:t>	</a:t>
-            </a:r>
-            <a:r>
-              <a:rPr lang="en-US" dirty="0" smtClean="0"/>
-              <a:t>e.g</a:t>
-            </a:r>
-            <a:r>
-              <a:rPr lang="en-US" dirty="0"/>
-              <a:t>. if RLIMIT_NICE = 25, nice can be only 20-25</a:t>
-            </a:r>
-            <a:r>
-              <a:rPr lang="zh-TW" altLang="en-US" dirty="0"/>
-              <a:t>＝</a:t>
-            </a:r>
-            <a:r>
-              <a:rPr lang="en-US" dirty="0"/>
-              <a:t>-</a:t>
-            </a:r>
-            <a:r>
-              <a:rPr lang="en-US" dirty="0" smtClean="0"/>
-              <a:t>5</a:t>
-            </a:r>
-          </a:p>
-          <a:p>
-            <a:pPr marL="285750" lvl="0" indent="-285750">
+              <a:t>jobs</a:t>
+            </a:r>
+          </a:p>
+          <a:p>
+            <a:pPr marL="285750" indent="-285750">
               <a:buFont typeface="Arial"/>
               <a:buChar char="•"/>
             </a:pPr>
             <a:r>
-              <a:rPr lang="en-US" dirty="0" smtClean="0"/>
-              <a:t>New </a:t>
+              <a:rPr lang="en-US" dirty="0" err="1" smtClean="0"/>
+              <a:t>thread_create</a:t>
             </a:r>
             <a:r>
               <a:rPr lang="en-US" dirty="0"/>
-              <a:t>task’s </a:t>
+              <a:t>() : </a:t>
             </a:r>
             <a:r>
               <a:rPr lang="en-US" dirty="0" err="1"/>
-              <a:t>vrtime</a:t>
+              <a:t>start_time</a:t>
             </a:r>
             <a:r>
               <a:rPr lang="en-US" dirty="0"/>
-              <a:t> is not always 0. 	Linux keep a least number for a </a:t>
-            </a:r>
-            <a:r>
-              <a:rPr lang="en-US" dirty="0" err="1"/>
-              <a:t>runqueue</a:t>
-            </a:r>
-            <a:r>
-              <a:rPr lang="en-US" dirty="0" smtClean="0"/>
-              <a:t>.</a:t>
-            </a:r>
-            <a:endParaRPr lang="en-US" dirty="0"/>
+              <a:t> </a:t>
+            </a:r>
           </a:p>
         </p:txBody>
       </p:sp>
     </p:spTree>
     <p:extLst>
       <p:ext uri="{BB962C8B-B14F-4D97-AF65-F5344CB8AC3E}">
-        <p14:creationId xmlns:p14="http://schemas.microsoft.com/office/powerpoint/2010/main" val="3069285512"/>
+        <p14:creationId xmlns:p14="http://schemas.microsoft.com/office/powerpoint/2010/main" val="2901668418"/>
       </p:ext>
     </p:extLst>
   </p:cSld>
@@ -9500,16 +8721,8 @@
               <a:t>1 thread (CPU4) keeps polling whether there is a external interrupt </a:t>
             </a:r>
             <a:r>
-              <a:rPr lang="en-US" sz="1400" dirty="0" smtClean="0"/>
-              <a:t>(e.g. new </a:t>
-            </a:r>
-            <a:r>
-              <a:rPr lang="en-US" sz="1400" dirty="0" smtClean="0"/>
-              <a:t>task </a:t>
-            </a:r>
-            <a:r>
-              <a:rPr lang="en-US" sz="1400" dirty="0" smtClean="0"/>
-              <a:t>comes)</a:t>
+              <a:rPr lang="en-US" sz="1400" dirty="0"/>
+              <a:t>(e.g. new task comes)</a:t>
             </a:r>
             <a:endParaRPr lang="en-US" sz="1400" dirty="0"/>
           </a:p>
@@ -10460,14 +9673,14 @@
       </p:sp>
       <p:sp>
         <p:nvSpPr>
-          <p:cNvPr id="50" name="TextBox 49"/>
+          <p:cNvPr id="13" name="TextBox 12"/>
           <p:cNvSpPr txBox="1"/>
           <p:nvPr/>
         </p:nvSpPr>
         <p:spPr>
           <a:xfrm>
             <a:off x="204981" y="5103673"/>
-            <a:ext cx="5781338" cy="2031325"/>
+            <a:ext cx="7827784" cy="1754327"/>
           </a:xfrm>
           <a:prstGeom prst="rect">
             <a:avLst/>
@@ -10481,10 +9694,21 @@
           <a:lstStyle/>
           <a:p>
             <a:r>
-              <a:rPr lang="en-US" b="1" dirty="0" smtClean="0"/>
-              <a:t>Other less Linux CFS features we haven’t implemented yet:</a:t>
-            </a:r>
-            <a:endParaRPr lang="en-US" dirty="0" smtClean="0"/>
+              <a:rPr lang="en-US" b="1" dirty="0"/>
+              <a:t>Linux-like CFS simulator features:</a:t>
+            </a:r>
+            <a:endParaRPr lang="en-US" dirty="0"/>
+          </a:p>
+          <a:p>
+            <a:r>
+              <a:rPr lang="en-US" dirty="0"/>
+              <a:t>CFS features </a:t>
+            </a:r>
+            <a:r>
+              <a:rPr lang="mr-IN" dirty="0" smtClean="0"/>
+              <a:t>–</a:t>
+            </a:r>
+            <a:endParaRPr lang="en-US" dirty="0"/>
           </a:p>
           <a:p>
             <a:pPr marL="285750" lvl="0" indent="-285750">
@@ -10493,55 +9717,12 @@
             </a:pPr>
             <a:r>
               <a:rPr lang="en-US" dirty="0"/>
-              <a:t>Fork(</a:t>
+              <a:t>Minimum granularity for a time slice</a:t>
             </a:r>
             <a:r>
               <a:rPr lang="en-US" dirty="0" smtClean="0"/>
-              <a:t>)</a:t>
-            </a:r>
-          </a:p>
-          <a:p>
-            <a:pPr marL="285750" indent="-285750">
-              <a:buFont typeface="Arial"/>
-              <a:buChar char="•"/>
-            </a:pPr>
-            <a:r>
-              <a:rPr lang="en-US" dirty="0"/>
-              <a:t>Group </a:t>
-            </a:r>
-            <a:r>
-              <a:rPr lang="en-US" dirty="0" smtClean="0"/>
-              <a:t>scheduling</a:t>
-            </a:r>
-          </a:p>
-          <a:p>
-            <a:pPr marL="285750" indent="-285750">
-              <a:buFont typeface="Arial"/>
-              <a:buChar char="•"/>
-            </a:pPr>
-            <a:r>
-              <a:rPr lang="en-US" dirty="0"/>
-              <a:t>External interrupt</a:t>
-            </a:r>
-          </a:p>
-          <a:p>
-            <a:pPr marL="285750" indent="-285750">
-              <a:buFont typeface="Arial"/>
-              <a:buChar char="•"/>
-            </a:pPr>
-            <a:r>
-              <a:rPr lang="en-US" dirty="0" smtClean="0"/>
-              <a:t>Per</a:t>
-            </a:r>
-            <a:r>
-              <a:rPr lang="en-US" dirty="0"/>
-              <a:t>-CPU </a:t>
-            </a:r>
-            <a:r>
-              <a:rPr lang="en-US" dirty="0" err="1" smtClean="0"/>
-              <a:t>runqueue</a:t>
-            </a:r>
-            <a:endParaRPr lang="en-US" dirty="0"/>
+              <a:t>.</a:t>
+            </a:r>
           </a:p>
           <a:p>
             <a:pPr marL="285750" lvl="0" indent="-285750">
@@ -10549,20 +9730,70 @@
               <a:buChar char="•"/>
             </a:pPr>
             <a:r>
+              <a:rPr lang="en-US" dirty="0" smtClean="0"/>
+              <a:t>CPU </a:t>
+            </a:r>
+            <a:r>
               <a:rPr lang="en-US" dirty="0"/>
-              <a:t>Real-time </a:t>
+              <a:t>resource limitation: RLIMIT_NICE </a:t>
+            </a:r>
+            <a:endParaRPr lang="en-US" dirty="0" smtClean="0"/>
+          </a:p>
+          <a:p>
+            <a:pPr lvl="0"/>
+            <a:r>
+              <a:rPr lang="en-US" dirty="0"/>
+              <a:t>	</a:t>
+            </a:r>
+            <a:r>
+              <a:rPr lang="en-US" dirty="0" smtClean="0"/>
+              <a:t>e.g</a:t>
+            </a:r>
+            <a:r>
+              <a:rPr lang="en-US" dirty="0"/>
+              <a:t>. if RLIMIT_NICE = 25, nice can be only 20-25</a:t>
+            </a:r>
+            <a:r>
+              <a:rPr lang="zh-TW" altLang="en-US" dirty="0"/>
+              <a:t>＝</a:t>
+            </a:r>
+            <a:r>
+              <a:rPr lang="en-US" dirty="0"/>
+              <a:t>-</a:t>
+            </a:r>
+            <a:r>
+              <a:rPr lang="en-US" dirty="0" smtClean="0"/>
+              <a:t>5</a:t>
+            </a:r>
+          </a:p>
+          <a:p>
+            <a:pPr marL="285750" lvl="0" indent="-285750">
+              <a:buFont typeface="Arial"/>
+              <a:buChar char="•"/>
+            </a:pPr>
+            <a:r>
+              <a:rPr lang="en-US" dirty="0" smtClean="0"/>
+              <a:t>New </a:t>
+            </a:r>
+            <a:r>
+              <a:rPr lang="en-US" dirty="0"/>
+              <a:t>task’s </a:t>
             </a:r>
             <a:r>
               <a:rPr lang="en-US" dirty="0" err="1"/>
-              <a:t>garantee</a:t>
-            </a:r>
-            <a:endParaRPr lang="en-US" dirty="0"/>
-          </a:p>
-          <a:p>
-            <a:pPr lvl="0"/>
+              <a:t>vrtime</a:t>
+            </a:r>
             <a:r>
               <a:rPr lang="en-US" dirty="0"/>
-              <a:t> </a:t>
+              <a:t> is not always 0. 	Linux keep a least number for a </a:t>
+            </a:r>
+            <a:r>
+              <a:rPr lang="en-US" dirty="0" err="1"/>
+              <a:t>runqueue</a:t>
+            </a:r>
+            <a:r>
+              <a:rPr lang="en-US" dirty="0" smtClean="0"/>
+              <a:t>.</a:t>
             </a:r>
             <a:endParaRPr lang="en-US" dirty="0"/>
           </a:p>
@@ -10571,7 +9802,7 @@
     </p:spTree>
     <p:extLst>
       <p:ext uri="{BB962C8B-B14F-4D97-AF65-F5344CB8AC3E}">
-        <p14:creationId xmlns:p14="http://schemas.microsoft.com/office/powerpoint/2010/main" val="319673184"/>
+        <p14:creationId xmlns:p14="http://schemas.microsoft.com/office/powerpoint/2010/main" val="3069285512"/>
       </p:ext>
     </p:extLst>
   </p:cSld>
@@ -10605,27 +9836,1424 @@
           <a:chExt cx="0" cy="0"/>
         </a:xfrm>
       </p:grpSpPr>
-      <p:pic>
-        <p:nvPicPr>
-          <p:cNvPr id="2" name="Picture 1" descr="Macintosh HD:Users:jack:Desktop:Screen Shot 2016-12-06 at 12.15.06 AM.png"/>
-          <p:cNvPicPr/>
-          <p:nvPr/>
-        </p:nvPicPr>
-        <p:blipFill rotWithShape="1">
-          <a:blip r:embed="rId2">
-            <a:extLst>
-              <a:ext uri="{28A0092B-C50C-407E-A947-70E740481C1C}">
-                <a14:useLocalDpi xmlns:a14="http://schemas.microsoft.com/office/drawing/2010/main" val="0"/>
-              </a:ext>
-            </a:extLst>
-          </a:blip>
-          <a:srcRect l="5662" t="12745" r="15663" b="39216"/>
-          <a:stretch/>
-        </p:blipFill>
-        <p:spPr bwMode="auto">
-          <a:xfrm>
-            <a:off x="483147" y="2858657"/>
-            <a:ext cx="8300737" cy="1379653"/>
+      <p:cxnSp>
+        <p:nvCxnSpPr>
+          <p:cNvPr id="5" name="Straight Arrow Connector 4"/>
+          <p:cNvCxnSpPr/>
+          <p:nvPr/>
+        </p:nvCxnSpPr>
+        <p:spPr>
+          <a:xfrm>
+            <a:off x="1445464" y="4510010"/>
+            <a:ext cx="6985000" cy="0"/>
+          </a:xfrm>
+          <a:prstGeom prst="straightConnector1">
+            <a:avLst/>
+          </a:prstGeom>
+          <a:ln>
+            <a:tailEnd type="arrow"/>
+          </a:ln>
+          <a:effectLst/>
+        </p:spPr>
+        <p:style>
+          <a:lnRef idx="2">
+            <a:schemeClr val="accent1"/>
+          </a:lnRef>
+          <a:fillRef idx="0">
+            <a:schemeClr val="accent1"/>
+          </a:fillRef>
+          <a:effectRef idx="1">
+            <a:schemeClr val="accent1"/>
+          </a:effectRef>
+          <a:fontRef idx="minor">
+            <a:schemeClr val="tx1"/>
+          </a:fontRef>
+        </p:style>
+      </p:cxnSp>
+      <p:cxnSp>
+        <p:nvCxnSpPr>
+          <p:cNvPr id="8" name="Straight Connector 7"/>
+          <p:cNvCxnSpPr/>
+          <p:nvPr/>
+        </p:nvCxnSpPr>
+        <p:spPr>
+          <a:xfrm>
+            <a:off x="3286964" y="2135110"/>
+            <a:ext cx="0" cy="2374900"/>
+          </a:xfrm>
+          <a:prstGeom prst="line">
+            <a:avLst/>
+          </a:prstGeom>
+          <a:ln>
+            <a:prstDash val="sysDash"/>
+          </a:ln>
+          <a:effectLst/>
+        </p:spPr>
+        <p:style>
+          <a:lnRef idx="2">
+            <a:schemeClr val="accent1"/>
+          </a:lnRef>
+          <a:fillRef idx="0">
+            <a:schemeClr val="accent1"/>
+          </a:fillRef>
+          <a:effectRef idx="1">
+            <a:schemeClr val="accent1"/>
+          </a:effectRef>
+          <a:fontRef idx="minor">
+            <a:schemeClr val="tx1"/>
+          </a:fontRef>
+        </p:style>
+      </p:cxnSp>
+      <p:cxnSp>
+        <p:nvCxnSpPr>
+          <p:cNvPr id="9" name="Straight Connector 8"/>
+          <p:cNvCxnSpPr/>
+          <p:nvPr/>
+        </p:nvCxnSpPr>
+        <p:spPr>
+          <a:xfrm>
+            <a:off x="5278324" y="2135110"/>
+            <a:ext cx="0" cy="2374900"/>
+          </a:xfrm>
+          <a:prstGeom prst="line">
+            <a:avLst/>
+          </a:prstGeom>
+          <a:ln>
+            <a:prstDash val="sysDash"/>
+          </a:ln>
+          <a:effectLst/>
+        </p:spPr>
+        <p:style>
+          <a:lnRef idx="2">
+            <a:schemeClr val="accent1"/>
+          </a:lnRef>
+          <a:fillRef idx="0">
+            <a:schemeClr val="accent1"/>
+          </a:fillRef>
+          <a:effectRef idx="1">
+            <a:schemeClr val="accent1"/>
+          </a:effectRef>
+          <a:fontRef idx="minor">
+            <a:schemeClr val="tx1"/>
+          </a:fontRef>
+        </p:style>
+      </p:cxnSp>
+      <p:cxnSp>
+        <p:nvCxnSpPr>
+          <p:cNvPr id="10" name="Straight Connector 9"/>
+          <p:cNvCxnSpPr/>
+          <p:nvPr/>
+        </p:nvCxnSpPr>
+        <p:spPr>
+          <a:xfrm>
+            <a:off x="7231584" y="2135110"/>
+            <a:ext cx="0" cy="2374900"/>
+          </a:xfrm>
+          <a:prstGeom prst="line">
+            <a:avLst/>
+          </a:prstGeom>
+          <a:ln>
+            <a:prstDash val="sysDash"/>
+          </a:ln>
+          <a:effectLst/>
+        </p:spPr>
+        <p:style>
+          <a:lnRef idx="2">
+            <a:schemeClr val="accent1"/>
+          </a:lnRef>
+          <a:fillRef idx="0">
+            <a:schemeClr val="accent1"/>
+          </a:fillRef>
+          <a:effectRef idx="1">
+            <a:schemeClr val="accent1"/>
+          </a:effectRef>
+          <a:fontRef idx="minor">
+            <a:schemeClr val="tx1"/>
+          </a:fontRef>
+        </p:style>
+      </p:cxnSp>
+      <p:sp>
+        <p:nvSpPr>
+          <p:cNvPr id="11" name="Rounded Rectangle 10"/>
+          <p:cNvSpPr/>
+          <p:nvPr/>
+        </p:nvSpPr>
+        <p:spPr>
+          <a:xfrm>
+            <a:off x="594564" y="1484870"/>
+            <a:ext cx="2275840" cy="335280"/>
+          </a:xfrm>
+          <a:prstGeom prst="roundRect">
+            <a:avLst/>
+          </a:prstGeom>
+        </p:spPr>
+        <p:style>
+          <a:lnRef idx="1">
+            <a:schemeClr val="accent1"/>
+          </a:lnRef>
+          <a:fillRef idx="3">
+            <a:schemeClr val="accent1"/>
+          </a:fillRef>
+          <a:effectRef idx="2">
+            <a:schemeClr val="accent1"/>
+          </a:effectRef>
+          <a:fontRef idx="minor">
+            <a:schemeClr val="lt1"/>
+          </a:fontRef>
+        </p:style>
+        <p:txBody>
+          <a:bodyPr rtlCol="0" anchor="ctr"/>
+          <a:lstStyle/>
+          <a:p>
+            <a:pPr algn="ctr"/>
+            <a:r>
+              <a:rPr lang="en-US" dirty="0" smtClean="0">
+                <a:solidFill>
+                  <a:schemeClr val="tx1"/>
+                </a:solidFill>
+              </a:rPr>
+              <a:t>Global </a:t>
+            </a:r>
+            <a:r>
+              <a:rPr lang="en-US" dirty="0" err="1" smtClean="0">
+                <a:solidFill>
+                  <a:schemeClr val="tx1"/>
+                </a:solidFill>
+              </a:rPr>
+              <a:t>runqueue</a:t>
+            </a:r>
+            <a:endParaRPr lang="en-US" dirty="0">
+              <a:solidFill>
+                <a:schemeClr val="tx1"/>
+              </a:solidFill>
+            </a:endParaRPr>
+          </a:p>
+        </p:txBody>
+      </p:sp>
+      <p:sp>
+        <p:nvSpPr>
+          <p:cNvPr id="15" name="TextBox 14"/>
+          <p:cNvSpPr txBox="1"/>
+          <p:nvPr/>
+        </p:nvSpPr>
+        <p:spPr>
+          <a:xfrm>
+            <a:off x="594564" y="2287510"/>
+            <a:ext cx="692091" cy="369332"/>
+          </a:xfrm>
+          <a:prstGeom prst="rect">
+            <a:avLst/>
+          </a:prstGeom>
+          <a:noFill/>
+        </p:spPr>
+        <p:txBody>
+          <a:bodyPr wrap="none" rtlCol="0">
+            <a:spAutoFit/>
+          </a:bodyPr>
+          <a:lstStyle/>
+          <a:p>
+            <a:r>
+              <a:rPr lang="en-US" dirty="0" smtClean="0"/>
+              <a:t>CPU1</a:t>
+            </a:r>
+            <a:endParaRPr lang="en-US" dirty="0"/>
+          </a:p>
+        </p:txBody>
+      </p:sp>
+      <p:sp>
+        <p:nvSpPr>
+          <p:cNvPr id="16" name="TextBox 15"/>
+          <p:cNvSpPr txBox="1"/>
+          <p:nvPr/>
+        </p:nvSpPr>
+        <p:spPr>
+          <a:xfrm>
+            <a:off x="594564" y="3036810"/>
+            <a:ext cx="692091" cy="369332"/>
+          </a:xfrm>
+          <a:prstGeom prst="rect">
+            <a:avLst/>
+          </a:prstGeom>
+          <a:noFill/>
+        </p:spPr>
+        <p:txBody>
+          <a:bodyPr wrap="none" rtlCol="0">
+            <a:spAutoFit/>
+          </a:bodyPr>
+          <a:lstStyle/>
+          <a:p>
+            <a:r>
+              <a:rPr lang="en-US" dirty="0" smtClean="0"/>
+              <a:t>CPU2</a:t>
+            </a:r>
+            <a:endParaRPr lang="en-US" dirty="0"/>
+          </a:p>
+        </p:txBody>
+      </p:sp>
+      <p:sp>
+        <p:nvSpPr>
+          <p:cNvPr id="17" name="TextBox 16"/>
+          <p:cNvSpPr txBox="1"/>
+          <p:nvPr/>
+        </p:nvSpPr>
+        <p:spPr>
+          <a:xfrm>
+            <a:off x="594564" y="3722610"/>
+            <a:ext cx="692091" cy="369332"/>
+          </a:xfrm>
+          <a:prstGeom prst="rect">
+            <a:avLst/>
+          </a:prstGeom>
+          <a:noFill/>
+        </p:spPr>
+        <p:txBody>
+          <a:bodyPr wrap="none" rtlCol="0">
+            <a:spAutoFit/>
+          </a:bodyPr>
+          <a:lstStyle/>
+          <a:p>
+            <a:r>
+              <a:rPr lang="en-US" dirty="0" smtClean="0"/>
+              <a:t>CPU3</a:t>
+            </a:r>
+            <a:endParaRPr lang="en-US" dirty="0"/>
+          </a:p>
+        </p:txBody>
+      </p:sp>
+      <p:sp>
+        <p:nvSpPr>
+          <p:cNvPr id="18" name="TextBox 17"/>
+          <p:cNvSpPr txBox="1"/>
+          <p:nvPr/>
+        </p:nvSpPr>
+        <p:spPr>
+          <a:xfrm>
+            <a:off x="594564" y="4325344"/>
+            <a:ext cx="692091" cy="369332"/>
+          </a:xfrm>
+          <a:prstGeom prst="rect">
+            <a:avLst/>
+          </a:prstGeom>
+          <a:noFill/>
+        </p:spPr>
+        <p:txBody>
+          <a:bodyPr wrap="none" rtlCol="0">
+            <a:spAutoFit/>
+          </a:bodyPr>
+          <a:lstStyle/>
+          <a:p>
+            <a:r>
+              <a:rPr lang="en-US" dirty="0" smtClean="0"/>
+              <a:t>CPU4</a:t>
+            </a:r>
+          </a:p>
+        </p:txBody>
+      </p:sp>
+      <p:cxnSp>
+        <p:nvCxnSpPr>
+          <p:cNvPr id="26" name="Straight Connector 25"/>
+          <p:cNvCxnSpPr/>
+          <p:nvPr/>
+        </p:nvCxnSpPr>
+        <p:spPr>
+          <a:xfrm>
+            <a:off x="5278324" y="3294365"/>
+            <a:ext cx="1953260" cy="0"/>
+          </a:xfrm>
+          <a:prstGeom prst="line">
+            <a:avLst/>
+          </a:prstGeom>
+          <a:ln>
+            <a:solidFill>
+              <a:schemeClr val="accent6">
+                <a:lumMod val="75000"/>
+              </a:schemeClr>
+            </a:solidFill>
+          </a:ln>
+          <a:effectLst/>
+        </p:spPr>
+        <p:style>
+          <a:lnRef idx="2">
+            <a:schemeClr val="accent1"/>
+          </a:lnRef>
+          <a:fillRef idx="0">
+            <a:schemeClr val="accent1"/>
+          </a:fillRef>
+          <a:effectRef idx="1">
+            <a:schemeClr val="accent1"/>
+          </a:effectRef>
+          <a:fontRef idx="minor">
+            <a:schemeClr val="tx1"/>
+          </a:fontRef>
+        </p:style>
+      </p:cxnSp>
+      <p:cxnSp>
+        <p:nvCxnSpPr>
+          <p:cNvPr id="27" name="Straight Connector 26"/>
+          <p:cNvCxnSpPr/>
+          <p:nvPr/>
+        </p:nvCxnSpPr>
+        <p:spPr>
+          <a:xfrm>
+            <a:off x="1445464" y="3294365"/>
+            <a:ext cx="3832860" cy="0"/>
+          </a:xfrm>
+          <a:prstGeom prst="line">
+            <a:avLst/>
+          </a:prstGeom>
+          <a:ln>
+            <a:solidFill>
+              <a:srgbClr val="FF0000"/>
+            </a:solidFill>
+          </a:ln>
+          <a:effectLst/>
+        </p:spPr>
+        <p:style>
+          <a:lnRef idx="2">
+            <a:schemeClr val="accent1"/>
+          </a:lnRef>
+          <a:fillRef idx="0">
+            <a:schemeClr val="accent1"/>
+          </a:fillRef>
+          <a:effectRef idx="1">
+            <a:schemeClr val="accent1"/>
+          </a:effectRef>
+          <a:fontRef idx="minor">
+            <a:schemeClr val="tx1"/>
+          </a:fontRef>
+        </p:style>
+      </p:cxnSp>
+      <p:cxnSp>
+        <p:nvCxnSpPr>
+          <p:cNvPr id="28" name="Straight Connector 27"/>
+          <p:cNvCxnSpPr/>
+          <p:nvPr/>
+        </p:nvCxnSpPr>
+        <p:spPr>
+          <a:xfrm>
+            <a:off x="1445464" y="3975085"/>
+            <a:ext cx="2948940" cy="0"/>
+          </a:xfrm>
+          <a:prstGeom prst="line">
+            <a:avLst/>
+          </a:prstGeom>
+          <a:ln>
+            <a:solidFill>
+              <a:srgbClr val="0000FF"/>
+            </a:solidFill>
+          </a:ln>
+          <a:effectLst/>
+        </p:spPr>
+        <p:style>
+          <a:lnRef idx="2">
+            <a:schemeClr val="accent1"/>
+          </a:lnRef>
+          <a:fillRef idx="0">
+            <a:schemeClr val="accent1"/>
+          </a:fillRef>
+          <a:effectRef idx="1">
+            <a:schemeClr val="accent1"/>
+          </a:effectRef>
+          <a:fontRef idx="minor">
+            <a:schemeClr val="tx1"/>
+          </a:fontRef>
+        </p:style>
+      </p:cxnSp>
+      <p:cxnSp>
+        <p:nvCxnSpPr>
+          <p:cNvPr id="35" name="Straight Connector 34"/>
+          <p:cNvCxnSpPr/>
+          <p:nvPr/>
+        </p:nvCxnSpPr>
+        <p:spPr>
+          <a:xfrm>
+            <a:off x="7231584" y="3294365"/>
+            <a:ext cx="1236980" cy="0"/>
+          </a:xfrm>
+          <a:prstGeom prst="line">
+            <a:avLst/>
+          </a:prstGeom>
+          <a:ln>
+            <a:solidFill>
+              <a:srgbClr val="FF0000"/>
+            </a:solidFill>
+          </a:ln>
+          <a:effectLst/>
+        </p:spPr>
+        <p:style>
+          <a:lnRef idx="2">
+            <a:schemeClr val="accent1"/>
+          </a:lnRef>
+          <a:fillRef idx="0">
+            <a:schemeClr val="accent1"/>
+          </a:fillRef>
+          <a:effectRef idx="1">
+            <a:schemeClr val="accent1"/>
+          </a:effectRef>
+          <a:fontRef idx="minor">
+            <a:schemeClr val="tx1"/>
+          </a:fontRef>
+        </p:style>
+      </p:cxnSp>
+      <p:cxnSp>
+        <p:nvCxnSpPr>
+          <p:cNvPr id="48" name="Straight Connector 47"/>
+          <p:cNvCxnSpPr/>
+          <p:nvPr/>
+        </p:nvCxnSpPr>
+        <p:spPr>
+          <a:xfrm>
+            <a:off x="4394405" y="3970004"/>
+            <a:ext cx="4074159" cy="0"/>
+          </a:xfrm>
+          <a:prstGeom prst="line">
+            <a:avLst/>
+          </a:prstGeom>
+          <a:ln>
+            <a:solidFill>
+              <a:srgbClr val="660066"/>
+            </a:solidFill>
+          </a:ln>
+          <a:effectLst/>
+        </p:spPr>
+        <p:style>
+          <a:lnRef idx="2">
+            <a:schemeClr val="accent1"/>
+          </a:lnRef>
+          <a:fillRef idx="0">
+            <a:schemeClr val="accent1"/>
+          </a:fillRef>
+          <a:effectRef idx="1">
+            <a:schemeClr val="accent1"/>
+          </a:effectRef>
+          <a:fontRef idx="minor">
+            <a:schemeClr val="tx1"/>
+          </a:fontRef>
+        </p:style>
+      </p:cxnSp>
+      <p:cxnSp>
+        <p:nvCxnSpPr>
+          <p:cNvPr id="51" name="Straight Connector 50"/>
+          <p:cNvCxnSpPr/>
+          <p:nvPr/>
+        </p:nvCxnSpPr>
+        <p:spPr>
+          <a:xfrm>
+            <a:off x="1445464" y="2471405"/>
+            <a:ext cx="7023100" cy="0"/>
+          </a:xfrm>
+          <a:prstGeom prst="line">
+            <a:avLst/>
+          </a:prstGeom>
+          <a:ln>
+            <a:solidFill>
+              <a:srgbClr val="008000"/>
+            </a:solidFill>
+          </a:ln>
+          <a:effectLst/>
+        </p:spPr>
+        <p:style>
+          <a:lnRef idx="2">
+            <a:schemeClr val="accent4"/>
+          </a:lnRef>
+          <a:fillRef idx="0">
+            <a:schemeClr val="accent4"/>
+          </a:fillRef>
+          <a:effectRef idx="1">
+            <a:schemeClr val="accent4"/>
+          </a:effectRef>
+          <a:fontRef idx="minor">
+            <a:schemeClr val="tx1"/>
+          </a:fontRef>
+        </p:style>
+      </p:cxnSp>
+      <p:cxnSp>
+        <p:nvCxnSpPr>
+          <p:cNvPr id="86" name="Straight Connector 85"/>
+          <p:cNvCxnSpPr/>
+          <p:nvPr/>
+        </p:nvCxnSpPr>
+        <p:spPr>
+          <a:xfrm flipV="1">
+            <a:off x="4394404" y="3722610"/>
+            <a:ext cx="0" cy="399794"/>
+          </a:xfrm>
+          <a:prstGeom prst="line">
+            <a:avLst/>
+          </a:prstGeom>
+          <a:ln w="76200" cmpd="sng">
+            <a:solidFill>
+              <a:srgbClr val="660066"/>
+            </a:solidFill>
+          </a:ln>
+          <a:effectLst/>
+        </p:spPr>
+        <p:style>
+          <a:lnRef idx="2">
+            <a:schemeClr val="accent1"/>
+          </a:lnRef>
+          <a:fillRef idx="0">
+            <a:schemeClr val="accent1"/>
+          </a:fillRef>
+          <a:effectRef idx="1">
+            <a:schemeClr val="accent1"/>
+          </a:effectRef>
+          <a:fontRef idx="minor">
+            <a:schemeClr val="tx1"/>
+          </a:fontRef>
+        </p:style>
+      </p:cxnSp>
+      <p:sp>
+        <p:nvSpPr>
+          <p:cNvPr id="100" name="TextBox 99"/>
+          <p:cNvSpPr txBox="1"/>
+          <p:nvPr/>
+        </p:nvSpPr>
+        <p:spPr>
+          <a:xfrm>
+            <a:off x="594564" y="4629110"/>
+            <a:ext cx="6678481" cy="307777"/>
+          </a:xfrm>
+          <a:prstGeom prst="rect">
+            <a:avLst/>
+          </a:prstGeom>
+          <a:noFill/>
+        </p:spPr>
+        <p:txBody>
+          <a:bodyPr wrap="none" rtlCol="0">
+            <a:spAutoFit/>
+          </a:bodyPr>
+          <a:lstStyle/>
+          <a:p>
+            <a:r>
+              <a:rPr lang="en-US" sz="1400" dirty="0" smtClean="0"/>
+              <a:t>1 thread (CPU4) keeps polling whether there is a external interrupt </a:t>
+            </a:r>
+            <a:r>
+              <a:rPr lang="en-US" sz="1400" dirty="0" smtClean="0"/>
+              <a:t>(e.g. new </a:t>
+            </a:r>
+            <a:r>
+              <a:rPr lang="en-US" sz="1400" dirty="0" smtClean="0"/>
+              <a:t>task </a:t>
+            </a:r>
+            <a:r>
+              <a:rPr lang="en-US" sz="1400" dirty="0" smtClean="0"/>
+              <a:t>comes)</a:t>
+            </a:r>
+            <a:endParaRPr lang="en-US" sz="1400" dirty="0"/>
+          </a:p>
+        </p:txBody>
+      </p:sp>
+      <p:cxnSp>
+        <p:nvCxnSpPr>
+          <p:cNvPr id="101" name="Straight Connector 100"/>
+          <p:cNvCxnSpPr/>
+          <p:nvPr/>
+        </p:nvCxnSpPr>
+        <p:spPr>
+          <a:xfrm flipV="1">
+            <a:off x="5252138" y="3094468"/>
+            <a:ext cx="0" cy="399794"/>
+          </a:xfrm>
+          <a:prstGeom prst="line">
+            <a:avLst/>
+          </a:prstGeom>
+          <a:ln w="76200" cmpd="sng">
+            <a:solidFill>
+              <a:srgbClr val="FF0000"/>
+            </a:solidFill>
+          </a:ln>
+          <a:effectLst/>
+        </p:spPr>
+        <p:style>
+          <a:lnRef idx="2">
+            <a:schemeClr val="accent1"/>
+          </a:lnRef>
+          <a:fillRef idx="0">
+            <a:schemeClr val="accent1"/>
+          </a:fillRef>
+          <a:effectRef idx="1">
+            <a:schemeClr val="accent1"/>
+          </a:effectRef>
+          <a:fontRef idx="minor">
+            <a:schemeClr val="tx1"/>
+          </a:fontRef>
+        </p:style>
+      </p:cxnSp>
+      <p:cxnSp>
+        <p:nvCxnSpPr>
+          <p:cNvPr id="102" name="Straight Connector 101"/>
+          <p:cNvCxnSpPr/>
+          <p:nvPr/>
+        </p:nvCxnSpPr>
+        <p:spPr>
+          <a:xfrm flipV="1">
+            <a:off x="7270863" y="3094468"/>
+            <a:ext cx="0" cy="399794"/>
+          </a:xfrm>
+          <a:prstGeom prst="line">
+            <a:avLst/>
+          </a:prstGeom>
+          <a:ln w="76200" cmpd="sng">
+            <a:solidFill>
+              <a:srgbClr val="FF0000"/>
+            </a:solidFill>
+          </a:ln>
+          <a:effectLst/>
+        </p:spPr>
+        <p:style>
+          <a:lnRef idx="2">
+            <a:schemeClr val="accent1"/>
+          </a:lnRef>
+          <a:fillRef idx="0">
+            <a:schemeClr val="accent1"/>
+          </a:fillRef>
+          <a:effectRef idx="1">
+            <a:schemeClr val="accent1"/>
+          </a:effectRef>
+          <a:fontRef idx="minor">
+            <a:schemeClr val="tx1"/>
+          </a:fontRef>
+        </p:style>
+      </p:cxnSp>
+      <p:cxnSp>
+        <p:nvCxnSpPr>
+          <p:cNvPr id="103" name="Straight Connector 102"/>
+          <p:cNvCxnSpPr/>
+          <p:nvPr/>
+        </p:nvCxnSpPr>
+        <p:spPr>
+          <a:xfrm flipV="1">
+            <a:off x="7200676" y="3094468"/>
+            <a:ext cx="0" cy="399794"/>
+          </a:xfrm>
+          <a:prstGeom prst="line">
+            <a:avLst/>
+          </a:prstGeom>
+          <a:ln w="76200" cmpd="sng">
+            <a:solidFill>
+              <a:schemeClr val="accent6"/>
+            </a:solidFill>
+          </a:ln>
+          <a:effectLst/>
+        </p:spPr>
+        <p:style>
+          <a:lnRef idx="2">
+            <a:schemeClr val="accent1"/>
+          </a:lnRef>
+          <a:fillRef idx="0">
+            <a:schemeClr val="accent1"/>
+          </a:fillRef>
+          <a:effectRef idx="1">
+            <a:schemeClr val="accent1"/>
+          </a:effectRef>
+          <a:fontRef idx="minor">
+            <a:schemeClr val="tx1"/>
+          </a:fontRef>
+        </p:style>
+      </p:cxnSp>
+      <p:cxnSp>
+        <p:nvCxnSpPr>
+          <p:cNvPr id="104" name="Straight Connector 103"/>
+          <p:cNvCxnSpPr/>
+          <p:nvPr/>
+        </p:nvCxnSpPr>
+        <p:spPr>
+          <a:xfrm flipV="1">
+            <a:off x="5317603" y="3098289"/>
+            <a:ext cx="0" cy="399794"/>
+          </a:xfrm>
+          <a:prstGeom prst="line">
+            <a:avLst/>
+          </a:prstGeom>
+          <a:ln w="76200" cmpd="sng">
+            <a:solidFill>
+              <a:schemeClr val="accent6"/>
+            </a:solidFill>
+          </a:ln>
+          <a:effectLst/>
+        </p:spPr>
+        <p:style>
+          <a:lnRef idx="2">
+            <a:schemeClr val="accent1"/>
+          </a:lnRef>
+          <a:fillRef idx="0">
+            <a:schemeClr val="accent1"/>
+          </a:fillRef>
+          <a:effectRef idx="1">
+            <a:schemeClr val="accent1"/>
+          </a:effectRef>
+          <a:fontRef idx="minor">
+            <a:schemeClr val="tx1"/>
+          </a:fontRef>
+        </p:style>
+      </p:cxnSp>
+      <p:cxnSp>
+        <p:nvCxnSpPr>
+          <p:cNvPr id="114" name="Curved Connector 113"/>
+          <p:cNvCxnSpPr>
+            <a:endCxn id="11" idx="3"/>
+          </p:cNvCxnSpPr>
+          <p:nvPr/>
+        </p:nvCxnSpPr>
+        <p:spPr>
+          <a:xfrm rot="10800000">
+            <a:off x="2870404" y="1652511"/>
+            <a:ext cx="2381734" cy="1548677"/>
+          </a:xfrm>
+          <a:prstGeom prst="curvedConnector3">
+            <a:avLst>
+              <a:gd name="adj1" fmla="val 5471"/>
+            </a:avLst>
+          </a:prstGeom>
+          <a:ln w="57150" cmpd="sng">
+            <a:solidFill>
+              <a:srgbClr val="FF0000"/>
+            </a:solidFill>
+            <a:tailEnd type="arrow"/>
+          </a:ln>
+        </p:spPr>
+        <p:style>
+          <a:lnRef idx="2">
+            <a:schemeClr val="accent1"/>
+          </a:lnRef>
+          <a:fillRef idx="0">
+            <a:schemeClr val="accent1"/>
+          </a:fillRef>
+          <a:effectRef idx="1">
+            <a:schemeClr val="accent1"/>
+          </a:effectRef>
+          <a:fontRef idx="minor">
+            <a:schemeClr val="tx1"/>
+          </a:fontRef>
+        </p:style>
+      </p:cxnSp>
+      <p:cxnSp>
+        <p:nvCxnSpPr>
+          <p:cNvPr id="124" name="Straight Connector 123"/>
+          <p:cNvCxnSpPr/>
+          <p:nvPr/>
+        </p:nvCxnSpPr>
+        <p:spPr>
+          <a:xfrm flipV="1">
+            <a:off x="4360004" y="3722610"/>
+            <a:ext cx="0" cy="399794"/>
+          </a:xfrm>
+          <a:prstGeom prst="line">
+            <a:avLst/>
+          </a:prstGeom>
+          <a:ln w="76200" cmpd="sng">
+            <a:solidFill>
+              <a:srgbClr val="0000FF"/>
+            </a:solidFill>
+          </a:ln>
+          <a:effectLst/>
+        </p:spPr>
+        <p:style>
+          <a:lnRef idx="2">
+            <a:schemeClr val="accent1"/>
+          </a:lnRef>
+          <a:fillRef idx="0">
+            <a:schemeClr val="accent1"/>
+          </a:fillRef>
+          <a:effectRef idx="1">
+            <a:schemeClr val="accent1"/>
+          </a:effectRef>
+          <a:fontRef idx="minor">
+            <a:schemeClr val="tx1"/>
+          </a:fontRef>
+        </p:style>
+      </p:cxnSp>
+      <p:cxnSp>
+        <p:nvCxnSpPr>
+          <p:cNvPr id="125" name="Curved Connector 124"/>
+          <p:cNvCxnSpPr>
+            <a:endCxn id="11" idx="3"/>
+          </p:cNvCxnSpPr>
+          <p:nvPr/>
+        </p:nvCxnSpPr>
+        <p:spPr>
+          <a:xfrm rot="10800000">
+            <a:off x="2870404" y="1652511"/>
+            <a:ext cx="4237800" cy="1445781"/>
+          </a:xfrm>
+          <a:prstGeom prst="curvedConnector3">
+            <a:avLst>
+              <a:gd name="adj1" fmla="val 1802"/>
+            </a:avLst>
+          </a:prstGeom>
+          <a:ln w="57150" cmpd="sng">
+            <a:solidFill>
+              <a:srgbClr val="F79646"/>
+            </a:solidFill>
+            <a:tailEnd type="arrow"/>
+          </a:ln>
+        </p:spPr>
+        <p:style>
+          <a:lnRef idx="2">
+            <a:schemeClr val="accent1"/>
+          </a:lnRef>
+          <a:fillRef idx="0">
+            <a:schemeClr val="accent1"/>
+          </a:fillRef>
+          <a:effectRef idx="1">
+            <a:schemeClr val="accent1"/>
+          </a:effectRef>
+          <a:fontRef idx="minor">
+            <a:schemeClr val="tx1"/>
+          </a:fontRef>
+        </p:style>
+      </p:cxnSp>
+      <p:cxnSp>
+        <p:nvCxnSpPr>
+          <p:cNvPr id="135" name="Straight Arrow Connector 134"/>
+          <p:cNvCxnSpPr/>
+          <p:nvPr/>
+        </p:nvCxnSpPr>
+        <p:spPr>
+          <a:xfrm>
+            <a:off x="3025527" y="2256275"/>
+            <a:ext cx="250763" cy="185436"/>
+          </a:xfrm>
+          <a:prstGeom prst="straightConnector1">
+            <a:avLst/>
+          </a:prstGeom>
+          <a:ln>
+            <a:tailEnd type="arrow"/>
+          </a:ln>
+        </p:spPr>
+        <p:style>
+          <a:lnRef idx="2">
+            <a:schemeClr val="accent1"/>
+          </a:lnRef>
+          <a:fillRef idx="0">
+            <a:schemeClr val="accent1"/>
+          </a:fillRef>
+          <a:effectRef idx="1">
+            <a:schemeClr val="accent1"/>
+          </a:effectRef>
+          <a:fontRef idx="minor">
+            <a:schemeClr val="tx1"/>
+          </a:fontRef>
+        </p:style>
+      </p:cxnSp>
+      <p:cxnSp>
+        <p:nvCxnSpPr>
+          <p:cNvPr id="137" name="Straight Arrow Connector 136"/>
+          <p:cNvCxnSpPr/>
+          <p:nvPr/>
+        </p:nvCxnSpPr>
+        <p:spPr>
+          <a:xfrm>
+            <a:off x="3026359" y="3098293"/>
+            <a:ext cx="250763" cy="185436"/>
+          </a:xfrm>
+          <a:prstGeom prst="straightConnector1">
+            <a:avLst/>
+          </a:prstGeom>
+          <a:ln>
+            <a:tailEnd type="arrow"/>
+          </a:ln>
+        </p:spPr>
+        <p:style>
+          <a:lnRef idx="2">
+            <a:schemeClr val="accent1"/>
+          </a:lnRef>
+          <a:fillRef idx="0">
+            <a:schemeClr val="accent1"/>
+          </a:fillRef>
+          <a:effectRef idx="1">
+            <a:schemeClr val="accent1"/>
+          </a:effectRef>
+          <a:fontRef idx="minor">
+            <a:schemeClr val="tx1"/>
+          </a:fontRef>
+        </p:style>
+      </p:cxnSp>
+      <p:cxnSp>
+        <p:nvCxnSpPr>
+          <p:cNvPr id="138" name="Straight Arrow Connector 137"/>
+          <p:cNvCxnSpPr/>
+          <p:nvPr/>
+        </p:nvCxnSpPr>
+        <p:spPr>
+          <a:xfrm>
+            <a:off x="3026359" y="3759954"/>
+            <a:ext cx="250763" cy="185436"/>
+          </a:xfrm>
+          <a:prstGeom prst="straightConnector1">
+            <a:avLst/>
+          </a:prstGeom>
+          <a:ln>
+            <a:tailEnd type="arrow"/>
+          </a:ln>
+        </p:spPr>
+        <p:style>
+          <a:lnRef idx="2">
+            <a:schemeClr val="accent1"/>
+          </a:lnRef>
+          <a:fillRef idx="0">
+            <a:schemeClr val="accent1"/>
+          </a:fillRef>
+          <a:effectRef idx="1">
+            <a:schemeClr val="accent1"/>
+          </a:effectRef>
+          <a:fontRef idx="minor">
+            <a:schemeClr val="tx1"/>
+          </a:fontRef>
+        </p:style>
+      </p:cxnSp>
+      <p:sp>
+        <p:nvSpPr>
+          <p:cNvPr id="139" name="TextBox 138"/>
+          <p:cNvSpPr txBox="1"/>
+          <p:nvPr/>
+        </p:nvSpPr>
+        <p:spPr>
+          <a:xfrm>
+            <a:off x="1541485" y="2707377"/>
+            <a:ext cx="1609567" cy="430887"/>
+          </a:xfrm>
+          <a:prstGeom prst="rect">
+            <a:avLst/>
+          </a:prstGeom>
+          <a:noFill/>
+        </p:spPr>
+        <p:txBody>
+          <a:bodyPr wrap="none" rtlCol="0">
+            <a:spAutoFit/>
+          </a:bodyPr>
+          <a:lstStyle/>
+          <a:p>
+            <a:pPr algn="r"/>
+            <a:r>
+              <a:rPr lang="en-US" sz="1100" dirty="0" smtClean="0">
+                <a:solidFill>
+                  <a:schemeClr val="accent1"/>
+                </a:solidFill>
+              </a:rPr>
+              <a:t>check if </a:t>
+            </a:r>
+            <a:r>
+              <a:rPr lang="en-US" sz="1100" dirty="0" err="1" smtClean="0">
+                <a:solidFill>
+                  <a:schemeClr val="accent1"/>
+                </a:solidFill>
+              </a:rPr>
+              <a:t>time_slice</a:t>
+            </a:r>
+            <a:r>
+              <a:rPr lang="en-US" sz="1100" dirty="0" smtClean="0">
+                <a:solidFill>
+                  <a:schemeClr val="accent1"/>
+                </a:solidFill>
+              </a:rPr>
+              <a:t> is out</a:t>
+            </a:r>
+          </a:p>
+          <a:p>
+            <a:pPr algn="r"/>
+            <a:r>
+              <a:rPr lang="en-US" sz="1100" b="1" dirty="0" smtClean="0">
+                <a:solidFill>
+                  <a:schemeClr val="accent1"/>
+                </a:solidFill>
+              </a:rPr>
+              <a:t>not out yet!</a:t>
+            </a:r>
+            <a:endParaRPr lang="en-US" sz="1100" b="1" dirty="0">
+              <a:solidFill>
+                <a:schemeClr val="accent1"/>
+              </a:solidFill>
+            </a:endParaRPr>
+          </a:p>
+        </p:txBody>
+      </p:sp>
+      <p:cxnSp>
+        <p:nvCxnSpPr>
+          <p:cNvPr id="41" name="Curved Connector 40"/>
+          <p:cNvCxnSpPr>
+            <a:stCxn id="11" idx="3"/>
+          </p:cNvCxnSpPr>
+          <p:nvPr/>
+        </p:nvCxnSpPr>
+        <p:spPr>
+          <a:xfrm>
+            <a:off x="2870404" y="1652510"/>
+            <a:ext cx="1524001" cy="2322574"/>
+          </a:xfrm>
+          <a:prstGeom prst="curvedConnector2">
+            <a:avLst/>
+          </a:prstGeom>
+          <a:ln w="57150" cmpd="sng">
+            <a:solidFill>
+              <a:srgbClr val="660066"/>
+            </a:solidFill>
+            <a:tailEnd type="arrow"/>
+          </a:ln>
+        </p:spPr>
+        <p:style>
+          <a:lnRef idx="2">
+            <a:schemeClr val="accent1"/>
+          </a:lnRef>
+          <a:fillRef idx="0">
+            <a:schemeClr val="accent1"/>
+          </a:fillRef>
+          <a:effectRef idx="1">
+            <a:schemeClr val="accent1"/>
+          </a:effectRef>
+          <a:fontRef idx="minor">
+            <a:schemeClr val="tx1"/>
+          </a:fontRef>
+        </p:style>
+      </p:cxnSp>
+      <p:cxnSp>
+        <p:nvCxnSpPr>
+          <p:cNvPr id="105" name="Curved Connector 104"/>
+          <p:cNvCxnSpPr>
+            <a:stCxn id="11" idx="3"/>
+          </p:cNvCxnSpPr>
+          <p:nvPr/>
+        </p:nvCxnSpPr>
+        <p:spPr>
+          <a:xfrm>
+            <a:off x="2870404" y="1652510"/>
+            <a:ext cx="2381734" cy="1441958"/>
+          </a:xfrm>
+          <a:prstGeom prst="curvedConnector3">
+            <a:avLst>
+              <a:gd name="adj1" fmla="val 99476"/>
+            </a:avLst>
+          </a:prstGeom>
+          <a:ln w="57150" cmpd="sng">
+            <a:solidFill>
+              <a:srgbClr val="F79646"/>
+            </a:solidFill>
+            <a:tailEnd type="arrow"/>
+          </a:ln>
+        </p:spPr>
+        <p:style>
+          <a:lnRef idx="2">
+            <a:schemeClr val="accent1"/>
+          </a:lnRef>
+          <a:fillRef idx="0">
+            <a:schemeClr val="accent1"/>
+          </a:fillRef>
+          <a:effectRef idx="1">
+            <a:schemeClr val="accent1"/>
+          </a:effectRef>
+          <a:fontRef idx="minor">
+            <a:schemeClr val="tx1"/>
+          </a:fontRef>
+        </p:style>
+      </p:cxnSp>
+      <p:cxnSp>
+        <p:nvCxnSpPr>
+          <p:cNvPr id="130" name="Curved Connector 129"/>
+          <p:cNvCxnSpPr>
+            <a:stCxn id="11" idx="3"/>
+          </p:cNvCxnSpPr>
+          <p:nvPr/>
+        </p:nvCxnSpPr>
+        <p:spPr>
+          <a:xfrm>
+            <a:off x="2870404" y="1652510"/>
+            <a:ext cx="4400459" cy="1384301"/>
+          </a:xfrm>
+          <a:prstGeom prst="curvedConnector3">
+            <a:avLst>
+              <a:gd name="adj1" fmla="val 99690"/>
+            </a:avLst>
+          </a:prstGeom>
+          <a:ln w="57150" cmpd="sng">
+            <a:solidFill>
+              <a:srgbClr val="FF0000"/>
+            </a:solidFill>
+            <a:tailEnd type="arrow"/>
+          </a:ln>
+        </p:spPr>
+        <p:style>
+          <a:lnRef idx="2">
+            <a:schemeClr val="accent1"/>
+          </a:lnRef>
+          <a:fillRef idx="0">
+            <a:schemeClr val="accent1"/>
+          </a:fillRef>
+          <a:effectRef idx="1">
+            <a:schemeClr val="accent1"/>
+          </a:effectRef>
+          <a:fontRef idx="minor">
+            <a:schemeClr val="tx1"/>
+          </a:fontRef>
+        </p:style>
+      </p:cxnSp>
+      <p:sp>
+        <p:nvSpPr>
+          <p:cNvPr id="141" name="TextBox 140"/>
+          <p:cNvSpPr txBox="1"/>
+          <p:nvPr/>
+        </p:nvSpPr>
+        <p:spPr>
+          <a:xfrm>
+            <a:off x="4543666" y="2819431"/>
+            <a:ext cx="553858" cy="261610"/>
+          </a:xfrm>
+          <a:prstGeom prst="rect">
+            <a:avLst/>
+          </a:prstGeom>
+          <a:noFill/>
+        </p:spPr>
+        <p:txBody>
+          <a:bodyPr wrap="none" rtlCol="0">
+            <a:spAutoFit/>
+          </a:bodyPr>
+          <a:lstStyle/>
+          <a:p>
+            <a:r>
+              <a:rPr lang="en-US" sz="1100" b="1" dirty="0" smtClean="0">
+                <a:solidFill>
+                  <a:srgbClr val="4F81BD"/>
+                </a:solidFill>
+              </a:rPr>
+              <a:t>is out!</a:t>
+            </a:r>
+            <a:endParaRPr lang="en-US" sz="1100" b="1" dirty="0">
+              <a:solidFill>
+                <a:srgbClr val="4F81BD"/>
+              </a:solidFill>
+            </a:endParaRPr>
+          </a:p>
+        </p:txBody>
+      </p:sp>
+      <p:cxnSp>
+        <p:nvCxnSpPr>
+          <p:cNvPr id="142" name="Straight Arrow Connector 141"/>
+          <p:cNvCxnSpPr/>
+          <p:nvPr/>
+        </p:nvCxnSpPr>
+        <p:spPr>
+          <a:xfrm>
+            <a:off x="4947263" y="3047569"/>
+            <a:ext cx="250763" cy="185436"/>
+          </a:xfrm>
+          <a:prstGeom prst="straightConnector1">
+            <a:avLst/>
+          </a:prstGeom>
+          <a:ln>
+            <a:tailEnd type="arrow"/>
+          </a:ln>
+        </p:spPr>
+        <p:style>
+          <a:lnRef idx="2">
+            <a:schemeClr val="accent1"/>
+          </a:lnRef>
+          <a:fillRef idx="0">
+            <a:schemeClr val="accent1"/>
+          </a:fillRef>
+          <a:effectRef idx="1">
+            <a:schemeClr val="accent1"/>
+          </a:effectRef>
+          <a:fontRef idx="minor">
+            <a:schemeClr val="tx1"/>
+          </a:fontRef>
+        </p:style>
+      </p:cxnSp>
+      <p:sp>
+        <p:nvSpPr>
+          <p:cNvPr id="166" name="TextBox 165"/>
+          <p:cNvSpPr txBox="1"/>
+          <p:nvPr/>
+        </p:nvSpPr>
+        <p:spPr>
+          <a:xfrm>
+            <a:off x="2902937" y="3271937"/>
+            <a:ext cx="766143" cy="261610"/>
+          </a:xfrm>
+          <a:prstGeom prst="rect">
+            <a:avLst/>
+          </a:prstGeom>
+          <a:noFill/>
+        </p:spPr>
+        <p:txBody>
+          <a:bodyPr wrap="none" rtlCol="0">
+            <a:spAutoFit/>
+          </a:bodyPr>
+          <a:lstStyle/>
+          <a:p>
+            <a:r>
+              <a:rPr lang="en-US" sz="1100" dirty="0" err="1" smtClean="0">
+                <a:solidFill>
+                  <a:srgbClr val="FF0000"/>
+                </a:solidFill>
+              </a:rPr>
+              <a:t>time_slice</a:t>
+            </a:r>
+            <a:endParaRPr lang="en-US" sz="1100" dirty="0" smtClean="0">
+              <a:solidFill>
+                <a:srgbClr val="FF0000"/>
+              </a:solidFill>
+            </a:endParaRPr>
+          </a:p>
+        </p:txBody>
+      </p:sp>
+      <p:cxnSp>
+        <p:nvCxnSpPr>
+          <p:cNvPr id="168" name="Straight Arrow Connector 167"/>
+          <p:cNvCxnSpPr>
+            <a:stCxn id="166" idx="1"/>
+          </p:cNvCxnSpPr>
+          <p:nvPr/>
+        </p:nvCxnSpPr>
+        <p:spPr>
+          <a:xfrm flipH="1">
+            <a:off x="1471965" y="3402742"/>
+            <a:ext cx="1430972" cy="0"/>
+          </a:xfrm>
+          <a:prstGeom prst="straightConnector1">
+            <a:avLst/>
+          </a:prstGeom>
+          <a:ln>
+            <a:solidFill>
+              <a:srgbClr val="FF0000"/>
+            </a:solidFill>
+            <a:prstDash val="dash"/>
+            <a:tailEnd type="arrow"/>
+          </a:ln>
+        </p:spPr>
+        <p:style>
+          <a:lnRef idx="2">
+            <a:schemeClr val="accent1"/>
+          </a:lnRef>
+          <a:fillRef idx="0">
+            <a:schemeClr val="accent1"/>
+          </a:fillRef>
+          <a:effectRef idx="1">
+            <a:schemeClr val="accent1"/>
+          </a:effectRef>
+          <a:fontRef idx="minor">
+            <a:schemeClr val="tx1"/>
+          </a:fontRef>
+        </p:style>
+      </p:cxnSp>
+      <p:cxnSp>
+        <p:nvCxnSpPr>
+          <p:cNvPr id="170" name="Straight Arrow Connector 169"/>
+          <p:cNvCxnSpPr>
+            <a:stCxn id="166" idx="3"/>
+          </p:cNvCxnSpPr>
+          <p:nvPr/>
+        </p:nvCxnSpPr>
+        <p:spPr>
+          <a:xfrm>
+            <a:off x="3669080" y="3402742"/>
+            <a:ext cx="1574506" cy="0"/>
+          </a:xfrm>
+          <a:prstGeom prst="straightConnector1">
+            <a:avLst/>
+          </a:prstGeom>
+          <a:ln>
+            <a:solidFill>
+              <a:srgbClr val="FF0000"/>
+            </a:solidFill>
+            <a:prstDash val="dash"/>
+            <a:tailEnd type="arrow"/>
+          </a:ln>
+        </p:spPr>
+        <p:style>
+          <a:lnRef idx="2">
+            <a:schemeClr val="accent1"/>
+          </a:lnRef>
+          <a:fillRef idx="0">
+            <a:schemeClr val="accent1"/>
+          </a:fillRef>
+          <a:effectRef idx="1">
+            <a:schemeClr val="accent1"/>
+          </a:effectRef>
+          <a:fontRef idx="minor">
+            <a:schemeClr val="tx1"/>
+          </a:fontRef>
+        </p:style>
+      </p:cxnSp>
+      <p:sp>
+        <p:nvSpPr>
+          <p:cNvPr id="182" name="TextBox 181"/>
+          <p:cNvSpPr txBox="1"/>
+          <p:nvPr/>
+        </p:nvSpPr>
+        <p:spPr>
+          <a:xfrm>
+            <a:off x="1221" y="314770"/>
+            <a:ext cx="9142779" cy="769441"/>
+          </a:xfrm>
+          <a:prstGeom prst="rect">
+            <a:avLst/>
+          </a:prstGeom>
+          <a:noFill/>
+        </p:spPr>
+        <p:txBody>
+          <a:bodyPr wrap="square" rtlCol="0">
+            <a:spAutoFit/>
+          </a:bodyPr>
+          <a:lstStyle/>
+          <a:p>
+            <a:pPr algn="ctr"/>
+            <a:r>
+              <a:rPr lang="en-US" sz="4400" b="1" dirty="0" smtClean="0"/>
+              <a:t>Linux-like CFS scheduler simulator</a:t>
+            </a:r>
+            <a:endParaRPr lang="en-US" sz="4400" b="1" dirty="0"/>
+          </a:p>
+        </p:txBody>
+      </p:sp>
+      <p:sp>
+        <p:nvSpPr>
+          <p:cNvPr id="183" name="TextBox 182"/>
+          <p:cNvSpPr txBox="1"/>
+          <p:nvPr/>
+        </p:nvSpPr>
+        <p:spPr>
+          <a:xfrm>
+            <a:off x="7944580" y="4455265"/>
+            <a:ext cx="446131" cy="261610"/>
+          </a:xfrm>
+          <a:prstGeom prst="rect">
+            <a:avLst/>
+          </a:prstGeom>
+          <a:noFill/>
+        </p:spPr>
+        <p:txBody>
+          <a:bodyPr wrap="none" rtlCol="0">
+            <a:spAutoFit/>
+          </a:bodyPr>
+          <a:lstStyle/>
+          <a:p>
+            <a:r>
+              <a:rPr lang="en-US" sz="1100" dirty="0" smtClean="0">
+                <a:solidFill>
+                  <a:srgbClr val="4F81BD"/>
+                </a:solidFill>
+              </a:rPr>
+              <a:t>time</a:t>
+            </a:r>
+            <a:endParaRPr lang="en-US" sz="1100" dirty="0">
+              <a:solidFill>
+                <a:srgbClr val="4F81BD"/>
+              </a:solidFill>
+            </a:endParaRPr>
+          </a:p>
+        </p:txBody>
+      </p:sp>
+      <p:sp>
+        <p:nvSpPr>
+          <p:cNvPr id="184" name="TextBox 183"/>
+          <p:cNvSpPr txBox="1"/>
+          <p:nvPr/>
+        </p:nvSpPr>
+        <p:spPr>
+          <a:xfrm>
+            <a:off x="8055277" y="2413285"/>
+            <a:ext cx="518247" cy="261610"/>
           </a:xfrm>
           <a:prstGeom prst="rect">
             <a:avLst/>
@@ -10634,64 +11262,6 @@
           <a:ln>
             <a:noFill/>
           </a:ln>
-          <a:extLst>
-            <a:ext uri="{53640926-AAD7-44d8-BBD7-CCE9431645EC}">
-              <a14:shadowObscured xmlns:a14="http://schemas.microsoft.com/office/drawing/2010/main"/>
-            </a:ext>
-          </a:extLst>
-        </p:spPr>
-      </p:pic>
-      <p:pic>
-        <p:nvPicPr>
-          <p:cNvPr id="3" name="Picture 2" descr="Macintosh HD:Users:jack:Desktop:Screen Shot 2016-12-05 at 10.53.14 PM.png"/>
-          <p:cNvPicPr/>
-          <p:nvPr/>
-        </p:nvPicPr>
-        <p:blipFill rotWithShape="1">
-          <a:blip r:embed="rId3">
-            <a:extLst>
-              <a:ext uri="{28A0092B-C50C-407E-A947-70E740481C1C}">
-                <a14:useLocalDpi xmlns:a14="http://schemas.microsoft.com/office/drawing/2010/main" val="0"/>
-              </a:ext>
-            </a:extLst>
-          </a:blip>
-          <a:srcRect l="17229" t="75894" r="60440" b="13635"/>
-          <a:stretch/>
-        </p:blipFill>
-        <p:spPr bwMode="auto">
-          <a:xfrm>
-            <a:off x="567041" y="4928040"/>
-            <a:ext cx="4595108" cy="1369587"/>
-          </a:xfrm>
-          <a:prstGeom prst="rect">
-            <a:avLst/>
-          </a:prstGeom>
-          <a:noFill/>
-          <a:ln>
-            <a:noFill/>
-          </a:ln>
-          <a:extLst>
-            <a:ext uri="{53640926-AAD7-44d8-BBD7-CCE9431645EC}">
-              <a14:shadowObscured xmlns:a14="http://schemas.microsoft.com/office/drawing/2010/main"/>
-            </a:ext>
-          </a:extLst>
-        </p:spPr>
-      </p:pic>
-      <p:sp>
-        <p:nvSpPr>
-          <p:cNvPr id="4" name="TextBox 3"/>
-          <p:cNvSpPr txBox="1"/>
-          <p:nvPr/>
-        </p:nvSpPr>
-        <p:spPr>
-          <a:xfrm>
-            <a:off x="414641" y="2342717"/>
-            <a:ext cx="1226455" cy="2585323"/>
-          </a:xfrm>
-          <a:prstGeom prst="rect">
-            <a:avLst/>
-          </a:prstGeom>
-          <a:noFill/>
         </p:spPr>
         <p:txBody>
           <a:bodyPr wrap="none" rtlCol="0">
@@ -10700,49 +11270,134 @@
           <a:lstStyle/>
           <a:p>
             <a:r>
-              <a:rPr lang="en-US" dirty="0" smtClean="0"/>
-              <a:t>User input:</a:t>
-            </a:r>
-          </a:p>
-          <a:p>
-            <a:endParaRPr lang="en-US" dirty="0" smtClean="0"/>
-          </a:p>
-          <a:p>
-            <a:endParaRPr lang="en-US" dirty="0"/>
-          </a:p>
-          <a:p>
-            <a:endParaRPr lang="en-US" dirty="0"/>
-          </a:p>
-          <a:p>
-            <a:endParaRPr lang="en-US" dirty="0" smtClean="0"/>
-          </a:p>
-          <a:p>
-            <a:endParaRPr lang="en-US" dirty="0"/>
-          </a:p>
-          <a:p>
-            <a:endParaRPr lang="en-US" dirty="0" smtClean="0"/>
-          </a:p>
-          <a:p>
-            <a:endParaRPr lang="en-US" dirty="0"/>
-          </a:p>
-          <a:p>
-            <a:r>
-              <a:rPr lang="en-US" dirty="0" smtClean="0"/>
-              <a:t>Result:</a:t>
-            </a:r>
-          </a:p>
-        </p:txBody>
-      </p:sp>
-      <p:sp>
-        <p:nvSpPr>
-          <p:cNvPr id="5" name="TextBox 4"/>
+              <a:rPr lang="en-US" sz="1100" dirty="0" smtClean="0">
+                <a:solidFill>
+                  <a:srgbClr val="008000"/>
+                </a:solidFill>
+              </a:rPr>
+              <a:t>a task</a:t>
+            </a:r>
+            <a:endParaRPr lang="en-US" sz="1100" dirty="0">
+              <a:solidFill>
+                <a:srgbClr val="008000"/>
+              </a:solidFill>
+            </a:endParaRPr>
+          </a:p>
+        </p:txBody>
+      </p:sp>
+      <p:sp>
+        <p:nvSpPr>
+          <p:cNvPr id="186" name="Rectangle 185"/>
+          <p:cNvSpPr/>
+          <p:nvPr/>
+        </p:nvSpPr>
+        <p:spPr>
+          <a:xfrm>
+            <a:off x="8043112" y="3238508"/>
+            <a:ext cx="518247" cy="261610"/>
+          </a:xfrm>
+          <a:prstGeom prst="rect">
+            <a:avLst/>
+          </a:prstGeom>
+        </p:spPr>
+        <p:txBody>
+          <a:bodyPr wrap="none">
+            <a:spAutoFit/>
+          </a:bodyPr>
+          <a:lstStyle/>
+          <a:p>
+            <a:r>
+              <a:rPr lang="en-US" sz="1100" dirty="0" smtClean="0">
+                <a:solidFill>
+                  <a:srgbClr val="FF0000"/>
+                </a:solidFill>
+              </a:rPr>
+              <a:t>a task</a:t>
+            </a:r>
+            <a:endParaRPr lang="en-US" sz="1100" dirty="0">
+              <a:solidFill>
+                <a:srgbClr val="FF0000"/>
+              </a:solidFill>
+            </a:endParaRPr>
+          </a:p>
+        </p:txBody>
+      </p:sp>
+      <p:sp>
+        <p:nvSpPr>
+          <p:cNvPr id="187" name="Rectangle 186"/>
+          <p:cNvSpPr/>
+          <p:nvPr/>
+        </p:nvSpPr>
+        <p:spPr>
+          <a:xfrm>
+            <a:off x="8055277" y="3920340"/>
+            <a:ext cx="518247" cy="261610"/>
+          </a:xfrm>
+          <a:prstGeom prst="rect">
+            <a:avLst/>
+          </a:prstGeom>
+        </p:spPr>
+        <p:txBody>
+          <a:bodyPr wrap="none">
+            <a:spAutoFit/>
+          </a:bodyPr>
+          <a:lstStyle/>
+          <a:p>
+            <a:r>
+              <a:rPr lang="en-US" sz="1100" dirty="0" smtClean="0">
+                <a:solidFill>
+                  <a:srgbClr val="660066"/>
+                </a:solidFill>
+              </a:rPr>
+              <a:t>a task</a:t>
+            </a:r>
+            <a:endParaRPr lang="en-US" sz="1100" dirty="0">
+              <a:solidFill>
+                <a:srgbClr val="660066"/>
+              </a:solidFill>
+            </a:endParaRPr>
+          </a:p>
+        </p:txBody>
+      </p:sp>
+      <p:sp>
+        <p:nvSpPr>
+          <p:cNvPr id="2" name="Rectangle 1"/>
+          <p:cNvSpPr/>
+          <p:nvPr/>
+        </p:nvSpPr>
+        <p:spPr>
+          <a:xfrm>
+            <a:off x="1009199" y="1772478"/>
+            <a:ext cx="1524263" cy="307777"/>
+          </a:xfrm>
+          <a:prstGeom prst="rect">
+            <a:avLst/>
+          </a:prstGeom>
+        </p:spPr>
+        <p:txBody>
+          <a:bodyPr wrap="none">
+            <a:spAutoFit/>
+          </a:bodyPr>
+          <a:lstStyle/>
+          <a:p>
+            <a:r>
+              <a:rPr lang="en-US" sz="1400" dirty="0" smtClean="0"/>
+              <a:t>RB-tree / AVL-tree</a:t>
+            </a:r>
+            <a:endParaRPr lang="en-US" sz="1400" dirty="0"/>
+          </a:p>
+        </p:txBody>
+      </p:sp>
+      <p:sp>
+        <p:nvSpPr>
+          <p:cNvPr id="50" name="TextBox 49"/>
           <p:cNvSpPr txBox="1"/>
           <p:nvPr/>
         </p:nvSpPr>
         <p:spPr>
           <a:xfrm>
-            <a:off x="567041" y="2489325"/>
-            <a:ext cx="184666" cy="369332"/>
+            <a:off x="204981" y="5103673"/>
+            <a:ext cx="5781338" cy="2031325"/>
           </a:xfrm>
           <a:prstGeom prst="rect">
             <a:avLst/>
@@ -10755,77 +11410,98 @@
           </a:bodyPr>
           <a:lstStyle/>
           <a:p>
+            <a:r>
+              <a:rPr lang="en-US" b="1" dirty="0" smtClean="0"/>
+              <a:t>Other less Linux CFS features we haven’t implemented yet:</a:t>
+            </a:r>
+            <a:endParaRPr lang="en-US" dirty="0" smtClean="0"/>
+          </a:p>
+          <a:p>
+            <a:pPr marL="285750" lvl="0" indent="-285750">
+              <a:buFont typeface="Arial"/>
+              <a:buChar char="•"/>
+            </a:pPr>
+            <a:r>
+              <a:rPr lang="en-US" dirty="0"/>
+              <a:t>Fork(</a:t>
+            </a:r>
+            <a:r>
+              <a:rPr lang="en-US" dirty="0" smtClean="0"/>
+              <a:t>)</a:t>
+            </a:r>
+          </a:p>
+          <a:p>
+            <a:pPr marL="285750" indent="-285750">
+              <a:buFont typeface="Arial"/>
+              <a:buChar char="•"/>
+            </a:pPr>
+            <a:r>
+              <a:rPr lang="en-US" dirty="0"/>
+              <a:t>Group </a:t>
+            </a:r>
+            <a:r>
+              <a:rPr lang="en-US" dirty="0" smtClean="0"/>
+              <a:t>scheduling</a:t>
+            </a:r>
+          </a:p>
+          <a:p>
+            <a:pPr marL="285750" indent="-285750">
+              <a:buFont typeface="Arial"/>
+              <a:buChar char="•"/>
+            </a:pPr>
+            <a:r>
+              <a:rPr lang="en-US" dirty="0"/>
+              <a:t>External interrupt</a:t>
+            </a:r>
+          </a:p>
+          <a:p>
+            <a:pPr marL="285750" indent="-285750">
+              <a:buFont typeface="Arial"/>
+              <a:buChar char="•"/>
+            </a:pPr>
+            <a:r>
+              <a:rPr lang="en-US" dirty="0" smtClean="0"/>
+              <a:t>Per</a:t>
+            </a:r>
+            <a:r>
+              <a:rPr lang="en-US" dirty="0"/>
+              <a:t>-CPU </a:t>
+            </a:r>
+            <a:r>
+              <a:rPr lang="en-US" dirty="0" err="1" smtClean="0"/>
+              <a:t>runqueue</a:t>
+            </a:r>
             <a:endParaRPr lang="en-US" dirty="0"/>
           </a:p>
-        </p:txBody>
-      </p:sp>
-      <p:sp>
-        <p:nvSpPr>
-          <p:cNvPr id="7" name="TextBox 6"/>
-          <p:cNvSpPr txBox="1"/>
-          <p:nvPr/>
-        </p:nvSpPr>
-        <p:spPr>
-          <a:xfrm>
-            <a:off x="1221" y="314770"/>
-            <a:ext cx="9142779" cy="707886"/>
-          </a:xfrm>
-          <a:prstGeom prst="rect">
-            <a:avLst/>
-          </a:prstGeom>
-          <a:noFill/>
-        </p:spPr>
-        <p:txBody>
-          <a:bodyPr wrap="square" rtlCol="0">
-            <a:spAutoFit/>
-          </a:bodyPr>
-          <a:lstStyle/>
-          <a:p>
-            <a:pPr algn="ctr"/>
-            <a:r>
-              <a:rPr lang="en-US" sz="4000" b="1" dirty="0" smtClean="0"/>
-              <a:t>Single</a:t>
-            </a:r>
-            <a:r>
-              <a:rPr lang="en-US" sz="4000" b="1" dirty="0" smtClean="0"/>
-              <a:t>-threaded Linux-like CFS simulator</a:t>
-            </a:r>
-            <a:endParaRPr lang="en-US" sz="4000" b="1" dirty="0"/>
-          </a:p>
-        </p:txBody>
-      </p:sp>
-      <p:sp>
-        <p:nvSpPr>
-          <p:cNvPr id="8" name="Rectangle 7"/>
-          <p:cNvSpPr/>
-          <p:nvPr/>
-        </p:nvSpPr>
-        <p:spPr>
-          <a:xfrm>
-            <a:off x="483147" y="1348260"/>
-            <a:ext cx="5505729" cy="369332"/>
-          </a:xfrm>
-          <a:prstGeom prst="rect">
-            <a:avLst/>
-          </a:prstGeom>
-        </p:spPr>
-        <p:txBody>
-          <a:bodyPr wrap="square">
-            <a:spAutoFit/>
-          </a:bodyPr>
-          <a:lstStyle/>
-          <a:p>
+          <a:p>
+            <a:pPr marL="285750" lvl="0" indent="-285750">
+              <a:buFont typeface="Arial"/>
+              <a:buChar char="•"/>
+            </a:pPr>
             <a:r>
               <a:rPr lang="en-US" dirty="0"/>
-              <a:t>Testing environment: 4 core laptop (hyper-threading)</a:t>
-            </a:r>
+              <a:t>Real-time </a:t>
+            </a:r>
+            <a:r>
+              <a:rPr lang="en-US" dirty="0" err="1"/>
+              <a:t>garantee</a:t>
+            </a:r>
+            <a:endParaRPr lang="en-US" dirty="0"/>
+          </a:p>
+          <a:p>
+            <a:pPr lvl="0"/>
+            <a:r>
+              <a:rPr lang="en-US" dirty="0"/>
+              <a:t> </a:t>
+            </a:r>
+            <a:endParaRPr lang="en-US" dirty="0"/>
           </a:p>
         </p:txBody>
       </p:sp>
     </p:spTree>
     <p:extLst>
       <p:ext uri="{BB962C8B-B14F-4D97-AF65-F5344CB8AC3E}">
-        <p14:creationId xmlns:p14="http://schemas.microsoft.com/office/powerpoint/2010/main" val="3499208718"/>
+        <p14:creationId xmlns:p14="http://schemas.microsoft.com/office/powerpoint/2010/main" val="319673184"/>
       </p:ext>
     </p:extLst>
   </p:cSld>
@@ -10859,35 +11535,9 @@
           <a:chExt cx="0" cy="0"/>
         </a:xfrm>
       </p:grpSpPr>
-      <p:sp>
-        <p:nvSpPr>
-          <p:cNvPr id="5" name="TextBox 4"/>
-          <p:cNvSpPr txBox="1"/>
-          <p:nvPr/>
-        </p:nvSpPr>
-        <p:spPr>
-          <a:xfrm>
-            <a:off x="567041" y="1225560"/>
-            <a:ext cx="184666" cy="369332"/>
-          </a:xfrm>
-          <a:prstGeom prst="rect">
-            <a:avLst/>
-          </a:prstGeom>
-          <a:noFill/>
-        </p:spPr>
-        <p:txBody>
-          <a:bodyPr wrap="none" rtlCol="0">
-            <a:spAutoFit/>
-          </a:bodyPr>
-          <a:lstStyle/>
-          <a:p>
-            <a:endParaRPr lang="en-US" dirty="0"/>
-          </a:p>
-        </p:txBody>
-      </p:sp>
       <p:pic>
         <p:nvPicPr>
-          <p:cNvPr id="6" name="Picture 5" descr="Macintosh HD:Users:jack:Desktop:image.png"/>
+          <p:cNvPr id="2" name="Picture 1" descr="Macintosh HD:Users:jack:Desktop:Screen Shot 2016-12-06 at 12.15.06 AM.png"/>
           <p:cNvPicPr/>
           <p:nvPr/>
         </p:nvPicPr>
@@ -10899,13 +11549,13 @@
               </a:ext>
             </a:extLst>
           </a:blip>
-          <a:srcRect l="3735" t="9746" r="8072" b="2144"/>
+          <a:srcRect l="5662" t="12745" r="15663" b="39216"/>
           <a:stretch/>
         </p:blipFill>
         <p:spPr bwMode="auto">
           <a:xfrm>
-            <a:off x="692912" y="1941628"/>
-            <a:ext cx="7910883" cy="4884483"/>
+            <a:off x="483147" y="2858657"/>
+            <a:ext cx="8300737" cy="1379653"/>
           </a:xfrm>
           <a:prstGeom prst="rect">
             <a:avLst/>
@@ -10921,6 +11571,124 @@
           </a:extLst>
         </p:spPr>
       </p:pic>
+      <p:pic>
+        <p:nvPicPr>
+          <p:cNvPr id="3" name="Picture 2" descr="Macintosh HD:Users:jack:Desktop:Screen Shot 2016-12-05 at 10.53.14 PM.png"/>
+          <p:cNvPicPr/>
+          <p:nvPr/>
+        </p:nvPicPr>
+        <p:blipFill rotWithShape="1">
+          <a:blip r:embed="rId3">
+            <a:extLst>
+              <a:ext uri="{28A0092B-C50C-407E-A947-70E740481C1C}">
+                <a14:useLocalDpi xmlns:a14="http://schemas.microsoft.com/office/drawing/2010/main" val="0"/>
+              </a:ext>
+            </a:extLst>
+          </a:blip>
+          <a:srcRect l="17229" t="75894" r="60440" b="13635"/>
+          <a:stretch/>
+        </p:blipFill>
+        <p:spPr bwMode="auto">
+          <a:xfrm>
+            <a:off x="567041" y="4928040"/>
+            <a:ext cx="4595108" cy="1369587"/>
+          </a:xfrm>
+          <a:prstGeom prst="rect">
+            <a:avLst/>
+          </a:prstGeom>
+          <a:noFill/>
+          <a:ln>
+            <a:noFill/>
+          </a:ln>
+          <a:extLst>
+            <a:ext uri="{53640926-AAD7-44d8-BBD7-CCE9431645EC}">
+              <a14:shadowObscured xmlns:a14="http://schemas.microsoft.com/office/drawing/2010/main"/>
+            </a:ext>
+          </a:extLst>
+        </p:spPr>
+      </p:pic>
+      <p:sp>
+        <p:nvSpPr>
+          <p:cNvPr id="4" name="TextBox 3"/>
+          <p:cNvSpPr txBox="1"/>
+          <p:nvPr/>
+        </p:nvSpPr>
+        <p:spPr>
+          <a:xfrm>
+            <a:off x="414641" y="2342717"/>
+            <a:ext cx="1226455" cy="2585323"/>
+          </a:xfrm>
+          <a:prstGeom prst="rect">
+            <a:avLst/>
+          </a:prstGeom>
+          <a:noFill/>
+        </p:spPr>
+        <p:txBody>
+          <a:bodyPr wrap="none" rtlCol="0">
+            <a:spAutoFit/>
+          </a:bodyPr>
+          <a:lstStyle/>
+          <a:p>
+            <a:r>
+              <a:rPr lang="en-US" dirty="0" smtClean="0"/>
+              <a:t>User input:</a:t>
+            </a:r>
+          </a:p>
+          <a:p>
+            <a:endParaRPr lang="en-US" dirty="0" smtClean="0"/>
+          </a:p>
+          <a:p>
+            <a:endParaRPr lang="en-US" dirty="0"/>
+          </a:p>
+          <a:p>
+            <a:endParaRPr lang="en-US" dirty="0"/>
+          </a:p>
+          <a:p>
+            <a:endParaRPr lang="en-US" dirty="0" smtClean="0"/>
+          </a:p>
+          <a:p>
+            <a:endParaRPr lang="en-US" dirty="0"/>
+          </a:p>
+          <a:p>
+            <a:endParaRPr lang="en-US" dirty="0" smtClean="0"/>
+          </a:p>
+          <a:p>
+            <a:endParaRPr lang="en-US" dirty="0"/>
+          </a:p>
+          <a:p>
+            <a:r>
+              <a:rPr lang="en-US" dirty="0" smtClean="0"/>
+              <a:t>Result:</a:t>
+            </a:r>
+          </a:p>
+        </p:txBody>
+      </p:sp>
+      <p:sp>
+        <p:nvSpPr>
+          <p:cNvPr id="5" name="TextBox 4"/>
+          <p:cNvSpPr txBox="1"/>
+          <p:nvPr/>
+        </p:nvSpPr>
+        <p:spPr>
+          <a:xfrm>
+            <a:off x="567041" y="2489325"/>
+            <a:ext cx="184666" cy="369332"/>
+          </a:xfrm>
+          <a:prstGeom prst="rect">
+            <a:avLst/>
+          </a:prstGeom>
+          <a:noFill/>
+        </p:spPr>
+        <p:txBody>
+          <a:bodyPr wrap="none" rtlCol="0">
+            <a:spAutoFit/>
+          </a:bodyPr>
+          <a:lstStyle/>
+          <a:p>
+            <a:endParaRPr lang="en-US" dirty="0"/>
+          </a:p>
+        </p:txBody>
+      </p:sp>
       <p:sp>
         <p:nvSpPr>
           <p:cNvPr id="7" name="TextBox 6"/>
@@ -10946,7 +11714,7 @@
             <a:pPr algn="ctr"/>
             <a:r>
               <a:rPr lang="en-US" sz="4000" b="1" dirty="0" smtClean="0"/>
-              <a:t>multi</a:t>
+              <a:t>Single</a:t>
             </a:r>
             <a:r>
               <a:rPr lang="en-US" sz="4000" b="1" dirty="0" smtClean="0"/>
@@ -10958,28 +11726,27 @@
       </p:sp>
       <p:sp>
         <p:nvSpPr>
-          <p:cNvPr id="8" name="TextBox 7"/>
-          <p:cNvSpPr txBox="1"/>
-          <p:nvPr/>
-        </p:nvSpPr>
-        <p:spPr>
-          <a:xfrm>
-            <a:off x="414641" y="1425900"/>
-            <a:ext cx="5196705" cy="369332"/>
+          <p:cNvPr id="8" name="Rectangle 7"/>
+          <p:cNvSpPr/>
+          <p:nvPr/>
+        </p:nvSpPr>
+        <p:spPr>
+          <a:xfrm>
+            <a:off x="483147" y="1348260"/>
+            <a:ext cx="5505729" cy="369332"/>
           </a:xfrm>
           <a:prstGeom prst="rect">
             <a:avLst/>
           </a:prstGeom>
-          <a:noFill/>
-        </p:spPr>
-        <p:txBody>
-          <a:bodyPr wrap="none" rtlCol="0">
+        </p:spPr>
+        <p:txBody>
+          <a:bodyPr wrap="square">
             <a:spAutoFit/>
           </a:bodyPr>
           <a:lstStyle/>
           <a:p>
             <a:r>
-              <a:rPr lang="en-US" dirty="0" smtClean="0"/>
+              <a:rPr lang="en-US" dirty="0"/>
               <a:t>Testing environment: 4 core laptop (hyper-threading)</a:t>
             </a:r>
           </a:p>
@@ -10988,7 +11755,7 @@
     </p:spTree>
     <p:extLst>
       <p:ext uri="{BB962C8B-B14F-4D97-AF65-F5344CB8AC3E}">
-        <p14:creationId xmlns:p14="http://schemas.microsoft.com/office/powerpoint/2010/main" val="872998405"/>
+        <p14:creationId xmlns:p14="http://schemas.microsoft.com/office/powerpoint/2010/main" val="3499208718"/>
       </p:ext>
     </p:extLst>
   </p:cSld>
@@ -11024,14 +11791,76 @@
       </p:grpSpPr>
       <p:sp>
         <p:nvSpPr>
-          <p:cNvPr id="2" name="TextBox 1"/>
+          <p:cNvPr id="5" name="TextBox 4"/>
           <p:cNvSpPr txBox="1"/>
           <p:nvPr/>
         </p:nvSpPr>
         <p:spPr>
           <a:xfrm>
+            <a:off x="567041" y="1225560"/>
+            <a:ext cx="184666" cy="369332"/>
+          </a:xfrm>
+          <a:prstGeom prst="rect">
+            <a:avLst/>
+          </a:prstGeom>
+          <a:noFill/>
+        </p:spPr>
+        <p:txBody>
+          <a:bodyPr wrap="none" rtlCol="0">
+            <a:spAutoFit/>
+          </a:bodyPr>
+          <a:lstStyle/>
+          <a:p>
+            <a:endParaRPr lang="en-US" dirty="0"/>
+          </a:p>
+        </p:txBody>
+      </p:sp>
+      <p:pic>
+        <p:nvPicPr>
+          <p:cNvPr id="6" name="Picture 5" descr="Macintosh HD:Users:jack:Desktop:image.png"/>
+          <p:cNvPicPr/>
+          <p:nvPr/>
+        </p:nvPicPr>
+        <p:blipFill rotWithShape="1">
+          <a:blip r:embed="rId2">
+            <a:extLst>
+              <a:ext uri="{28A0092B-C50C-407E-A947-70E740481C1C}">
+                <a14:useLocalDpi xmlns:a14="http://schemas.microsoft.com/office/drawing/2010/main" val="0"/>
+              </a:ext>
+            </a:extLst>
+          </a:blip>
+          <a:srcRect l="3735" t="9746" r="8072" b="2144"/>
+          <a:stretch/>
+        </p:blipFill>
+        <p:spPr bwMode="auto">
+          <a:xfrm>
+            <a:off x="692912" y="1941628"/>
+            <a:ext cx="7910883" cy="4884483"/>
+          </a:xfrm>
+          <a:prstGeom prst="rect">
+            <a:avLst/>
+          </a:prstGeom>
+          <a:noFill/>
+          <a:ln>
+            <a:noFill/>
+          </a:ln>
+          <a:extLst>
+            <a:ext uri="{53640926-AAD7-44d8-BBD7-CCE9431645EC}">
+              <a14:shadowObscured xmlns:a14="http://schemas.microsoft.com/office/drawing/2010/main"/>
+            </a:ext>
+          </a:extLst>
+        </p:spPr>
+      </p:pic>
+      <p:sp>
+        <p:nvSpPr>
+          <p:cNvPr id="7" name="TextBox 6"/>
+          <p:cNvSpPr txBox="1"/>
+          <p:nvPr/>
+        </p:nvSpPr>
+        <p:spPr>
+          <a:xfrm>
             <a:off x="1221" y="314770"/>
-            <a:ext cx="9142779" cy="769441"/>
+            <a:ext cx="9142779" cy="707886"/>
           </a:xfrm>
           <a:prstGeom prst="rect">
             <a:avLst/>
@@ -11046,23 +11875,27 @@
           <a:p>
             <a:pPr algn="ctr"/>
             <a:r>
-              <a:rPr lang="en-US" sz="4400" b="1" dirty="0" smtClean="0"/>
-              <a:t>Conclusion</a:t>
-            </a:r>
-            <a:endParaRPr lang="en-US" sz="4400" b="1" dirty="0"/>
-          </a:p>
-        </p:txBody>
-      </p:sp>
-      <p:sp>
-        <p:nvSpPr>
-          <p:cNvPr id="3" name="TextBox 2"/>
+              <a:rPr lang="en-US" sz="4000" b="1" dirty="0" smtClean="0"/>
+              <a:t>multi</a:t>
+            </a:r>
+            <a:r>
+              <a:rPr lang="en-US" sz="4000" b="1" dirty="0" smtClean="0"/>
+              <a:t>-threaded Linux-like CFS simulator</a:t>
+            </a:r>
+            <a:endParaRPr lang="en-US" sz="4000" b="1" dirty="0"/>
+          </a:p>
+        </p:txBody>
+      </p:sp>
+      <p:sp>
+        <p:nvSpPr>
+          <p:cNvPr id="8" name="TextBox 7"/>
           <p:cNvSpPr txBox="1"/>
           <p:nvPr/>
         </p:nvSpPr>
         <p:spPr>
           <a:xfrm>
-            <a:off x="221935" y="1317665"/>
-            <a:ext cx="8766404" cy="5262979"/>
+            <a:off x="414641" y="1425900"/>
+            <a:ext cx="5196705" cy="369332"/>
           </a:xfrm>
           <a:prstGeom prst="rect">
             <a:avLst/>
@@ -11070,176 +11903,22 @@
           <a:noFill/>
         </p:spPr>
         <p:txBody>
-          <a:bodyPr wrap="square" rtlCol="0">
+          <a:bodyPr wrap="none" rtlCol="0">
             <a:spAutoFit/>
           </a:bodyPr>
           <a:lstStyle/>
           <a:p>
             <a:r>
-              <a:rPr lang="en-US" sz="2800" b="1" dirty="0" smtClean="0"/>
-              <a:t>Our </a:t>
-            </a:r>
-            <a:r>
-              <a:rPr lang="en-US" sz="2800" b="1" dirty="0"/>
-              <a:t>main </a:t>
-            </a:r>
-            <a:r>
-              <a:rPr lang="en-US" sz="2800" b="1" dirty="0" smtClean="0"/>
-              <a:t>contribution</a:t>
-            </a:r>
-            <a:endParaRPr lang="en-US" sz="2800" dirty="0"/>
-          </a:p>
-          <a:p>
-            <a:pPr marL="285750" lvl="0" indent="-285750">
-              <a:buFont typeface="Arial"/>
-              <a:buChar char="•"/>
-            </a:pPr>
-            <a:r>
-              <a:rPr lang="en-US" sz="2400" dirty="0"/>
-              <a:t>Implementing/modifying AVL-tree &amp; RB-</a:t>
-            </a:r>
-            <a:r>
-              <a:rPr lang="en-US" sz="2400" dirty="0" smtClean="0"/>
-              <a:t>tree</a:t>
-            </a:r>
-          </a:p>
-          <a:p>
-            <a:pPr marL="285750" lvl="0" indent="-285750">
-              <a:buFont typeface="Arial"/>
-              <a:buChar char="•"/>
-            </a:pPr>
-            <a:endParaRPr lang="en-US" dirty="0"/>
-          </a:p>
-          <a:p>
-            <a:pPr marL="285750" lvl="0" indent="-285750">
-              <a:buFont typeface="Arial"/>
-              <a:buChar char="•"/>
-            </a:pPr>
-            <a:r>
-              <a:rPr lang="en-US" sz="2400" dirty="0"/>
-              <a:t>Implementing parts of lock-free RB-tree methods </a:t>
-            </a:r>
-            <a:endParaRPr lang="en-US" sz="2400" dirty="0" smtClean="0"/>
-          </a:p>
-          <a:p>
-            <a:pPr lvl="0"/>
-            <a:r>
-              <a:rPr lang="en-US" sz="2000" dirty="0" smtClean="0"/>
-              <a:t>	(insertion </a:t>
-            </a:r>
-            <a:r>
-              <a:rPr lang="en-US" sz="2000" dirty="0"/>
-              <a:t>- partially working, search - fully working</a:t>
-            </a:r>
-            <a:r>
-              <a:rPr lang="en-US" sz="2000" dirty="0" smtClean="0"/>
-              <a:t>)</a:t>
-            </a:r>
-          </a:p>
-          <a:p>
-            <a:pPr lvl="0"/>
-            <a:endParaRPr lang="en-US" dirty="0"/>
-          </a:p>
-          <a:p>
-            <a:pPr marL="285750" lvl="0" indent="-285750">
-              <a:buFont typeface="Arial"/>
-              <a:buChar char="•"/>
-            </a:pPr>
-            <a:r>
-              <a:rPr lang="en-US" sz="2400" dirty="0"/>
-              <a:t>Implementing Linux-like CFS simulators </a:t>
-            </a:r>
-            <a:endParaRPr lang="en-US" sz="2400" dirty="0" smtClean="0"/>
-          </a:p>
-          <a:p>
-            <a:pPr lvl="0"/>
-            <a:r>
-              <a:rPr lang="en-US" sz="2400" dirty="0" smtClean="0"/>
-              <a:t>	</a:t>
-            </a:r>
-            <a:r>
-              <a:rPr lang="en-US" sz="2000" dirty="0" smtClean="0"/>
-              <a:t>(single</a:t>
-            </a:r>
-            <a:r>
-              <a:rPr lang="en-US" sz="2000" dirty="0"/>
-              <a:t>-threaded and ideal version, multi-threaded and concurrent version</a:t>
-            </a:r>
-            <a:r>
-              <a:rPr lang="en-US" sz="2000" dirty="0" smtClean="0"/>
-              <a:t>)</a:t>
-            </a:r>
-          </a:p>
-          <a:p>
-            <a:pPr lvl="0"/>
-            <a:endParaRPr lang="en-US" sz="2000" dirty="0"/>
-          </a:p>
-          <a:p>
-            <a:pPr lvl="0"/>
-            <a:r>
-              <a:rPr lang="en-US" sz="2400" b="1" dirty="0"/>
-              <a:t>Lessons we learn</a:t>
-            </a:r>
-          </a:p>
-          <a:p>
-            <a:pPr marL="457200" indent="-457200">
-              <a:buFont typeface="Arial"/>
-              <a:buChar char="•"/>
-            </a:pPr>
-            <a:r>
-              <a:rPr lang="en-US" sz="2400" dirty="0" smtClean="0"/>
-              <a:t>Lock-free data structure is extremely hard </a:t>
-            </a:r>
-            <a:r>
-              <a:rPr lang="en-US" sz="2400" dirty="0"/>
-              <a:t>to debug</a:t>
-            </a:r>
-          </a:p>
-          <a:p>
-            <a:pPr marL="457200" lvl="0" indent="-457200">
-              <a:buFont typeface="Arial"/>
-              <a:buChar char="•"/>
-            </a:pPr>
-            <a:endParaRPr lang="en-US" sz="2000" dirty="0"/>
-          </a:p>
-          <a:p>
-            <a:pPr marL="457200" lvl="0" indent="-457200">
-              <a:buFont typeface="Arial"/>
-              <a:buChar char="•"/>
-            </a:pPr>
-            <a:r>
-              <a:rPr lang="en-US" sz="2400" dirty="0"/>
-              <a:t>What is fair in Linux points of view </a:t>
-            </a:r>
-          </a:p>
-          <a:p>
-            <a:pPr marL="457200" lvl="0" indent="-457200">
-              <a:buFont typeface="Arial"/>
-              <a:buChar char="•"/>
-            </a:pPr>
-            <a:endParaRPr lang="en-US" sz="2000" dirty="0"/>
-          </a:p>
-          <a:p>
-            <a:pPr marL="457200" lvl="0" indent="-457200">
-              <a:buFont typeface="Arial"/>
-              <a:buChar char="•"/>
-            </a:pPr>
-            <a:r>
-              <a:rPr lang="en-US" sz="2400" dirty="0"/>
-              <a:t>Different concurrent data structures based </a:t>
-            </a:r>
-            <a:r>
-              <a:rPr lang="en-US" sz="2400" dirty="0" smtClean="0"/>
-              <a:t>CFS</a:t>
-            </a:r>
-            <a:endParaRPr lang="en-US" sz="2400" dirty="0"/>
+              <a:rPr lang="en-US" dirty="0" smtClean="0"/>
+              <a:t>Testing environment: 4 core laptop (hyper-threading)</a:t>
+            </a:r>
           </a:p>
         </p:txBody>
       </p:sp>
     </p:spTree>
     <p:extLst>
       <p:ext uri="{BB962C8B-B14F-4D97-AF65-F5344CB8AC3E}">
-        <p14:creationId xmlns:p14="http://schemas.microsoft.com/office/powerpoint/2010/main" val="1328948213"/>
+        <p14:creationId xmlns:p14="http://schemas.microsoft.com/office/powerpoint/2010/main" val="872998405"/>
       </p:ext>
     </p:extLst>
   </p:cSld>
@@ -11312,8 +11991,8 @@
         </p:nvSpPr>
         <p:spPr>
           <a:xfrm>
-            <a:off x="221935" y="1775375"/>
-            <a:ext cx="8766404" cy="4093428"/>
+            <a:off x="221935" y="1317665"/>
+            <a:ext cx="8766404" cy="5262979"/>
           </a:xfrm>
           <a:prstGeom prst="rect">
             <a:avLst/>
@@ -11327,131 +12006,170 @@
           <a:lstStyle/>
           <a:p>
             <a:r>
+              <a:rPr lang="en-US" sz="2800" b="1" dirty="0" smtClean="0"/>
+              <a:t>Our </a:t>
+            </a:r>
+            <a:r>
+              <a:rPr lang="en-US" sz="2800" b="1" dirty="0"/>
+              <a:t>main </a:t>
+            </a:r>
+            <a:r>
+              <a:rPr lang="en-US" sz="2800" b="1" dirty="0" smtClean="0"/>
+              <a:t>contribution</a:t>
+            </a:r>
+            <a:endParaRPr lang="en-US" sz="2800" dirty="0"/>
+          </a:p>
+          <a:p>
+            <a:pPr marL="285750" lvl="0" indent="-285750">
+              <a:buFont typeface="Arial"/>
+              <a:buChar char="•"/>
+            </a:pPr>
+            <a:r>
+              <a:rPr lang="en-US" sz="2400" dirty="0"/>
+              <a:t>Implementing/modifying AVL-tree &amp; RB-</a:t>
+            </a:r>
+            <a:r>
+              <a:rPr lang="en-US" sz="2400" dirty="0" smtClean="0"/>
+              <a:t>tree</a:t>
+            </a:r>
+          </a:p>
+          <a:p>
+            <a:pPr marL="285750" lvl="0" indent="-285750">
+              <a:buFont typeface="Arial"/>
+              <a:buChar char="•"/>
+            </a:pPr>
+            <a:endParaRPr lang="en-US" dirty="0"/>
+          </a:p>
+          <a:p>
+            <a:pPr marL="285750" lvl="0" indent="-285750">
+              <a:buFont typeface="Arial"/>
+              <a:buChar char="•"/>
+            </a:pPr>
+            <a:r>
+              <a:rPr lang="en-US" sz="2400" dirty="0"/>
+              <a:t>Implementing parts of lock-free RB-tree methods </a:t>
+            </a:r>
+            <a:endParaRPr lang="en-US" sz="2400" dirty="0" smtClean="0"/>
+          </a:p>
+          <a:p>
+            <a:pPr lvl="0"/>
+            <a:r>
+              <a:rPr lang="en-US" sz="2000" dirty="0" smtClean="0"/>
+              <a:t>	(insertion </a:t>
+            </a:r>
+            <a:r>
               <a:rPr lang="en-US" sz="2000" dirty="0"/>
-              <a:t>[1] Molnar, Ingo. "Modular scheduler core and completely fair scheduler [</a:t>
-            </a:r>
-            <a:r>
-              <a:rPr lang="en-US" sz="2000" dirty="0" err="1"/>
-              <a:t>cfs</a:t>
+              <a:t>- partially working, search - fully working</a:t>
+            </a:r>
+            <a:r>
+              <a:rPr lang="en-US" sz="2000" dirty="0" smtClean="0"/>
+              <a:t>)</a:t>
+            </a:r>
+          </a:p>
+          <a:p>
+            <a:pPr lvl="0"/>
+            <a:endParaRPr lang="en-US" dirty="0"/>
+          </a:p>
+          <a:p>
+            <a:pPr marL="285750" lvl="0" indent="-285750">
+              <a:buFont typeface="Arial"/>
+              <a:buChar char="•"/>
+            </a:pPr>
+            <a:r>
+              <a:rPr lang="en-US" sz="2400" dirty="0"/>
+              <a:t>Implementing Linux-like CFS simulators </a:t>
+            </a:r>
+            <a:endParaRPr lang="en-US" sz="2400" dirty="0" smtClean="0"/>
+          </a:p>
+          <a:p>
+            <a:pPr lvl="0"/>
+            <a:r>
+              <a:rPr lang="en-US" sz="2400" dirty="0" smtClean="0"/>
+              <a:t>	</a:t>
+            </a:r>
+            <a:r>
+              <a:rPr lang="en-US" sz="2000" dirty="0" smtClean="0"/>
+              <a:t>(single</a:t>
             </a:r>
             <a:r>
               <a:rPr lang="en-US" sz="2000" dirty="0"/>
-              <a:t>]."Linux-Kernel mailing list (2007).</a:t>
-            </a:r>
-          </a:p>
-          <a:p>
+              <a:t>-threaded and ideal version, multi-threaded and concurrent version</a:t>
+            </a:r>
             <a:r>
               <a:rPr lang="en-US" sz="2000" dirty="0" smtClean="0"/>
-              <a:t>[</a:t>
-            </a:r>
-            <a:r>
-              <a:rPr lang="en-US" sz="2000" dirty="0"/>
-              <a:t>2] Kim, Jong Ho, Helen Cameron, and Peter Graham. "Lock-free red-black trees using </a:t>
-            </a:r>
-            <a:r>
-              <a:rPr lang="en-US" sz="2000" dirty="0" err="1"/>
-              <a:t>cas</a:t>
-            </a:r>
-            <a:r>
-              <a:rPr lang="en-US" sz="2000" dirty="0"/>
-              <a:t>." Concurrency and Computation: Practice and Experience(2006): 1-40.</a:t>
-            </a:r>
-          </a:p>
-          <a:p>
-            <a:r>
-              <a:rPr lang="en-US" sz="2000" dirty="0"/>
-              <a:t>[3] Love, Robert. Linux system programming: talking directly to the kernel and C library. " O'Reilly Media, Inc.", 2013.</a:t>
-            </a:r>
-          </a:p>
-          <a:p>
-            <a:r>
-              <a:rPr lang="en-US" sz="2000" dirty="0" smtClean="0"/>
-              <a:t>[4] </a:t>
-            </a:r>
-            <a:r>
-              <a:rPr lang="en-US" sz="2000" dirty="0" err="1"/>
-              <a:t>Jianwen</a:t>
-            </a:r>
-            <a:r>
-              <a:rPr lang="en-US" sz="2000" dirty="0"/>
-              <a:t> Ma. Lock-Free Insertions on Red-Black Trees. MSc thesis, University of Manitoba, October,2003.</a:t>
-            </a:r>
-          </a:p>
-          <a:p>
-            <a:r>
-              <a:rPr lang="en-US" sz="2000" dirty="0" smtClean="0"/>
-              <a:t>[5] </a:t>
-            </a:r>
-            <a:r>
-              <a:rPr lang="en-US" sz="2000" dirty="0" err="1"/>
-              <a:t>Natarajan</a:t>
-            </a:r>
-            <a:r>
-              <a:rPr lang="en-US" sz="2000" dirty="0"/>
-              <a:t>, </a:t>
-            </a:r>
-            <a:r>
-              <a:rPr lang="en-US" sz="2000" dirty="0" err="1"/>
-              <a:t>Aravind</a:t>
-            </a:r>
-            <a:r>
-              <a:rPr lang="en-US" sz="2000" dirty="0"/>
-              <a:t>, Lee H. </a:t>
-            </a:r>
-            <a:r>
-              <a:rPr lang="en-US" sz="2000" dirty="0" err="1"/>
-              <a:t>Savoie</a:t>
-            </a:r>
-            <a:r>
-              <a:rPr lang="en-US" sz="2000" dirty="0"/>
-              <a:t>, and </a:t>
-            </a:r>
-            <a:r>
-              <a:rPr lang="en-US" sz="2000" dirty="0" err="1"/>
-              <a:t>Neeraj</a:t>
-            </a:r>
-            <a:r>
-              <a:rPr lang="en-US" sz="2000" dirty="0"/>
-              <a:t> Mittal. "Concurrent wait-free red black trees." Symposium on Self-Stabilizing Systems. Springer International Publishing, 2013.</a:t>
-            </a:r>
-          </a:p>
-          <a:p>
-            <a:r>
-              <a:rPr lang="en-US" sz="2000" dirty="0" smtClean="0"/>
-              <a:t>[6] </a:t>
-            </a:r>
-            <a:r>
-              <a:rPr lang="en-US" sz="2000" dirty="0"/>
-              <a:t>The university of Auckland, Computer Science, Data Structures and Algorithms Course  https://</a:t>
-            </a:r>
-            <a:r>
-              <a:rPr lang="en-US" sz="2000" dirty="0" err="1"/>
-              <a:t>www.cs.auckland.ac.nz</a:t>
-            </a:r>
-            <a:r>
-              <a:rPr lang="en-US" sz="2000" dirty="0"/>
-              <a:t>/software/</a:t>
-            </a:r>
-            <a:r>
-              <a:rPr lang="en-US" sz="2000" dirty="0" err="1"/>
-              <a:t>AlgAnim</a:t>
-            </a:r>
-            <a:r>
-              <a:rPr lang="en-US" sz="2000" dirty="0"/>
-              <a:t>/</a:t>
-            </a:r>
-            <a:r>
-              <a:rPr lang="en-US" sz="2000" dirty="0" err="1" smtClean="0"/>
-              <a:t>red_black.html</a:t>
-            </a:r>
+              <a:t>)</a:t>
+            </a:r>
+          </a:p>
+          <a:p>
+            <a:pPr lvl="0"/>
             <a:endParaRPr lang="en-US" sz="2000" dirty="0"/>
+          </a:p>
+          <a:p>
+            <a:pPr lvl="0"/>
+            <a:r>
+              <a:rPr lang="en-US" sz="2400" b="1" dirty="0"/>
+              <a:t>Lessons we learn</a:t>
+            </a:r>
+          </a:p>
+          <a:p>
+            <a:pPr marL="457200" indent="-457200">
+              <a:buFont typeface="Arial"/>
+              <a:buChar char="•"/>
+            </a:pPr>
+            <a:r>
+              <a:rPr lang="en-US" sz="2400" dirty="0" smtClean="0"/>
+              <a:t>Lock-free data structure is extremely hard </a:t>
+            </a:r>
+            <a:r>
+              <a:rPr lang="en-US" sz="2400" dirty="0"/>
+              <a:t>to debug</a:t>
+            </a:r>
+          </a:p>
+          <a:p>
+            <a:pPr marL="457200" lvl="0" indent="-457200">
+              <a:buFont typeface="Arial"/>
+              <a:buChar char="•"/>
+            </a:pPr>
+            <a:endParaRPr lang="en-US" sz="2000" dirty="0"/>
+          </a:p>
+          <a:p>
+            <a:pPr marL="457200" lvl="0" indent="-457200">
+              <a:buFont typeface="Arial"/>
+              <a:buChar char="•"/>
+            </a:pPr>
+            <a:r>
+              <a:rPr lang="en-US" sz="2400" dirty="0"/>
+              <a:t>What is fair in Linux points of view </a:t>
+            </a:r>
+          </a:p>
+          <a:p>
+            <a:pPr marL="457200" lvl="0" indent="-457200">
+              <a:buFont typeface="Arial"/>
+              <a:buChar char="•"/>
+            </a:pPr>
+            <a:endParaRPr lang="en-US" sz="2000" dirty="0"/>
+          </a:p>
+          <a:p>
+            <a:pPr marL="457200" lvl="0" indent="-457200">
+              <a:buFont typeface="Arial"/>
+              <a:buChar char="•"/>
+            </a:pPr>
+            <a:r>
+              <a:rPr lang="en-US" sz="2400" dirty="0"/>
+              <a:t>Different concurrent data structures based </a:t>
+            </a:r>
+            <a:r>
+              <a:rPr lang="en-US" sz="2400" dirty="0" smtClean="0"/>
+              <a:t>CFS</a:t>
+            </a:r>
+            <a:endParaRPr lang="en-US" sz="2400" dirty="0"/>
           </a:p>
         </p:txBody>
       </p:sp>
     </p:spTree>
     <p:extLst>
       <p:ext uri="{BB962C8B-B14F-4D97-AF65-F5344CB8AC3E}">
-        <p14:creationId xmlns:p14="http://schemas.microsoft.com/office/powerpoint/2010/main" val="651686607"/>
+        <p14:creationId xmlns:p14="http://schemas.microsoft.com/office/powerpoint/2010/main" val="1328948213"/>
       </p:ext>
     </p:extLst>
   </p:cSld>
@@ -11786,4 +12504,324 @@
   </a:objectDefaults>
   <a:extraClrSchemeLst/>
 </a:theme>
+</file>
+
+<file path=ppt/theme/theme2.xml><?xml version="1.0" encoding="utf-8"?>
+<a:theme xmlns:a="http://schemas.openxmlformats.org/drawingml/2006/main" name="Office Theme">
+  <a:themeElements>
+    <a:clrScheme name="Office">
+      <a:dk1>
+        <a:sysClr val="windowText" lastClr="000000"/>
+      </a:dk1>
+      <a:lt1>
+        <a:sysClr val="window" lastClr="FFFFFF"/>
+      </a:lt1>
+      <a:dk2>
+        <a:srgbClr val="1F497D"/>
+      </a:dk2>
+      <a:lt2>
+        <a:srgbClr val="EEECE1"/>
+      </a:lt2>
+      <a:accent1>
+        <a:srgbClr val="4F81BD"/>
+      </a:accent1>
+      <a:accent2>
+        <a:srgbClr val="C0504D"/>
+      </a:accent2>
+      <a:accent3>
+        <a:srgbClr val="9BBB59"/>
+      </a:accent3>
+      <a:accent4>
+        <a:srgbClr val="8064A2"/>
+      </a:accent4>
+      <a:accent5>
+        <a:srgbClr val="4BACC6"/>
+      </a:accent5>
+      <a:accent6>
+        <a:srgbClr val="F79646"/>
+      </a:accent6>
+      <a:hlink>
+        <a:srgbClr val="0000FF"/>
+      </a:hlink>
+      <a:folHlink>
+        <a:srgbClr val="800080"/>
+      </a:folHlink>
+    </a:clrScheme>
+    <a:fontScheme name="Office">
+      <a:majorFont>
+        <a:latin typeface="Calibri"/>
+        <a:ea typeface=""/>
+        <a:cs typeface=""/>
+        <a:font script="Jpan" typeface="ＭＳ Ｐゴシック"/>
+        <a:font script="Hang" typeface="맑은 고딕"/>
+        <a:font script="Hans" typeface="宋体"/>
+        <a:font script="Hant" typeface="新細明體"/>
+        <a:font script="Arab" typeface="Times New Roman"/>
+        <a:font script="Hebr" typeface="Times New Roman"/>
+        <a:font script="Thai" typeface="Angsana New"/>
+        <a:font script="Ethi" typeface="Nyala"/>
+        <a:font script="Beng" typeface="Vrinda"/>
+        <a:font script="Gujr" typeface="Shruti"/>
+        <a:font script="Khmr" typeface="MoolBoran"/>
+        <a:font script="Knda" typeface="Tunga"/>
+        <a:font script="Guru" typeface="Raavi"/>
+        <a:font script="Cans" typeface="Euphemia"/>
+        <a:font script="Cher" typeface="Plantagenet Cherokee"/>
+        <a:font script="Yiii" typeface="Microsoft Yi Baiti"/>
+        <a:font script="Tibt" typeface="Microsoft Himalaya"/>
+        <a:font script="Thaa" typeface="MV Boli"/>
+        <a:font script="Deva" typeface="Mangal"/>
+        <a:font script="Telu" typeface="Gautami"/>
+        <a:font script="Taml" typeface="Latha"/>
+        <a:font script="Syrc" typeface="Estrangelo Edessa"/>
+        <a:font script="Orya" typeface="Kalinga"/>
+        <a:font script="Mlym" typeface="Kartika"/>
+        <a:font script="Laoo" typeface="DokChampa"/>
+        <a:font script="Sinh" typeface="Iskoola Pota"/>
+        <a:font script="Mong" typeface="Mongolian Baiti"/>
+        <a:font script="Viet" typeface="Times New Roman"/>
+        <a:font script="Uigh" typeface="Microsoft Uighur"/>
+        <a:font script="Geor" typeface="Sylfaen"/>
+      </a:majorFont>
+      <a:minorFont>
+        <a:latin typeface="Calibri"/>
+        <a:ea typeface=""/>
+        <a:cs typeface=""/>
+        <a:font script="Jpan" typeface="ＭＳ Ｐゴシック"/>
+        <a:font script="Hang" typeface="맑은 고딕"/>
+        <a:font script="Hans" typeface="宋体"/>
+        <a:font script="Hant" typeface="新細明體"/>
+        <a:font script="Arab" typeface="Arial"/>
+        <a:font script="Hebr" typeface="Arial"/>
+        <a:font script="Thai" typeface="Cordia New"/>
+        <a:font script="Ethi" typeface="Nyala"/>
+        <a:font script="Beng" typeface="Vrinda"/>
+        <a:font script="Gujr" typeface="Shruti"/>
+        <a:font script="Khmr" typeface="DaunPenh"/>
+        <a:font script="Knda" typeface="Tunga"/>
+        <a:font script="Guru" typeface="Raavi"/>
+        <a:font script="Cans" typeface="Euphemia"/>
+        <a:font script="Cher" typeface="Plantagenet Cherokee"/>
+        <a:font script="Yiii" typeface="Microsoft Yi Baiti"/>
+        <a:font script="Tibt" typeface="Microsoft Himalaya"/>
+        <a:font script="Thaa" typeface="MV Boli"/>
+        <a:font script="Deva" typeface="Mangal"/>
+        <a:font script="Telu" typeface="Gautami"/>
+        <a:font script="Taml" typeface="Latha"/>
+        <a:font script="Syrc" typeface="Estrangelo Edessa"/>
+        <a:font script="Orya" typeface="Kalinga"/>
+        <a:font script="Mlym" typeface="Kartika"/>
+        <a:font script="Laoo" typeface="DokChampa"/>
+        <a:font script="Sinh" typeface="Iskoola Pota"/>
+        <a:font script="Mong" typeface="Mongolian Baiti"/>
+        <a:font script="Viet" typeface="Arial"/>
+        <a:font script="Uigh" typeface="Microsoft Uighur"/>
+        <a:font script="Geor" typeface="Sylfaen"/>
+      </a:minorFont>
+    </a:fontScheme>
+    <a:fmtScheme name="Office">
+      <a:fillStyleLst>
+        <a:solidFill>
+          <a:schemeClr val="phClr"/>
+        </a:solidFill>
+        <a:gradFill rotWithShape="1">
+          <a:gsLst>
+            <a:gs pos="0">
+              <a:schemeClr val="phClr">
+                <a:tint val="50000"/>
+                <a:satMod val="300000"/>
+              </a:schemeClr>
+            </a:gs>
+            <a:gs pos="35000">
+              <a:schemeClr val="phClr">
+                <a:tint val="37000"/>
+                <a:satMod val="300000"/>
+              </a:schemeClr>
+            </a:gs>
+            <a:gs pos="100000">
+              <a:schemeClr val="phClr">
+                <a:tint val="15000"/>
+                <a:satMod val="350000"/>
+              </a:schemeClr>
+            </a:gs>
+          </a:gsLst>
+          <a:lin ang="16200000" scaled="1"/>
+        </a:gradFill>
+        <a:gradFill rotWithShape="1">
+          <a:gsLst>
+            <a:gs pos="0">
+              <a:schemeClr val="phClr">
+                <a:tint val="100000"/>
+                <a:shade val="100000"/>
+                <a:satMod val="130000"/>
+              </a:schemeClr>
+            </a:gs>
+            <a:gs pos="100000">
+              <a:schemeClr val="phClr">
+                <a:tint val="50000"/>
+                <a:shade val="100000"/>
+                <a:satMod val="350000"/>
+              </a:schemeClr>
+            </a:gs>
+          </a:gsLst>
+          <a:lin ang="16200000" scaled="0"/>
+        </a:gradFill>
+      </a:fillStyleLst>
+      <a:lnStyleLst>
+        <a:ln w="9525" cap="flat" cmpd="sng" algn="ctr">
+          <a:solidFill>
+            <a:schemeClr val="phClr">
+              <a:shade val="95000"/>
+              <a:satMod val="105000"/>
+            </a:schemeClr>
+          </a:solidFill>
+          <a:prstDash val="solid"/>
+        </a:ln>
+        <a:ln w="25400" cap="flat" cmpd="sng" algn="ctr">
+          <a:solidFill>
+            <a:schemeClr val="phClr"/>
+          </a:solidFill>
+          <a:prstDash val="solid"/>
+        </a:ln>
+        <a:ln w="38100" cap="flat" cmpd="sng" algn="ctr">
+          <a:solidFill>
+            <a:schemeClr val="phClr"/>
+          </a:solidFill>
+          <a:prstDash val="solid"/>
+        </a:ln>
+      </a:lnStyleLst>
+      <a:effectStyleLst>
+        <a:effectStyle>
+          <a:effectLst>
+            <a:outerShdw blurRad="40000" dist="20000" dir="5400000" rotWithShape="0">
+              <a:srgbClr val="000000">
+                <a:alpha val="38000"/>
+              </a:srgbClr>
+            </a:outerShdw>
+          </a:effectLst>
+        </a:effectStyle>
+        <a:effectStyle>
+          <a:effectLst>
+            <a:outerShdw blurRad="40000" dist="23000" dir="5400000" rotWithShape="0">
+              <a:srgbClr val="000000">
+                <a:alpha val="35000"/>
+              </a:srgbClr>
+            </a:outerShdw>
+          </a:effectLst>
+        </a:effectStyle>
+        <a:effectStyle>
+          <a:effectLst>
+            <a:outerShdw blurRad="40000" dist="23000" dir="5400000" rotWithShape="0">
+              <a:srgbClr val="000000">
+                <a:alpha val="35000"/>
+              </a:srgbClr>
+            </a:outerShdw>
+          </a:effectLst>
+          <a:scene3d>
+            <a:camera prst="orthographicFront">
+              <a:rot lat="0" lon="0" rev="0"/>
+            </a:camera>
+            <a:lightRig rig="threePt" dir="t">
+              <a:rot lat="0" lon="0" rev="1200000"/>
+            </a:lightRig>
+          </a:scene3d>
+          <a:sp3d>
+            <a:bevelT w="63500" h="25400"/>
+          </a:sp3d>
+        </a:effectStyle>
+      </a:effectStyleLst>
+      <a:bgFillStyleLst>
+        <a:solidFill>
+          <a:schemeClr val="phClr"/>
+        </a:solidFill>
+        <a:gradFill rotWithShape="1">
+          <a:gsLst>
+            <a:gs pos="0">
+              <a:schemeClr val="phClr">
+                <a:tint val="40000"/>
+                <a:satMod val="350000"/>
+              </a:schemeClr>
+            </a:gs>
+            <a:gs pos="40000">
+              <a:schemeClr val="phClr">
+                <a:tint val="45000"/>
+                <a:shade val="99000"/>
+                <a:satMod val="350000"/>
+              </a:schemeClr>
+            </a:gs>
+            <a:gs pos="100000">
+              <a:schemeClr val="phClr">
+                <a:shade val="20000"/>
+                <a:satMod val="255000"/>
+              </a:schemeClr>
+            </a:gs>
+          </a:gsLst>
+          <a:path path="circle">
+            <a:fillToRect l="50000" t="-80000" r="50000" b="180000"/>
+          </a:path>
+        </a:gradFill>
+        <a:gradFill rotWithShape="1">
+          <a:gsLst>
+            <a:gs pos="0">
+              <a:schemeClr val="phClr">
+                <a:tint val="80000"/>
+                <a:satMod val="300000"/>
+              </a:schemeClr>
+            </a:gs>
+            <a:gs pos="100000">
+              <a:schemeClr val="phClr">
+                <a:shade val="30000"/>
+                <a:satMod val="200000"/>
+              </a:schemeClr>
+            </a:gs>
+          </a:gsLst>
+          <a:path path="circle">
+            <a:fillToRect l="50000" t="50000" r="50000" b="50000"/>
+          </a:path>
+        </a:gradFill>
+      </a:bgFillStyleLst>
+    </a:fmtScheme>
+  </a:themeElements>
+  <a:objectDefaults>
+    <a:spDef>
+      <a:spPr/>
+      <a:bodyPr/>
+      <a:lstStyle/>
+      <a:style>
+        <a:lnRef idx="1">
+          <a:schemeClr val="accent1"/>
+        </a:lnRef>
+        <a:fillRef idx="3">
+          <a:schemeClr val="accent1"/>
+        </a:fillRef>
+        <a:effectRef idx="2">
+          <a:schemeClr val="accent1"/>
+        </a:effectRef>
+        <a:fontRef idx="minor">
+          <a:schemeClr val="lt1"/>
+        </a:fontRef>
+      </a:style>
+    </a:spDef>
+    <a:lnDef>
+      <a:spPr/>
+      <a:bodyPr/>
+      <a:lstStyle/>
+      <a:style>
+        <a:lnRef idx="2">
+          <a:schemeClr val="accent1"/>
+        </a:lnRef>
+        <a:fillRef idx="0">
+          <a:schemeClr val="accent1"/>
+        </a:fillRef>
+        <a:effectRef idx="1">
+          <a:schemeClr val="accent1"/>
+        </a:effectRef>
+        <a:fontRef idx="minor">
+          <a:schemeClr val="tx1"/>
+        </a:fontRef>
+      </a:style>
+    </a:lnDef>
+  </a:objectDefaults>
+  <a:extraClrSchemeLst/>
+</a:theme>
 </file>